--- a/presentation/Presentation.pptx
+++ b/presentation/Presentation.pptx
@@ -5,45 +5,50 @@
     <p:sldMasterId id="2147483648" r:id="rId1"/>
   </p:sldMasterIdLst>
   <p:notesMasterIdLst>
-    <p:notesMasterId r:id="rId38"/>
+    <p:notesMasterId r:id="rId43"/>
   </p:notesMasterIdLst>
   <p:sldIdLst>
     <p:sldId id="256" r:id="rId2"/>
     <p:sldId id="259" r:id="rId3"/>
     <p:sldId id="263" r:id="rId4"/>
     <p:sldId id="281" r:id="rId5"/>
-    <p:sldId id="282" r:id="rId6"/>
-    <p:sldId id="283" r:id="rId7"/>
-    <p:sldId id="284" r:id="rId8"/>
-    <p:sldId id="286" r:id="rId9"/>
-    <p:sldId id="287" r:id="rId10"/>
-    <p:sldId id="290" r:id="rId11"/>
-    <p:sldId id="291" r:id="rId12"/>
-    <p:sldId id="292" r:id="rId13"/>
-    <p:sldId id="279" r:id="rId14"/>
-    <p:sldId id="280" r:id="rId15"/>
-    <p:sldId id="293" r:id="rId16"/>
-    <p:sldId id="285" r:id="rId17"/>
-    <p:sldId id="294" r:id="rId18"/>
-    <p:sldId id="260" r:id="rId19"/>
-    <p:sldId id="262" r:id="rId20"/>
-    <p:sldId id="264" r:id="rId21"/>
-    <p:sldId id="265" r:id="rId22"/>
-    <p:sldId id="257" r:id="rId23"/>
-    <p:sldId id="266" r:id="rId24"/>
-    <p:sldId id="258" r:id="rId25"/>
-    <p:sldId id="273" r:id="rId26"/>
-    <p:sldId id="277" r:id="rId27"/>
-    <p:sldId id="274" r:id="rId28"/>
-    <p:sldId id="278" r:id="rId29"/>
-    <p:sldId id="267" r:id="rId30"/>
-    <p:sldId id="268" r:id="rId31"/>
-    <p:sldId id="269" r:id="rId32"/>
-    <p:sldId id="270" r:id="rId33"/>
-    <p:sldId id="271" r:id="rId34"/>
-    <p:sldId id="275" r:id="rId35"/>
-    <p:sldId id="272" r:id="rId36"/>
-    <p:sldId id="276" r:id="rId37"/>
+    <p:sldId id="295" r:id="rId6"/>
+    <p:sldId id="282" r:id="rId7"/>
+    <p:sldId id="283" r:id="rId8"/>
+    <p:sldId id="284" r:id="rId9"/>
+    <p:sldId id="286" r:id="rId10"/>
+    <p:sldId id="296" r:id="rId11"/>
+    <p:sldId id="297" r:id="rId12"/>
+    <p:sldId id="298" r:id="rId13"/>
+    <p:sldId id="299" r:id="rId14"/>
+    <p:sldId id="287" r:id="rId15"/>
+    <p:sldId id="300" r:id="rId16"/>
+    <p:sldId id="291" r:id="rId17"/>
+    <p:sldId id="292" r:id="rId18"/>
+    <p:sldId id="279" r:id="rId19"/>
+    <p:sldId id="280" r:id="rId20"/>
+    <p:sldId id="293" r:id="rId21"/>
+    <p:sldId id="285" r:id="rId22"/>
+    <p:sldId id="294" r:id="rId23"/>
+    <p:sldId id="260" r:id="rId24"/>
+    <p:sldId id="262" r:id="rId25"/>
+    <p:sldId id="264" r:id="rId26"/>
+    <p:sldId id="265" r:id="rId27"/>
+    <p:sldId id="257" r:id="rId28"/>
+    <p:sldId id="266" r:id="rId29"/>
+    <p:sldId id="258" r:id="rId30"/>
+    <p:sldId id="273" r:id="rId31"/>
+    <p:sldId id="277" r:id="rId32"/>
+    <p:sldId id="274" r:id="rId33"/>
+    <p:sldId id="278" r:id="rId34"/>
+    <p:sldId id="267" r:id="rId35"/>
+    <p:sldId id="268" r:id="rId36"/>
+    <p:sldId id="269" r:id="rId37"/>
+    <p:sldId id="270" r:id="rId38"/>
+    <p:sldId id="271" r:id="rId39"/>
+    <p:sldId id="275" r:id="rId40"/>
+    <p:sldId id="272" r:id="rId41"/>
+    <p:sldId id="276" r:id="rId42"/>
   </p:sldIdLst>
   <p:sldSz cx="12192000" cy="6858000"/>
   <p:notesSz cx="6858000" cy="9144000"/>
@@ -12127,8 +12132,12 @@
           <a:lstStyle/>
           <a:p>
             <a:r>
+              <a:rPr lang="fr-FR" dirty="0" err="1" smtClean="0"/>
+              <a:t>Pre</a:t>
+            </a:r>
+            <a:r>
               <a:rPr lang="fr-FR" dirty="0" smtClean="0"/>
-              <a:t>Data </a:t>
+              <a:t> </a:t>
             </a:r>
             <a:r>
               <a:rPr lang="fr-FR" dirty="0" err="1" smtClean="0"/>
@@ -12138,43 +12147,14 @@
           </a:p>
         </p:txBody>
       </p:sp>
-      <p:pic>
-        <p:nvPicPr>
-          <p:cNvPr id="7" name="Espace réservé du contenu 6"/>
-          <p:cNvPicPr>
-            <a:picLocks noGrp="1" noChangeAspect="1"/>
-          </p:cNvPicPr>
-          <p:nvPr>
-            <p:ph idx="1"/>
-          </p:nvPr>
-        </p:nvPicPr>
-        <p:blipFill>
-          <a:blip r:embed="rId2">
-            <a:extLst>
-              <a:ext uri="{28A0092B-C50C-407E-A947-70E740481C1C}">
-                <a14:useLocalDpi xmlns:a14="http://schemas.microsoft.com/office/drawing/2010/main" val="0"/>
-              </a:ext>
-            </a:extLst>
-          </a:blip>
-          <a:stretch>
-            <a:fillRect/>
-          </a:stretch>
-        </p:blipFill>
-        <p:spPr>
-          <a:xfrm>
-            <a:off x="4879485" y="1249251"/>
-            <a:ext cx="6748841" cy="3994211"/>
-          </a:xfrm>
-        </p:spPr>
-      </p:pic>
       <p:sp>
         <p:nvSpPr>
-          <p:cNvPr id="4" name="Espace réservé du texte 3"/>
+          <p:cNvPr id="3" name="Espace réservé du texte 2"/>
           <p:cNvSpPr>
             <a:spLocks noGrp="1"/>
           </p:cNvSpPr>
           <p:nvPr>
-            <p:ph type="body" sz="half" idx="2"/>
+            <p:ph type="body" idx="1"/>
           </p:nvPr>
         </p:nvSpPr>
         <p:spPr/>
@@ -12183,39 +12163,20 @@
           <a:lstStyle/>
           <a:p>
             <a:r>
-              <a:rPr lang="en-US" dirty="0"/>
-              <a:t>you can adapt the size of the support of the </a:t>
-            </a:r>
-            <a:r>
-              <a:rPr lang="en-US" dirty="0" err="1"/>
-              <a:t>epanechnikov</a:t>
-            </a:r>
-            <a:r>
-              <a:rPr lang="en-US" dirty="0"/>
-              <a:t> kernel :(3.0/4.0/h)*(1.0-(x/h)**2) with 2*h = size of the support</a:t>
-            </a:r>
-          </a:p>
-          <a:p>
-            <a:endParaRPr lang="en-US" dirty="0"/>
-          </a:p>
-          <a:p>
-            <a:r>
-              <a:rPr lang="en-US" dirty="0" err="1"/>
-              <a:t>Epanechnikov</a:t>
-            </a:r>
-            <a:r>
-              <a:rPr lang="en-US" dirty="0"/>
-              <a:t> kernel minimizes AMISE (Asymptotic Mean Integrated Squared Error) and is therefore optimal.</a:t>
-            </a:r>
-          </a:p>
-          <a:p>
+              <a:rPr lang="fr-FR" dirty="0" err="1" smtClean="0"/>
+              <a:t>Choice</a:t>
+            </a:r>
+            <a:r>
+              <a:rPr lang="fr-FR" dirty="0" smtClean="0"/>
+              <a:t> of location</a:t>
+            </a:r>
             <a:endParaRPr lang="fr-FR" dirty="0"/>
           </a:p>
         </p:txBody>
       </p:sp>
       <p:sp>
         <p:nvSpPr>
-          <p:cNvPr id="5" name="Espace réservé de la date 4"/>
+          <p:cNvPr id="4" name="Espace réservé de la date 3"/>
           <p:cNvSpPr>
             <a:spLocks noGrp="1"/>
           </p:cNvSpPr>
@@ -12238,7 +12199,7 @@
       </p:sp>
       <p:sp>
         <p:nvSpPr>
-          <p:cNvPr id="6" name="Espace réservé du numéro de diapositive 5"/>
+          <p:cNvPr id="5" name="Espace réservé du numéro de diapositive 4"/>
           <p:cNvSpPr>
             <a:spLocks noGrp="1"/>
           </p:cNvSpPr>
@@ -12253,7 +12214,6 @@
           <a:p>
             <a:fld id="{4FAB73BC-B049-4115-A692-8D63A059BFB8}" type="slidenum">
               <a:rPr lang="en-US" smtClean="0"/>
-              <a:pPr/>
               <a:t>10</a:t>
             </a:fld>
             <a:endParaRPr lang="en-US" dirty="0"/>
@@ -12263,7 +12223,7 @@
     </p:spTree>
     <p:extLst>
       <p:ext uri="{BB962C8B-B14F-4D97-AF65-F5344CB8AC3E}">
-        <p14:creationId xmlns:p14="http://schemas.microsoft.com/office/powerpoint/2010/main" val="4047213881"/>
+        <p14:creationId xmlns:p14="http://schemas.microsoft.com/office/powerpoint/2010/main" val="4132781206"/>
       </p:ext>
     </p:extLst>
   </p:cSld>
@@ -12306,12 +12266,12 @@
           <a:lstStyle/>
           <a:p>
             <a:r>
+              <a:rPr lang="fr-FR" dirty="0" err="1" smtClean="0"/>
+              <a:t>Choice</a:t>
+            </a:r>
+            <a:r>
               <a:rPr lang="fr-FR" dirty="0" smtClean="0"/>
-              <a:t>Data </a:t>
-            </a:r>
-            <a:r>
-              <a:rPr lang="fr-FR" dirty="0" err="1" smtClean="0"/>
-              <a:t>processing</a:t>
+              <a:t> of location</a:t>
             </a:r>
             <a:endParaRPr lang="fr-FR" dirty="0"/>
           </a:p>
@@ -12332,32 +12292,7 @@
           <a:bodyPr/>
           <a:lstStyle/>
           <a:p>
-            <a:r>
-              <a:rPr lang="en-US" dirty="0"/>
-              <a:t>Each ARGOS position is also attributed a weight depending on the quality of the measure and its precision. </a:t>
-            </a:r>
-          </a:p>
-          <a:p>
-            <a:r>
-              <a:rPr lang="en-US" dirty="0"/>
-              <a:t>Thus a precise localization (class 3) will be weighted 7 times more than an </a:t>
-            </a:r>
-            <a:r>
-              <a:rPr lang="en-US" dirty="0" err="1"/>
-              <a:t>unprecise</a:t>
-            </a:r>
-            <a:r>
-              <a:rPr lang="en-US" dirty="0"/>
-              <a:t> localization (class A</a:t>
-            </a:r>
-            <a:r>
-              <a:rPr lang="en-US" dirty="0" smtClean="0"/>
-              <a:t>).</a:t>
-            </a:r>
-            <a:endParaRPr lang="en-US" dirty="0"/>
-          </a:p>
-          <a:p>
-            <a:endParaRPr lang="fr-FR" dirty="0"/>
+            <a:endParaRPr lang="fr-FR"/>
           </a:p>
         </p:txBody>
       </p:sp>
@@ -12410,7 +12345,7 @@
     </p:spTree>
     <p:extLst>
       <p:ext uri="{BB962C8B-B14F-4D97-AF65-F5344CB8AC3E}">
-        <p14:creationId xmlns:p14="http://schemas.microsoft.com/office/powerpoint/2010/main" val="30995534"/>
+        <p14:creationId xmlns:p14="http://schemas.microsoft.com/office/powerpoint/2010/main" val="3567701669"/>
       </p:ext>
     </p:extLst>
   </p:cSld>
@@ -12453,12 +12388,146 @@
           <a:lstStyle/>
           <a:p>
             <a:r>
+              <a:rPr lang="fr-FR" dirty="0" err="1" smtClean="0"/>
+              <a:t>Pre</a:t>
+            </a:r>
+            <a:r>
               <a:rPr lang="fr-FR" dirty="0" smtClean="0"/>
-              <a:t>Data </a:t>
+              <a:t> </a:t>
             </a:r>
             <a:r>
               <a:rPr lang="fr-FR" dirty="0" err="1" smtClean="0"/>
               <a:t>processing</a:t>
+            </a:r>
+            <a:endParaRPr lang="fr-FR" dirty="0"/>
+          </a:p>
+        </p:txBody>
+      </p:sp>
+      <p:sp>
+        <p:nvSpPr>
+          <p:cNvPr id="3" name="Espace réservé du texte 2"/>
+          <p:cNvSpPr>
+            <a:spLocks noGrp="1"/>
+          </p:cNvSpPr>
+          <p:nvPr>
+            <p:ph type="body" idx="1"/>
+          </p:nvPr>
+        </p:nvSpPr>
+        <p:spPr/>
+        <p:txBody>
+          <a:bodyPr/>
+          <a:lstStyle/>
+          <a:p>
+            <a:r>
+              <a:rPr lang="fr-FR" dirty="0" err="1" smtClean="0"/>
+              <a:t>Deletion</a:t>
+            </a:r>
+            <a:r>
+              <a:rPr lang="fr-FR" dirty="0" smtClean="0"/>
+              <a:t> of excessive speed</a:t>
+            </a:r>
+            <a:endParaRPr lang="fr-FR" dirty="0"/>
+          </a:p>
+        </p:txBody>
+      </p:sp>
+      <p:sp>
+        <p:nvSpPr>
+          <p:cNvPr id="4" name="Espace réservé de la date 3"/>
+          <p:cNvSpPr>
+            <a:spLocks noGrp="1"/>
+          </p:cNvSpPr>
+          <p:nvPr>
+            <p:ph type="dt" sz="half" idx="10"/>
+          </p:nvPr>
+        </p:nvSpPr>
+        <p:spPr/>
+        <p:txBody>
+          <a:bodyPr/>
+          <a:lstStyle/>
+          <a:p>
+            <a:r>
+              <a:rPr lang="fr-FR" smtClean="0"/>
+              <a:t>Anthony Delannoy, Jérôme Combanière, Benoit Madiot</a:t>
+            </a:r>
+            <a:endParaRPr lang="en-US" dirty="0"/>
+          </a:p>
+        </p:txBody>
+      </p:sp>
+      <p:sp>
+        <p:nvSpPr>
+          <p:cNvPr id="5" name="Espace réservé du numéro de diapositive 4"/>
+          <p:cNvSpPr>
+            <a:spLocks noGrp="1"/>
+          </p:cNvSpPr>
+          <p:nvPr>
+            <p:ph type="sldNum" sz="quarter" idx="12"/>
+          </p:nvPr>
+        </p:nvSpPr>
+        <p:spPr/>
+        <p:txBody>
+          <a:bodyPr/>
+          <a:lstStyle/>
+          <a:p>
+            <a:fld id="{4FAB73BC-B049-4115-A692-8D63A059BFB8}" type="slidenum">
+              <a:rPr lang="en-US" smtClean="0"/>
+              <a:t>12</a:t>
+            </a:fld>
+            <a:endParaRPr lang="en-US" dirty="0"/>
+          </a:p>
+        </p:txBody>
+      </p:sp>
+    </p:spTree>
+    <p:extLst>
+      <p:ext uri="{BB962C8B-B14F-4D97-AF65-F5344CB8AC3E}">
+        <p14:creationId xmlns:p14="http://schemas.microsoft.com/office/powerpoint/2010/main" val="2514226161"/>
+      </p:ext>
+    </p:extLst>
+  </p:cSld>
+  <p:clrMapOvr>
+    <a:masterClrMapping/>
+  </p:clrMapOvr>
+</p:sld>
+</file>
+
+<file path=ppt/slides/slide13.xml><?xml version="1.0" encoding="utf-8"?>
+<p:sld xmlns:a="http://schemas.openxmlformats.org/drawingml/2006/main" xmlns:r="http://schemas.openxmlformats.org/officeDocument/2006/relationships" xmlns:p="http://schemas.openxmlformats.org/presentationml/2006/main">
+  <p:cSld>
+    <p:spTree>
+      <p:nvGrpSpPr>
+        <p:cNvPr id="1" name=""/>
+        <p:cNvGrpSpPr/>
+        <p:nvPr/>
+      </p:nvGrpSpPr>
+      <p:grpSpPr>
+        <a:xfrm>
+          <a:off x="0" y="0"/>
+          <a:ext cx="0" cy="0"/>
+          <a:chOff x="0" y="0"/>
+          <a:chExt cx="0" cy="0"/>
+        </a:xfrm>
+      </p:grpSpPr>
+      <p:sp>
+        <p:nvSpPr>
+          <p:cNvPr id="2" name="Titre 1"/>
+          <p:cNvSpPr>
+            <a:spLocks noGrp="1"/>
+          </p:cNvSpPr>
+          <p:nvPr>
+            <p:ph type="title"/>
+          </p:nvPr>
+        </p:nvSpPr>
+        <p:spPr/>
+        <p:txBody>
+          <a:bodyPr/>
+          <a:lstStyle/>
+          <a:p>
+            <a:r>
+              <a:rPr lang="fr-FR" dirty="0" err="1" smtClean="0"/>
+              <a:t>Deletion</a:t>
+            </a:r>
+            <a:r>
+              <a:rPr lang="fr-FR" dirty="0" smtClean="0"/>
+              <a:t> of excessive speed</a:t>
             </a:r>
             <a:endParaRPr lang="fr-FR" dirty="0"/>
           </a:p>
@@ -12479,32 +12548,110 @@
           <a:bodyPr/>
           <a:lstStyle/>
           <a:p>
-            <a:endParaRPr lang="en-US" dirty="0" smtClean="0"/>
-          </a:p>
-          <a:p>
-            <a:r>
-              <a:rPr lang="en-US" dirty="0" smtClean="0"/>
-              <a:t>If </a:t>
-            </a:r>
-            <a:r>
-              <a:rPr lang="en-US" dirty="0"/>
-              <a:t>the estimated position is too far from the ARGOS position, this position is </a:t>
-            </a:r>
-            <a:r>
-              <a:rPr lang="en-US" dirty="0" smtClean="0"/>
-              <a:t>removed</a:t>
-            </a:r>
-          </a:p>
-          <a:p>
-            <a:endParaRPr lang="en-US" dirty="0"/>
-          </a:p>
-          <a:p>
-            <a:endParaRPr lang="en-US" dirty="0"/>
-          </a:p>
-          <a:p>
-            <a:endParaRPr lang="en-US" dirty="0"/>
-          </a:p>
-          <a:p>
+            <a:pPr>
+              <a:buFont typeface="Wingdings" panose="05000000000000000000" pitchFamily="2" charset="2"/>
+              <a:buChar char="§"/>
+            </a:pPr>
+            <a:endParaRPr lang="fr-FR" dirty="0" smtClean="0"/>
+          </a:p>
+          <a:p>
+            <a:pPr>
+              <a:buFont typeface="Wingdings" panose="05000000000000000000" pitchFamily="2" charset="2"/>
+              <a:buChar char="§"/>
+            </a:pPr>
+            <a:endParaRPr lang="fr-FR" dirty="0"/>
+          </a:p>
+          <a:p>
+            <a:pPr>
+              <a:buFont typeface="Wingdings" panose="05000000000000000000" pitchFamily="2" charset="2"/>
+              <a:buChar char="§"/>
+            </a:pPr>
+            <a:r>
+              <a:rPr lang="fr-FR" dirty="0" smtClean="0"/>
+              <a:t> Computation of speed </a:t>
+            </a:r>
+            <a:r>
+              <a:rPr lang="fr-FR" dirty="0" err="1" smtClean="0"/>
+              <a:t>between</a:t>
+            </a:r>
+            <a:r>
+              <a:rPr lang="fr-FR" dirty="0" smtClean="0"/>
+              <a:t> </a:t>
+            </a:r>
+            <a:r>
+              <a:rPr lang="fr-FR" dirty="0" err="1" smtClean="0"/>
+              <a:t>two</a:t>
+            </a:r>
+            <a:r>
+              <a:rPr lang="fr-FR" dirty="0" smtClean="0"/>
+              <a:t> points</a:t>
+            </a:r>
+          </a:p>
+          <a:p>
+            <a:pPr>
+              <a:buFont typeface="Wingdings" panose="05000000000000000000" pitchFamily="2" charset="2"/>
+              <a:buChar char="§"/>
+            </a:pPr>
+            <a:r>
+              <a:rPr lang="fr-FR" dirty="0"/>
+              <a:t> </a:t>
+            </a:r>
+            <a:r>
+              <a:rPr lang="fr-FR" dirty="0" err="1" smtClean="0"/>
+              <a:t>Criteria</a:t>
+            </a:r>
+            <a:r>
+              <a:rPr lang="fr-FR" dirty="0" smtClean="0"/>
+              <a:t> of </a:t>
+            </a:r>
+            <a:r>
+              <a:rPr lang="fr-FR" dirty="0" err="1" smtClean="0"/>
+              <a:t>precision</a:t>
+            </a:r>
+            <a:r>
+              <a:rPr lang="fr-FR" dirty="0" smtClean="0"/>
+              <a:t> of the location</a:t>
+            </a:r>
+          </a:p>
+          <a:p>
+            <a:pPr>
+              <a:buFont typeface="Wingdings" panose="05000000000000000000" pitchFamily="2" charset="2"/>
+              <a:buChar char="§"/>
+            </a:pPr>
+            <a:r>
+              <a:rPr lang="fr-FR" dirty="0"/>
+              <a:t> </a:t>
+            </a:r>
+            <a:r>
+              <a:rPr lang="fr-FR" dirty="0" err="1" smtClean="0"/>
+              <a:t>Comparison</a:t>
+            </a:r>
+            <a:r>
+              <a:rPr lang="fr-FR" dirty="0" smtClean="0"/>
+              <a:t> </a:t>
+            </a:r>
+            <a:r>
+              <a:rPr lang="fr-FR" dirty="0" err="1" smtClean="0"/>
+              <a:t>with</a:t>
+            </a:r>
+            <a:r>
+              <a:rPr lang="fr-FR" dirty="0" smtClean="0"/>
+              <a:t> the </a:t>
+            </a:r>
+            <a:r>
+              <a:rPr lang="fr-FR" dirty="0" err="1" smtClean="0"/>
+              <a:t>specie’s</a:t>
+            </a:r>
+            <a:r>
+              <a:rPr lang="fr-FR" dirty="0" smtClean="0"/>
+              <a:t> maximal speed  </a:t>
+            </a:r>
+          </a:p>
+          <a:p>
+            <a:pPr>
+              <a:buFont typeface="Wingdings" panose="05000000000000000000" pitchFamily="2" charset="2"/>
+              <a:buChar char="§"/>
+            </a:pPr>
             <a:endParaRPr lang="fr-FR" dirty="0"/>
           </a:p>
         </p:txBody>
@@ -12549,7 +12696,924 @@
           <a:p>
             <a:fld id="{629637A9-119A-49DA-BD12-AAC58B377D80}" type="slidenum">
               <a:rPr lang="en-US" smtClean="0"/>
-              <a:t>12</a:t>
+              <a:t>13</a:t>
+            </a:fld>
+            <a:endParaRPr lang="en-US" dirty="0"/>
+          </a:p>
+        </p:txBody>
+      </p:sp>
+    </p:spTree>
+    <p:extLst>
+      <p:ext uri="{BB962C8B-B14F-4D97-AF65-F5344CB8AC3E}">
+        <p14:creationId xmlns:p14="http://schemas.microsoft.com/office/powerpoint/2010/main" val="2780078440"/>
+      </p:ext>
+    </p:extLst>
+  </p:cSld>
+  <p:clrMapOvr>
+    <a:masterClrMapping/>
+  </p:clrMapOvr>
+</p:sld>
+</file>
+
+<file path=ppt/slides/slide14.xml><?xml version="1.0" encoding="utf-8"?>
+<p:sld xmlns:a="http://schemas.openxmlformats.org/drawingml/2006/main" xmlns:r="http://schemas.openxmlformats.org/officeDocument/2006/relationships" xmlns:p="http://schemas.openxmlformats.org/presentationml/2006/main">
+  <p:cSld>
+    <p:spTree>
+      <p:nvGrpSpPr>
+        <p:cNvPr id="1" name=""/>
+        <p:cNvGrpSpPr/>
+        <p:nvPr/>
+      </p:nvGrpSpPr>
+      <p:grpSpPr>
+        <a:xfrm>
+          <a:off x="0" y="0"/>
+          <a:ext cx="0" cy="0"/>
+          <a:chOff x="0" y="0"/>
+          <a:chExt cx="0" cy="0"/>
+        </a:xfrm>
+      </p:grpSpPr>
+      <p:sp>
+        <p:nvSpPr>
+          <p:cNvPr id="2" name="Titre 1"/>
+          <p:cNvSpPr>
+            <a:spLocks noGrp="1"/>
+          </p:cNvSpPr>
+          <p:nvPr>
+            <p:ph type="title"/>
+          </p:nvPr>
+        </p:nvSpPr>
+        <p:spPr/>
+        <p:txBody>
+          <a:bodyPr/>
+          <a:lstStyle/>
+          <a:p>
+            <a:r>
+              <a:rPr lang="fr-FR" dirty="0" smtClean="0"/>
+              <a:t>Data </a:t>
+            </a:r>
+            <a:r>
+              <a:rPr lang="en-US" dirty="0" smtClean="0"/>
+              <a:t>processing</a:t>
+            </a:r>
+            <a:endParaRPr lang="en-US" dirty="0"/>
+          </a:p>
+        </p:txBody>
+      </p:sp>
+      <p:sp>
+        <p:nvSpPr>
+          <p:cNvPr id="3" name="Espace réservé du contenu 2"/>
+          <p:cNvSpPr>
+            <a:spLocks noGrp="1"/>
+          </p:cNvSpPr>
+          <p:nvPr>
+            <p:ph idx="1"/>
+          </p:nvPr>
+        </p:nvSpPr>
+        <p:spPr/>
+        <p:txBody>
+          <a:bodyPr/>
+          <a:lstStyle/>
+          <a:p>
+            <a:endParaRPr lang="en-US" dirty="0" smtClean="0"/>
+          </a:p>
+          <a:p>
+            <a:pPr>
+              <a:buFont typeface="Wingdings" panose="05000000000000000000" pitchFamily="2" charset="2"/>
+              <a:buChar char="§"/>
+            </a:pPr>
+            <a:r>
+              <a:rPr lang="en-US" dirty="0"/>
+              <a:t> </a:t>
+            </a:r>
+            <a:r>
+              <a:rPr lang="en-US" dirty="0" smtClean="0"/>
+              <a:t>Here </a:t>
+            </a:r>
+            <a:r>
+              <a:rPr lang="en-US" dirty="0"/>
+              <a:t>you estimate one position as the weighted sum of the two previous, current and two following </a:t>
+            </a:r>
+            <a:r>
+              <a:rPr lang="en-US" dirty="0" smtClean="0"/>
+              <a:t>positions</a:t>
+            </a:r>
+          </a:p>
+          <a:p>
+            <a:pPr marL="0" indent="0">
+              <a:buNone/>
+            </a:pPr>
+            <a:endParaRPr lang="en-US" dirty="0"/>
+          </a:p>
+          <a:p>
+            <a:endParaRPr lang="en-US" dirty="0"/>
+          </a:p>
+          <a:p>
+            <a:r>
+              <a:rPr lang="en-US" dirty="0"/>
+              <a:t>2 different weights : </a:t>
+            </a:r>
+            <a:endParaRPr lang="en-US" dirty="0" smtClean="0"/>
+          </a:p>
+          <a:p>
+            <a:pPr lvl="1">
+              <a:buFont typeface="Wingdings" panose="05000000000000000000" pitchFamily="2" charset="2"/>
+              <a:buChar char="§"/>
+            </a:pPr>
+            <a:r>
+              <a:rPr lang="en-US" dirty="0" smtClean="0"/>
+              <a:t> one </a:t>
+            </a:r>
+            <a:r>
+              <a:rPr lang="en-US" dirty="0"/>
+              <a:t>from the </a:t>
+            </a:r>
+            <a:r>
+              <a:rPr lang="en-US" dirty="0" smtClean="0"/>
+              <a:t>kernel</a:t>
+            </a:r>
+          </a:p>
+          <a:p>
+            <a:pPr lvl="1">
+              <a:buFont typeface="Wingdings" panose="05000000000000000000" pitchFamily="2" charset="2"/>
+              <a:buChar char="§"/>
+            </a:pPr>
+            <a:r>
+              <a:rPr lang="en-US" dirty="0" smtClean="0"/>
+              <a:t> one </a:t>
+            </a:r>
+            <a:r>
+              <a:rPr lang="en-US" dirty="0"/>
+              <a:t>from the quality of the ARGOS </a:t>
+            </a:r>
+            <a:r>
+              <a:rPr lang="en-US" dirty="0" smtClean="0"/>
+              <a:t>localization</a:t>
+            </a:r>
+          </a:p>
+          <a:p>
+            <a:endParaRPr lang="en-US" dirty="0"/>
+          </a:p>
+          <a:p>
+            <a:endParaRPr lang="fr-FR" dirty="0"/>
+          </a:p>
+        </p:txBody>
+      </p:sp>
+      <p:sp>
+        <p:nvSpPr>
+          <p:cNvPr id="4" name="Espace réservé de la date 3"/>
+          <p:cNvSpPr>
+            <a:spLocks noGrp="1"/>
+          </p:cNvSpPr>
+          <p:nvPr>
+            <p:ph type="dt" sz="half" idx="10"/>
+          </p:nvPr>
+        </p:nvSpPr>
+        <p:spPr/>
+        <p:txBody>
+          <a:bodyPr/>
+          <a:lstStyle/>
+          <a:p>
+            <a:r>
+              <a:rPr lang="fr-FR" smtClean="0"/>
+              <a:t>Anthony Delannoy, Jérôme Combanière, Benoit Madiot</a:t>
+            </a:r>
+            <a:endParaRPr lang="en-US" dirty="0"/>
+          </a:p>
+        </p:txBody>
+      </p:sp>
+      <p:sp>
+        <p:nvSpPr>
+          <p:cNvPr id="5" name="Espace réservé du numéro de diapositive 4"/>
+          <p:cNvSpPr>
+            <a:spLocks noGrp="1"/>
+          </p:cNvSpPr>
+          <p:nvPr>
+            <p:ph type="sldNum" sz="quarter" idx="12"/>
+          </p:nvPr>
+        </p:nvSpPr>
+        <p:spPr/>
+        <p:txBody>
+          <a:bodyPr/>
+          <a:lstStyle/>
+          <a:p>
+            <a:fld id="{629637A9-119A-49DA-BD12-AAC58B377D80}" type="slidenum">
+              <a:rPr lang="en-US" smtClean="0"/>
+              <a:t>14</a:t>
+            </a:fld>
+            <a:endParaRPr lang="en-US" dirty="0"/>
+          </a:p>
+        </p:txBody>
+      </p:sp>
+      <p:pic>
+        <p:nvPicPr>
+          <p:cNvPr id="7" name="Image 6"/>
+          <p:cNvPicPr>
+            <a:picLocks noChangeAspect="1"/>
+          </p:cNvPicPr>
+          <p:nvPr/>
+        </p:nvPicPr>
+        <p:blipFill>
+          <a:blip r:embed="rId2">
+            <a:extLst>
+              <a:ext uri="{28A0092B-C50C-407E-A947-70E740481C1C}">
+                <a14:useLocalDpi xmlns:a14="http://schemas.microsoft.com/office/drawing/2010/main" val="0"/>
+              </a:ext>
+            </a:extLst>
+          </a:blip>
+          <a:stretch>
+            <a:fillRect/>
+          </a:stretch>
+        </p:blipFill>
+        <p:spPr>
+          <a:xfrm>
+            <a:off x="6394412" y="2640169"/>
+            <a:ext cx="4818071" cy="3613553"/>
+          </a:xfrm>
+          <a:prstGeom prst="rect">
+            <a:avLst/>
+          </a:prstGeom>
+        </p:spPr>
+      </p:pic>
+    </p:spTree>
+    <p:extLst>
+      <p:ext uri="{BB962C8B-B14F-4D97-AF65-F5344CB8AC3E}">
+        <p14:creationId xmlns:p14="http://schemas.microsoft.com/office/powerpoint/2010/main" val="47055266"/>
+      </p:ext>
+    </p:extLst>
+  </p:cSld>
+  <p:clrMapOvr>
+    <a:masterClrMapping/>
+  </p:clrMapOvr>
+  <p:timing>
+    <p:tnLst>
+      <p:par>
+        <p:cTn id="1" dur="indefinite" restart="never" nodeType="tmRoot"/>
+      </p:par>
+    </p:tnLst>
+  </p:timing>
+</p:sld>
+</file>
+
+<file path=ppt/slides/slide15.xml><?xml version="1.0" encoding="utf-8"?>
+<p:sld xmlns:a="http://schemas.openxmlformats.org/drawingml/2006/main" xmlns:r="http://schemas.openxmlformats.org/officeDocument/2006/relationships" xmlns:p="http://schemas.openxmlformats.org/presentationml/2006/main">
+  <p:cSld>
+    <p:spTree>
+      <p:nvGrpSpPr>
+        <p:cNvPr id="1" name=""/>
+        <p:cNvGrpSpPr/>
+        <p:nvPr/>
+      </p:nvGrpSpPr>
+      <p:grpSpPr>
+        <a:xfrm>
+          <a:off x="0" y="0"/>
+          <a:ext cx="0" cy="0"/>
+          <a:chOff x="0" y="0"/>
+          <a:chExt cx="0" cy="0"/>
+        </a:xfrm>
+      </p:grpSpPr>
+      <p:sp>
+        <p:nvSpPr>
+          <p:cNvPr id="2" name="Titre 1"/>
+          <p:cNvSpPr>
+            <a:spLocks noGrp="1"/>
+          </p:cNvSpPr>
+          <p:nvPr>
+            <p:ph type="title"/>
+          </p:nvPr>
+        </p:nvSpPr>
+        <p:spPr/>
+        <p:txBody>
+          <a:bodyPr/>
+          <a:lstStyle/>
+          <a:p>
+            <a:r>
+              <a:rPr lang="fr-FR" dirty="0" smtClean="0"/>
+              <a:t>Data </a:t>
+            </a:r>
+            <a:r>
+              <a:rPr lang="fr-FR" dirty="0" err="1" smtClean="0"/>
+              <a:t>processing</a:t>
+            </a:r>
+            <a:endParaRPr lang="fr-FR" dirty="0"/>
+          </a:p>
+        </p:txBody>
+      </p:sp>
+      <mc:AlternateContent xmlns:mc="http://schemas.openxmlformats.org/markup-compatibility/2006">
+        <mc:Choice xmlns:a14="http://schemas.microsoft.com/office/drawing/2010/main" Requires="a14">
+          <p:sp>
+            <p:nvSpPr>
+              <p:cNvPr id="3" name="Espace réservé du contenu 2"/>
+              <p:cNvSpPr>
+                <a:spLocks noGrp="1"/>
+              </p:cNvSpPr>
+              <p:nvPr>
+                <p:ph idx="1"/>
+              </p:nvPr>
+            </p:nvSpPr>
+            <p:spPr/>
+            <p:txBody>
+              <a:bodyPr/>
+              <a:lstStyle/>
+              <a:p>
+                <a:pPr>
+                  <a:buFont typeface="Wingdings" panose="05000000000000000000" pitchFamily="2" charset="2"/>
+                  <a:buChar char="§"/>
+                </a:pPr>
+                <a:r>
+                  <a:rPr lang="en-US" dirty="0" smtClean="0"/>
+                  <a:t> Adaptable size of the support of the </a:t>
+                </a:r>
+                <a:r>
+                  <a:rPr lang="en-US" dirty="0" err="1"/>
+                  <a:t>epanechnikov</a:t>
+                </a:r>
+                <a:r>
+                  <a:rPr lang="en-US" dirty="0"/>
+                  <a:t> kernel </a:t>
+                </a:r>
+                <a:r>
+                  <a:rPr lang="en-US" dirty="0" smtClean="0"/>
+                  <a:t>:</a:t>
+                </a:r>
+              </a:p>
+              <a:p>
+                <a14:m>
+                  <m:oMath xmlns:m="http://schemas.openxmlformats.org/officeDocument/2006/math">
+                    <m:f>
+                      <m:fPr>
+                        <m:ctrlPr>
+                          <a:rPr lang="en-US" i="1" smtClean="0">
+                            <a:latin typeface="Cambria Math" panose="02040503050406030204" pitchFamily="18" charset="0"/>
+                          </a:rPr>
+                        </m:ctrlPr>
+                      </m:fPr>
+                      <m:num>
+                        <m:r>
+                          <a:rPr lang="fr-FR" b="0" i="1" smtClean="0">
+                            <a:latin typeface="Cambria Math" panose="02040503050406030204" pitchFamily="18" charset="0"/>
+                          </a:rPr>
+                          <m:t>3</m:t>
+                        </m:r>
+                      </m:num>
+                      <m:den>
+                        <m:r>
+                          <a:rPr lang="fr-FR" b="0" i="1" smtClean="0">
+                            <a:latin typeface="Cambria Math" panose="02040503050406030204" pitchFamily="18" charset="0"/>
+                          </a:rPr>
+                          <m:t>4</m:t>
+                        </m:r>
+                        <m:r>
+                          <a:rPr lang="fr-FR" b="0" i="1" smtClean="0">
+                            <a:latin typeface="Cambria Math" panose="02040503050406030204" pitchFamily="18" charset="0"/>
+                          </a:rPr>
+                          <m:t>h</m:t>
+                        </m:r>
+                      </m:den>
+                    </m:f>
+                    <m:r>
+                      <a:rPr lang="fr-FR" b="0" i="1" smtClean="0">
+                        <a:latin typeface="Cambria Math" panose="02040503050406030204" pitchFamily="18" charset="0"/>
+                      </a:rPr>
+                      <m:t>.</m:t>
+                    </m:r>
+                    <m:d>
+                      <m:dPr>
+                        <m:ctrlPr>
+                          <a:rPr lang="fr-FR" b="0" i="1" smtClean="0">
+                            <a:latin typeface="Cambria Math" panose="02040503050406030204" pitchFamily="18" charset="0"/>
+                          </a:rPr>
+                        </m:ctrlPr>
+                      </m:dPr>
+                      <m:e>
+                        <m:r>
+                          <a:rPr lang="fr-FR" b="0" i="1" smtClean="0">
+                            <a:latin typeface="Cambria Math" panose="02040503050406030204" pitchFamily="18" charset="0"/>
+                          </a:rPr>
+                          <m:t>1−</m:t>
+                        </m:r>
+                        <m:sSup>
+                          <m:sSupPr>
+                            <m:ctrlPr>
+                              <a:rPr lang="fr-FR" b="0" i="1" smtClean="0">
+                                <a:latin typeface="Cambria Math" panose="02040503050406030204" pitchFamily="18" charset="0"/>
+                              </a:rPr>
+                            </m:ctrlPr>
+                          </m:sSupPr>
+                          <m:e>
+                            <m:f>
+                              <m:fPr>
+                                <m:ctrlPr>
+                                  <a:rPr lang="fr-FR" b="0" i="1" smtClean="0">
+                                    <a:latin typeface="Cambria Math" panose="02040503050406030204" pitchFamily="18" charset="0"/>
+                                  </a:rPr>
+                                </m:ctrlPr>
+                              </m:fPr>
+                              <m:num>
+                                <m:r>
+                                  <a:rPr lang="fr-FR" b="0" i="1" smtClean="0">
+                                    <a:latin typeface="Cambria Math" panose="02040503050406030204" pitchFamily="18" charset="0"/>
+                                  </a:rPr>
+                                  <m:t>𝑥</m:t>
+                                </m:r>
+                              </m:num>
+                              <m:den>
+                                <m:r>
+                                  <a:rPr lang="fr-FR" b="0" i="1" smtClean="0">
+                                    <a:latin typeface="Cambria Math" panose="02040503050406030204" pitchFamily="18" charset="0"/>
+                                  </a:rPr>
+                                  <m:t>h</m:t>
+                                </m:r>
+                              </m:den>
+                            </m:f>
+                          </m:e>
+                          <m:sup>
+                            <m:r>
+                              <a:rPr lang="fr-FR" b="0" i="1" smtClean="0">
+                                <a:latin typeface="Cambria Math" panose="02040503050406030204" pitchFamily="18" charset="0"/>
+                              </a:rPr>
+                              <m:t>2</m:t>
+                            </m:r>
+                          </m:sup>
+                        </m:sSup>
+                      </m:e>
+                    </m:d>
+                  </m:oMath>
+                </a14:m>
+                <a:r>
+                  <a:rPr lang="en-US" dirty="0" smtClean="0"/>
+                  <a:t> </a:t>
+                </a:r>
+                <a:r>
+                  <a:rPr lang="en-US" dirty="0"/>
+                  <a:t>with </a:t>
+                </a:r>
+                <a:r>
+                  <a:rPr lang="en-US" dirty="0" smtClean="0"/>
+                  <a:t>2h </a:t>
+                </a:r>
+                <a:r>
+                  <a:rPr lang="en-US" dirty="0"/>
+                  <a:t>= size of the support</a:t>
+                </a:r>
+              </a:p>
+              <a:p>
+                <a:pPr>
+                  <a:buFont typeface="Wingdings" panose="05000000000000000000" pitchFamily="2" charset="2"/>
+                  <a:buChar char="§"/>
+                </a:pPr>
+                <a:r>
+                  <a:rPr lang="en-US" dirty="0" smtClean="0"/>
+                  <a:t> </a:t>
+                </a:r>
+                <a:r>
+                  <a:rPr lang="en-US" dirty="0" err="1" smtClean="0"/>
+                  <a:t>Epanechnikov</a:t>
+                </a:r>
+                <a:r>
+                  <a:rPr lang="en-US" dirty="0" smtClean="0"/>
+                  <a:t> </a:t>
+                </a:r>
+                <a:r>
+                  <a:rPr lang="en-US" dirty="0"/>
+                  <a:t>kernel minimizes AMISE (Asymptotic Mean Integrated Squared Error) and is therefore optimal.</a:t>
+                </a:r>
+              </a:p>
+              <a:p>
+                <a:endParaRPr lang="fr-FR" dirty="0"/>
+              </a:p>
+            </p:txBody>
+          </p:sp>
+        </mc:Choice>
+        <mc:Fallback>
+          <p:sp>
+            <p:nvSpPr>
+              <p:cNvPr id="3" name="Espace réservé du contenu 2"/>
+              <p:cNvSpPr>
+                <a:spLocks noGrp="1" noRot="1" noChangeAspect="1" noMove="1" noResize="1" noEditPoints="1" noAdjustHandles="1" noChangeArrowheads="1" noChangeShapeType="1" noTextEdit="1"/>
+              </p:cNvSpPr>
+              <p:nvPr>
+                <p:ph idx="1"/>
+              </p:nvPr>
+            </p:nvSpPr>
+            <p:spPr>
+              <a:blipFill rotWithShape="0">
+                <a:blip r:embed="rId2"/>
+                <a:stretch>
+                  <a:fillRect l="-1455" t="-1667"/>
+                </a:stretch>
+              </a:blipFill>
+            </p:spPr>
+            <p:txBody>
+              <a:bodyPr/>
+              <a:lstStyle/>
+              <a:p>
+                <a:r>
+                  <a:rPr lang="fr-FR">
+                    <a:noFill/>
+                  </a:rPr>
+                  <a:t> </a:t>
+                </a:r>
+              </a:p>
+            </p:txBody>
+          </p:sp>
+        </mc:Fallback>
+      </mc:AlternateContent>
+      <p:sp>
+        <p:nvSpPr>
+          <p:cNvPr id="4" name="Espace réservé de la date 3"/>
+          <p:cNvSpPr>
+            <a:spLocks noGrp="1"/>
+          </p:cNvSpPr>
+          <p:nvPr>
+            <p:ph type="dt" sz="half" idx="10"/>
+          </p:nvPr>
+        </p:nvSpPr>
+        <p:spPr/>
+        <p:txBody>
+          <a:bodyPr/>
+          <a:lstStyle/>
+          <a:p>
+            <a:r>
+              <a:rPr lang="fr-FR" smtClean="0"/>
+              <a:t>Anthony Delannoy, Jérôme Combanière, Benoit Madiot</a:t>
+            </a:r>
+            <a:endParaRPr lang="en-US" dirty="0"/>
+          </a:p>
+        </p:txBody>
+      </p:sp>
+      <p:sp>
+        <p:nvSpPr>
+          <p:cNvPr id="5" name="Espace réservé du numéro de diapositive 4"/>
+          <p:cNvSpPr>
+            <a:spLocks noGrp="1"/>
+          </p:cNvSpPr>
+          <p:nvPr>
+            <p:ph type="sldNum" sz="quarter" idx="12"/>
+          </p:nvPr>
+        </p:nvSpPr>
+        <p:spPr/>
+        <p:txBody>
+          <a:bodyPr/>
+          <a:lstStyle/>
+          <a:p>
+            <a:fld id="{629637A9-119A-49DA-BD12-AAC58B377D80}" type="slidenum">
+              <a:rPr lang="en-US" smtClean="0"/>
+              <a:t>15</a:t>
+            </a:fld>
+            <a:endParaRPr lang="en-US" dirty="0"/>
+          </a:p>
+        </p:txBody>
+      </p:sp>
+      <p:pic>
+        <p:nvPicPr>
+          <p:cNvPr id="6" name="Image 5"/>
+          <p:cNvPicPr>
+            <a:picLocks noChangeAspect="1"/>
+          </p:cNvPicPr>
+          <p:nvPr/>
+        </p:nvPicPr>
+        <p:blipFill>
+          <a:blip r:embed="rId3">
+            <a:extLst>
+              <a:ext uri="{28A0092B-C50C-407E-A947-70E740481C1C}">
+                <a14:useLocalDpi xmlns:a14="http://schemas.microsoft.com/office/drawing/2010/main" val="0"/>
+              </a:ext>
+            </a:extLst>
+          </a:blip>
+          <a:stretch>
+            <a:fillRect/>
+          </a:stretch>
+        </p:blipFill>
+        <p:spPr>
+          <a:xfrm>
+            <a:off x="1549516" y="3811225"/>
+            <a:ext cx="3683839" cy="2057869"/>
+          </a:xfrm>
+          <a:prstGeom prst="rect">
+            <a:avLst/>
+          </a:prstGeom>
+        </p:spPr>
+      </p:pic>
+      <p:pic>
+        <p:nvPicPr>
+          <p:cNvPr id="7" name="Image 6"/>
+          <p:cNvPicPr>
+            <a:picLocks noChangeAspect="1"/>
+          </p:cNvPicPr>
+          <p:nvPr/>
+        </p:nvPicPr>
+        <p:blipFill>
+          <a:blip r:embed="rId4">
+            <a:extLst>
+              <a:ext uri="{28A0092B-C50C-407E-A947-70E740481C1C}">
+                <a14:useLocalDpi xmlns:a14="http://schemas.microsoft.com/office/drawing/2010/main" val="0"/>
+              </a:ext>
+            </a:extLst>
+          </a:blip>
+          <a:stretch>
+            <a:fillRect/>
+          </a:stretch>
+        </p:blipFill>
+        <p:spPr>
+          <a:xfrm>
+            <a:off x="6593167" y="3703650"/>
+            <a:ext cx="3963303" cy="2273818"/>
+          </a:xfrm>
+          <a:prstGeom prst="rect">
+            <a:avLst/>
+          </a:prstGeom>
+        </p:spPr>
+      </p:pic>
+    </p:spTree>
+    <p:extLst>
+      <p:ext uri="{BB962C8B-B14F-4D97-AF65-F5344CB8AC3E}">
+        <p14:creationId xmlns:p14="http://schemas.microsoft.com/office/powerpoint/2010/main" val="3636309772"/>
+      </p:ext>
+    </p:extLst>
+  </p:cSld>
+  <p:clrMapOvr>
+    <a:masterClrMapping/>
+  </p:clrMapOvr>
+</p:sld>
+</file>
+
+<file path=ppt/slides/slide16.xml><?xml version="1.0" encoding="utf-8"?>
+<p:sld xmlns:a="http://schemas.openxmlformats.org/drawingml/2006/main" xmlns:r="http://schemas.openxmlformats.org/officeDocument/2006/relationships" xmlns:p="http://schemas.openxmlformats.org/presentationml/2006/main">
+  <p:cSld>
+    <p:spTree>
+      <p:nvGrpSpPr>
+        <p:cNvPr id="1" name=""/>
+        <p:cNvGrpSpPr/>
+        <p:nvPr/>
+      </p:nvGrpSpPr>
+      <p:grpSpPr>
+        <a:xfrm>
+          <a:off x="0" y="0"/>
+          <a:ext cx="0" cy="0"/>
+          <a:chOff x="0" y="0"/>
+          <a:chExt cx="0" cy="0"/>
+        </a:xfrm>
+      </p:grpSpPr>
+      <p:sp>
+        <p:nvSpPr>
+          <p:cNvPr id="2" name="Titre 1"/>
+          <p:cNvSpPr>
+            <a:spLocks noGrp="1"/>
+          </p:cNvSpPr>
+          <p:nvPr>
+            <p:ph type="title"/>
+          </p:nvPr>
+        </p:nvSpPr>
+        <p:spPr/>
+        <p:txBody>
+          <a:bodyPr/>
+          <a:lstStyle/>
+          <a:p>
+            <a:r>
+              <a:rPr lang="fr-FR" dirty="0" smtClean="0"/>
+              <a:t>Data </a:t>
+            </a:r>
+            <a:r>
+              <a:rPr lang="fr-FR" dirty="0" err="1" smtClean="0"/>
+              <a:t>processing</a:t>
+            </a:r>
+            <a:endParaRPr lang="fr-FR" dirty="0"/>
+          </a:p>
+        </p:txBody>
+      </p:sp>
+      <p:sp>
+        <p:nvSpPr>
+          <p:cNvPr id="3" name="Espace réservé du contenu 2"/>
+          <p:cNvSpPr>
+            <a:spLocks noGrp="1"/>
+          </p:cNvSpPr>
+          <p:nvPr>
+            <p:ph idx="1"/>
+          </p:nvPr>
+        </p:nvSpPr>
+        <p:spPr/>
+        <p:txBody>
+          <a:bodyPr/>
+          <a:lstStyle/>
+          <a:p>
+            <a:r>
+              <a:rPr lang="en-US" dirty="0"/>
+              <a:t>Each ARGOS position is also attributed a weight depending on the quality of the measure and its precision. </a:t>
+            </a:r>
+          </a:p>
+          <a:p>
+            <a:r>
+              <a:rPr lang="en-US" dirty="0"/>
+              <a:t>Thus a precise localization (class 3) will be weighted 7 times more than an </a:t>
+            </a:r>
+            <a:r>
+              <a:rPr lang="en-US" dirty="0" err="1"/>
+              <a:t>unprecise</a:t>
+            </a:r>
+            <a:r>
+              <a:rPr lang="en-US" dirty="0"/>
+              <a:t> localization (class A</a:t>
+            </a:r>
+            <a:r>
+              <a:rPr lang="en-US" dirty="0" smtClean="0"/>
+              <a:t>).</a:t>
+            </a:r>
+            <a:endParaRPr lang="en-US" dirty="0"/>
+          </a:p>
+          <a:p>
+            <a:endParaRPr lang="fr-FR" dirty="0"/>
+          </a:p>
+        </p:txBody>
+      </p:sp>
+      <p:sp>
+        <p:nvSpPr>
+          <p:cNvPr id="4" name="Espace réservé de la date 3"/>
+          <p:cNvSpPr>
+            <a:spLocks noGrp="1"/>
+          </p:cNvSpPr>
+          <p:nvPr>
+            <p:ph type="dt" sz="half" idx="10"/>
+          </p:nvPr>
+        </p:nvSpPr>
+        <p:spPr/>
+        <p:txBody>
+          <a:bodyPr/>
+          <a:lstStyle/>
+          <a:p>
+            <a:r>
+              <a:rPr lang="fr-FR" smtClean="0"/>
+              <a:t>Anthony Delannoy, Jérôme Combanière, Benoit Madiot</a:t>
+            </a:r>
+            <a:endParaRPr lang="en-US" dirty="0"/>
+          </a:p>
+        </p:txBody>
+      </p:sp>
+      <p:sp>
+        <p:nvSpPr>
+          <p:cNvPr id="5" name="Espace réservé du numéro de diapositive 4"/>
+          <p:cNvSpPr>
+            <a:spLocks noGrp="1"/>
+          </p:cNvSpPr>
+          <p:nvPr>
+            <p:ph type="sldNum" sz="quarter" idx="12"/>
+          </p:nvPr>
+        </p:nvSpPr>
+        <p:spPr/>
+        <p:txBody>
+          <a:bodyPr/>
+          <a:lstStyle/>
+          <a:p>
+            <a:fld id="{629637A9-119A-49DA-BD12-AAC58B377D80}" type="slidenum">
+              <a:rPr lang="en-US" smtClean="0"/>
+              <a:t>16</a:t>
+            </a:fld>
+            <a:endParaRPr lang="en-US" dirty="0"/>
+          </a:p>
+        </p:txBody>
+      </p:sp>
+    </p:spTree>
+    <p:extLst>
+      <p:ext uri="{BB962C8B-B14F-4D97-AF65-F5344CB8AC3E}">
+        <p14:creationId xmlns:p14="http://schemas.microsoft.com/office/powerpoint/2010/main" val="30995534"/>
+      </p:ext>
+    </p:extLst>
+  </p:cSld>
+  <p:clrMapOvr>
+    <a:masterClrMapping/>
+  </p:clrMapOvr>
+</p:sld>
+</file>
+
+<file path=ppt/slides/slide17.xml><?xml version="1.0" encoding="utf-8"?>
+<p:sld xmlns:a="http://schemas.openxmlformats.org/drawingml/2006/main" xmlns:r="http://schemas.openxmlformats.org/officeDocument/2006/relationships" xmlns:p="http://schemas.openxmlformats.org/presentationml/2006/main">
+  <p:cSld>
+    <p:spTree>
+      <p:nvGrpSpPr>
+        <p:cNvPr id="1" name=""/>
+        <p:cNvGrpSpPr/>
+        <p:nvPr/>
+      </p:nvGrpSpPr>
+      <p:grpSpPr>
+        <a:xfrm>
+          <a:off x="0" y="0"/>
+          <a:ext cx="0" cy="0"/>
+          <a:chOff x="0" y="0"/>
+          <a:chExt cx="0" cy="0"/>
+        </a:xfrm>
+      </p:grpSpPr>
+      <p:sp>
+        <p:nvSpPr>
+          <p:cNvPr id="2" name="Titre 1"/>
+          <p:cNvSpPr>
+            <a:spLocks noGrp="1"/>
+          </p:cNvSpPr>
+          <p:nvPr>
+            <p:ph type="title"/>
+          </p:nvPr>
+        </p:nvSpPr>
+        <p:spPr/>
+        <p:txBody>
+          <a:bodyPr/>
+          <a:lstStyle/>
+          <a:p>
+            <a:r>
+              <a:rPr lang="fr-FR" dirty="0" smtClean="0"/>
+              <a:t>Data </a:t>
+            </a:r>
+            <a:r>
+              <a:rPr lang="fr-FR" dirty="0" err="1" smtClean="0"/>
+              <a:t>processing</a:t>
+            </a:r>
+            <a:endParaRPr lang="fr-FR" dirty="0"/>
+          </a:p>
+        </p:txBody>
+      </p:sp>
+      <p:sp>
+        <p:nvSpPr>
+          <p:cNvPr id="3" name="Espace réservé du contenu 2"/>
+          <p:cNvSpPr>
+            <a:spLocks noGrp="1"/>
+          </p:cNvSpPr>
+          <p:nvPr>
+            <p:ph idx="1"/>
+          </p:nvPr>
+        </p:nvSpPr>
+        <p:spPr/>
+        <p:txBody>
+          <a:bodyPr/>
+          <a:lstStyle/>
+          <a:p>
+            <a:endParaRPr lang="en-US" dirty="0" smtClean="0"/>
+          </a:p>
+          <a:p>
+            <a:r>
+              <a:rPr lang="en-US" dirty="0" smtClean="0"/>
+              <a:t>If </a:t>
+            </a:r>
+            <a:r>
+              <a:rPr lang="en-US" dirty="0"/>
+              <a:t>the estimated position is too far from the ARGOS position, this position is </a:t>
+            </a:r>
+            <a:r>
+              <a:rPr lang="en-US" dirty="0" smtClean="0"/>
+              <a:t>removed</a:t>
+            </a:r>
+          </a:p>
+          <a:p>
+            <a:endParaRPr lang="en-US" dirty="0"/>
+          </a:p>
+          <a:p>
+            <a:endParaRPr lang="en-US" dirty="0"/>
+          </a:p>
+          <a:p>
+            <a:endParaRPr lang="en-US" dirty="0"/>
+          </a:p>
+          <a:p>
+            <a:endParaRPr lang="fr-FR" dirty="0"/>
+          </a:p>
+        </p:txBody>
+      </p:sp>
+      <p:sp>
+        <p:nvSpPr>
+          <p:cNvPr id="4" name="Espace réservé de la date 3"/>
+          <p:cNvSpPr>
+            <a:spLocks noGrp="1"/>
+          </p:cNvSpPr>
+          <p:nvPr>
+            <p:ph type="dt" sz="half" idx="10"/>
+          </p:nvPr>
+        </p:nvSpPr>
+        <p:spPr/>
+        <p:txBody>
+          <a:bodyPr/>
+          <a:lstStyle/>
+          <a:p>
+            <a:r>
+              <a:rPr lang="fr-FR" smtClean="0"/>
+              <a:t>Anthony Delannoy, Jérôme Combanière, Benoit Madiot</a:t>
+            </a:r>
+            <a:endParaRPr lang="en-US" dirty="0"/>
+          </a:p>
+        </p:txBody>
+      </p:sp>
+      <p:sp>
+        <p:nvSpPr>
+          <p:cNvPr id="5" name="Espace réservé du numéro de diapositive 4"/>
+          <p:cNvSpPr>
+            <a:spLocks noGrp="1"/>
+          </p:cNvSpPr>
+          <p:nvPr>
+            <p:ph type="sldNum" sz="quarter" idx="12"/>
+          </p:nvPr>
+        </p:nvSpPr>
+        <p:spPr/>
+        <p:txBody>
+          <a:bodyPr/>
+          <a:lstStyle/>
+          <a:p>
+            <a:fld id="{629637A9-119A-49DA-BD12-AAC58B377D80}" type="slidenum">
+              <a:rPr lang="en-US" smtClean="0"/>
+              <a:t>17</a:t>
             </a:fld>
             <a:endParaRPr lang="en-US" dirty="0"/>
           </a:p>
@@ -12598,7 +13662,7 @@
 </p:sld>
 </file>
 
-<file path=ppt/slides/slide13.xml><?xml version="1.0" encoding="utf-8"?>
+<file path=ppt/slides/slide18.xml><?xml version="1.0" encoding="utf-8"?>
 <p:sld xmlns:a="http://schemas.openxmlformats.org/drawingml/2006/main" xmlns:r="http://schemas.openxmlformats.org/officeDocument/2006/relationships" xmlns:p="http://schemas.openxmlformats.org/presentationml/2006/main">
   <p:cSld>
     <p:spTree>
@@ -12759,7 +13823,7 @@
           <a:p>
             <a:fld id="{629637A9-119A-49DA-BD12-AAC58B377D80}" type="slidenum">
               <a:rPr lang="en-US" smtClean="0"/>
-              <a:t>13</a:t>
+              <a:t>18</a:t>
             </a:fld>
             <a:endParaRPr lang="en-US" dirty="0"/>
           </a:p>
@@ -12825,7 +13889,7 @@
 </p:sld>
 </file>
 
-<file path=ppt/slides/slide14.xml><?xml version="1.0" encoding="utf-8"?>
+<file path=ppt/slides/slide19.xml><?xml version="1.0" encoding="utf-8"?>
 <p:sld xmlns:a="http://schemas.openxmlformats.org/drawingml/2006/main" xmlns:r="http://schemas.openxmlformats.org/officeDocument/2006/relationships" xmlns:p="http://schemas.openxmlformats.org/presentationml/2006/main">
   <p:cSld>
     <p:spTree>
@@ -12883,7 +13947,7 @@
             <a:fld id="{4FAB73BC-B049-4115-A692-8D63A059BFB8}" type="slidenum">
               <a:rPr lang="en-US" smtClean="0"/>
               <a:pPr/>
-              <a:t>14</a:t>
+              <a:t>19</a:t>
             </a:fld>
             <a:endParaRPr lang="en-US" dirty="0"/>
           </a:p>
@@ -13054,773 +14118,6 @@
 </p:sld>
 </file>
 
-<file path=ppt/slides/slide15.xml><?xml version="1.0" encoding="utf-8"?>
-<p:sld xmlns:a="http://schemas.openxmlformats.org/drawingml/2006/main" xmlns:r="http://schemas.openxmlformats.org/officeDocument/2006/relationships" xmlns:p="http://schemas.openxmlformats.org/presentationml/2006/main">
-  <p:cSld>
-    <p:spTree>
-      <p:nvGrpSpPr>
-        <p:cNvPr id="1" name=""/>
-        <p:cNvGrpSpPr/>
-        <p:nvPr/>
-      </p:nvGrpSpPr>
-      <p:grpSpPr>
-        <a:xfrm>
-          <a:off x="0" y="0"/>
-          <a:ext cx="0" cy="0"/>
-          <a:chOff x="0" y="0"/>
-          <a:chExt cx="0" cy="0"/>
-        </a:xfrm>
-      </p:grpSpPr>
-      <p:sp>
-        <p:nvSpPr>
-          <p:cNvPr id="2" name="Titre 1"/>
-          <p:cNvSpPr>
-            <a:spLocks noGrp="1"/>
-          </p:cNvSpPr>
-          <p:nvPr>
-            <p:ph type="title"/>
-          </p:nvPr>
-        </p:nvSpPr>
-        <p:spPr/>
-        <p:txBody>
-          <a:bodyPr/>
-          <a:lstStyle/>
-          <a:p>
-            <a:r>
-              <a:rPr lang="fr-FR" dirty="0" smtClean="0"/>
-              <a:t>GUI</a:t>
-            </a:r>
-            <a:endParaRPr lang="fr-FR" dirty="0"/>
-          </a:p>
-        </p:txBody>
-      </p:sp>
-      <p:sp>
-        <p:nvSpPr>
-          <p:cNvPr id="3" name="Espace réservé du texte 2"/>
-          <p:cNvSpPr>
-            <a:spLocks noGrp="1"/>
-          </p:cNvSpPr>
-          <p:nvPr>
-            <p:ph type="body" idx="1"/>
-          </p:nvPr>
-        </p:nvSpPr>
-        <p:spPr/>
-        <p:txBody>
-          <a:bodyPr/>
-          <a:lstStyle/>
-          <a:p>
-            <a:endParaRPr lang="fr-FR"/>
-          </a:p>
-        </p:txBody>
-      </p:sp>
-      <p:sp>
-        <p:nvSpPr>
-          <p:cNvPr id="4" name="Espace réservé de la date 3"/>
-          <p:cNvSpPr>
-            <a:spLocks noGrp="1"/>
-          </p:cNvSpPr>
-          <p:nvPr>
-            <p:ph type="dt" sz="half" idx="10"/>
-          </p:nvPr>
-        </p:nvSpPr>
-        <p:spPr/>
-        <p:txBody>
-          <a:bodyPr/>
-          <a:lstStyle/>
-          <a:p>
-            <a:r>
-              <a:rPr lang="fr-FR" smtClean="0"/>
-              <a:t>Anthony Delannoy, Jérôme Combanière, Benoit Madiot</a:t>
-            </a:r>
-            <a:endParaRPr lang="en-US" dirty="0"/>
-          </a:p>
-        </p:txBody>
-      </p:sp>
-      <p:sp>
-        <p:nvSpPr>
-          <p:cNvPr id="5" name="Espace réservé du numéro de diapositive 4"/>
-          <p:cNvSpPr>
-            <a:spLocks noGrp="1"/>
-          </p:cNvSpPr>
-          <p:nvPr>
-            <p:ph type="sldNum" sz="quarter" idx="12"/>
-          </p:nvPr>
-        </p:nvSpPr>
-        <p:spPr/>
-        <p:txBody>
-          <a:bodyPr/>
-          <a:lstStyle/>
-          <a:p>
-            <a:fld id="{4FAB73BC-B049-4115-A692-8D63A059BFB8}" type="slidenum">
-              <a:rPr lang="en-US" smtClean="0"/>
-              <a:t>15</a:t>
-            </a:fld>
-            <a:endParaRPr lang="en-US" dirty="0"/>
-          </a:p>
-        </p:txBody>
-      </p:sp>
-    </p:spTree>
-    <p:extLst>
-      <p:ext uri="{BB962C8B-B14F-4D97-AF65-F5344CB8AC3E}">
-        <p14:creationId xmlns:p14="http://schemas.microsoft.com/office/powerpoint/2010/main" val="3327186273"/>
-      </p:ext>
-    </p:extLst>
-  </p:cSld>
-  <p:clrMapOvr>
-    <a:masterClrMapping/>
-  </p:clrMapOvr>
-</p:sld>
-</file>
-
-<file path=ppt/slides/slide16.xml><?xml version="1.0" encoding="utf-8"?>
-<p:sld xmlns:a="http://schemas.openxmlformats.org/drawingml/2006/main" xmlns:r="http://schemas.openxmlformats.org/officeDocument/2006/relationships" xmlns:p="http://schemas.openxmlformats.org/presentationml/2006/main">
-  <p:cSld>
-    <p:spTree>
-      <p:nvGrpSpPr>
-        <p:cNvPr id="1" name=""/>
-        <p:cNvGrpSpPr/>
-        <p:nvPr/>
-      </p:nvGrpSpPr>
-      <p:grpSpPr>
-        <a:xfrm>
-          <a:off x="0" y="0"/>
-          <a:ext cx="0" cy="0"/>
-          <a:chOff x="0" y="0"/>
-          <a:chExt cx="0" cy="0"/>
-        </a:xfrm>
-      </p:grpSpPr>
-      <p:sp>
-        <p:nvSpPr>
-          <p:cNvPr id="2" name="Titre 1"/>
-          <p:cNvSpPr>
-            <a:spLocks noGrp="1"/>
-          </p:cNvSpPr>
-          <p:nvPr>
-            <p:ph type="title"/>
-          </p:nvPr>
-        </p:nvSpPr>
-        <p:spPr/>
-        <p:txBody>
-          <a:bodyPr/>
-          <a:lstStyle/>
-          <a:p>
-            <a:r>
-              <a:rPr lang="fr-FR" dirty="0" smtClean="0"/>
-              <a:t>GUI</a:t>
-            </a:r>
-            <a:endParaRPr lang="fr-FR" dirty="0"/>
-          </a:p>
-        </p:txBody>
-      </p:sp>
-      <p:pic>
-        <p:nvPicPr>
-          <p:cNvPr id="7" name="Espace réservé du contenu 6"/>
-          <p:cNvPicPr>
-            <a:picLocks noGrp="1" noChangeAspect="1"/>
-          </p:cNvPicPr>
-          <p:nvPr>
-            <p:ph idx="1"/>
-          </p:nvPr>
-        </p:nvPicPr>
-        <p:blipFill>
-          <a:blip r:embed="rId2">
-            <a:extLst>
-              <a:ext uri="{28A0092B-C50C-407E-A947-70E740481C1C}">
-                <a14:useLocalDpi xmlns:a14="http://schemas.microsoft.com/office/drawing/2010/main" val="0"/>
-              </a:ext>
-            </a:extLst>
-          </a:blip>
-          <a:stretch>
-            <a:fillRect/>
-          </a:stretch>
-        </p:blipFill>
-        <p:spPr>
-          <a:xfrm>
-            <a:off x="4997159" y="-167590"/>
-            <a:ext cx="6877161" cy="7025590"/>
-          </a:xfrm>
-        </p:spPr>
-      </p:pic>
-      <p:sp>
-        <p:nvSpPr>
-          <p:cNvPr id="4" name="Espace réservé du texte 3"/>
-          <p:cNvSpPr>
-            <a:spLocks noGrp="1"/>
-          </p:cNvSpPr>
-          <p:nvPr>
-            <p:ph type="body" sz="half" idx="2"/>
-          </p:nvPr>
-        </p:nvSpPr>
-        <p:spPr/>
-        <p:txBody>
-          <a:bodyPr/>
-          <a:lstStyle/>
-          <a:p>
-            <a:endParaRPr lang="fr-FR" dirty="0"/>
-          </a:p>
-        </p:txBody>
-      </p:sp>
-      <p:sp>
-        <p:nvSpPr>
-          <p:cNvPr id="5" name="Espace réservé de la date 4"/>
-          <p:cNvSpPr>
-            <a:spLocks noGrp="1"/>
-          </p:cNvSpPr>
-          <p:nvPr>
-            <p:ph type="dt" sz="half" idx="10"/>
-          </p:nvPr>
-        </p:nvSpPr>
-        <p:spPr/>
-        <p:txBody>
-          <a:bodyPr/>
-          <a:lstStyle/>
-          <a:p>
-            <a:r>
-              <a:rPr lang="fr-FR" smtClean="0"/>
-              <a:t>Anthony Delannoy, Jérôme Combanière, Benoit Madiot</a:t>
-            </a:r>
-            <a:endParaRPr lang="en-US" dirty="0"/>
-          </a:p>
-        </p:txBody>
-      </p:sp>
-      <p:sp>
-        <p:nvSpPr>
-          <p:cNvPr id="6" name="Espace réservé du numéro de diapositive 5"/>
-          <p:cNvSpPr>
-            <a:spLocks noGrp="1"/>
-          </p:cNvSpPr>
-          <p:nvPr>
-            <p:ph type="sldNum" sz="quarter" idx="12"/>
-          </p:nvPr>
-        </p:nvSpPr>
-        <p:spPr/>
-        <p:txBody>
-          <a:bodyPr/>
-          <a:lstStyle/>
-          <a:p>
-            <a:fld id="{4FAB73BC-B049-4115-A692-8D63A059BFB8}" type="slidenum">
-              <a:rPr lang="en-US" smtClean="0"/>
-              <a:pPr/>
-              <a:t>16</a:t>
-            </a:fld>
-            <a:endParaRPr lang="en-US" dirty="0"/>
-          </a:p>
-        </p:txBody>
-      </p:sp>
-    </p:spTree>
-    <p:extLst>
-      <p:ext uri="{BB962C8B-B14F-4D97-AF65-F5344CB8AC3E}">
-        <p14:creationId xmlns:p14="http://schemas.microsoft.com/office/powerpoint/2010/main" val="3160302456"/>
-      </p:ext>
-    </p:extLst>
-  </p:cSld>
-  <p:clrMapOvr>
-    <a:masterClrMapping/>
-  </p:clrMapOvr>
-</p:sld>
-</file>
-
-<file path=ppt/slides/slide17.xml><?xml version="1.0" encoding="utf-8"?>
-<p:sld xmlns:a="http://schemas.openxmlformats.org/drawingml/2006/main" xmlns:r="http://schemas.openxmlformats.org/officeDocument/2006/relationships" xmlns:p="http://schemas.openxmlformats.org/presentationml/2006/main">
-  <p:cSld>
-    <p:spTree>
-      <p:nvGrpSpPr>
-        <p:cNvPr id="1" name=""/>
-        <p:cNvGrpSpPr/>
-        <p:nvPr/>
-      </p:nvGrpSpPr>
-      <p:grpSpPr>
-        <a:xfrm>
-          <a:off x="0" y="0"/>
-          <a:ext cx="0" cy="0"/>
-          <a:chOff x="0" y="0"/>
-          <a:chExt cx="0" cy="0"/>
-        </a:xfrm>
-      </p:grpSpPr>
-      <p:sp>
-        <p:nvSpPr>
-          <p:cNvPr id="2" name="Titre 1"/>
-          <p:cNvSpPr>
-            <a:spLocks noGrp="1"/>
-          </p:cNvSpPr>
-          <p:nvPr>
-            <p:ph type="title"/>
-          </p:nvPr>
-        </p:nvSpPr>
-        <p:spPr/>
-        <p:txBody>
-          <a:bodyPr/>
-          <a:lstStyle/>
-          <a:p>
-            <a:r>
-              <a:rPr lang="fr-FR" dirty="0" smtClean="0"/>
-              <a:t>Conclusion</a:t>
-            </a:r>
-            <a:endParaRPr lang="fr-FR" dirty="0"/>
-          </a:p>
-        </p:txBody>
-      </p:sp>
-      <p:sp>
-        <p:nvSpPr>
-          <p:cNvPr id="3" name="Espace réservé du contenu 2"/>
-          <p:cNvSpPr>
-            <a:spLocks noGrp="1"/>
-          </p:cNvSpPr>
-          <p:nvPr>
-            <p:ph idx="1"/>
-          </p:nvPr>
-        </p:nvSpPr>
-        <p:spPr/>
-        <p:txBody>
-          <a:bodyPr/>
-          <a:lstStyle/>
-          <a:p>
-            <a:endParaRPr lang="fr-FR" dirty="0"/>
-          </a:p>
-        </p:txBody>
-      </p:sp>
-      <p:sp>
-        <p:nvSpPr>
-          <p:cNvPr id="4" name="Espace réservé de la date 3"/>
-          <p:cNvSpPr>
-            <a:spLocks noGrp="1"/>
-          </p:cNvSpPr>
-          <p:nvPr>
-            <p:ph type="dt" sz="half" idx="10"/>
-          </p:nvPr>
-        </p:nvSpPr>
-        <p:spPr/>
-        <p:txBody>
-          <a:bodyPr/>
-          <a:lstStyle/>
-          <a:p>
-            <a:r>
-              <a:rPr lang="fr-FR" smtClean="0"/>
-              <a:t>Anthony Delannoy, Jérôme Combanière, Benoit Madiot</a:t>
-            </a:r>
-            <a:endParaRPr lang="en-US" dirty="0"/>
-          </a:p>
-        </p:txBody>
-      </p:sp>
-      <p:sp>
-        <p:nvSpPr>
-          <p:cNvPr id="5" name="Espace réservé du numéro de diapositive 4"/>
-          <p:cNvSpPr>
-            <a:spLocks noGrp="1"/>
-          </p:cNvSpPr>
-          <p:nvPr>
-            <p:ph type="sldNum" sz="quarter" idx="12"/>
-          </p:nvPr>
-        </p:nvSpPr>
-        <p:spPr/>
-        <p:txBody>
-          <a:bodyPr/>
-          <a:lstStyle/>
-          <a:p>
-            <a:fld id="{629637A9-119A-49DA-BD12-AAC58B377D80}" type="slidenum">
-              <a:rPr lang="en-US" smtClean="0"/>
-              <a:t>17</a:t>
-            </a:fld>
-            <a:endParaRPr lang="en-US" dirty="0"/>
-          </a:p>
-        </p:txBody>
-      </p:sp>
-    </p:spTree>
-    <p:extLst>
-      <p:ext uri="{BB962C8B-B14F-4D97-AF65-F5344CB8AC3E}">
-        <p14:creationId xmlns:p14="http://schemas.microsoft.com/office/powerpoint/2010/main" val="3472136601"/>
-      </p:ext>
-    </p:extLst>
-  </p:cSld>
-  <p:clrMapOvr>
-    <a:masterClrMapping/>
-  </p:clrMapOvr>
-</p:sld>
-</file>
-
-<file path=ppt/slides/slide18.xml><?xml version="1.0" encoding="utf-8"?>
-<p:sld xmlns:a="http://schemas.openxmlformats.org/drawingml/2006/main" xmlns:r="http://schemas.openxmlformats.org/officeDocument/2006/relationships" xmlns:p="http://schemas.openxmlformats.org/presentationml/2006/main">
-  <p:cSld>
-    <p:spTree>
-      <p:nvGrpSpPr>
-        <p:cNvPr id="1" name=""/>
-        <p:cNvGrpSpPr/>
-        <p:nvPr/>
-      </p:nvGrpSpPr>
-      <p:grpSpPr>
-        <a:xfrm>
-          <a:off x="0" y="0"/>
-          <a:ext cx="0" cy="0"/>
-          <a:chOff x="0" y="0"/>
-          <a:chExt cx="0" cy="0"/>
-        </a:xfrm>
-      </p:grpSpPr>
-      <p:sp>
-        <p:nvSpPr>
-          <p:cNvPr id="2" name="Titre 1"/>
-          <p:cNvSpPr>
-            <a:spLocks noGrp="1"/>
-          </p:cNvSpPr>
-          <p:nvPr>
-            <p:ph type="title"/>
-          </p:nvPr>
-        </p:nvSpPr>
-        <p:spPr/>
-        <p:txBody>
-          <a:bodyPr/>
-          <a:lstStyle/>
-          <a:p>
-            <a:r>
-              <a:rPr lang="fr-FR" dirty="0" smtClean="0"/>
-              <a:t>CLS</a:t>
-            </a:r>
-            <a:endParaRPr lang="fr-FR" dirty="0"/>
-          </a:p>
-        </p:txBody>
-      </p:sp>
-      <p:sp>
-        <p:nvSpPr>
-          <p:cNvPr id="3" name="Espace réservé du contenu 2"/>
-          <p:cNvSpPr>
-            <a:spLocks noGrp="1"/>
-          </p:cNvSpPr>
-          <p:nvPr>
-            <p:ph idx="1"/>
-          </p:nvPr>
-        </p:nvSpPr>
-        <p:spPr>
-          <a:xfrm>
-            <a:off x="1097280" y="1845734"/>
-            <a:ext cx="7789143" cy="4023360"/>
-          </a:xfrm>
-        </p:spPr>
-        <p:txBody>
-          <a:bodyPr>
-            <a:normAutofit fontScale="92500" lnSpcReduction="10000"/>
-          </a:bodyPr>
-          <a:lstStyle/>
-          <a:p>
-            <a:endParaRPr lang="fr-FR" dirty="0" smtClean="0"/>
-          </a:p>
-          <a:p>
-            <a:pPr algn="just">
-              <a:lnSpc>
-                <a:spcPct val="150000"/>
-              </a:lnSpc>
-              <a:buFont typeface="Wingdings" panose="05000000000000000000" pitchFamily="2" charset="2"/>
-              <a:buChar char="§"/>
-            </a:pPr>
-            <a:r>
-              <a:rPr lang="fr-FR" dirty="0"/>
-              <a:t> </a:t>
-            </a:r>
-            <a:r>
-              <a:rPr lang="fr-FR" dirty="0" smtClean="0"/>
-              <a:t>600 collaborateurs </a:t>
-            </a:r>
-            <a:r>
-              <a:rPr lang="fr-FR" dirty="0"/>
-              <a:t>à travers le </a:t>
-            </a:r>
-            <a:r>
-              <a:rPr lang="fr-FR" dirty="0" smtClean="0"/>
-              <a:t>monde</a:t>
-            </a:r>
-          </a:p>
-          <a:p>
-            <a:pPr algn="just">
-              <a:lnSpc>
-                <a:spcPct val="150000"/>
-              </a:lnSpc>
-              <a:buFont typeface="Wingdings" panose="05000000000000000000" pitchFamily="2" charset="2"/>
-              <a:buChar char="§"/>
-            </a:pPr>
-            <a:r>
-              <a:rPr lang="fr-FR" dirty="0"/>
-              <a:t> </a:t>
-            </a:r>
-            <a:r>
-              <a:rPr lang="fr-FR" dirty="0" smtClean="0"/>
-              <a:t>Opérant </a:t>
-            </a:r>
-            <a:r>
-              <a:rPr lang="fr-FR" dirty="0"/>
-              <a:t>plus de 80 instruments embarqués sur près de 40 </a:t>
-            </a:r>
-            <a:r>
-              <a:rPr lang="fr-FR" dirty="0" smtClean="0"/>
-              <a:t>satellites</a:t>
-            </a:r>
-          </a:p>
-          <a:p>
-            <a:pPr algn="just">
-              <a:lnSpc>
-                <a:spcPct val="150000"/>
-              </a:lnSpc>
-              <a:buFont typeface="Wingdings" panose="05000000000000000000" pitchFamily="2" charset="2"/>
-              <a:buChar char="§"/>
-            </a:pPr>
-            <a:r>
-              <a:rPr lang="fr-FR" dirty="0"/>
-              <a:t> </a:t>
-            </a:r>
-            <a:r>
-              <a:rPr lang="fr-FR" dirty="0" smtClean="0"/>
-              <a:t>Clients </a:t>
-            </a:r>
-            <a:r>
-              <a:rPr lang="fr-FR" dirty="0"/>
-              <a:t>: gouvernements, organisations scientifiques, ONG, grands groupes </a:t>
-            </a:r>
-            <a:r>
-              <a:rPr lang="fr-FR" dirty="0" smtClean="0"/>
-              <a:t>industriels</a:t>
-            </a:r>
-            <a:endParaRPr lang="fr-FR" dirty="0"/>
-          </a:p>
-          <a:p>
-            <a:pPr algn="just">
-              <a:lnSpc>
-                <a:spcPct val="150000"/>
-              </a:lnSpc>
-              <a:buFont typeface="Wingdings" panose="05000000000000000000" pitchFamily="2" charset="2"/>
-              <a:buChar char="§"/>
-            </a:pPr>
-            <a:r>
-              <a:rPr lang="fr-FR" dirty="0" smtClean="0"/>
-              <a:t> Activités </a:t>
-            </a:r>
-            <a:r>
-              <a:rPr lang="fr-FR" dirty="0"/>
-              <a:t>: localisation/collecte de données ; observation des océans ; surveillances des activités maritimes et terrestres ; géolocalisation de mobiles terrestres</a:t>
-            </a:r>
-          </a:p>
-          <a:p>
-            <a:endParaRPr lang="fr-FR" dirty="0"/>
-          </a:p>
-        </p:txBody>
-      </p:sp>
-      <p:sp>
-        <p:nvSpPr>
-          <p:cNvPr id="4" name="Espace réservé de la date 3"/>
-          <p:cNvSpPr>
-            <a:spLocks noGrp="1"/>
-          </p:cNvSpPr>
-          <p:nvPr>
-            <p:ph type="dt" sz="half" idx="10"/>
-          </p:nvPr>
-        </p:nvSpPr>
-        <p:spPr/>
-        <p:txBody>
-          <a:bodyPr/>
-          <a:lstStyle/>
-          <a:p>
-            <a:r>
-              <a:rPr lang="fr-FR" smtClean="0"/>
-              <a:t>Anthony Delannoy, Jérôme Combanière, Benoit Madiot</a:t>
-            </a:r>
-            <a:endParaRPr lang="en-US" dirty="0"/>
-          </a:p>
-        </p:txBody>
-      </p:sp>
-      <p:sp>
-        <p:nvSpPr>
-          <p:cNvPr id="5" name="Espace réservé du numéro de diapositive 4"/>
-          <p:cNvSpPr>
-            <a:spLocks noGrp="1"/>
-          </p:cNvSpPr>
-          <p:nvPr>
-            <p:ph type="sldNum" sz="quarter" idx="12"/>
-          </p:nvPr>
-        </p:nvSpPr>
-        <p:spPr/>
-        <p:txBody>
-          <a:bodyPr/>
-          <a:lstStyle/>
-          <a:p>
-            <a:fld id="{629637A9-119A-49DA-BD12-AAC58B377D80}" type="slidenum">
-              <a:rPr lang="en-US" smtClean="0"/>
-              <a:t>18</a:t>
-            </a:fld>
-            <a:endParaRPr lang="en-US" dirty="0"/>
-          </a:p>
-        </p:txBody>
-      </p:sp>
-      <p:pic>
-        <p:nvPicPr>
-          <p:cNvPr id="6" name="Image 5"/>
-          <p:cNvPicPr>
-            <a:picLocks noChangeAspect="1"/>
-          </p:cNvPicPr>
-          <p:nvPr/>
-        </p:nvPicPr>
-        <p:blipFill>
-          <a:blip r:embed="rId2">
-            <a:extLst>
-              <a:ext uri="{28A0092B-C50C-407E-A947-70E740481C1C}">
-                <a14:useLocalDpi xmlns:a14="http://schemas.microsoft.com/office/drawing/2010/main" val="0"/>
-              </a:ext>
-            </a:extLst>
-          </a:blip>
-          <a:stretch>
-            <a:fillRect/>
-          </a:stretch>
-        </p:blipFill>
-        <p:spPr>
-          <a:xfrm>
-            <a:off x="9250680" y="3047789"/>
-            <a:ext cx="1905000" cy="1619250"/>
-          </a:xfrm>
-          <a:prstGeom prst="rect">
-            <a:avLst/>
-          </a:prstGeom>
-        </p:spPr>
-      </p:pic>
-    </p:spTree>
-    <p:extLst>
-      <p:ext uri="{BB962C8B-B14F-4D97-AF65-F5344CB8AC3E}">
-        <p14:creationId xmlns:p14="http://schemas.microsoft.com/office/powerpoint/2010/main" val="2710051377"/>
-      </p:ext>
-    </p:extLst>
-  </p:cSld>
-  <p:clrMapOvr>
-    <a:masterClrMapping/>
-  </p:clrMapOvr>
-  <p:timing>
-    <p:tnLst>
-      <p:par>
-        <p:cTn id="1" dur="indefinite" restart="never" nodeType="tmRoot"/>
-      </p:par>
-    </p:tnLst>
-  </p:timing>
-</p:sld>
-</file>
-
-<file path=ppt/slides/slide19.xml><?xml version="1.0" encoding="utf-8"?>
-<p:sld xmlns:a="http://schemas.openxmlformats.org/drawingml/2006/main" xmlns:r="http://schemas.openxmlformats.org/officeDocument/2006/relationships" xmlns:p="http://schemas.openxmlformats.org/presentationml/2006/main">
-  <p:cSld>
-    <p:spTree>
-      <p:nvGrpSpPr>
-        <p:cNvPr id="1" name=""/>
-        <p:cNvGrpSpPr/>
-        <p:nvPr/>
-      </p:nvGrpSpPr>
-      <p:grpSpPr>
-        <a:xfrm>
-          <a:off x="0" y="0"/>
-          <a:ext cx="0" cy="0"/>
-          <a:chOff x="0" y="0"/>
-          <a:chExt cx="0" cy="0"/>
-        </a:xfrm>
-      </p:grpSpPr>
-      <p:sp>
-        <p:nvSpPr>
-          <p:cNvPr id="2" name="Titre 1"/>
-          <p:cNvSpPr>
-            <a:spLocks noGrp="1"/>
-          </p:cNvSpPr>
-          <p:nvPr>
-            <p:ph type="ctrTitle"/>
-          </p:nvPr>
-        </p:nvSpPr>
-        <p:spPr/>
-        <p:txBody>
-          <a:bodyPr/>
-          <a:lstStyle/>
-          <a:p>
-            <a:r>
-              <a:rPr lang="fr-FR" dirty="0" smtClean="0"/>
-              <a:t>Présentation du projet</a:t>
-            </a:r>
-            <a:endParaRPr lang="fr-FR" dirty="0"/>
-          </a:p>
-        </p:txBody>
-      </p:sp>
-      <p:sp>
-        <p:nvSpPr>
-          <p:cNvPr id="3" name="Sous-titre 2"/>
-          <p:cNvSpPr>
-            <a:spLocks noGrp="1"/>
-          </p:cNvSpPr>
-          <p:nvPr>
-            <p:ph type="subTitle" idx="1"/>
-          </p:nvPr>
-        </p:nvSpPr>
-        <p:spPr/>
-        <p:txBody>
-          <a:bodyPr/>
-          <a:lstStyle/>
-          <a:p>
-            <a:endParaRPr lang="fr-FR"/>
-          </a:p>
-        </p:txBody>
-      </p:sp>
-      <p:sp>
-        <p:nvSpPr>
-          <p:cNvPr id="4" name="Espace réservé de la date 3"/>
-          <p:cNvSpPr>
-            <a:spLocks noGrp="1"/>
-          </p:cNvSpPr>
-          <p:nvPr>
-            <p:ph type="dt" sz="half" idx="10"/>
-          </p:nvPr>
-        </p:nvSpPr>
-        <p:spPr/>
-        <p:txBody>
-          <a:bodyPr/>
-          <a:lstStyle/>
-          <a:p>
-            <a:r>
-              <a:rPr lang="fr-FR" smtClean="0"/>
-              <a:t>Anthony Delannoy, Jérôme Combanière, Benoit Madiot</a:t>
-            </a:r>
-            <a:endParaRPr lang="en-US" dirty="0"/>
-          </a:p>
-        </p:txBody>
-      </p:sp>
-      <p:sp>
-        <p:nvSpPr>
-          <p:cNvPr id="5" name="Espace réservé du numéro de diapositive 4"/>
-          <p:cNvSpPr>
-            <a:spLocks noGrp="1"/>
-          </p:cNvSpPr>
-          <p:nvPr>
-            <p:ph type="sldNum" sz="quarter" idx="12"/>
-          </p:nvPr>
-        </p:nvSpPr>
-        <p:spPr/>
-        <p:txBody>
-          <a:bodyPr/>
-          <a:lstStyle/>
-          <a:p>
-            <a:fld id="{4FAB73BC-B049-4115-A692-8D63A059BFB8}" type="slidenum">
-              <a:rPr lang="en-US" smtClean="0"/>
-              <a:t>19</a:t>
-            </a:fld>
-            <a:endParaRPr lang="en-US" dirty="0"/>
-          </a:p>
-        </p:txBody>
-      </p:sp>
-    </p:spTree>
-    <p:extLst>
-      <p:ext uri="{BB962C8B-B14F-4D97-AF65-F5344CB8AC3E}">
-        <p14:creationId xmlns:p14="http://schemas.microsoft.com/office/powerpoint/2010/main" val="1743729267"/>
-      </p:ext>
-    </p:extLst>
-  </p:cSld>
-  <p:clrMapOvr>
-    <a:masterClrMapping/>
-  </p:clrMapOvr>
-  <p:timing>
-    <p:tnLst>
-      <p:par>
-        <p:cTn id="1" dur="indefinite" restart="never" nodeType="tmRoot"/>
-      </p:par>
-    </p:tnLst>
-  </p:timing>
-</p:sld>
-</file>
-
 <file path=ppt/slides/slide2.xml><?xml version="1.0" encoding="utf-8"?>
 <p:sld xmlns:a="http://schemas.openxmlformats.org/drawingml/2006/main" xmlns:r="http://schemas.openxmlformats.org/officeDocument/2006/relationships" xmlns:p="http://schemas.openxmlformats.org/presentationml/2006/main">
   <p:cSld>
@@ -14065,6 +14362,773 @@
           <a:p>
             <a:r>
               <a:rPr lang="fr-FR" dirty="0" smtClean="0"/>
+              <a:t>GUI</a:t>
+            </a:r>
+            <a:endParaRPr lang="fr-FR" dirty="0"/>
+          </a:p>
+        </p:txBody>
+      </p:sp>
+      <p:sp>
+        <p:nvSpPr>
+          <p:cNvPr id="3" name="Espace réservé du texte 2"/>
+          <p:cNvSpPr>
+            <a:spLocks noGrp="1"/>
+          </p:cNvSpPr>
+          <p:nvPr>
+            <p:ph type="body" idx="1"/>
+          </p:nvPr>
+        </p:nvSpPr>
+        <p:spPr/>
+        <p:txBody>
+          <a:bodyPr/>
+          <a:lstStyle/>
+          <a:p>
+            <a:endParaRPr lang="fr-FR"/>
+          </a:p>
+        </p:txBody>
+      </p:sp>
+      <p:sp>
+        <p:nvSpPr>
+          <p:cNvPr id="4" name="Espace réservé de la date 3"/>
+          <p:cNvSpPr>
+            <a:spLocks noGrp="1"/>
+          </p:cNvSpPr>
+          <p:nvPr>
+            <p:ph type="dt" sz="half" idx="10"/>
+          </p:nvPr>
+        </p:nvSpPr>
+        <p:spPr/>
+        <p:txBody>
+          <a:bodyPr/>
+          <a:lstStyle/>
+          <a:p>
+            <a:r>
+              <a:rPr lang="fr-FR" smtClean="0"/>
+              <a:t>Anthony Delannoy, Jérôme Combanière, Benoit Madiot</a:t>
+            </a:r>
+            <a:endParaRPr lang="en-US" dirty="0"/>
+          </a:p>
+        </p:txBody>
+      </p:sp>
+      <p:sp>
+        <p:nvSpPr>
+          <p:cNvPr id="5" name="Espace réservé du numéro de diapositive 4"/>
+          <p:cNvSpPr>
+            <a:spLocks noGrp="1"/>
+          </p:cNvSpPr>
+          <p:nvPr>
+            <p:ph type="sldNum" sz="quarter" idx="12"/>
+          </p:nvPr>
+        </p:nvSpPr>
+        <p:spPr/>
+        <p:txBody>
+          <a:bodyPr/>
+          <a:lstStyle/>
+          <a:p>
+            <a:fld id="{4FAB73BC-B049-4115-A692-8D63A059BFB8}" type="slidenum">
+              <a:rPr lang="en-US" smtClean="0"/>
+              <a:t>20</a:t>
+            </a:fld>
+            <a:endParaRPr lang="en-US" dirty="0"/>
+          </a:p>
+        </p:txBody>
+      </p:sp>
+    </p:spTree>
+    <p:extLst>
+      <p:ext uri="{BB962C8B-B14F-4D97-AF65-F5344CB8AC3E}">
+        <p14:creationId xmlns:p14="http://schemas.microsoft.com/office/powerpoint/2010/main" val="3327186273"/>
+      </p:ext>
+    </p:extLst>
+  </p:cSld>
+  <p:clrMapOvr>
+    <a:masterClrMapping/>
+  </p:clrMapOvr>
+</p:sld>
+</file>
+
+<file path=ppt/slides/slide21.xml><?xml version="1.0" encoding="utf-8"?>
+<p:sld xmlns:a="http://schemas.openxmlformats.org/drawingml/2006/main" xmlns:r="http://schemas.openxmlformats.org/officeDocument/2006/relationships" xmlns:p="http://schemas.openxmlformats.org/presentationml/2006/main">
+  <p:cSld>
+    <p:spTree>
+      <p:nvGrpSpPr>
+        <p:cNvPr id="1" name=""/>
+        <p:cNvGrpSpPr/>
+        <p:nvPr/>
+      </p:nvGrpSpPr>
+      <p:grpSpPr>
+        <a:xfrm>
+          <a:off x="0" y="0"/>
+          <a:ext cx="0" cy="0"/>
+          <a:chOff x="0" y="0"/>
+          <a:chExt cx="0" cy="0"/>
+        </a:xfrm>
+      </p:grpSpPr>
+      <p:sp>
+        <p:nvSpPr>
+          <p:cNvPr id="2" name="Titre 1"/>
+          <p:cNvSpPr>
+            <a:spLocks noGrp="1"/>
+          </p:cNvSpPr>
+          <p:nvPr>
+            <p:ph type="title"/>
+          </p:nvPr>
+        </p:nvSpPr>
+        <p:spPr/>
+        <p:txBody>
+          <a:bodyPr/>
+          <a:lstStyle/>
+          <a:p>
+            <a:r>
+              <a:rPr lang="fr-FR" dirty="0" smtClean="0"/>
+              <a:t>GUI</a:t>
+            </a:r>
+            <a:endParaRPr lang="fr-FR" dirty="0"/>
+          </a:p>
+        </p:txBody>
+      </p:sp>
+      <p:pic>
+        <p:nvPicPr>
+          <p:cNvPr id="7" name="Espace réservé du contenu 6"/>
+          <p:cNvPicPr>
+            <a:picLocks noGrp="1" noChangeAspect="1"/>
+          </p:cNvPicPr>
+          <p:nvPr>
+            <p:ph idx="1"/>
+          </p:nvPr>
+        </p:nvPicPr>
+        <p:blipFill>
+          <a:blip r:embed="rId2">
+            <a:extLst>
+              <a:ext uri="{28A0092B-C50C-407E-A947-70E740481C1C}">
+                <a14:useLocalDpi xmlns:a14="http://schemas.microsoft.com/office/drawing/2010/main" val="0"/>
+              </a:ext>
+            </a:extLst>
+          </a:blip>
+          <a:stretch>
+            <a:fillRect/>
+          </a:stretch>
+        </p:blipFill>
+        <p:spPr>
+          <a:xfrm>
+            <a:off x="4997159" y="-167590"/>
+            <a:ext cx="6877161" cy="7025590"/>
+          </a:xfrm>
+        </p:spPr>
+      </p:pic>
+      <p:sp>
+        <p:nvSpPr>
+          <p:cNvPr id="4" name="Espace réservé du texte 3"/>
+          <p:cNvSpPr>
+            <a:spLocks noGrp="1"/>
+          </p:cNvSpPr>
+          <p:nvPr>
+            <p:ph type="body" sz="half" idx="2"/>
+          </p:nvPr>
+        </p:nvSpPr>
+        <p:spPr/>
+        <p:txBody>
+          <a:bodyPr/>
+          <a:lstStyle/>
+          <a:p>
+            <a:endParaRPr lang="fr-FR" dirty="0"/>
+          </a:p>
+        </p:txBody>
+      </p:sp>
+      <p:sp>
+        <p:nvSpPr>
+          <p:cNvPr id="5" name="Espace réservé de la date 4"/>
+          <p:cNvSpPr>
+            <a:spLocks noGrp="1"/>
+          </p:cNvSpPr>
+          <p:nvPr>
+            <p:ph type="dt" sz="half" idx="10"/>
+          </p:nvPr>
+        </p:nvSpPr>
+        <p:spPr/>
+        <p:txBody>
+          <a:bodyPr/>
+          <a:lstStyle/>
+          <a:p>
+            <a:r>
+              <a:rPr lang="fr-FR" smtClean="0"/>
+              <a:t>Anthony Delannoy, Jérôme Combanière, Benoit Madiot</a:t>
+            </a:r>
+            <a:endParaRPr lang="en-US" dirty="0"/>
+          </a:p>
+        </p:txBody>
+      </p:sp>
+      <p:sp>
+        <p:nvSpPr>
+          <p:cNvPr id="6" name="Espace réservé du numéro de diapositive 5"/>
+          <p:cNvSpPr>
+            <a:spLocks noGrp="1"/>
+          </p:cNvSpPr>
+          <p:nvPr>
+            <p:ph type="sldNum" sz="quarter" idx="12"/>
+          </p:nvPr>
+        </p:nvSpPr>
+        <p:spPr/>
+        <p:txBody>
+          <a:bodyPr/>
+          <a:lstStyle/>
+          <a:p>
+            <a:fld id="{4FAB73BC-B049-4115-A692-8D63A059BFB8}" type="slidenum">
+              <a:rPr lang="en-US" smtClean="0"/>
+              <a:pPr/>
+              <a:t>21</a:t>
+            </a:fld>
+            <a:endParaRPr lang="en-US" dirty="0"/>
+          </a:p>
+        </p:txBody>
+      </p:sp>
+    </p:spTree>
+    <p:extLst>
+      <p:ext uri="{BB962C8B-B14F-4D97-AF65-F5344CB8AC3E}">
+        <p14:creationId xmlns:p14="http://schemas.microsoft.com/office/powerpoint/2010/main" val="3160302456"/>
+      </p:ext>
+    </p:extLst>
+  </p:cSld>
+  <p:clrMapOvr>
+    <a:masterClrMapping/>
+  </p:clrMapOvr>
+</p:sld>
+</file>
+
+<file path=ppt/slides/slide22.xml><?xml version="1.0" encoding="utf-8"?>
+<p:sld xmlns:a="http://schemas.openxmlformats.org/drawingml/2006/main" xmlns:r="http://schemas.openxmlformats.org/officeDocument/2006/relationships" xmlns:p="http://schemas.openxmlformats.org/presentationml/2006/main">
+  <p:cSld>
+    <p:spTree>
+      <p:nvGrpSpPr>
+        <p:cNvPr id="1" name=""/>
+        <p:cNvGrpSpPr/>
+        <p:nvPr/>
+      </p:nvGrpSpPr>
+      <p:grpSpPr>
+        <a:xfrm>
+          <a:off x="0" y="0"/>
+          <a:ext cx="0" cy="0"/>
+          <a:chOff x="0" y="0"/>
+          <a:chExt cx="0" cy="0"/>
+        </a:xfrm>
+      </p:grpSpPr>
+      <p:sp>
+        <p:nvSpPr>
+          <p:cNvPr id="2" name="Titre 1"/>
+          <p:cNvSpPr>
+            <a:spLocks noGrp="1"/>
+          </p:cNvSpPr>
+          <p:nvPr>
+            <p:ph type="title"/>
+          </p:nvPr>
+        </p:nvSpPr>
+        <p:spPr/>
+        <p:txBody>
+          <a:bodyPr/>
+          <a:lstStyle/>
+          <a:p>
+            <a:r>
+              <a:rPr lang="fr-FR" dirty="0" smtClean="0"/>
+              <a:t>Conclusion</a:t>
+            </a:r>
+            <a:endParaRPr lang="fr-FR" dirty="0"/>
+          </a:p>
+        </p:txBody>
+      </p:sp>
+      <p:sp>
+        <p:nvSpPr>
+          <p:cNvPr id="3" name="Espace réservé du contenu 2"/>
+          <p:cNvSpPr>
+            <a:spLocks noGrp="1"/>
+          </p:cNvSpPr>
+          <p:nvPr>
+            <p:ph idx="1"/>
+          </p:nvPr>
+        </p:nvSpPr>
+        <p:spPr/>
+        <p:txBody>
+          <a:bodyPr/>
+          <a:lstStyle/>
+          <a:p>
+            <a:endParaRPr lang="fr-FR" dirty="0"/>
+          </a:p>
+        </p:txBody>
+      </p:sp>
+      <p:sp>
+        <p:nvSpPr>
+          <p:cNvPr id="4" name="Espace réservé de la date 3"/>
+          <p:cNvSpPr>
+            <a:spLocks noGrp="1"/>
+          </p:cNvSpPr>
+          <p:nvPr>
+            <p:ph type="dt" sz="half" idx="10"/>
+          </p:nvPr>
+        </p:nvSpPr>
+        <p:spPr/>
+        <p:txBody>
+          <a:bodyPr/>
+          <a:lstStyle/>
+          <a:p>
+            <a:r>
+              <a:rPr lang="fr-FR" smtClean="0"/>
+              <a:t>Anthony Delannoy, Jérôme Combanière, Benoit Madiot</a:t>
+            </a:r>
+            <a:endParaRPr lang="en-US" dirty="0"/>
+          </a:p>
+        </p:txBody>
+      </p:sp>
+      <p:sp>
+        <p:nvSpPr>
+          <p:cNvPr id="5" name="Espace réservé du numéro de diapositive 4"/>
+          <p:cNvSpPr>
+            <a:spLocks noGrp="1"/>
+          </p:cNvSpPr>
+          <p:nvPr>
+            <p:ph type="sldNum" sz="quarter" idx="12"/>
+          </p:nvPr>
+        </p:nvSpPr>
+        <p:spPr/>
+        <p:txBody>
+          <a:bodyPr/>
+          <a:lstStyle/>
+          <a:p>
+            <a:fld id="{629637A9-119A-49DA-BD12-AAC58B377D80}" type="slidenum">
+              <a:rPr lang="en-US" smtClean="0"/>
+              <a:t>22</a:t>
+            </a:fld>
+            <a:endParaRPr lang="en-US" dirty="0"/>
+          </a:p>
+        </p:txBody>
+      </p:sp>
+    </p:spTree>
+    <p:extLst>
+      <p:ext uri="{BB962C8B-B14F-4D97-AF65-F5344CB8AC3E}">
+        <p14:creationId xmlns:p14="http://schemas.microsoft.com/office/powerpoint/2010/main" val="3472136601"/>
+      </p:ext>
+    </p:extLst>
+  </p:cSld>
+  <p:clrMapOvr>
+    <a:masterClrMapping/>
+  </p:clrMapOvr>
+</p:sld>
+</file>
+
+<file path=ppt/slides/slide23.xml><?xml version="1.0" encoding="utf-8"?>
+<p:sld xmlns:a="http://schemas.openxmlformats.org/drawingml/2006/main" xmlns:r="http://schemas.openxmlformats.org/officeDocument/2006/relationships" xmlns:p="http://schemas.openxmlformats.org/presentationml/2006/main">
+  <p:cSld>
+    <p:spTree>
+      <p:nvGrpSpPr>
+        <p:cNvPr id="1" name=""/>
+        <p:cNvGrpSpPr/>
+        <p:nvPr/>
+      </p:nvGrpSpPr>
+      <p:grpSpPr>
+        <a:xfrm>
+          <a:off x="0" y="0"/>
+          <a:ext cx="0" cy="0"/>
+          <a:chOff x="0" y="0"/>
+          <a:chExt cx="0" cy="0"/>
+        </a:xfrm>
+      </p:grpSpPr>
+      <p:sp>
+        <p:nvSpPr>
+          <p:cNvPr id="2" name="Titre 1"/>
+          <p:cNvSpPr>
+            <a:spLocks noGrp="1"/>
+          </p:cNvSpPr>
+          <p:nvPr>
+            <p:ph type="title"/>
+          </p:nvPr>
+        </p:nvSpPr>
+        <p:spPr/>
+        <p:txBody>
+          <a:bodyPr/>
+          <a:lstStyle/>
+          <a:p>
+            <a:r>
+              <a:rPr lang="fr-FR" dirty="0" smtClean="0"/>
+              <a:t>CLS</a:t>
+            </a:r>
+            <a:endParaRPr lang="fr-FR" dirty="0"/>
+          </a:p>
+        </p:txBody>
+      </p:sp>
+      <p:sp>
+        <p:nvSpPr>
+          <p:cNvPr id="3" name="Espace réservé du contenu 2"/>
+          <p:cNvSpPr>
+            <a:spLocks noGrp="1"/>
+          </p:cNvSpPr>
+          <p:nvPr>
+            <p:ph idx="1"/>
+          </p:nvPr>
+        </p:nvSpPr>
+        <p:spPr>
+          <a:xfrm>
+            <a:off x="1097280" y="1845734"/>
+            <a:ext cx="7789143" cy="4023360"/>
+          </a:xfrm>
+        </p:spPr>
+        <p:txBody>
+          <a:bodyPr>
+            <a:normAutofit fontScale="92500" lnSpcReduction="10000"/>
+          </a:bodyPr>
+          <a:lstStyle/>
+          <a:p>
+            <a:endParaRPr lang="fr-FR" dirty="0" smtClean="0"/>
+          </a:p>
+          <a:p>
+            <a:pPr algn="just">
+              <a:lnSpc>
+                <a:spcPct val="150000"/>
+              </a:lnSpc>
+              <a:buFont typeface="Wingdings" panose="05000000000000000000" pitchFamily="2" charset="2"/>
+              <a:buChar char="§"/>
+            </a:pPr>
+            <a:r>
+              <a:rPr lang="fr-FR" dirty="0"/>
+              <a:t> </a:t>
+            </a:r>
+            <a:r>
+              <a:rPr lang="fr-FR" dirty="0" smtClean="0"/>
+              <a:t>600 collaborateurs </a:t>
+            </a:r>
+            <a:r>
+              <a:rPr lang="fr-FR" dirty="0"/>
+              <a:t>à travers le </a:t>
+            </a:r>
+            <a:r>
+              <a:rPr lang="fr-FR" dirty="0" smtClean="0"/>
+              <a:t>monde</a:t>
+            </a:r>
+          </a:p>
+          <a:p>
+            <a:pPr algn="just">
+              <a:lnSpc>
+                <a:spcPct val="150000"/>
+              </a:lnSpc>
+              <a:buFont typeface="Wingdings" panose="05000000000000000000" pitchFamily="2" charset="2"/>
+              <a:buChar char="§"/>
+            </a:pPr>
+            <a:r>
+              <a:rPr lang="fr-FR" dirty="0"/>
+              <a:t> </a:t>
+            </a:r>
+            <a:r>
+              <a:rPr lang="fr-FR" dirty="0" smtClean="0"/>
+              <a:t>Opérant </a:t>
+            </a:r>
+            <a:r>
+              <a:rPr lang="fr-FR" dirty="0"/>
+              <a:t>plus de 80 instruments embarqués sur près de 40 </a:t>
+            </a:r>
+            <a:r>
+              <a:rPr lang="fr-FR" dirty="0" smtClean="0"/>
+              <a:t>satellites</a:t>
+            </a:r>
+          </a:p>
+          <a:p>
+            <a:pPr algn="just">
+              <a:lnSpc>
+                <a:spcPct val="150000"/>
+              </a:lnSpc>
+              <a:buFont typeface="Wingdings" panose="05000000000000000000" pitchFamily="2" charset="2"/>
+              <a:buChar char="§"/>
+            </a:pPr>
+            <a:r>
+              <a:rPr lang="fr-FR" dirty="0"/>
+              <a:t> </a:t>
+            </a:r>
+            <a:r>
+              <a:rPr lang="fr-FR" dirty="0" smtClean="0"/>
+              <a:t>Clients </a:t>
+            </a:r>
+            <a:r>
+              <a:rPr lang="fr-FR" dirty="0"/>
+              <a:t>: gouvernements, organisations scientifiques, ONG, grands groupes </a:t>
+            </a:r>
+            <a:r>
+              <a:rPr lang="fr-FR" dirty="0" smtClean="0"/>
+              <a:t>industriels</a:t>
+            </a:r>
+            <a:endParaRPr lang="fr-FR" dirty="0"/>
+          </a:p>
+          <a:p>
+            <a:pPr algn="just">
+              <a:lnSpc>
+                <a:spcPct val="150000"/>
+              </a:lnSpc>
+              <a:buFont typeface="Wingdings" panose="05000000000000000000" pitchFamily="2" charset="2"/>
+              <a:buChar char="§"/>
+            </a:pPr>
+            <a:r>
+              <a:rPr lang="fr-FR" dirty="0" smtClean="0"/>
+              <a:t> Activités </a:t>
+            </a:r>
+            <a:r>
+              <a:rPr lang="fr-FR" dirty="0"/>
+              <a:t>: localisation/collecte de données ; observation des océans ; surveillances des activités maritimes et terrestres ; géolocalisation de mobiles terrestres</a:t>
+            </a:r>
+          </a:p>
+          <a:p>
+            <a:endParaRPr lang="fr-FR" dirty="0"/>
+          </a:p>
+        </p:txBody>
+      </p:sp>
+      <p:sp>
+        <p:nvSpPr>
+          <p:cNvPr id="4" name="Espace réservé de la date 3"/>
+          <p:cNvSpPr>
+            <a:spLocks noGrp="1"/>
+          </p:cNvSpPr>
+          <p:nvPr>
+            <p:ph type="dt" sz="half" idx="10"/>
+          </p:nvPr>
+        </p:nvSpPr>
+        <p:spPr/>
+        <p:txBody>
+          <a:bodyPr/>
+          <a:lstStyle/>
+          <a:p>
+            <a:r>
+              <a:rPr lang="fr-FR" smtClean="0"/>
+              <a:t>Anthony Delannoy, Jérôme Combanière, Benoit Madiot</a:t>
+            </a:r>
+            <a:endParaRPr lang="en-US" dirty="0"/>
+          </a:p>
+        </p:txBody>
+      </p:sp>
+      <p:sp>
+        <p:nvSpPr>
+          <p:cNvPr id="5" name="Espace réservé du numéro de diapositive 4"/>
+          <p:cNvSpPr>
+            <a:spLocks noGrp="1"/>
+          </p:cNvSpPr>
+          <p:nvPr>
+            <p:ph type="sldNum" sz="quarter" idx="12"/>
+          </p:nvPr>
+        </p:nvSpPr>
+        <p:spPr/>
+        <p:txBody>
+          <a:bodyPr/>
+          <a:lstStyle/>
+          <a:p>
+            <a:fld id="{629637A9-119A-49DA-BD12-AAC58B377D80}" type="slidenum">
+              <a:rPr lang="en-US" smtClean="0"/>
+              <a:t>23</a:t>
+            </a:fld>
+            <a:endParaRPr lang="en-US" dirty="0"/>
+          </a:p>
+        </p:txBody>
+      </p:sp>
+      <p:pic>
+        <p:nvPicPr>
+          <p:cNvPr id="6" name="Image 5"/>
+          <p:cNvPicPr>
+            <a:picLocks noChangeAspect="1"/>
+          </p:cNvPicPr>
+          <p:nvPr/>
+        </p:nvPicPr>
+        <p:blipFill>
+          <a:blip r:embed="rId2">
+            <a:extLst>
+              <a:ext uri="{28A0092B-C50C-407E-A947-70E740481C1C}">
+                <a14:useLocalDpi xmlns:a14="http://schemas.microsoft.com/office/drawing/2010/main" val="0"/>
+              </a:ext>
+            </a:extLst>
+          </a:blip>
+          <a:stretch>
+            <a:fillRect/>
+          </a:stretch>
+        </p:blipFill>
+        <p:spPr>
+          <a:xfrm>
+            <a:off x="9250680" y="3047789"/>
+            <a:ext cx="1905000" cy="1619250"/>
+          </a:xfrm>
+          <a:prstGeom prst="rect">
+            <a:avLst/>
+          </a:prstGeom>
+        </p:spPr>
+      </p:pic>
+    </p:spTree>
+    <p:extLst>
+      <p:ext uri="{BB962C8B-B14F-4D97-AF65-F5344CB8AC3E}">
+        <p14:creationId xmlns:p14="http://schemas.microsoft.com/office/powerpoint/2010/main" val="2710051377"/>
+      </p:ext>
+    </p:extLst>
+  </p:cSld>
+  <p:clrMapOvr>
+    <a:masterClrMapping/>
+  </p:clrMapOvr>
+  <p:timing>
+    <p:tnLst>
+      <p:par>
+        <p:cTn id="1" dur="indefinite" restart="never" nodeType="tmRoot"/>
+      </p:par>
+    </p:tnLst>
+  </p:timing>
+</p:sld>
+</file>
+
+<file path=ppt/slides/slide24.xml><?xml version="1.0" encoding="utf-8"?>
+<p:sld xmlns:a="http://schemas.openxmlformats.org/drawingml/2006/main" xmlns:r="http://schemas.openxmlformats.org/officeDocument/2006/relationships" xmlns:p="http://schemas.openxmlformats.org/presentationml/2006/main">
+  <p:cSld>
+    <p:spTree>
+      <p:nvGrpSpPr>
+        <p:cNvPr id="1" name=""/>
+        <p:cNvGrpSpPr/>
+        <p:nvPr/>
+      </p:nvGrpSpPr>
+      <p:grpSpPr>
+        <a:xfrm>
+          <a:off x="0" y="0"/>
+          <a:ext cx="0" cy="0"/>
+          <a:chOff x="0" y="0"/>
+          <a:chExt cx="0" cy="0"/>
+        </a:xfrm>
+      </p:grpSpPr>
+      <p:sp>
+        <p:nvSpPr>
+          <p:cNvPr id="2" name="Titre 1"/>
+          <p:cNvSpPr>
+            <a:spLocks noGrp="1"/>
+          </p:cNvSpPr>
+          <p:nvPr>
+            <p:ph type="ctrTitle"/>
+          </p:nvPr>
+        </p:nvSpPr>
+        <p:spPr/>
+        <p:txBody>
+          <a:bodyPr/>
+          <a:lstStyle/>
+          <a:p>
+            <a:r>
+              <a:rPr lang="fr-FR" dirty="0" smtClean="0"/>
+              <a:t>Présentation du projet</a:t>
+            </a:r>
+            <a:endParaRPr lang="fr-FR" dirty="0"/>
+          </a:p>
+        </p:txBody>
+      </p:sp>
+      <p:sp>
+        <p:nvSpPr>
+          <p:cNvPr id="3" name="Sous-titre 2"/>
+          <p:cNvSpPr>
+            <a:spLocks noGrp="1"/>
+          </p:cNvSpPr>
+          <p:nvPr>
+            <p:ph type="subTitle" idx="1"/>
+          </p:nvPr>
+        </p:nvSpPr>
+        <p:spPr/>
+        <p:txBody>
+          <a:bodyPr/>
+          <a:lstStyle/>
+          <a:p>
+            <a:endParaRPr lang="fr-FR"/>
+          </a:p>
+        </p:txBody>
+      </p:sp>
+      <p:sp>
+        <p:nvSpPr>
+          <p:cNvPr id="4" name="Espace réservé de la date 3"/>
+          <p:cNvSpPr>
+            <a:spLocks noGrp="1"/>
+          </p:cNvSpPr>
+          <p:nvPr>
+            <p:ph type="dt" sz="half" idx="10"/>
+          </p:nvPr>
+        </p:nvSpPr>
+        <p:spPr/>
+        <p:txBody>
+          <a:bodyPr/>
+          <a:lstStyle/>
+          <a:p>
+            <a:r>
+              <a:rPr lang="fr-FR" smtClean="0"/>
+              <a:t>Anthony Delannoy, Jérôme Combanière, Benoit Madiot</a:t>
+            </a:r>
+            <a:endParaRPr lang="en-US" dirty="0"/>
+          </a:p>
+        </p:txBody>
+      </p:sp>
+      <p:sp>
+        <p:nvSpPr>
+          <p:cNvPr id="5" name="Espace réservé du numéro de diapositive 4"/>
+          <p:cNvSpPr>
+            <a:spLocks noGrp="1"/>
+          </p:cNvSpPr>
+          <p:nvPr>
+            <p:ph type="sldNum" sz="quarter" idx="12"/>
+          </p:nvPr>
+        </p:nvSpPr>
+        <p:spPr/>
+        <p:txBody>
+          <a:bodyPr/>
+          <a:lstStyle/>
+          <a:p>
+            <a:fld id="{4FAB73BC-B049-4115-A692-8D63A059BFB8}" type="slidenum">
+              <a:rPr lang="en-US" smtClean="0"/>
+              <a:t>24</a:t>
+            </a:fld>
+            <a:endParaRPr lang="en-US" dirty="0"/>
+          </a:p>
+        </p:txBody>
+      </p:sp>
+    </p:spTree>
+    <p:extLst>
+      <p:ext uri="{BB962C8B-B14F-4D97-AF65-F5344CB8AC3E}">
+        <p14:creationId xmlns:p14="http://schemas.microsoft.com/office/powerpoint/2010/main" val="1743729267"/>
+      </p:ext>
+    </p:extLst>
+  </p:cSld>
+  <p:clrMapOvr>
+    <a:masterClrMapping/>
+  </p:clrMapOvr>
+  <p:timing>
+    <p:tnLst>
+      <p:par>
+        <p:cTn id="1" dur="indefinite" restart="never" nodeType="tmRoot"/>
+      </p:par>
+    </p:tnLst>
+  </p:timing>
+</p:sld>
+</file>
+
+<file path=ppt/slides/slide25.xml><?xml version="1.0" encoding="utf-8"?>
+<p:sld xmlns:a="http://schemas.openxmlformats.org/drawingml/2006/main" xmlns:r="http://schemas.openxmlformats.org/officeDocument/2006/relationships" xmlns:p="http://schemas.openxmlformats.org/presentationml/2006/main">
+  <p:cSld>
+    <p:spTree>
+      <p:nvGrpSpPr>
+        <p:cNvPr id="1" name=""/>
+        <p:cNvGrpSpPr/>
+        <p:nvPr/>
+      </p:nvGrpSpPr>
+      <p:grpSpPr>
+        <a:xfrm>
+          <a:off x="0" y="0"/>
+          <a:ext cx="0" cy="0"/>
+          <a:chOff x="0" y="0"/>
+          <a:chExt cx="0" cy="0"/>
+        </a:xfrm>
+      </p:grpSpPr>
+      <p:sp>
+        <p:nvSpPr>
+          <p:cNvPr id="2" name="Titre 1"/>
+          <p:cNvSpPr>
+            <a:spLocks noGrp="1"/>
+          </p:cNvSpPr>
+          <p:nvPr>
+            <p:ph type="title"/>
+          </p:nvPr>
+        </p:nvSpPr>
+        <p:spPr/>
+        <p:txBody>
+          <a:bodyPr/>
+          <a:lstStyle/>
+          <a:p>
+            <a:r>
+              <a:rPr lang="fr-FR" dirty="0" smtClean="0"/>
               <a:t>Présentation du projet</a:t>
             </a:r>
             <a:endParaRPr lang="fr-FR" dirty="0"/>
@@ -14190,7 +15254,7 @@
           <a:p>
             <a:fld id="{629637A9-119A-49DA-BD12-AAC58B377D80}" type="slidenum">
               <a:rPr lang="en-US" smtClean="0"/>
-              <a:t>20</a:t>
+              <a:t>25</a:t>
             </a:fld>
             <a:endParaRPr lang="en-US" dirty="0"/>
           </a:p>
@@ -14463,7 +15527,7 @@
 </p:sld>
 </file>
 
-<file path=ppt/slides/slide21.xml><?xml version="1.0" encoding="utf-8"?>
+<file path=ppt/slides/slide26.xml><?xml version="1.0" encoding="utf-8"?>
 <p:sld xmlns:a="http://schemas.openxmlformats.org/drawingml/2006/main" xmlns:r="http://schemas.openxmlformats.org/officeDocument/2006/relationships" xmlns:p="http://schemas.openxmlformats.org/presentationml/2006/main">
   <p:cSld>
     <p:spTree>
@@ -14664,7 +15728,7 @@
           <a:p>
             <a:fld id="{629637A9-119A-49DA-BD12-AAC58B377D80}" type="slidenum">
               <a:rPr lang="en-US" smtClean="0"/>
-              <a:t>21</a:t>
+              <a:t>26</a:t>
             </a:fld>
             <a:endParaRPr lang="en-US" dirty="0"/>
           </a:p>
@@ -14690,7 +15754,7 @@
 </p:sld>
 </file>
 
-<file path=ppt/slides/slide22.xml><?xml version="1.0" encoding="utf-8"?>
+<file path=ppt/slides/slide27.xml><?xml version="1.0" encoding="utf-8"?>
 <p:sld xmlns:a="http://schemas.openxmlformats.org/drawingml/2006/main" xmlns:r="http://schemas.openxmlformats.org/officeDocument/2006/relationships" xmlns:p="http://schemas.openxmlformats.org/presentationml/2006/main">
   <p:cSld>
     <p:spTree>
@@ -14889,7 +15953,7 @@
           <a:p>
             <a:fld id="{629637A9-119A-49DA-BD12-AAC58B377D80}" type="slidenum">
               <a:rPr lang="en-US" smtClean="0"/>
-              <a:t>22</a:t>
+              <a:t>27</a:t>
             </a:fld>
             <a:endParaRPr lang="en-US" dirty="0"/>
           </a:p>
@@ -14915,7 +15979,7 @@
 </p:sld>
 </file>
 
-<file path=ppt/slides/slide23.xml><?xml version="1.0" encoding="utf-8"?>
+<file path=ppt/slides/slide28.xml><?xml version="1.0" encoding="utf-8"?>
 <p:sld xmlns:a="http://schemas.openxmlformats.org/drawingml/2006/main" xmlns:r="http://schemas.openxmlformats.org/officeDocument/2006/relationships" xmlns:p="http://schemas.openxmlformats.org/presentationml/2006/main">
   <p:cSld>
     <p:spTree>
@@ -15014,7 +16078,7 @@
           <a:p>
             <a:fld id="{4FAB73BC-B049-4115-A692-8D63A059BFB8}" type="slidenum">
               <a:rPr lang="en-US" smtClean="0"/>
-              <a:t>23</a:t>
+              <a:t>28</a:t>
             </a:fld>
             <a:endParaRPr lang="en-US" dirty="0"/>
           </a:p>
@@ -15040,7 +16104,7 @@
 </p:sld>
 </file>
 
-<file path=ppt/slides/slide24.xml><?xml version="1.0" encoding="utf-8"?>
+<file path=ppt/slides/slide29.xml><?xml version="1.0" encoding="utf-8"?>
 <p:sld xmlns:a="http://schemas.openxmlformats.org/drawingml/2006/main" xmlns:r="http://schemas.openxmlformats.org/officeDocument/2006/relationships" xmlns:p="http://schemas.openxmlformats.org/presentationml/2006/main">
   <p:cSld>
     <p:spTree>
@@ -15098,7 +16162,7 @@
             <a:fld id="{4FAB73BC-B049-4115-A692-8D63A059BFB8}" type="slidenum">
               <a:rPr lang="en-US" smtClean="0"/>
               <a:pPr/>
-              <a:t>24</a:t>
+              <a:t>29</a:t>
             </a:fld>
             <a:endParaRPr lang="en-US" dirty="0"/>
           </a:p>
@@ -15176,7 +16240,301 @@
 </p:sld>
 </file>
 
-<file path=ppt/slides/slide25.xml><?xml version="1.0" encoding="utf-8"?>
+<file path=ppt/slides/slide3.xml><?xml version="1.0" encoding="utf-8"?>
+<p:sld xmlns:a="http://schemas.openxmlformats.org/drawingml/2006/main" xmlns:r="http://schemas.openxmlformats.org/officeDocument/2006/relationships" xmlns:p="http://schemas.openxmlformats.org/presentationml/2006/main">
+  <p:cSld>
+    <p:spTree>
+      <p:nvGrpSpPr>
+        <p:cNvPr id="1" name=""/>
+        <p:cNvGrpSpPr/>
+        <p:nvPr/>
+      </p:nvGrpSpPr>
+      <p:grpSpPr>
+        <a:xfrm>
+          <a:off x="0" y="0"/>
+          <a:ext cx="0" cy="0"/>
+          <a:chOff x="0" y="0"/>
+          <a:chExt cx="0" cy="0"/>
+        </a:xfrm>
+      </p:grpSpPr>
+      <p:sp>
+        <p:nvSpPr>
+          <p:cNvPr id="2" name="Titre 1"/>
+          <p:cNvSpPr>
+            <a:spLocks noGrp="1"/>
+          </p:cNvSpPr>
+          <p:nvPr>
+            <p:ph type="title"/>
+          </p:nvPr>
+        </p:nvSpPr>
+        <p:spPr/>
+        <p:txBody>
+          <a:bodyPr/>
+          <a:lstStyle/>
+          <a:p>
+            <a:r>
+              <a:rPr lang="fr-FR" dirty="0" smtClean="0"/>
+              <a:t>Project</a:t>
+            </a:r>
+            <a:endParaRPr lang="fr-FR" dirty="0"/>
+          </a:p>
+        </p:txBody>
+      </p:sp>
+      <p:sp>
+        <p:nvSpPr>
+          <p:cNvPr id="3" name="Espace réservé du contenu 2"/>
+          <p:cNvSpPr>
+            <a:spLocks noGrp="1"/>
+          </p:cNvSpPr>
+          <p:nvPr>
+            <p:ph idx="1"/>
+          </p:nvPr>
+        </p:nvSpPr>
+        <p:spPr>
+          <a:xfrm>
+            <a:off x="865461" y="2084953"/>
+            <a:ext cx="4955790" cy="3635706"/>
+          </a:xfrm>
+        </p:spPr>
+        <p:txBody>
+          <a:bodyPr>
+            <a:normAutofit fontScale="92500"/>
+          </a:bodyPr>
+          <a:lstStyle/>
+          <a:p>
+            <a:pPr marL="0" indent="0">
+              <a:buNone/>
+            </a:pPr>
+            <a:endParaRPr lang="fr-FR" dirty="0" smtClean="0"/>
+          </a:p>
+          <a:p>
+            <a:pPr>
+              <a:lnSpc>
+                <a:spcPct val="200000"/>
+              </a:lnSpc>
+              <a:buFont typeface="Wingdings" panose="05000000000000000000" pitchFamily="2" charset="2"/>
+              <a:buChar char="§"/>
+            </a:pPr>
+            <a:r>
+              <a:rPr lang="fr-FR" dirty="0" smtClean="0"/>
+              <a:t>ARGOS </a:t>
+            </a:r>
+            <a:r>
+              <a:rPr lang="fr-FR" dirty="0"/>
+              <a:t>: 66 </a:t>
+            </a:r>
+            <a:r>
+              <a:rPr lang="fr-FR" dirty="0" smtClean="0"/>
+              <a:t>land-</a:t>
+            </a:r>
+            <a:r>
+              <a:rPr lang="fr-FR" dirty="0" err="1" smtClean="0"/>
+              <a:t>based</a:t>
+            </a:r>
+            <a:r>
+              <a:rPr lang="fr-FR" dirty="0" smtClean="0"/>
+              <a:t> </a:t>
+            </a:r>
+            <a:r>
+              <a:rPr lang="fr-FR" dirty="0" err="1" smtClean="0"/>
+              <a:t>antennas</a:t>
+            </a:r>
+            <a:r>
+              <a:rPr lang="fr-FR" dirty="0" smtClean="0"/>
+              <a:t> and </a:t>
+            </a:r>
+            <a:r>
+              <a:rPr lang="fr-FR" dirty="0"/>
+              <a:t>7 satellites</a:t>
+            </a:r>
+          </a:p>
+          <a:p>
+            <a:pPr>
+              <a:lnSpc>
+                <a:spcPct val="200000"/>
+              </a:lnSpc>
+              <a:buFont typeface="Wingdings" panose="05000000000000000000" pitchFamily="2" charset="2"/>
+              <a:buChar char="§"/>
+            </a:pPr>
+            <a:r>
+              <a:rPr lang="fr-FR" dirty="0" smtClean="0"/>
+              <a:t> Monitoring </a:t>
+            </a:r>
+            <a:r>
+              <a:rPr lang="fr-FR" dirty="0" err="1" smtClean="0"/>
+              <a:t>endangered</a:t>
+            </a:r>
+            <a:r>
+              <a:rPr lang="fr-FR" dirty="0" smtClean="0"/>
+              <a:t> </a:t>
+            </a:r>
+            <a:r>
+              <a:rPr lang="fr-FR" dirty="0" err="1" smtClean="0"/>
+              <a:t>species</a:t>
+            </a:r>
+            <a:r>
+              <a:rPr lang="fr-FR" dirty="0" smtClean="0"/>
+              <a:t> </a:t>
+            </a:r>
+            <a:r>
+              <a:rPr lang="fr-FR" dirty="0" err="1" smtClean="0"/>
+              <a:t>such</a:t>
+            </a:r>
+            <a:r>
+              <a:rPr lang="fr-FR" dirty="0" smtClean="0"/>
+              <a:t> as </a:t>
+            </a:r>
+            <a:r>
+              <a:rPr lang="fr-FR" dirty="0" err="1" smtClean="0"/>
+              <a:t>leatherback</a:t>
+            </a:r>
+            <a:r>
+              <a:rPr lang="fr-FR" dirty="0" smtClean="0"/>
+              <a:t> </a:t>
+            </a:r>
+            <a:r>
+              <a:rPr lang="fr-FR" dirty="0" err="1" smtClean="0"/>
+              <a:t>turtles</a:t>
+            </a:r>
+            <a:endParaRPr lang="fr-FR" dirty="0" smtClean="0"/>
+          </a:p>
+          <a:p>
+            <a:pPr>
+              <a:lnSpc>
+                <a:spcPct val="200000"/>
+              </a:lnSpc>
+              <a:buFont typeface="Wingdings" panose="05000000000000000000" pitchFamily="2" charset="2"/>
+              <a:buChar char="§"/>
+            </a:pPr>
+            <a:r>
+              <a:rPr lang="fr-FR" dirty="0" smtClean="0"/>
+              <a:t> Data </a:t>
+            </a:r>
+            <a:r>
+              <a:rPr lang="fr-FR" dirty="0" err="1" smtClean="0"/>
+              <a:t>previously</a:t>
+            </a:r>
+            <a:r>
+              <a:rPr lang="fr-FR" dirty="0" smtClean="0"/>
+              <a:t> </a:t>
+            </a:r>
+            <a:r>
+              <a:rPr lang="fr-FR" dirty="0" err="1" smtClean="0"/>
+              <a:t>processed</a:t>
+            </a:r>
+            <a:r>
+              <a:rPr lang="fr-FR" dirty="0" smtClean="0"/>
+              <a:t> </a:t>
+            </a:r>
+            <a:r>
+              <a:rPr lang="fr-FR" dirty="0" err="1" smtClean="0"/>
+              <a:t>with</a:t>
+            </a:r>
+            <a:r>
+              <a:rPr lang="fr-FR" dirty="0" smtClean="0"/>
+              <a:t> Matlab</a:t>
+            </a:r>
+            <a:endParaRPr lang="fr-FR" dirty="0"/>
+          </a:p>
+        </p:txBody>
+      </p:sp>
+      <p:sp>
+        <p:nvSpPr>
+          <p:cNvPr id="4" name="Espace réservé de la date 3"/>
+          <p:cNvSpPr>
+            <a:spLocks noGrp="1"/>
+          </p:cNvSpPr>
+          <p:nvPr>
+            <p:ph type="dt" sz="half" idx="10"/>
+          </p:nvPr>
+        </p:nvSpPr>
+        <p:spPr/>
+        <p:txBody>
+          <a:bodyPr/>
+          <a:lstStyle/>
+          <a:p>
+            <a:r>
+              <a:rPr lang="fr-FR" smtClean="0"/>
+              <a:t>Anthony Delannoy, Jérôme Combanière, Benoit Madiot</a:t>
+            </a:r>
+            <a:endParaRPr lang="en-US" dirty="0"/>
+          </a:p>
+        </p:txBody>
+      </p:sp>
+      <p:sp>
+        <p:nvSpPr>
+          <p:cNvPr id="5" name="Espace réservé du numéro de diapositive 4"/>
+          <p:cNvSpPr>
+            <a:spLocks noGrp="1"/>
+          </p:cNvSpPr>
+          <p:nvPr>
+            <p:ph type="sldNum" sz="quarter" idx="12"/>
+          </p:nvPr>
+        </p:nvSpPr>
+        <p:spPr/>
+        <p:txBody>
+          <a:bodyPr/>
+          <a:lstStyle/>
+          <a:p>
+            <a:fld id="{629637A9-119A-49DA-BD12-AAC58B377D80}" type="slidenum">
+              <a:rPr lang="en-US" smtClean="0"/>
+              <a:t>3</a:t>
+            </a:fld>
+            <a:endParaRPr lang="en-US" dirty="0"/>
+          </a:p>
+        </p:txBody>
+      </p:sp>
+      <p:pic>
+        <p:nvPicPr>
+          <p:cNvPr id="6" name="Image 5"/>
+          <p:cNvPicPr>
+            <a:picLocks noChangeAspect="1"/>
+          </p:cNvPicPr>
+          <p:nvPr/>
+        </p:nvPicPr>
+        <p:blipFill>
+          <a:blip r:embed="rId2">
+            <a:extLst>
+              <a:ext uri="{28A0092B-C50C-407E-A947-70E740481C1C}">
+                <a14:useLocalDpi xmlns:a14="http://schemas.microsoft.com/office/drawing/2010/main" val="0"/>
+              </a:ext>
+            </a:extLst>
+          </a:blip>
+          <a:stretch>
+            <a:fillRect/>
+          </a:stretch>
+        </p:blipFill>
+        <p:spPr>
+          <a:xfrm>
+            <a:off x="6166663" y="2084953"/>
+            <a:ext cx="5045820" cy="3634568"/>
+          </a:xfrm>
+          <a:prstGeom prst="rect">
+            <a:avLst/>
+          </a:prstGeom>
+        </p:spPr>
+      </p:pic>
+    </p:spTree>
+    <p:extLst>
+      <p:ext uri="{BB962C8B-B14F-4D97-AF65-F5344CB8AC3E}">
+        <p14:creationId xmlns:p14="http://schemas.microsoft.com/office/powerpoint/2010/main" val="188795420"/>
+      </p:ext>
+    </p:extLst>
+  </p:cSld>
+  <p:clrMapOvr>
+    <a:masterClrMapping/>
+  </p:clrMapOvr>
+  <p:timing>
+    <p:tnLst>
+      <p:par>
+        <p:cTn id="1" dur="indefinite" restart="never" nodeType="tmRoot"/>
+      </p:par>
+    </p:tnLst>
+  </p:timing>
+</p:sld>
+</file>
+
+<file path=ppt/slides/slide30.xml><?xml version="1.0" encoding="utf-8"?>
 <p:sld xmlns:a="http://schemas.openxmlformats.org/drawingml/2006/main" xmlns:r="http://schemas.openxmlformats.org/officeDocument/2006/relationships" xmlns:p="http://schemas.openxmlformats.org/presentationml/2006/main">
   <p:cSld>
     <p:spTree>
@@ -15275,7 +16633,7 @@
           <a:p>
             <a:fld id="{4FAB73BC-B049-4115-A692-8D63A059BFB8}" type="slidenum">
               <a:rPr lang="en-US" smtClean="0"/>
-              <a:t>25</a:t>
+              <a:t>30</a:t>
             </a:fld>
             <a:endParaRPr lang="en-US" dirty="0"/>
           </a:p>
@@ -15301,7 +16659,7 @@
 </p:sld>
 </file>
 
-<file path=ppt/slides/slide26.xml><?xml version="1.0" encoding="utf-8"?>
+<file path=ppt/slides/slide31.xml><?xml version="1.0" encoding="utf-8"?>
 <p:sld xmlns:a="http://schemas.openxmlformats.org/drawingml/2006/main" xmlns:r="http://schemas.openxmlformats.org/officeDocument/2006/relationships" xmlns:p="http://schemas.openxmlformats.org/presentationml/2006/main">
   <p:cSld>
     <p:spTree>
@@ -15418,7 +16776,7 @@
           <a:p>
             <a:fld id="{629637A9-119A-49DA-BD12-AAC58B377D80}" type="slidenum">
               <a:rPr lang="en-US" smtClean="0"/>
-              <a:t>26</a:t>
+              <a:t>31</a:t>
             </a:fld>
             <a:endParaRPr lang="en-US" dirty="0"/>
           </a:p>
@@ -17842,7 +19200,7 @@
 </p:sld>
 </file>
 
-<file path=ppt/slides/slide27.xml><?xml version="1.0" encoding="utf-8"?>
+<file path=ppt/slides/slide32.xml><?xml version="1.0" encoding="utf-8"?>
 <p:sld xmlns:a="http://schemas.openxmlformats.org/drawingml/2006/main" xmlns:r="http://schemas.openxmlformats.org/officeDocument/2006/relationships" xmlns:p="http://schemas.openxmlformats.org/presentationml/2006/main">
   <p:cSld>
     <p:spTree>
@@ -17941,7 +19299,7 @@
           <a:p>
             <a:fld id="{4FAB73BC-B049-4115-A692-8D63A059BFB8}" type="slidenum">
               <a:rPr lang="en-US" smtClean="0"/>
-              <a:t>27</a:t>
+              <a:t>32</a:t>
             </a:fld>
             <a:endParaRPr lang="en-US" dirty="0"/>
           </a:p>
@@ -17967,7 +19325,7 @@
 </p:sld>
 </file>
 
-<file path=ppt/slides/slide28.xml><?xml version="1.0" encoding="utf-8"?>
+<file path=ppt/slides/slide33.xml><?xml version="1.0" encoding="utf-8"?>
 <p:sld xmlns:a="http://schemas.openxmlformats.org/drawingml/2006/main" xmlns:r="http://schemas.openxmlformats.org/officeDocument/2006/relationships" xmlns:p="http://schemas.openxmlformats.org/presentationml/2006/main">
   <p:cSld>
     <p:spTree>
@@ -18047,7 +19405,7 @@
           <a:p>
             <a:fld id="{629637A9-119A-49DA-BD12-AAC58B377D80}" type="slidenum">
               <a:rPr lang="en-US" smtClean="0"/>
-              <a:t>28</a:t>
+              <a:t>33</a:t>
             </a:fld>
             <a:endParaRPr lang="en-US" dirty="0"/>
           </a:p>
@@ -18161,7 +19519,7 @@
 </p:sld>
 </file>
 
-<file path=ppt/slides/slide29.xml><?xml version="1.0" encoding="utf-8"?>
+<file path=ppt/slides/slide34.xml><?xml version="1.0" encoding="utf-8"?>
 <p:sld xmlns:a="http://schemas.openxmlformats.org/drawingml/2006/main" xmlns:r="http://schemas.openxmlformats.org/officeDocument/2006/relationships" xmlns:p="http://schemas.openxmlformats.org/presentationml/2006/main">
   <p:cSld>
     <p:spTree>
@@ -18260,7 +19618,7 @@
           <a:p>
             <a:fld id="{4FAB73BC-B049-4115-A692-8D63A059BFB8}" type="slidenum">
               <a:rPr lang="en-US" smtClean="0"/>
-              <a:t>29</a:t>
+              <a:t>34</a:t>
             </a:fld>
             <a:endParaRPr lang="en-US" dirty="0"/>
           </a:p>
@@ -18286,7 +19644,7 @@
 </p:sld>
 </file>
 
-<file path=ppt/slides/slide3.xml><?xml version="1.0" encoding="utf-8"?>
+<file path=ppt/slides/slide35.xml><?xml version="1.0" encoding="utf-8"?>
 <p:sld xmlns:a="http://schemas.openxmlformats.org/drawingml/2006/main" xmlns:r="http://schemas.openxmlformats.org/officeDocument/2006/relationships" xmlns:p="http://schemas.openxmlformats.org/presentationml/2006/main">
   <p:cSld>
     <p:spTree>
@@ -18320,7 +19678,7 @@
           <a:p>
             <a:r>
               <a:rPr lang="fr-FR" dirty="0" smtClean="0"/>
-              <a:t>Project</a:t>
+              <a:t>Dispositifs de pilotage</a:t>
             </a:r>
             <a:endParaRPr lang="fr-FR" dirty="0"/>
           </a:p>
@@ -18336,159 +19694,100 @@
             <p:ph idx="1"/>
           </p:nvPr>
         </p:nvSpPr>
-        <p:spPr>
-          <a:xfrm>
-            <a:off x="865461" y="2084953"/>
-            <a:ext cx="4955790" cy="3635706"/>
-          </a:xfrm>
-        </p:spPr>
+        <p:spPr/>
         <p:txBody>
-          <a:bodyPr>
-            <a:normAutofit fontScale="92500"/>
-          </a:bodyPr>
+          <a:bodyPr/>
           <a:lstStyle/>
-          <a:p>
-            <a:pPr marL="0" indent="0">
-              <a:buNone/>
-            </a:pPr>
-            <a:endParaRPr lang="fr-FR" dirty="0" smtClean="0"/>
-          </a:p>
           <a:p>
             <a:pPr>
               <a:lnSpc>
-                <a:spcPct val="200000"/>
+                <a:spcPct val="150000"/>
               </a:lnSpc>
               <a:buFont typeface="Wingdings" panose="05000000000000000000" pitchFamily="2" charset="2"/>
               <a:buChar char="§"/>
             </a:pPr>
-            <a:r>
-              <a:rPr lang="fr-FR" dirty="0" smtClean="0"/>
-              <a:t>ARGOS </a:t>
-            </a:r>
-            <a:r>
-              <a:rPr lang="fr-FR" dirty="0"/>
-              <a:t>: 66 </a:t>
-            </a:r>
-            <a:r>
-              <a:rPr lang="fr-FR" dirty="0" smtClean="0"/>
-              <a:t>land-</a:t>
-            </a:r>
-            <a:r>
-              <a:rPr lang="fr-FR" dirty="0" err="1" smtClean="0"/>
-              <a:t>based</a:t>
-            </a:r>
-            <a:r>
-              <a:rPr lang="fr-FR" dirty="0" smtClean="0"/>
-              <a:t> </a:t>
-            </a:r>
-            <a:r>
-              <a:rPr lang="fr-FR" dirty="0" err="1" smtClean="0"/>
-              <a:t>antennas</a:t>
-            </a:r>
-            <a:r>
-              <a:rPr lang="fr-FR" dirty="0" smtClean="0"/>
-              <a:t> and </a:t>
-            </a:r>
-            <a:r>
-              <a:rPr lang="fr-FR" dirty="0"/>
-              <a:t>7 satellites</a:t>
-            </a:r>
+            <a:endParaRPr lang="fr-FR" dirty="0" smtClean="0"/>
           </a:p>
           <a:p>
             <a:pPr>
               <a:lnSpc>
-                <a:spcPct val="200000"/>
+                <a:spcPct val="150000"/>
               </a:lnSpc>
               <a:buFont typeface="Wingdings" panose="05000000000000000000" pitchFamily="2" charset="2"/>
               <a:buChar char="§"/>
             </a:pPr>
             <a:r>
               <a:rPr lang="fr-FR" dirty="0" smtClean="0"/>
-              <a:t> </a:t>
+              <a:t> Réunions hebdomadaires </a:t>
+            </a:r>
+            <a:r>
+              <a:rPr lang="fr-FR" dirty="0"/>
+              <a:t>avec </a:t>
             </a:r>
             <a:r>
               <a:rPr lang="fr-FR" dirty="0" smtClean="0"/>
-              <a:t>Monitoring </a:t>
-            </a:r>
-            <a:r>
-              <a:rPr lang="fr-FR" dirty="0" err="1" smtClean="0"/>
-              <a:t>endangered</a:t>
-            </a:r>
-            <a:r>
-              <a:rPr lang="fr-FR" dirty="0" smtClean="0"/>
-              <a:t> </a:t>
-            </a:r>
-            <a:r>
-              <a:rPr lang="fr-FR" dirty="0" err="1" smtClean="0"/>
-              <a:t>species</a:t>
-            </a:r>
-            <a:r>
-              <a:rPr lang="fr-FR" dirty="0" smtClean="0"/>
-              <a:t> </a:t>
-            </a:r>
-            <a:r>
-              <a:rPr lang="fr-FR" dirty="0" err="1" smtClean="0"/>
-              <a:t>such</a:t>
-            </a:r>
-            <a:r>
-              <a:rPr lang="fr-FR" dirty="0" smtClean="0"/>
-              <a:t> as </a:t>
-            </a:r>
-            <a:r>
-              <a:rPr lang="fr-FR" dirty="0" err="1" smtClean="0"/>
-              <a:t>leatherback</a:t>
-            </a:r>
-            <a:r>
-              <a:rPr lang="fr-FR" dirty="0" smtClean="0"/>
-              <a:t> </a:t>
-            </a:r>
-            <a:r>
-              <a:rPr lang="fr-FR" dirty="0" err="1" smtClean="0"/>
-              <a:t>turtles</a:t>
-            </a:r>
-            <a:endParaRPr lang="fr-FR" dirty="0" smtClean="0"/>
+              <a:t>le client</a:t>
+            </a:r>
           </a:p>
           <a:p>
             <a:pPr>
               <a:lnSpc>
-                <a:spcPct val="200000"/>
+                <a:spcPct val="150000"/>
               </a:lnSpc>
               <a:buFont typeface="Wingdings" panose="05000000000000000000" pitchFamily="2" charset="2"/>
               <a:buChar char="§"/>
             </a:pPr>
             <a:r>
+              <a:rPr lang="fr-FR" dirty="0"/>
+              <a:t> </a:t>
+            </a:r>
+            <a:r>
               <a:rPr lang="fr-FR" dirty="0" smtClean="0"/>
+              <a:t>Utilisation de Git</a:t>
+            </a:r>
+          </a:p>
+          <a:p>
+            <a:pPr>
+              <a:lnSpc>
+                <a:spcPct val="150000"/>
+              </a:lnSpc>
+              <a:buFont typeface="Wingdings" panose="05000000000000000000" pitchFamily="2" charset="2"/>
+              <a:buChar char="§"/>
+            </a:pPr>
+            <a:r>
+              <a:rPr lang="fr-FR" dirty="0"/>
               <a:t> </a:t>
             </a:r>
             <a:r>
               <a:rPr lang="fr-FR" dirty="0" smtClean="0"/>
-              <a:t>Data </a:t>
+              <a:t>Utilisation de </a:t>
             </a:r>
             <a:r>
               <a:rPr lang="fr-FR" dirty="0" err="1" smtClean="0"/>
-              <a:t>previously</a:t>
+              <a:t>Github</a:t>
+            </a:r>
+            <a:endParaRPr lang="fr-FR" dirty="0" smtClean="0"/>
+          </a:p>
+          <a:p>
+            <a:pPr>
+              <a:lnSpc>
+                <a:spcPct val="150000"/>
+              </a:lnSpc>
+              <a:buFont typeface="Wingdings" panose="05000000000000000000" pitchFamily="2" charset="2"/>
+              <a:buChar char="§"/>
+            </a:pPr>
+            <a:r>
+              <a:rPr lang="fr-FR" dirty="0"/>
+              <a:t> </a:t>
             </a:r>
             <a:r>
               <a:rPr lang="fr-FR" dirty="0" smtClean="0"/>
-              <a:t> </a:t>
-            </a:r>
-            <a:r>
-              <a:rPr lang="fr-FR" dirty="0" err="1" smtClean="0"/>
-              <a:t>processed</a:t>
-            </a:r>
-            <a:r>
-              <a:rPr lang="fr-FR" dirty="0" smtClean="0"/>
-              <a:t> </a:t>
-            </a:r>
-            <a:r>
-              <a:rPr lang="fr-FR" dirty="0" err="1" smtClean="0"/>
-              <a:t>with</a:t>
-            </a:r>
-            <a:r>
-              <a:rPr lang="fr-FR" dirty="0" smtClean="0"/>
-              <a:t> Matlab</a:t>
-            </a:r>
-            <a:endParaRPr lang="fr-FR" dirty="0"/>
+              <a:t>Packages </a:t>
+            </a:r>
+            <a:r>
+              <a:rPr lang="fr-FR" dirty="0"/>
+              <a:t>et modules</a:t>
+            </a:r>
           </a:p>
         </p:txBody>
       </p:sp>
@@ -18532,46 +19831,16 @@
           <a:p>
             <a:fld id="{629637A9-119A-49DA-BD12-AAC58B377D80}" type="slidenum">
               <a:rPr lang="en-US" smtClean="0"/>
-              <a:t>3</a:t>
+              <a:t>35</a:t>
             </a:fld>
             <a:endParaRPr lang="en-US" dirty="0"/>
           </a:p>
         </p:txBody>
       </p:sp>
-      <p:pic>
-        <p:nvPicPr>
-          <p:cNvPr id="6" name="Image 5"/>
-          <p:cNvPicPr>
-            <a:picLocks noChangeAspect="1"/>
-          </p:cNvPicPr>
-          <p:nvPr/>
-        </p:nvPicPr>
-        <p:blipFill>
-          <a:blip r:embed="rId2">
-            <a:extLst>
-              <a:ext uri="{28A0092B-C50C-407E-A947-70E740481C1C}">
-                <a14:useLocalDpi xmlns:a14="http://schemas.microsoft.com/office/drawing/2010/main" val="0"/>
-              </a:ext>
-            </a:extLst>
-          </a:blip>
-          <a:stretch>
-            <a:fillRect/>
-          </a:stretch>
-        </p:blipFill>
-        <p:spPr>
-          <a:xfrm>
-            <a:off x="6166663" y="2084953"/>
-            <a:ext cx="5045820" cy="3634568"/>
-          </a:xfrm>
-          <a:prstGeom prst="rect">
-            <a:avLst/>
-          </a:prstGeom>
-        </p:spPr>
-      </p:pic>
     </p:spTree>
     <p:extLst>
       <p:ext uri="{BB962C8B-B14F-4D97-AF65-F5344CB8AC3E}">
-        <p14:creationId xmlns:p14="http://schemas.microsoft.com/office/powerpoint/2010/main" val="188795420"/>
+        <p14:creationId xmlns:p14="http://schemas.microsoft.com/office/powerpoint/2010/main" val="3324281541"/>
       </p:ext>
     </p:extLst>
   </p:cSld>
@@ -18588,7 +19857,7 @@
 </p:sld>
 </file>
 
-<file path=ppt/slides/slide30.xml><?xml version="1.0" encoding="utf-8"?>
+<file path=ppt/slides/slide36.xml><?xml version="1.0" encoding="utf-8"?>
 <p:sld xmlns:a="http://schemas.openxmlformats.org/drawingml/2006/main" xmlns:r="http://schemas.openxmlformats.org/officeDocument/2006/relationships" xmlns:p="http://schemas.openxmlformats.org/presentationml/2006/main">
   <p:cSld>
     <p:spTree>
@@ -18622,219 +19891,6 @@
           <a:p>
             <a:r>
               <a:rPr lang="fr-FR" dirty="0" smtClean="0"/>
-              <a:t>Dispositifs de pilotage</a:t>
-            </a:r>
-            <a:endParaRPr lang="fr-FR" dirty="0"/>
-          </a:p>
-        </p:txBody>
-      </p:sp>
-      <p:sp>
-        <p:nvSpPr>
-          <p:cNvPr id="3" name="Espace réservé du contenu 2"/>
-          <p:cNvSpPr>
-            <a:spLocks noGrp="1"/>
-          </p:cNvSpPr>
-          <p:nvPr>
-            <p:ph idx="1"/>
-          </p:nvPr>
-        </p:nvSpPr>
-        <p:spPr/>
-        <p:txBody>
-          <a:bodyPr/>
-          <a:lstStyle/>
-          <a:p>
-            <a:pPr>
-              <a:lnSpc>
-                <a:spcPct val="150000"/>
-              </a:lnSpc>
-              <a:buFont typeface="Wingdings" panose="05000000000000000000" pitchFamily="2" charset="2"/>
-              <a:buChar char="§"/>
-            </a:pPr>
-            <a:endParaRPr lang="fr-FR" dirty="0" smtClean="0"/>
-          </a:p>
-          <a:p>
-            <a:pPr>
-              <a:lnSpc>
-                <a:spcPct val="150000"/>
-              </a:lnSpc>
-              <a:buFont typeface="Wingdings" panose="05000000000000000000" pitchFamily="2" charset="2"/>
-              <a:buChar char="§"/>
-            </a:pPr>
-            <a:r>
-              <a:rPr lang="fr-FR" dirty="0" smtClean="0"/>
-              <a:t> Réunions hebdomadaires </a:t>
-            </a:r>
-            <a:r>
-              <a:rPr lang="fr-FR" dirty="0"/>
-              <a:t>avec </a:t>
-            </a:r>
-            <a:r>
-              <a:rPr lang="fr-FR" dirty="0" smtClean="0"/>
-              <a:t>le client</a:t>
-            </a:r>
-          </a:p>
-          <a:p>
-            <a:pPr>
-              <a:lnSpc>
-                <a:spcPct val="150000"/>
-              </a:lnSpc>
-              <a:buFont typeface="Wingdings" panose="05000000000000000000" pitchFamily="2" charset="2"/>
-              <a:buChar char="§"/>
-            </a:pPr>
-            <a:r>
-              <a:rPr lang="fr-FR" dirty="0"/>
-              <a:t> </a:t>
-            </a:r>
-            <a:r>
-              <a:rPr lang="fr-FR" dirty="0" smtClean="0"/>
-              <a:t>Utilisation de Git</a:t>
-            </a:r>
-          </a:p>
-          <a:p>
-            <a:pPr>
-              <a:lnSpc>
-                <a:spcPct val="150000"/>
-              </a:lnSpc>
-              <a:buFont typeface="Wingdings" panose="05000000000000000000" pitchFamily="2" charset="2"/>
-              <a:buChar char="§"/>
-            </a:pPr>
-            <a:r>
-              <a:rPr lang="fr-FR" dirty="0"/>
-              <a:t> </a:t>
-            </a:r>
-            <a:r>
-              <a:rPr lang="fr-FR" dirty="0" smtClean="0"/>
-              <a:t>Utilisation de </a:t>
-            </a:r>
-            <a:r>
-              <a:rPr lang="fr-FR" dirty="0" err="1" smtClean="0"/>
-              <a:t>Github</a:t>
-            </a:r>
-            <a:endParaRPr lang="fr-FR" dirty="0" smtClean="0"/>
-          </a:p>
-          <a:p>
-            <a:pPr>
-              <a:lnSpc>
-                <a:spcPct val="150000"/>
-              </a:lnSpc>
-              <a:buFont typeface="Wingdings" panose="05000000000000000000" pitchFamily="2" charset="2"/>
-              <a:buChar char="§"/>
-            </a:pPr>
-            <a:r>
-              <a:rPr lang="fr-FR" dirty="0"/>
-              <a:t> </a:t>
-            </a:r>
-            <a:r>
-              <a:rPr lang="fr-FR" dirty="0" smtClean="0"/>
-              <a:t>Packages </a:t>
-            </a:r>
-            <a:r>
-              <a:rPr lang="fr-FR" dirty="0"/>
-              <a:t>et modules</a:t>
-            </a:r>
-          </a:p>
-        </p:txBody>
-      </p:sp>
-      <p:sp>
-        <p:nvSpPr>
-          <p:cNvPr id="4" name="Espace réservé de la date 3"/>
-          <p:cNvSpPr>
-            <a:spLocks noGrp="1"/>
-          </p:cNvSpPr>
-          <p:nvPr>
-            <p:ph type="dt" sz="half" idx="10"/>
-          </p:nvPr>
-        </p:nvSpPr>
-        <p:spPr/>
-        <p:txBody>
-          <a:bodyPr/>
-          <a:lstStyle/>
-          <a:p>
-            <a:r>
-              <a:rPr lang="fr-FR" smtClean="0"/>
-              <a:t>Anthony Delannoy, Jérôme Combanière, Benoit Madiot</a:t>
-            </a:r>
-            <a:endParaRPr lang="en-US" dirty="0"/>
-          </a:p>
-        </p:txBody>
-      </p:sp>
-      <p:sp>
-        <p:nvSpPr>
-          <p:cNvPr id="5" name="Espace réservé du numéro de diapositive 4"/>
-          <p:cNvSpPr>
-            <a:spLocks noGrp="1"/>
-          </p:cNvSpPr>
-          <p:nvPr>
-            <p:ph type="sldNum" sz="quarter" idx="12"/>
-          </p:nvPr>
-        </p:nvSpPr>
-        <p:spPr/>
-        <p:txBody>
-          <a:bodyPr/>
-          <a:lstStyle/>
-          <a:p>
-            <a:fld id="{629637A9-119A-49DA-BD12-AAC58B377D80}" type="slidenum">
-              <a:rPr lang="en-US" smtClean="0"/>
-              <a:t>30</a:t>
-            </a:fld>
-            <a:endParaRPr lang="en-US" dirty="0"/>
-          </a:p>
-        </p:txBody>
-      </p:sp>
-    </p:spTree>
-    <p:extLst>
-      <p:ext uri="{BB962C8B-B14F-4D97-AF65-F5344CB8AC3E}">
-        <p14:creationId xmlns:p14="http://schemas.microsoft.com/office/powerpoint/2010/main" val="3324281541"/>
-      </p:ext>
-    </p:extLst>
-  </p:cSld>
-  <p:clrMapOvr>
-    <a:masterClrMapping/>
-  </p:clrMapOvr>
-  <p:timing>
-    <p:tnLst>
-      <p:par>
-        <p:cTn id="1" dur="indefinite" restart="never" nodeType="tmRoot"/>
-      </p:par>
-    </p:tnLst>
-  </p:timing>
-</p:sld>
-</file>
-
-<file path=ppt/slides/slide31.xml><?xml version="1.0" encoding="utf-8"?>
-<p:sld xmlns:a="http://schemas.openxmlformats.org/drawingml/2006/main" xmlns:r="http://schemas.openxmlformats.org/officeDocument/2006/relationships" xmlns:p="http://schemas.openxmlformats.org/presentationml/2006/main">
-  <p:cSld>
-    <p:spTree>
-      <p:nvGrpSpPr>
-        <p:cNvPr id="1" name=""/>
-        <p:cNvGrpSpPr/>
-        <p:nvPr/>
-      </p:nvGrpSpPr>
-      <p:grpSpPr>
-        <a:xfrm>
-          <a:off x="0" y="0"/>
-          <a:ext cx="0" cy="0"/>
-          <a:chOff x="0" y="0"/>
-          <a:chExt cx="0" cy="0"/>
-        </a:xfrm>
-      </p:grpSpPr>
-      <p:sp>
-        <p:nvSpPr>
-          <p:cNvPr id="2" name="Titre 1"/>
-          <p:cNvSpPr>
-            <a:spLocks noGrp="1"/>
-          </p:cNvSpPr>
-          <p:nvPr>
-            <p:ph type="title"/>
-          </p:nvPr>
-        </p:nvSpPr>
-        <p:spPr/>
-        <p:txBody>
-          <a:bodyPr/>
-          <a:lstStyle/>
-          <a:p>
-            <a:r>
-              <a:rPr lang="fr-FR" dirty="0" smtClean="0"/>
               <a:t>Git</a:t>
             </a:r>
             <a:endParaRPr lang="fr-FR" dirty="0"/>
@@ -19003,7 +20059,7 @@
           <a:p>
             <a:fld id="{629637A9-119A-49DA-BD12-AAC58B377D80}" type="slidenum">
               <a:rPr lang="en-US" smtClean="0"/>
-              <a:t>31</a:t>
+              <a:t>36</a:t>
             </a:fld>
             <a:endParaRPr lang="en-US" dirty="0"/>
           </a:p>
@@ -19059,7 +20115,7 @@
 </p:sld>
 </file>
 
-<file path=ppt/slides/slide32.xml><?xml version="1.0" encoding="utf-8"?>
+<file path=ppt/slides/slide37.xml><?xml version="1.0" encoding="utf-8"?>
 <p:sld xmlns:a="http://schemas.openxmlformats.org/drawingml/2006/main" xmlns:r="http://schemas.openxmlformats.org/officeDocument/2006/relationships" xmlns:p="http://schemas.openxmlformats.org/presentationml/2006/main">
   <p:cSld>
     <p:spTree>
@@ -19240,7 +20296,7 @@
           <a:p>
             <a:fld id="{629637A9-119A-49DA-BD12-AAC58B377D80}" type="slidenum">
               <a:rPr lang="en-US" smtClean="0"/>
-              <a:t>32</a:t>
+              <a:t>37</a:t>
             </a:fld>
             <a:endParaRPr lang="en-US" dirty="0"/>
           </a:p>
@@ -19296,7 +20352,7 @@
 </p:sld>
 </file>
 
-<file path=ppt/slides/slide33.xml><?xml version="1.0" encoding="utf-8"?>
+<file path=ppt/slides/slide38.xml><?xml version="1.0" encoding="utf-8"?>
 <p:sld xmlns:a="http://schemas.openxmlformats.org/drawingml/2006/main" xmlns:r="http://schemas.openxmlformats.org/officeDocument/2006/relationships" xmlns:p="http://schemas.openxmlformats.org/presentationml/2006/main">
   <p:cSld>
     <p:spTree>
@@ -19476,7 +20532,7 @@
           <a:p>
             <a:fld id="{629637A9-119A-49DA-BD12-AAC58B377D80}" type="slidenum">
               <a:rPr lang="en-US" smtClean="0"/>
-              <a:t>33</a:t>
+              <a:t>38</a:t>
             </a:fld>
             <a:endParaRPr lang="en-US" dirty="0"/>
           </a:p>
@@ -19532,7 +20588,7 @@
 </p:sld>
 </file>
 
-<file path=ppt/slides/slide34.xml><?xml version="1.0" encoding="utf-8"?>
+<file path=ppt/slides/slide39.xml><?xml version="1.0" encoding="utf-8"?>
 <p:sld xmlns:a="http://schemas.openxmlformats.org/drawingml/2006/main" xmlns:r="http://schemas.openxmlformats.org/officeDocument/2006/relationships" xmlns:p="http://schemas.openxmlformats.org/presentationml/2006/main">
   <p:cSld>
     <p:spTree>
@@ -19631,7 +20687,7 @@
           <a:p>
             <a:fld id="{4FAB73BC-B049-4115-A692-8D63A059BFB8}" type="slidenum">
               <a:rPr lang="en-US" smtClean="0"/>
-              <a:t>34</a:t>
+              <a:t>39</a:t>
             </a:fld>
             <a:endParaRPr lang="en-US" dirty="0"/>
           </a:p>
@@ -19657,7 +20713,7 @@
 </p:sld>
 </file>
 
-<file path=ppt/slides/slide35.xml><?xml version="1.0" encoding="utf-8"?>
+<file path=ppt/slides/slide4.xml><?xml version="1.0" encoding="utf-8"?>
 <p:sld xmlns:a="http://schemas.openxmlformats.org/drawingml/2006/main" xmlns:r="http://schemas.openxmlformats.org/officeDocument/2006/relationships" xmlns:p="http://schemas.openxmlformats.org/presentationml/2006/main">
   <p:cSld>
     <p:spTree>
@@ -19691,7 +20747,7 @@
           <a:p>
             <a:r>
               <a:rPr lang="fr-FR" dirty="0" smtClean="0"/>
-              <a:t>Gestion des risques</a:t>
+              <a:t>Contents </a:t>
             </a:r>
             <a:endParaRPr lang="fr-FR" dirty="0"/>
           </a:p>
@@ -19712,18 +20768,107 @@
           <a:bodyPr/>
           <a:lstStyle/>
           <a:p>
-            <a:pPr algn="just">
-              <a:lnSpc>
-                <a:spcPct val="150000"/>
-              </a:lnSpc>
+            <a:pPr>
+              <a:buFont typeface="Wingdings" panose="05000000000000000000" pitchFamily="2" charset="2"/>
+              <a:buChar char="§"/>
             </a:pPr>
-            <a:endParaRPr lang="fr-FR" dirty="0"/>
-          </a:p>
-          <a:p>
-            <a:pPr marL="0" indent="0" algn="just">
-              <a:lnSpc>
-                <a:spcPct val="150000"/>
-              </a:lnSpc>
+            <a:endParaRPr lang="fr-FR" dirty="0" smtClean="0"/>
+          </a:p>
+          <a:p>
+            <a:pPr marL="0" indent="0">
+              <a:buNone/>
+            </a:pPr>
+            <a:endParaRPr lang="fr-FR" dirty="0" smtClean="0"/>
+          </a:p>
+          <a:p>
+            <a:pPr>
+              <a:buFont typeface="Wingdings" panose="05000000000000000000" pitchFamily="2" charset="2"/>
+              <a:buChar char="§"/>
+            </a:pPr>
+            <a:r>
+              <a:rPr lang="fr-FR" dirty="0"/>
+              <a:t> </a:t>
+            </a:r>
+            <a:r>
+              <a:rPr lang="fr-FR" dirty="0" smtClean="0"/>
+              <a:t>Project management</a:t>
+            </a:r>
+          </a:p>
+          <a:p>
+            <a:pPr>
+              <a:buFont typeface="Wingdings" panose="05000000000000000000" pitchFamily="2" charset="2"/>
+              <a:buChar char="§"/>
+            </a:pPr>
+            <a:r>
+              <a:rPr lang="fr-FR" dirty="0"/>
+              <a:t> </a:t>
+            </a:r>
+            <a:r>
+              <a:rPr lang="fr-FR" dirty="0" smtClean="0"/>
+              <a:t>Data extraction and </a:t>
+            </a:r>
+            <a:r>
+              <a:rPr lang="fr-FR" dirty="0" err="1" smtClean="0"/>
+              <a:t>common</a:t>
+            </a:r>
+            <a:r>
+              <a:rPr lang="fr-FR" dirty="0" smtClean="0"/>
+              <a:t> format </a:t>
+            </a:r>
+          </a:p>
+          <a:p>
+            <a:pPr>
+              <a:buFont typeface="Wingdings" panose="05000000000000000000" pitchFamily="2" charset="2"/>
+              <a:buChar char="§"/>
+            </a:pPr>
+            <a:r>
+              <a:rPr lang="fr-FR" dirty="0"/>
+              <a:t> </a:t>
+            </a:r>
+            <a:r>
+              <a:rPr lang="fr-FR" dirty="0" smtClean="0"/>
+              <a:t>Data </a:t>
+            </a:r>
+            <a:r>
+              <a:rPr lang="fr-FR" dirty="0" err="1" smtClean="0"/>
+              <a:t>processing</a:t>
+            </a:r>
+            <a:endParaRPr lang="fr-FR" dirty="0" smtClean="0"/>
+          </a:p>
+          <a:p>
+            <a:pPr>
+              <a:buFont typeface="Wingdings" panose="05000000000000000000" pitchFamily="2" charset="2"/>
+              <a:buChar char="§"/>
+            </a:pPr>
+            <a:r>
+              <a:rPr lang="fr-FR" dirty="0"/>
+              <a:t> </a:t>
+            </a:r>
+            <a:r>
+              <a:rPr lang="fr-FR" dirty="0" err="1" smtClean="0"/>
+              <a:t>Graphical</a:t>
+            </a:r>
+            <a:r>
+              <a:rPr lang="fr-FR" dirty="0" smtClean="0"/>
+              <a:t> User Interface (GUI)</a:t>
+            </a:r>
+          </a:p>
+          <a:p>
+            <a:pPr>
+              <a:buFont typeface="Wingdings" panose="05000000000000000000" pitchFamily="2" charset="2"/>
+              <a:buChar char="§"/>
+            </a:pPr>
+            <a:r>
+              <a:rPr lang="fr-FR" dirty="0"/>
+              <a:t> </a:t>
+            </a:r>
+            <a:r>
+              <a:rPr lang="fr-FR" dirty="0" smtClean="0"/>
+              <a:t>Conclusion</a:t>
+            </a:r>
+          </a:p>
+          <a:p>
+            <a:pPr marL="0" indent="0">
               <a:buNone/>
             </a:pPr>
             <a:endParaRPr lang="fr-FR" dirty="0"/>
@@ -19770,7 +20915,139 @@
           <a:p>
             <a:fld id="{629637A9-119A-49DA-BD12-AAC58B377D80}" type="slidenum">
               <a:rPr lang="en-US" smtClean="0"/>
-              <a:t>35</a:t>
+              <a:t>4</a:t>
+            </a:fld>
+            <a:endParaRPr lang="en-US" dirty="0"/>
+          </a:p>
+        </p:txBody>
+      </p:sp>
+    </p:spTree>
+    <p:extLst>
+      <p:ext uri="{BB962C8B-B14F-4D97-AF65-F5344CB8AC3E}">
+        <p14:creationId xmlns:p14="http://schemas.microsoft.com/office/powerpoint/2010/main" val="1855070440"/>
+      </p:ext>
+    </p:extLst>
+  </p:cSld>
+  <p:clrMapOvr>
+    <a:masterClrMapping/>
+  </p:clrMapOvr>
+</p:sld>
+</file>
+
+<file path=ppt/slides/slide40.xml><?xml version="1.0" encoding="utf-8"?>
+<p:sld xmlns:a="http://schemas.openxmlformats.org/drawingml/2006/main" xmlns:r="http://schemas.openxmlformats.org/officeDocument/2006/relationships" xmlns:p="http://schemas.openxmlformats.org/presentationml/2006/main">
+  <p:cSld>
+    <p:spTree>
+      <p:nvGrpSpPr>
+        <p:cNvPr id="1" name=""/>
+        <p:cNvGrpSpPr/>
+        <p:nvPr/>
+      </p:nvGrpSpPr>
+      <p:grpSpPr>
+        <a:xfrm>
+          <a:off x="0" y="0"/>
+          <a:ext cx="0" cy="0"/>
+          <a:chOff x="0" y="0"/>
+          <a:chExt cx="0" cy="0"/>
+        </a:xfrm>
+      </p:grpSpPr>
+      <p:sp>
+        <p:nvSpPr>
+          <p:cNvPr id="2" name="Titre 1"/>
+          <p:cNvSpPr>
+            <a:spLocks noGrp="1"/>
+          </p:cNvSpPr>
+          <p:nvPr>
+            <p:ph type="title"/>
+          </p:nvPr>
+        </p:nvSpPr>
+        <p:spPr/>
+        <p:txBody>
+          <a:bodyPr/>
+          <a:lstStyle/>
+          <a:p>
+            <a:r>
+              <a:rPr lang="fr-FR" dirty="0" smtClean="0"/>
+              <a:t>Gestion des risques</a:t>
+            </a:r>
+            <a:endParaRPr lang="fr-FR" dirty="0"/>
+          </a:p>
+        </p:txBody>
+      </p:sp>
+      <p:sp>
+        <p:nvSpPr>
+          <p:cNvPr id="3" name="Espace réservé du contenu 2"/>
+          <p:cNvSpPr>
+            <a:spLocks noGrp="1"/>
+          </p:cNvSpPr>
+          <p:nvPr>
+            <p:ph idx="1"/>
+          </p:nvPr>
+        </p:nvSpPr>
+        <p:spPr/>
+        <p:txBody>
+          <a:bodyPr/>
+          <a:lstStyle/>
+          <a:p>
+            <a:pPr algn="just">
+              <a:lnSpc>
+                <a:spcPct val="150000"/>
+              </a:lnSpc>
+            </a:pPr>
+            <a:endParaRPr lang="fr-FR" dirty="0"/>
+          </a:p>
+          <a:p>
+            <a:pPr marL="0" indent="0" algn="just">
+              <a:lnSpc>
+                <a:spcPct val="150000"/>
+              </a:lnSpc>
+              <a:buNone/>
+            </a:pPr>
+            <a:endParaRPr lang="fr-FR" dirty="0"/>
+          </a:p>
+        </p:txBody>
+      </p:sp>
+      <p:sp>
+        <p:nvSpPr>
+          <p:cNvPr id="4" name="Espace réservé de la date 3"/>
+          <p:cNvSpPr>
+            <a:spLocks noGrp="1"/>
+          </p:cNvSpPr>
+          <p:nvPr>
+            <p:ph type="dt" sz="half" idx="10"/>
+          </p:nvPr>
+        </p:nvSpPr>
+        <p:spPr/>
+        <p:txBody>
+          <a:bodyPr/>
+          <a:lstStyle/>
+          <a:p>
+            <a:r>
+              <a:rPr lang="fr-FR" smtClean="0"/>
+              <a:t>Anthony Delannoy, Jérôme Combanière, Benoit Madiot</a:t>
+            </a:r>
+            <a:endParaRPr lang="en-US" dirty="0"/>
+          </a:p>
+        </p:txBody>
+      </p:sp>
+      <p:sp>
+        <p:nvSpPr>
+          <p:cNvPr id="5" name="Espace réservé du numéro de diapositive 4"/>
+          <p:cNvSpPr>
+            <a:spLocks noGrp="1"/>
+          </p:cNvSpPr>
+          <p:nvPr>
+            <p:ph type="sldNum" sz="quarter" idx="12"/>
+          </p:nvPr>
+        </p:nvSpPr>
+        <p:spPr/>
+        <p:txBody>
+          <a:bodyPr/>
+          <a:lstStyle/>
+          <a:p>
+            <a:fld id="{629637A9-119A-49DA-BD12-AAC58B377D80}" type="slidenum">
+              <a:rPr lang="en-US" smtClean="0"/>
+              <a:t>40</a:t>
             </a:fld>
             <a:endParaRPr lang="en-US" dirty="0"/>
           </a:p>
@@ -22424,7 +23701,7 @@
 </p:sld>
 </file>
 
-<file path=ppt/slides/slide36.xml><?xml version="1.0" encoding="utf-8"?>
+<file path=ppt/slides/slide41.xml><?xml version="1.0" encoding="utf-8"?>
 <p:sld xmlns:a="http://schemas.openxmlformats.org/drawingml/2006/main" xmlns:r="http://schemas.openxmlformats.org/officeDocument/2006/relationships" xmlns:p="http://schemas.openxmlformats.org/presentationml/2006/main">
   <p:cSld>
     <p:spTree>
@@ -22578,7 +23855,7 @@
           <a:p>
             <a:fld id="{629637A9-119A-49DA-BD12-AAC58B377D80}" type="slidenum">
               <a:rPr lang="en-US" smtClean="0"/>
-              <a:t>36</a:t>
+              <a:t>41</a:t>
             </a:fld>
             <a:endParaRPr lang="en-US" dirty="0"/>
           </a:p>
@@ -22601,227 +23878,6 @@
       </p:par>
     </p:tnLst>
   </p:timing>
-</p:sld>
-</file>
-
-<file path=ppt/slides/slide4.xml><?xml version="1.0" encoding="utf-8"?>
-<p:sld xmlns:a="http://schemas.openxmlformats.org/drawingml/2006/main" xmlns:r="http://schemas.openxmlformats.org/officeDocument/2006/relationships" xmlns:p="http://schemas.openxmlformats.org/presentationml/2006/main">
-  <p:cSld>
-    <p:spTree>
-      <p:nvGrpSpPr>
-        <p:cNvPr id="1" name=""/>
-        <p:cNvGrpSpPr/>
-        <p:nvPr/>
-      </p:nvGrpSpPr>
-      <p:grpSpPr>
-        <a:xfrm>
-          <a:off x="0" y="0"/>
-          <a:ext cx="0" cy="0"/>
-          <a:chOff x="0" y="0"/>
-          <a:chExt cx="0" cy="0"/>
-        </a:xfrm>
-      </p:grpSpPr>
-      <p:sp>
-        <p:nvSpPr>
-          <p:cNvPr id="2" name="Titre 1"/>
-          <p:cNvSpPr>
-            <a:spLocks noGrp="1"/>
-          </p:cNvSpPr>
-          <p:nvPr>
-            <p:ph type="title"/>
-          </p:nvPr>
-        </p:nvSpPr>
-        <p:spPr/>
-        <p:txBody>
-          <a:bodyPr/>
-          <a:lstStyle/>
-          <a:p>
-            <a:r>
-              <a:rPr lang="fr-FR" dirty="0" smtClean="0"/>
-              <a:t>Contents </a:t>
-            </a:r>
-            <a:endParaRPr lang="fr-FR" dirty="0"/>
-          </a:p>
-        </p:txBody>
-      </p:sp>
-      <p:sp>
-        <p:nvSpPr>
-          <p:cNvPr id="3" name="Espace réservé du contenu 2"/>
-          <p:cNvSpPr>
-            <a:spLocks noGrp="1"/>
-          </p:cNvSpPr>
-          <p:nvPr>
-            <p:ph idx="1"/>
-          </p:nvPr>
-        </p:nvSpPr>
-        <p:spPr/>
-        <p:txBody>
-          <a:bodyPr/>
-          <a:lstStyle/>
-          <a:p>
-            <a:pPr>
-              <a:buFont typeface="Wingdings" panose="05000000000000000000" pitchFamily="2" charset="2"/>
-              <a:buChar char="§"/>
-            </a:pPr>
-            <a:endParaRPr lang="fr-FR" dirty="0" smtClean="0"/>
-          </a:p>
-          <a:p>
-            <a:pPr marL="0" indent="0">
-              <a:buNone/>
-            </a:pPr>
-            <a:endParaRPr lang="fr-FR" dirty="0" smtClean="0"/>
-          </a:p>
-          <a:p>
-            <a:pPr>
-              <a:buFont typeface="Wingdings" panose="05000000000000000000" pitchFamily="2" charset="2"/>
-              <a:buChar char="§"/>
-            </a:pPr>
-            <a:r>
-              <a:rPr lang="fr-FR" dirty="0"/>
-              <a:t> </a:t>
-            </a:r>
-            <a:r>
-              <a:rPr lang="fr-FR" dirty="0" smtClean="0"/>
-              <a:t>Project management</a:t>
-            </a:r>
-          </a:p>
-          <a:p>
-            <a:pPr>
-              <a:buFont typeface="Wingdings" panose="05000000000000000000" pitchFamily="2" charset="2"/>
-              <a:buChar char="§"/>
-            </a:pPr>
-            <a:r>
-              <a:rPr lang="fr-FR" dirty="0"/>
-              <a:t> </a:t>
-            </a:r>
-            <a:r>
-              <a:rPr lang="fr-FR" dirty="0" smtClean="0"/>
-              <a:t>Data extraction and </a:t>
-            </a:r>
-            <a:r>
-              <a:rPr lang="fr-FR" dirty="0" err="1" smtClean="0"/>
-              <a:t>common</a:t>
-            </a:r>
-            <a:r>
-              <a:rPr lang="fr-FR" dirty="0" smtClean="0"/>
-              <a:t> format </a:t>
-            </a:r>
-          </a:p>
-          <a:p>
-            <a:pPr>
-              <a:buFont typeface="Wingdings" panose="05000000000000000000" pitchFamily="2" charset="2"/>
-              <a:buChar char="§"/>
-            </a:pPr>
-            <a:r>
-              <a:rPr lang="fr-FR" dirty="0"/>
-              <a:t> </a:t>
-            </a:r>
-            <a:r>
-              <a:rPr lang="fr-FR" dirty="0" smtClean="0"/>
-              <a:t>Data </a:t>
-            </a:r>
-            <a:r>
-              <a:rPr lang="fr-FR" dirty="0" err="1" smtClean="0"/>
-              <a:t>processing</a:t>
-            </a:r>
-            <a:endParaRPr lang="fr-FR" dirty="0" smtClean="0"/>
-          </a:p>
-          <a:p>
-            <a:pPr>
-              <a:buFont typeface="Wingdings" panose="05000000000000000000" pitchFamily="2" charset="2"/>
-              <a:buChar char="§"/>
-            </a:pPr>
-            <a:r>
-              <a:rPr lang="fr-FR" dirty="0"/>
-              <a:t> </a:t>
-            </a:r>
-            <a:r>
-              <a:rPr lang="fr-FR" dirty="0" err="1" smtClean="0"/>
-              <a:t>Graphical</a:t>
-            </a:r>
-            <a:r>
-              <a:rPr lang="fr-FR" dirty="0" smtClean="0"/>
-              <a:t> User Interface (GUI)</a:t>
-            </a:r>
-          </a:p>
-          <a:p>
-            <a:pPr>
-              <a:buFont typeface="Wingdings" panose="05000000000000000000" pitchFamily="2" charset="2"/>
-              <a:buChar char="§"/>
-            </a:pPr>
-            <a:r>
-              <a:rPr lang="fr-FR" dirty="0"/>
-              <a:t> </a:t>
-            </a:r>
-            <a:r>
-              <a:rPr lang="fr-FR" dirty="0" smtClean="0"/>
-              <a:t>Conclusion</a:t>
-            </a:r>
-          </a:p>
-          <a:p>
-            <a:pPr marL="0" indent="0">
-              <a:buNone/>
-            </a:pPr>
-            <a:endParaRPr lang="fr-FR" dirty="0"/>
-          </a:p>
-        </p:txBody>
-      </p:sp>
-      <p:sp>
-        <p:nvSpPr>
-          <p:cNvPr id="4" name="Espace réservé de la date 3"/>
-          <p:cNvSpPr>
-            <a:spLocks noGrp="1"/>
-          </p:cNvSpPr>
-          <p:nvPr>
-            <p:ph type="dt" sz="half" idx="10"/>
-          </p:nvPr>
-        </p:nvSpPr>
-        <p:spPr/>
-        <p:txBody>
-          <a:bodyPr/>
-          <a:lstStyle/>
-          <a:p>
-            <a:r>
-              <a:rPr lang="fr-FR" smtClean="0"/>
-              <a:t>Anthony Delannoy, Jérôme Combanière, Benoit Madiot</a:t>
-            </a:r>
-            <a:endParaRPr lang="en-US" dirty="0"/>
-          </a:p>
-        </p:txBody>
-      </p:sp>
-      <p:sp>
-        <p:nvSpPr>
-          <p:cNvPr id="5" name="Espace réservé du numéro de diapositive 4"/>
-          <p:cNvSpPr>
-            <a:spLocks noGrp="1"/>
-          </p:cNvSpPr>
-          <p:nvPr>
-            <p:ph type="sldNum" sz="quarter" idx="12"/>
-          </p:nvPr>
-        </p:nvSpPr>
-        <p:spPr/>
-        <p:txBody>
-          <a:bodyPr/>
-          <a:lstStyle/>
-          <a:p>
-            <a:fld id="{629637A9-119A-49DA-BD12-AAC58B377D80}" type="slidenum">
-              <a:rPr lang="en-US" smtClean="0"/>
-              <a:t>4</a:t>
-            </a:fld>
-            <a:endParaRPr lang="en-US" dirty="0"/>
-          </a:p>
-        </p:txBody>
-      </p:sp>
-    </p:spTree>
-    <p:extLst>
-      <p:ext uri="{BB962C8B-B14F-4D97-AF65-F5344CB8AC3E}">
-        <p14:creationId xmlns:p14="http://schemas.microsoft.com/office/powerpoint/2010/main" val="1855070440"/>
-      </p:ext>
-    </p:extLst>
-  </p:cSld>
-  <p:clrMapOvr>
-    <a:masterClrMapping/>
-  </p:clrMapOvr>
 </p:sld>
 </file>
 
@@ -22858,10 +23914,10 @@
           <a:lstStyle/>
           <a:p>
             <a:r>
-              <a:rPr lang="en-US" dirty="0" smtClean="0"/>
-              <a:t>Data extraction and common format</a:t>
-            </a:r>
-            <a:endParaRPr lang="en-US" dirty="0"/>
+              <a:rPr lang="fr-FR" dirty="0" smtClean="0"/>
+              <a:t>Project management</a:t>
+            </a:r>
+            <a:endParaRPr lang="fr-FR" dirty="0"/>
           </a:p>
         </p:txBody>
       </p:sp>
@@ -22882,72 +23938,20 @@
           </a:bodyPr>
           <a:lstStyle/>
           <a:p>
-            <a:pPr marL="0" indent="0">
-              <a:buNone/>
-            </a:pPr>
-            <a:endParaRPr lang="en-US" dirty="0" smtClean="0"/>
-          </a:p>
-          <a:p>
             <a:pPr>
               <a:buFont typeface="Wingdings" panose="05000000000000000000" pitchFamily="2" charset="2"/>
               <a:buChar char="§"/>
             </a:pPr>
             <a:r>
-              <a:rPr lang="en-US" dirty="0" smtClean="0"/>
-              <a:t>ARGOS </a:t>
-            </a:r>
-            <a:r>
-              <a:rPr lang="en-US" dirty="0"/>
-              <a:t>data </a:t>
-            </a:r>
-            <a:r>
-              <a:rPr lang="en-US" dirty="0" smtClean="0"/>
-              <a:t>stored </a:t>
-            </a:r>
-            <a:r>
-              <a:rPr lang="en-US" dirty="0"/>
-              <a:t>in three different file </a:t>
-            </a:r>
-            <a:r>
-              <a:rPr lang="en-US" dirty="0" smtClean="0"/>
-              <a:t>formats </a:t>
-            </a:r>
-            <a:r>
-              <a:rPr lang="en-US" dirty="0"/>
-              <a:t>: </a:t>
-            </a:r>
-            <a:endParaRPr lang="en-US" dirty="0" smtClean="0"/>
-          </a:p>
-          <a:p>
-            <a:pPr lvl="2">
-              <a:buFont typeface="Wingdings" panose="05000000000000000000" pitchFamily="2" charset="2"/>
-              <a:buChar char="§"/>
+              <a:rPr lang="fr-FR" dirty="0" smtClean="0"/>
+              <a:t> Gantt chart</a:t>
+            </a:r>
+          </a:p>
+          <a:p>
+            <a:pPr marL="0" indent="0">
+              <a:buNone/>
             </a:pPr>
-            <a:r>
-              <a:rPr lang="en-US" sz="1600" dirty="0" smtClean="0"/>
-              <a:t>CSV</a:t>
-            </a:r>
-          </a:p>
-          <a:p>
-            <a:pPr lvl="2">
-              <a:buFont typeface="Wingdings" panose="05000000000000000000" pitchFamily="2" charset="2"/>
-              <a:buChar char="§"/>
-            </a:pPr>
-            <a:r>
-              <a:rPr lang="en-US" sz="1600" dirty="0" smtClean="0"/>
-              <a:t>DIAG</a:t>
-            </a:r>
-          </a:p>
-          <a:p>
-            <a:pPr lvl="2">
-              <a:buFont typeface="Wingdings" panose="05000000000000000000" pitchFamily="2" charset="2"/>
-              <a:buChar char="§"/>
-            </a:pPr>
-            <a:r>
-              <a:rPr lang="en-US" sz="1600" dirty="0" smtClean="0"/>
-              <a:t>DS</a:t>
-            </a:r>
-            <a:endParaRPr lang="en-US" dirty="0" smtClean="0"/>
+            <a:endParaRPr lang="fr-FR" dirty="0" smtClean="0"/>
           </a:p>
           <a:p>
             <a:pPr>
@@ -22955,42 +23959,149 @@
               <a:buChar char="§"/>
             </a:pPr>
             <a:r>
-              <a:rPr lang="en-US" dirty="0" smtClean="0"/>
-              <a:t>"</a:t>
-            </a:r>
-            <a:r>
-              <a:rPr lang="en-US" dirty="0"/>
-              <a:t>One program to rule them all, one program to find them</a:t>
-            </a:r>
-            <a:r>
-              <a:rPr lang="en-US" dirty="0" smtClean="0"/>
-              <a:t>, one </a:t>
-            </a:r>
-            <a:r>
-              <a:rPr lang="en-US" dirty="0"/>
-              <a:t>program to bring them all and in the format bind </a:t>
-            </a:r>
-            <a:r>
-              <a:rPr lang="en-US" dirty="0" smtClean="0"/>
-              <a:t>them“</a:t>
-            </a:r>
-          </a:p>
-          <a:p>
-            <a:pPr>
+              <a:rPr lang="fr-FR" dirty="0"/>
+              <a:t> </a:t>
+            </a:r>
+            <a:r>
+              <a:rPr lang="fr-FR" dirty="0" smtClean="0"/>
+              <a:t>4 main </a:t>
+            </a:r>
+            <a:r>
+              <a:rPr lang="fr-FR" dirty="0" err="1" smtClean="0"/>
+              <a:t>tasks</a:t>
+            </a:r>
+            <a:r>
+              <a:rPr lang="fr-FR" dirty="0" smtClean="0"/>
+              <a:t> :</a:t>
+            </a:r>
+          </a:p>
+          <a:p>
+            <a:pPr lvl="1">
               <a:buFont typeface="Wingdings" panose="05000000000000000000" pitchFamily="2" charset="2"/>
               <a:buChar char="§"/>
             </a:pPr>
-            <a:endParaRPr lang="en-US" dirty="0" smtClean="0"/>
-          </a:p>
-          <a:p>
-            <a:pPr>
+            <a:endParaRPr lang="fr-FR" dirty="0"/>
+          </a:p>
+          <a:p>
+            <a:pPr lvl="1">
               <a:buFont typeface="Wingdings" panose="05000000000000000000" pitchFamily="2" charset="2"/>
               <a:buChar char="§"/>
             </a:pPr>
             <a:r>
-              <a:rPr lang="en-US" dirty="0"/>
-              <a:t> The remaining format is a list of dictionary</a:t>
-            </a:r>
+              <a:rPr lang="fr-FR" dirty="0" smtClean="0"/>
+              <a:t>Introduction to Python </a:t>
+            </a:r>
+            <a:r>
+              <a:rPr lang="fr-FR" dirty="0" err="1" smtClean="0"/>
+              <a:t>language</a:t>
+            </a:r>
+            <a:r>
+              <a:rPr lang="fr-FR" dirty="0" smtClean="0"/>
+              <a:t>/ Matlab codes</a:t>
+            </a:r>
+          </a:p>
+          <a:p>
+            <a:pPr lvl="1">
+              <a:buFont typeface="Wingdings" panose="05000000000000000000" pitchFamily="2" charset="2"/>
+              <a:buChar char="§"/>
+            </a:pPr>
+            <a:r>
+              <a:rPr lang="fr-FR" dirty="0" smtClean="0"/>
+              <a:t>Common format (Reading files)</a:t>
+            </a:r>
+          </a:p>
+          <a:p>
+            <a:pPr lvl="1">
+              <a:buFont typeface="Wingdings" panose="05000000000000000000" pitchFamily="2" charset="2"/>
+              <a:buChar char="§"/>
+            </a:pPr>
+            <a:r>
+              <a:rPr lang="fr-FR" dirty="0" smtClean="0"/>
+              <a:t>Data </a:t>
+            </a:r>
+            <a:r>
+              <a:rPr lang="fr-FR" dirty="0" err="1" smtClean="0"/>
+              <a:t>processing</a:t>
+            </a:r>
+            <a:r>
+              <a:rPr lang="fr-FR" dirty="0" smtClean="0"/>
+              <a:t> and </a:t>
+            </a:r>
+            <a:r>
+              <a:rPr lang="fr-FR" dirty="0" err="1" smtClean="0"/>
+              <a:t>smoothing</a:t>
+            </a:r>
+            <a:r>
+              <a:rPr lang="fr-FR" dirty="0" smtClean="0"/>
+              <a:t> </a:t>
+            </a:r>
+            <a:r>
+              <a:rPr lang="fr-FR" dirty="0" err="1" smtClean="0"/>
+              <a:t>methods</a:t>
+            </a:r>
+            <a:endParaRPr lang="fr-FR" dirty="0" smtClean="0"/>
+          </a:p>
+          <a:p>
+            <a:pPr lvl="1">
+              <a:buFont typeface="Wingdings" panose="05000000000000000000" pitchFamily="2" charset="2"/>
+              <a:buChar char="§"/>
+            </a:pPr>
+            <a:r>
+              <a:rPr lang="fr-FR" dirty="0" err="1" smtClean="0"/>
+              <a:t>Kalman</a:t>
+            </a:r>
+            <a:r>
+              <a:rPr lang="fr-FR" dirty="0" smtClean="0"/>
+              <a:t> </a:t>
+            </a:r>
+            <a:r>
+              <a:rPr lang="fr-FR" dirty="0" err="1" smtClean="0"/>
+              <a:t>filtering</a:t>
+            </a:r>
+            <a:r>
+              <a:rPr lang="fr-FR" dirty="0" smtClean="0"/>
+              <a:t> / GUI</a:t>
+            </a:r>
+          </a:p>
+          <a:p>
+            <a:endParaRPr lang="fr-FR" sz="1600" dirty="0"/>
+          </a:p>
+          <a:p>
+            <a:endParaRPr lang="fr-FR" sz="1600" dirty="0"/>
+          </a:p>
+          <a:p>
+            <a:pPr lvl="1">
+              <a:buFont typeface="Wingdings" panose="05000000000000000000" pitchFamily="2" charset="2"/>
+              <a:buChar char="§"/>
+            </a:pPr>
+            <a:endParaRPr lang="fr-FR" dirty="0" smtClean="0"/>
+          </a:p>
+          <a:p>
+            <a:pPr lvl="1">
+              <a:buFont typeface="Wingdings" panose="05000000000000000000" pitchFamily="2" charset="2"/>
+              <a:buChar char="§"/>
+            </a:pPr>
+            <a:endParaRPr lang="fr-FR" dirty="0" smtClean="0"/>
+          </a:p>
+          <a:p>
+            <a:pPr lvl="1">
+              <a:buFont typeface="Wingdings" panose="05000000000000000000" pitchFamily="2" charset="2"/>
+              <a:buChar char="§"/>
+            </a:pPr>
+            <a:endParaRPr lang="fr-FR" dirty="0"/>
+          </a:p>
+          <a:p>
+            <a:pPr lvl="1">
+              <a:buFont typeface="Wingdings" panose="05000000000000000000" pitchFamily="2" charset="2"/>
+              <a:buChar char="§"/>
+            </a:pPr>
+            <a:endParaRPr lang="fr-FR" dirty="0" smtClean="0"/>
+          </a:p>
+          <a:p>
+            <a:pPr lvl="1">
+              <a:buFont typeface="Wingdings" panose="05000000000000000000" pitchFamily="2" charset="2"/>
+              <a:buChar char="§"/>
+            </a:pPr>
             <a:endParaRPr lang="fr-FR" dirty="0"/>
           </a:p>
         </p:txBody>
@@ -23036,6 +24147,235 @@
             <a:fld id="{629637A9-119A-49DA-BD12-AAC58B377D80}" type="slidenum">
               <a:rPr lang="en-US" smtClean="0"/>
               <a:t>5</a:t>
+            </a:fld>
+            <a:endParaRPr lang="en-US" dirty="0"/>
+          </a:p>
+        </p:txBody>
+      </p:sp>
+    </p:spTree>
+    <p:extLst>
+      <p:ext uri="{BB962C8B-B14F-4D97-AF65-F5344CB8AC3E}">
+        <p14:creationId xmlns:p14="http://schemas.microsoft.com/office/powerpoint/2010/main" val="3240304065"/>
+      </p:ext>
+    </p:extLst>
+  </p:cSld>
+  <p:clrMapOvr>
+    <a:masterClrMapping/>
+  </p:clrMapOvr>
+</p:sld>
+</file>
+
+<file path=ppt/slides/slide6.xml><?xml version="1.0" encoding="utf-8"?>
+<p:sld xmlns:a="http://schemas.openxmlformats.org/drawingml/2006/main" xmlns:r="http://schemas.openxmlformats.org/officeDocument/2006/relationships" xmlns:p="http://schemas.openxmlformats.org/presentationml/2006/main">
+  <p:cSld>
+    <p:spTree>
+      <p:nvGrpSpPr>
+        <p:cNvPr id="1" name=""/>
+        <p:cNvGrpSpPr/>
+        <p:nvPr/>
+      </p:nvGrpSpPr>
+      <p:grpSpPr>
+        <a:xfrm>
+          <a:off x="0" y="0"/>
+          <a:ext cx="0" cy="0"/>
+          <a:chOff x="0" y="0"/>
+          <a:chExt cx="0" cy="0"/>
+        </a:xfrm>
+      </p:grpSpPr>
+      <p:sp>
+        <p:nvSpPr>
+          <p:cNvPr id="2" name="Titre 1"/>
+          <p:cNvSpPr>
+            <a:spLocks noGrp="1"/>
+          </p:cNvSpPr>
+          <p:nvPr>
+            <p:ph type="title"/>
+          </p:nvPr>
+        </p:nvSpPr>
+        <p:spPr/>
+        <p:txBody>
+          <a:bodyPr/>
+          <a:lstStyle/>
+          <a:p>
+            <a:r>
+              <a:rPr lang="en-US" dirty="0" smtClean="0"/>
+              <a:t>Data extraction and common format</a:t>
+            </a:r>
+            <a:endParaRPr lang="en-US" dirty="0"/>
+          </a:p>
+        </p:txBody>
+      </p:sp>
+      <p:sp>
+        <p:nvSpPr>
+          <p:cNvPr id="3" name="Espace réservé du contenu 2"/>
+          <p:cNvSpPr>
+            <a:spLocks noGrp="1"/>
+          </p:cNvSpPr>
+          <p:nvPr>
+            <p:ph idx="1"/>
+          </p:nvPr>
+        </p:nvSpPr>
+        <p:spPr/>
+        <p:txBody>
+          <a:bodyPr>
+            <a:normAutofit/>
+          </a:bodyPr>
+          <a:lstStyle/>
+          <a:p>
+            <a:pPr marL="0" indent="0">
+              <a:buNone/>
+            </a:pPr>
+            <a:endParaRPr lang="en-US" dirty="0" smtClean="0"/>
+          </a:p>
+          <a:p>
+            <a:pPr>
+              <a:buFont typeface="Wingdings" panose="05000000000000000000" pitchFamily="2" charset="2"/>
+              <a:buChar char="§"/>
+            </a:pPr>
+            <a:r>
+              <a:rPr lang="en-US" dirty="0" smtClean="0"/>
+              <a:t>ARGOS </a:t>
+            </a:r>
+            <a:r>
+              <a:rPr lang="en-US" dirty="0"/>
+              <a:t>data </a:t>
+            </a:r>
+            <a:r>
+              <a:rPr lang="en-US" dirty="0" smtClean="0"/>
+              <a:t>stored </a:t>
+            </a:r>
+            <a:r>
+              <a:rPr lang="en-US" dirty="0"/>
+              <a:t>in three different file </a:t>
+            </a:r>
+            <a:r>
+              <a:rPr lang="en-US" dirty="0" smtClean="0"/>
+              <a:t>formats </a:t>
+            </a:r>
+            <a:r>
+              <a:rPr lang="en-US" dirty="0"/>
+              <a:t>: </a:t>
+            </a:r>
+            <a:endParaRPr lang="en-US" dirty="0" smtClean="0"/>
+          </a:p>
+          <a:p>
+            <a:pPr lvl="2">
+              <a:buFont typeface="Wingdings" panose="05000000000000000000" pitchFamily="2" charset="2"/>
+              <a:buChar char="§"/>
+            </a:pPr>
+            <a:r>
+              <a:rPr lang="en-US" sz="1600" dirty="0" smtClean="0"/>
+              <a:t>CSV</a:t>
+            </a:r>
+          </a:p>
+          <a:p>
+            <a:pPr lvl="2">
+              <a:buFont typeface="Wingdings" panose="05000000000000000000" pitchFamily="2" charset="2"/>
+              <a:buChar char="§"/>
+            </a:pPr>
+            <a:r>
+              <a:rPr lang="en-US" sz="1600" dirty="0" smtClean="0"/>
+              <a:t>DIAG</a:t>
+            </a:r>
+          </a:p>
+          <a:p>
+            <a:pPr lvl="2">
+              <a:buFont typeface="Wingdings" panose="05000000000000000000" pitchFamily="2" charset="2"/>
+              <a:buChar char="§"/>
+            </a:pPr>
+            <a:r>
+              <a:rPr lang="en-US" sz="1600" dirty="0" smtClean="0"/>
+              <a:t>DS</a:t>
+            </a:r>
+            <a:endParaRPr lang="en-US" dirty="0" smtClean="0"/>
+          </a:p>
+          <a:p>
+            <a:pPr>
+              <a:buFont typeface="Wingdings" panose="05000000000000000000" pitchFamily="2" charset="2"/>
+              <a:buChar char="§"/>
+            </a:pPr>
+            <a:r>
+              <a:rPr lang="en-US" dirty="0" smtClean="0"/>
+              <a:t>"</a:t>
+            </a:r>
+            <a:r>
+              <a:rPr lang="en-US" dirty="0"/>
+              <a:t>One program to rule them all, one program to find them</a:t>
+            </a:r>
+            <a:r>
+              <a:rPr lang="en-US" dirty="0" smtClean="0"/>
+              <a:t>, one </a:t>
+            </a:r>
+            <a:r>
+              <a:rPr lang="en-US" dirty="0"/>
+              <a:t>program to bring them all and in the format bind </a:t>
+            </a:r>
+            <a:r>
+              <a:rPr lang="en-US" dirty="0" smtClean="0"/>
+              <a:t>them“</a:t>
+            </a:r>
+          </a:p>
+          <a:p>
+            <a:pPr>
+              <a:buFont typeface="Wingdings" panose="05000000000000000000" pitchFamily="2" charset="2"/>
+              <a:buChar char="§"/>
+            </a:pPr>
+            <a:endParaRPr lang="en-US" dirty="0" smtClean="0"/>
+          </a:p>
+          <a:p>
+            <a:pPr>
+              <a:buFont typeface="Wingdings" panose="05000000000000000000" pitchFamily="2" charset="2"/>
+              <a:buChar char="§"/>
+            </a:pPr>
+            <a:r>
+              <a:rPr lang="en-US" dirty="0"/>
+              <a:t> The remaining format is a list of dictionary</a:t>
+            </a:r>
+            <a:endParaRPr lang="fr-FR" dirty="0"/>
+          </a:p>
+        </p:txBody>
+      </p:sp>
+      <p:sp>
+        <p:nvSpPr>
+          <p:cNvPr id="4" name="Espace réservé de la date 3"/>
+          <p:cNvSpPr>
+            <a:spLocks noGrp="1"/>
+          </p:cNvSpPr>
+          <p:nvPr>
+            <p:ph type="dt" sz="half" idx="10"/>
+          </p:nvPr>
+        </p:nvSpPr>
+        <p:spPr/>
+        <p:txBody>
+          <a:bodyPr/>
+          <a:lstStyle/>
+          <a:p>
+            <a:r>
+              <a:rPr lang="fr-FR" smtClean="0"/>
+              <a:t>Anthony Delannoy, Jérôme Combanière, Benoit Madiot</a:t>
+            </a:r>
+            <a:endParaRPr lang="en-US" dirty="0"/>
+          </a:p>
+        </p:txBody>
+      </p:sp>
+      <p:sp>
+        <p:nvSpPr>
+          <p:cNvPr id="5" name="Espace réservé du numéro de diapositive 4"/>
+          <p:cNvSpPr>
+            <a:spLocks noGrp="1"/>
+          </p:cNvSpPr>
+          <p:nvPr>
+            <p:ph type="sldNum" sz="quarter" idx="12"/>
+          </p:nvPr>
+        </p:nvSpPr>
+        <p:spPr/>
+        <p:txBody>
+          <a:bodyPr/>
+          <a:lstStyle/>
+          <a:p>
+            <a:fld id="{629637A9-119A-49DA-BD12-AAC58B377D80}" type="slidenum">
+              <a:rPr lang="en-US" smtClean="0"/>
+              <a:t>6</a:t>
             </a:fld>
             <a:endParaRPr lang="en-US" dirty="0"/>
           </a:p>
@@ -23084,7 +24424,7 @@
 </p:sld>
 </file>
 
-<file path=ppt/slides/slide6.xml><?xml version="1.0" encoding="utf-8"?>
+<file path=ppt/slides/slide7.xml><?xml version="1.0" encoding="utf-8"?>
 <p:sld xmlns:a="http://schemas.openxmlformats.org/drawingml/2006/main" xmlns:r="http://schemas.openxmlformats.org/officeDocument/2006/relationships" xmlns:p="http://schemas.openxmlformats.org/presentationml/2006/main">
   <p:cSld>
     <p:spTree>
@@ -23296,7 +24636,7 @@
           <a:p>
             <a:fld id="{629637A9-119A-49DA-BD12-AAC58B377D80}" type="slidenum">
               <a:rPr lang="en-US" smtClean="0"/>
-              <a:t>6</a:t>
+              <a:t>7</a:t>
             </a:fld>
             <a:endParaRPr lang="en-US" dirty="0"/>
           </a:p>
@@ -23375,7 +24715,7 @@
 </p:sld>
 </file>
 
-<file path=ppt/slides/slide7.xml><?xml version="1.0" encoding="utf-8"?>
+<file path=ppt/slides/slide8.xml><?xml version="1.0" encoding="utf-8"?>
 <p:sld xmlns:a="http://schemas.openxmlformats.org/drawingml/2006/main" xmlns:r="http://schemas.openxmlformats.org/officeDocument/2006/relationships" xmlns:p="http://schemas.openxmlformats.org/presentationml/2006/main">
   <p:cSld>
     <p:spTree>
@@ -23494,7 +24834,7 @@
             </a:r>
             <a:r>
               <a:rPr lang="en-US" dirty="0" smtClean="0"/>
-              <a:t>contains </a:t>
+              <a:t>contain </a:t>
             </a:r>
             <a:r>
               <a:rPr lang="en-US" dirty="0"/>
@@ -23574,7 +24914,7 @@
           <a:p>
             <a:fld id="{629637A9-119A-49DA-BD12-AAC58B377D80}" type="slidenum">
               <a:rPr lang="en-US" smtClean="0"/>
-              <a:t>7</a:t>
+              <a:t>8</a:t>
             </a:fld>
             <a:endParaRPr lang="en-US" dirty="0"/>
           </a:p>
@@ -23593,7 +24933,7 @@
 </p:sld>
 </file>
 
-<file path=ppt/slides/slide8.xml><?xml version="1.0" encoding="utf-8"?>
+<file path=ppt/slides/slide9.xml><?xml version="1.0" encoding="utf-8"?>
 <p:sld xmlns:a="http://schemas.openxmlformats.org/drawingml/2006/main" xmlns:r="http://schemas.openxmlformats.org/officeDocument/2006/relationships" xmlns:p="http://schemas.openxmlformats.org/presentationml/2006/main">
   <p:cSld>
     <p:spTree>
@@ -23696,7 +25036,7 @@
           <a:p>
             <a:fld id="{4FAB73BC-B049-4115-A692-8D63A059BFB8}" type="slidenum">
               <a:rPr lang="en-US" smtClean="0"/>
-              <a:t>8</a:t>
+              <a:t>9</a:t>
             </a:fld>
             <a:endParaRPr lang="en-US" dirty="0"/>
           </a:p>
@@ -23706,245 +25046,6 @@
     <p:extLst>
       <p:ext uri="{BB962C8B-B14F-4D97-AF65-F5344CB8AC3E}">
         <p14:creationId xmlns:p14="http://schemas.microsoft.com/office/powerpoint/2010/main" val="335024141"/>
-      </p:ext>
-    </p:extLst>
-  </p:cSld>
-  <p:clrMapOvr>
-    <a:masterClrMapping/>
-  </p:clrMapOvr>
-  <p:timing>
-    <p:tnLst>
-      <p:par>
-        <p:cTn id="1" dur="indefinite" restart="never" nodeType="tmRoot"/>
-      </p:par>
-    </p:tnLst>
-  </p:timing>
-</p:sld>
-</file>
-
-<file path=ppt/slides/slide9.xml><?xml version="1.0" encoding="utf-8"?>
-<p:sld xmlns:a="http://schemas.openxmlformats.org/drawingml/2006/main" xmlns:r="http://schemas.openxmlformats.org/officeDocument/2006/relationships" xmlns:p="http://schemas.openxmlformats.org/presentationml/2006/main">
-  <p:cSld>
-    <p:spTree>
-      <p:nvGrpSpPr>
-        <p:cNvPr id="1" name=""/>
-        <p:cNvGrpSpPr/>
-        <p:nvPr/>
-      </p:nvGrpSpPr>
-      <p:grpSpPr>
-        <a:xfrm>
-          <a:off x="0" y="0"/>
-          <a:ext cx="0" cy="0"/>
-          <a:chOff x="0" y="0"/>
-          <a:chExt cx="0" cy="0"/>
-        </a:xfrm>
-      </p:grpSpPr>
-      <p:sp>
-        <p:nvSpPr>
-          <p:cNvPr id="2" name="Titre 1"/>
-          <p:cNvSpPr>
-            <a:spLocks noGrp="1"/>
-          </p:cNvSpPr>
-          <p:nvPr>
-            <p:ph type="title"/>
-          </p:nvPr>
-        </p:nvSpPr>
-        <p:spPr/>
-        <p:txBody>
-          <a:bodyPr/>
-          <a:lstStyle/>
-          <a:p>
-            <a:r>
-              <a:rPr lang="fr-FR" dirty="0" smtClean="0"/>
-              <a:t>Data </a:t>
-            </a:r>
-            <a:r>
-              <a:rPr lang="en-US" dirty="0" smtClean="0"/>
-              <a:t>processing</a:t>
-            </a:r>
-            <a:endParaRPr lang="en-US" dirty="0"/>
-          </a:p>
-        </p:txBody>
-      </p:sp>
-      <p:sp>
-        <p:nvSpPr>
-          <p:cNvPr id="3" name="Espace réservé du contenu 2"/>
-          <p:cNvSpPr>
-            <a:spLocks noGrp="1"/>
-          </p:cNvSpPr>
-          <p:nvPr>
-            <p:ph idx="1"/>
-          </p:nvPr>
-        </p:nvSpPr>
-        <p:spPr/>
-        <p:txBody>
-          <a:bodyPr/>
-          <a:lstStyle/>
-          <a:p>
-            <a:endParaRPr lang="en-US" dirty="0" smtClean="0"/>
-          </a:p>
-          <a:p>
-            <a:pPr>
-              <a:buFont typeface="Wingdings" panose="05000000000000000000" pitchFamily="2" charset="2"/>
-              <a:buChar char="§"/>
-            </a:pPr>
-            <a:r>
-              <a:rPr lang="en-US" dirty="0"/>
-              <a:t> </a:t>
-            </a:r>
-            <a:r>
-              <a:rPr lang="en-US" dirty="0" smtClean="0"/>
-              <a:t>Here </a:t>
-            </a:r>
-            <a:r>
-              <a:rPr lang="en-US" dirty="0"/>
-              <a:t>you estimate one position as the weighted sum of the two previous, current and two following </a:t>
-            </a:r>
-            <a:r>
-              <a:rPr lang="en-US" dirty="0" smtClean="0"/>
-              <a:t>positions</a:t>
-            </a:r>
-          </a:p>
-          <a:p>
-            <a:pPr marL="0" indent="0">
-              <a:buNone/>
-            </a:pPr>
-            <a:endParaRPr lang="en-US" dirty="0"/>
-          </a:p>
-          <a:p>
-            <a:endParaRPr lang="en-US" dirty="0"/>
-          </a:p>
-          <a:p>
-            <a:r>
-              <a:rPr lang="en-US" dirty="0"/>
-              <a:t>2 different weights : </a:t>
-            </a:r>
-            <a:endParaRPr lang="en-US" dirty="0" smtClean="0"/>
-          </a:p>
-          <a:p>
-            <a:pPr lvl="1">
-              <a:buFont typeface="Wingdings" panose="05000000000000000000" pitchFamily="2" charset="2"/>
-              <a:buChar char="§"/>
-            </a:pPr>
-            <a:r>
-              <a:rPr lang="en-US" dirty="0" smtClean="0"/>
-              <a:t> one </a:t>
-            </a:r>
-            <a:r>
-              <a:rPr lang="en-US" dirty="0"/>
-              <a:t>from the </a:t>
-            </a:r>
-            <a:r>
-              <a:rPr lang="en-US" dirty="0" smtClean="0"/>
-              <a:t>kernel</a:t>
-            </a:r>
-          </a:p>
-          <a:p>
-            <a:pPr lvl="1">
-              <a:buFont typeface="Wingdings" panose="05000000000000000000" pitchFamily="2" charset="2"/>
-              <a:buChar char="§"/>
-            </a:pPr>
-            <a:r>
-              <a:rPr lang="en-US" dirty="0" smtClean="0"/>
-              <a:t> one </a:t>
-            </a:r>
-            <a:r>
-              <a:rPr lang="en-US" dirty="0"/>
-              <a:t>from the quality of the ARGOS </a:t>
-            </a:r>
-            <a:r>
-              <a:rPr lang="en-US" dirty="0" smtClean="0"/>
-              <a:t>localization</a:t>
-            </a:r>
-          </a:p>
-          <a:p>
-            <a:endParaRPr lang="en-US" dirty="0"/>
-          </a:p>
-          <a:p>
-            <a:endParaRPr lang="fr-FR" dirty="0"/>
-          </a:p>
-        </p:txBody>
-      </p:sp>
-      <p:sp>
-        <p:nvSpPr>
-          <p:cNvPr id="4" name="Espace réservé de la date 3"/>
-          <p:cNvSpPr>
-            <a:spLocks noGrp="1"/>
-          </p:cNvSpPr>
-          <p:nvPr>
-            <p:ph type="dt" sz="half" idx="10"/>
-          </p:nvPr>
-        </p:nvSpPr>
-        <p:spPr/>
-        <p:txBody>
-          <a:bodyPr/>
-          <a:lstStyle/>
-          <a:p>
-            <a:r>
-              <a:rPr lang="fr-FR" smtClean="0"/>
-              <a:t>Anthony Delannoy, Jérôme Combanière, Benoit Madiot</a:t>
-            </a:r>
-            <a:endParaRPr lang="en-US" dirty="0"/>
-          </a:p>
-        </p:txBody>
-      </p:sp>
-      <p:sp>
-        <p:nvSpPr>
-          <p:cNvPr id="5" name="Espace réservé du numéro de diapositive 4"/>
-          <p:cNvSpPr>
-            <a:spLocks noGrp="1"/>
-          </p:cNvSpPr>
-          <p:nvPr>
-            <p:ph type="sldNum" sz="quarter" idx="12"/>
-          </p:nvPr>
-        </p:nvSpPr>
-        <p:spPr/>
-        <p:txBody>
-          <a:bodyPr/>
-          <a:lstStyle/>
-          <a:p>
-            <a:fld id="{629637A9-119A-49DA-BD12-AAC58B377D80}" type="slidenum">
-              <a:rPr lang="en-US" smtClean="0"/>
-              <a:t>9</a:t>
-            </a:fld>
-            <a:endParaRPr lang="en-US" dirty="0"/>
-          </a:p>
-        </p:txBody>
-      </p:sp>
-      <p:pic>
-        <p:nvPicPr>
-          <p:cNvPr id="7" name="Image 6"/>
-          <p:cNvPicPr>
-            <a:picLocks noChangeAspect="1"/>
-          </p:cNvPicPr>
-          <p:nvPr/>
-        </p:nvPicPr>
-        <p:blipFill>
-          <a:blip r:embed="rId2">
-            <a:extLst>
-              <a:ext uri="{28A0092B-C50C-407E-A947-70E740481C1C}">
-                <a14:useLocalDpi xmlns:a14="http://schemas.microsoft.com/office/drawing/2010/main" val="0"/>
-              </a:ext>
-            </a:extLst>
-          </a:blip>
-          <a:stretch>
-            <a:fillRect/>
-          </a:stretch>
-        </p:blipFill>
-        <p:spPr>
-          <a:xfrm>
-            <a:off x="6394412" y="2640169"/>
-            <a:ext cx="4818071" cy="3613553"/>
-          </a:xfrm>
-          <a:prstGeom prst="rect">
-            <a:avLst/>
-          </a:prstGeom>
-        </p:spPr>
-      </p:pic>
-    </p:spTree>
-    <p:extLst>
-      <p:ext uri="{BB962C8B-B14F-4D97-AF65-F5344CB8AC3E}">
-        <p14:creationId xmlns:p14="http://schemas.microsoft.com/office/powerpoint/2010/main" val="47055266"/>
       </p:ext>
     </p:extLst>
   </p:cSld>

--- a/presentation/Presentation.pptx
+++ b/presentation/Presentation.pptx
@@ -5,7 +5,7 @@
     <p:sldMasterId id="2147483648" r:id="rId1"/>
   </p:sldMasterIdLst>
   <p:notesMasterIdLst>
-    <p:notesMasterId r:id="rId43"/>
+    <p:notesMasterId r:id="rId45"/>
   </p:notesMasterIdLst>
   <p:sldIdLst>
     <p:sldId id="256" r:id="rId2"/>
@@ -19,36 +19,38 @@
     <p:sldId id="286" r:id="rId10"/>
     <p:sldId id="296" r:id="rId11"/>
     <p:sldId id="297" r:id="rId12"/>
-    <p:sldId id="298" r:id="rId13"/>
-    <p:sldId id="299" r:id="rId14"/>
-    <p:sldId id="287" r:id="rId15"/>
-    <p:sldId id="300" r:id="rId16"/>
-    <p:sldId id="291" r:id="rId17"/>
-    <p:sldId id="292" r:id="rId18"/>
-    <p:sldId id="279" r:id="rId19"/>
-    <p:sldId id="280" r:id="rId20"/>
-    <p:sldId id="293" r:id="rId21"/>
-    <p:sldId id="285" r:id="rId22"/>
-    <p:sldId id="294" r:id="rId23"/>
-    <p:sldId id="260" r:id="rId24"/>
-    <p:sldId id="262" r:id="rId25"/>
-    <p:sldId id="264" r:id="rId26"/>
-    <p:sldId id="265" r:id="rId27"/>
-    <p:sldId id="257" r:id="rId28"/>
-    <p:sldId id="266" r:id="rId29"/>
-    <p:sldId id="258" r:id="rId30"/>
-    <p:sldId id="273" r:id="rId31"/>
-    <p:sldId id="277" r:id="rId32"/>
-    <p:sldId id="274" r:id="rId33"/>
-    <p:sldId id="278" r:id="rId34"/>
-    <p:sldId id="267" r:id="rId35"/>
-    <p:sldId id="268" r:id="rId36"/>
-    <p:sldId id="269" r:id="rId37"/>
-    <p:sldId id="270" r:id="rId38"/>
-    <p:sldId id="271" r:id="rId39"/>
-    <p:sldId id="275" r:id="rId40"/>
-    <p:sldId id="272" r:id="rId41"/>
-    <p:sldId id="276" r:id="rId42"/>
+    <p:sldId id="301" r:id="rId13"/>
+    <p:sldId id="298" r:id="rId14"/>
+    <p:sldId id="299" r:id="rId15"/>
+    <p:sldId id="302" r:id="rId16"/>
+    <p:sldId id="287" r:id="rId17"/>
+    <p:sldId id="300" r:id="rId18"/>
+    <p:sldId id="291" r:id="rId19"/>
+    <p:sldId id="292" r:id="rId20"/>
+    <p:sldId id="279" r:id="rId21"/>
+    <p:sldId id="280" r:id="rId22"/>
+    <p:sldId id="293" r:id="rId23"/>
+    <p:sldId id="285" r:id="rId24"/>
+    <p:sldId id="294" r:id="rId25"/>
+    <p:sldId id="260" r:id="rId26"/>
+    <p:sldId id="262" r:id="rId27"/>
+    <p:sldId id="264" r:id="rId28"/>
+    <p:sldId id="265" r:id="rId29"/>
+    <p:sldId id="257" r:id="rId30"/>
+    <p:sldId id="266" r:id="rId31"/>
+    <p:sldId id="258" r:id="rId32"/>
+    <p:sldId id="273" r:id="rId33"/>
+    <p:sldId id="277" r:id="rId34"/>
+    <p:sldId id="274" r:id="rId35"/>
+    <p:sldId id="278" r:id="rId36"/>
+    <p:sldId id="267" r:id="rId37"/>
+    <p:sldId id="268" r:id="rId38"/>
+    <p:sldId id="269" r:id="rId39"/>
+    <p:sldId id="270" r:id="rId40"/>
+    <p:sldId id="271" r:id="rId41"/>
+    <p:sldId id="275" r:id="rId42"/>
+    <p:sldId id="272" r:id="rId43"/>
+    <p:sldId id="276" r:id="rId44"/>
   </p:sldIdLst>
   <p:sldSz cx="12192000" cy="6858000"/>
   <p:notesSz cx="6858000" cy="9144000"/>
@@ -4863,126 +4865,126 @@
     </dgm:pt>
   </dgm:ptLst>
   <dgm:cxnLst>
+    <dgm:cxn modelId="{E3DB999D-9066-4AB9-B32C-291F277659E3}" type="presOf" srcId="{18C0FE98-3562-465A-97F0-B7964471F981}" destId="{41AA4399-11D0-4F63-BACE-D65E1F589C37}" srcOrd="0" destOrd="0" presId="urn:microsoft.com/office/officeart/2005/8/layout/orgChart1"/>
+    <dgm:cxn modelId="{D0D72877-8C7F-455A-AA25-974B021F47DA}" type="presOf" srcId="{52EB7FA0-1EE8-4CA7-86DC-0100771BE194}" destId="{FF288A1D-B587-46B0-BC9E-700CBA259D7E}" srcOrd="0" destOrd="0" presId="urn:microsoft.com/office/officeart/2005/8/layout/orgChart1"/>
+    <dgm:cxn modelId="{4D2C03D5-6A23-4399-963D-825321C8513B}" type="presOf" srcId="{B859665D-3BC1-49C1-A22A-41B63EE43498}" destId="{2F458952-C86B-42BF-9740-35DFCF8C8ACE}" srcOrd="0" destOrd="0" presId="urn:microsoft.com/office/officeart/2005/8/layout/orgChart1"/>
+    <dgm:cxn modelId="{E67B2AFA-5E63-4BC7-B528-47FD44E501BC}" type="presOf" srcId="{EB4903BB-4957-45FA-8931-5352A6C47086}" destId="{A884CD02-219E-4BCF-A327-CB7979BEBF17}" srcOrd="1" destOrd="0" presId="urn:microsoft.com/office/officeart/2005/8/layout/orgChart1"/>
+    <dgm:cxn modelId="{FB7D4DFA-0C75-41A8-BA12-EAC7128835A0}" type="presOf" srcId="{739E3F65-0041-4E18-8853-2C74D6A64C91}" destId="{938858ED-BA25-4EBF-8D52-0C2813973BF7}" srcOrd="0" destOrd="0" presId="urn:microsoft.com/office/officeart/2005/8/layout/orgChart1"/>
+    <dgm:cxn modelId="{7CC0520B-1FFD-43C7-8CE7-800AEA31D4A6}" type="presOf" srcId="{52EB7FA0-1EE8-4CA7-86DC-0100771BE194}" destId="{7FB04751-2E9B-4AB6-BA7E-B9D0DC42DC80}" srcOrd="1" destOrd="0" presId="urn:microsoft.com/office/officeart/2005/8/layout/orgChart1"/>
+    <dgm:cxn modelId="{BA3F77AE-07FF-4EF3-9A3F-63915A8C0556}" srcId="{A38F75E3-67A4-4E7E-A779-20227D05298F}" destId="{D7718924-691F-45C2-BAFE-0D45C0BA9F99}" srcOrd="1" destOrd="0" parTransId="{4A2C6C76-4769-456C-A7EA-58ACC5FCFD8F}" sibTransId="{C58B32A3-D6E9-4898-9D6F-1AEDF300768B}"/>
+    <dgm:cxn modelId="{EDF1B0D2-76C6-4615-A129-27E7FEAC697C}" type="presOf" srcId="{B0814D94-F89D-41EC-B2C0-C352E262D43B}" destId="{167915E3-D147-437E-B254-FF25A54EDB58}" srcOrd="1" destOrd="0" presId="urn:microsoft.com/office/officeart/2005/8/layout/orgChart1"/>
+    <dgm:cxn modelId="{A406A252-C618-4CDE-9863-187969B1070A}" type="presOf" srcId="{14BE3193-4EF9-4A71-A2D2-42BC0B6B86A7}" destId="{4B962A61-D0A3-4D74-AE39-E4AF62F25109}" srcOrd="0" destOrd="0" presId="urn:microsoft.com/office/officeart/2005/8/layout/orgChart1"/>
+    <dgm:cxn modelId="{1AF1E467-A697-4D19-97FA-E89C455053C6}" type="presOf" srcId="{AC5FB5ED-BF90-4EED-B66C-AFB0187A1ED9}" destId="{A84AF67F-3E84-4B1E-94C0-7209F5529E89}" srcOrd="1" destOrd="0" presId="urn:microsoft.com/office/officeart/2005/8/layout/orgChart1"/>
+    <dgm:cxn modelId="{D1C9F106-04E5-4B3B-A609-95891ADB5F24}" type="presOf" srcId="{14BE3193-4EF9-4A71-A2D2-42BC0B6B86A7}" destId="{198864FC-177B-4091-A9D7-4AF9C88B8B59}" srcOrd="1" destOrd="0" presId="urn:microsoft.com/office/officeart/2005/8/layout/orgChart1"/>
+    <dgm:cxn modelId="{72F220F5-C8F1-4253-8A6E-ACFA871DDFF3}" type="presOf" srcId="{A99E5D6C-1BF0-408D-A53C-021080A555B0}" destId="{C048AC1E-B70E-4BE0-930A-BCCF764C6D5B}" srcOrd="1" destOrd="0" presId="urn:microsoft.com/office/officeart/2005/8/layout/orgChart1"/>
+    <dgm:cxn modelId="{B3C03016-3F08-4193-BAF9-6C7450FB4A69}" srcId="{AC5FB5ED-BF90-4EED-B66C-AFB0187A1ED9}" destId="{CE6429A6-E596-4D9E-B7F2-5FE0A1F45795}" srcOrd="5" destOrd="0" parTransId="{18C0FE98-3562-465A-97F0-B7964471F981}" sibTransId="{BEFE8CA4-121C-4557-AB83-4E2B5370478A}"/>
+    <dgm:cxn modelId="{83B5058F-6946-47B3-A56D-D32F64A44FDA}" srcId="{6BDBA2EE-B789-411E-A24F-4C9B59785FEC}" destId="{3CF90A05-6FFB-479A-93BC-4B304B438937}" srcOrd="0" destOrd="0" parTransId="{A90917E0-1500-4347-80E8-54D6C1C85D44}" sibTransId="{843EA8FD-08FB-42BA-849E-1C3093181ED9}"/>
+    <dgm:cxn modelId="{AC35B649-47DF-4786-9BD2-B57A56F001BC}" type="presOf" srcId="{5F1FBD8A-E119-4273-ADF6-255CDBB3F103}" destId="{E37E39EF-EC5E-44F2-A8AA-D783ECCBD80E}" srcOrd="1" destOrd="0" presId="urn:microsoft.com/office/officeart/2005/8/layout/orgChart1"/>
+    <dgm:cxn modelId="{7429BCD1-30A0-4849-BCE0-2D079420464C}" srcId="{CE6429A6-E596-4D9E-B7F2-5FE0A1F45795}" destId="{D57CAE95-15B9-478B-B0ED-2CFCC4772790}" srcOrd="2" destOrd="0" parTransId="{CCA410CD-E9E3-4D99-86FE-AB5DBF1DFF26}" sibTransId="{7B6EE6B2-E565-443F-B44D-CE051D48330F}"/>
+    <dgm:cxn modelId="{7484D7A0-CECB-4B2A-B1B9-A0B7A0BAC085}" srcId="{B0814D94-F89D-41EC-B2C0-C352E262D43B}" destId="{D44E33A2-8AD6-48DF-948E-7F6D0A44F83C}" srcOrd="0" destOrd="0" parTransId="{96BD6010-CDE6-4B7C-A4AB-3C75A6CCE49C}" sibTransId="{74DD851E-B85C-40FE-8D3C-B487910E359E}"/>
+    <dgm:cxn modelId="{B51C42D7-997F-4DD6-8709-41BB2F63CA2D}" srcId="{83BD0166-2B9F-43C4-9BA6-6E338C2E0BDE}" destId="{B0814D94-F89D-41EC-B2C0-C352E262D43B}" srcOrd="0" destOrd="0" parTransId="{D1C6E0B3-4D62-4A2A-A8DD-6558A1899328}" sibTransId="{BF142329-72DB-482C-86C5-E3079D522574}"/>
+    <dgm:cxn modelId="{2AB7E840-1B9E-4C62-BBBE-CDA59D41BBA4}" type="presOf" srcId="{AC5FB5ED-BF90-4EED-B66C-AFB0187A1ED9}" destId="{B3E3A426-0D29-46C8-9D49-8BAE6F7D7FD3}" srcOrd="0" destOrd="0" presId="urn:microsoft.com/office/officeart/2005/8/layout/orgChart1"/>
+    <dgm:cxn modelId="{1EB110C9-2C21-4BD0-B3CB-EA9913BB61EB}" type="presOf" srcId="{990069B2-56D7-4EB7-8D10-BAAB85CD1819}" destId="{9957228C-567A-42C0-AA92-8505EA4508DF}" srcOrd="0" destOrd="0" presId="urn:microsoft.com/office/officeart/2005/8/layout/orgChart1"/>
+    <dgm:cxn modelId="{CDC2603D-AEF0-43FF-B33D-9E5D52DB1F0C}" srcId="{AC5FB5ED-BF90-4EED-B66C-AFB0187A1ED9}" destId="{6BDBA2EE-B789-411E-A24F-4C9B59785FEC}" srcOrd="6" destOrd="0" parTransId="{1F2326B5-E345-46AF-BE90-C62A32039143}" sibTransId="{D83329B7-9E7F-4B06-8696-AD016B7203D8}"/>
+    <dgm:cxn modelId="{C2621E35-99CE-4A98-873E-B757E4DB4A55}" type="presOf" srcId="{3CF90A05-6FFB-479A-93BC-4B304B438937}" destId="{1655CF77-2AD8-4353-A935-CB0A8DA10E7A}" srcOrd="0" destOrd="0" presId="urn:microsoft.com/office/officeart/2005/8/layout/orgChart1"/>
+    <dgm:cxn modelId="{743AD7F0-37D4-4046-9711-A3B848327CEC}" type="presOf" srcId="{CE6429A6-E596-4D9E-B7F2-5FE0A1F45795}" destId="{6FA6A1BB-C87C-4D5E-B6EC-E63AFF5F1A72}" srcOrd="1" destOrd="0" presId="urn:microsoft.com/office/officeart/2005/8/layout/orgChart1"/>
+    <dgm:cxn modelId="{7CD677E8-0478-468B-8726-2C7BFEF5DBDC}" type="presOf" srcId="{2D60B1AB-3086-47E4-B3E0-003778EA16CF}" destId="{A62F51B4-DB85-4019-B746-1DFFB9D25C5C}" srcOrd="0" destOrd="0" presId="urn:microsoft.com/office/officeart/2005/8/layout/orgChart1"/>
+    <dgm:cxn modelId="{D66340E8-9AAE-46B6-B921-C585F802B342}" type="presOf" srcId="{83BD0166-2B9F-43C4-9BA6-6E338C2E0BDE}" destId="{F436A28B-D33E-4C1E-B29C-0B7D4C9A88E1}" srcOrd="0" destOrd="0" presId="urn:microsoft.com/office/officeart/2005/8/layout/orgChart1"/>
+    <dgm:cxn modelId="{D4DE2A08-8E61-4FDA-AB02-60DA03C6AD5D}" type="presOf" srcId="{2EBAF363-0A40-4011-8CA8-FBF8914C6DA7}" destId="{5ED2C871-03B2-4769-8F88-9B65DD0A0BA9}" srcOrd="0" destOrd="0" presId="urn:microsoft.com/office/officeart/2005/8/layout/orgChart1"/>
+    <dgm:cxn modelId="{346E9E4E-BC9F-471A-9D7E-6EAF0D24A136}" type="presOf" srcId="{4A2C6C76-4769-456C-A7EA-58ACC5FCFD8F}" destId="{BB1DDAA0-C574-4180-92E8-D316F7843FD8}" srcOrd="0" destOrd="0" presId="urn:microsoft.com/office/officeart/2005/8/layout/orgChart1"/>
+    <dgm:cxn modelId="{660C9212-B2B0-4A0C-9CB4-8A03AC8D4DF7}" srcId="{14BE3193-4EF9-4A71-A2D2-42BC0B6B86A7}" destId="{EB4903BB-4957-45FA-8931-5352A6C47086}" srcOrd="0" destOrd="0" parTransId="{3C4A4666-9564-41C6-88F6-7BE960E8F3A7}" sibTransId="{96384F86-C52E-407F-BC73-EFDAD624EAE6}"/>
+    <dgm:cxn modelId="{F748AC52-C138-411D-95AD-367A6DCC6566}" type="presOf" srcId="{D44E33A2-8AD6-48DF-948E-7F6D0A44F83C}" destId="{B3E9A3BD-CF2F-4600-8EF2-F322AD765BC4}" srcOrd="1" destOrd="0" presId="urn:microsoft.com/office/officeart/2005/8/layout/orgChart1"/>
+    <dgm:cxn modelId="{B9F61AA4-D717-4BF9-BDD8-60F46FDFE762}" type="presOf" srcId="{B2C39C79-A53B-44CA-ADDF-3775A405913C}" destId="{0F8E54F8-F6D0-4C71-A42D-80F9C506D797}" srcOrd="0" destOrd="0" presId="urn:microsoft.com/office/officeart/2005/8/layout/orgChart1"/>
+    <dgm:cxn modelId="{1495D951-6A72-4553-9E86-9B811EB69222}" srcId="{990069B2-56D7-4EB7-8D10-BAAB85CD1819}" destId="{5F1FBD8A-E119-4273-ADF6-255CDBB3F103}" srcOrd="1" destOrd="0" parTransId="{0165881A-B363-4147-8B9C-3E0667F5F205}" sibTransId="{6BA3CE2A-18F8-46FD-98FE-35823ADFACF0}"/>
+    <dgm:cxn modelId="{0A8F76B3-EA40-483D-8E90-1B4ADE844EA7}" type="presOf" srcId="{BCC438E4-3D0E-4353-B5E6-776207620D5D}" destId="{A8C5DB6B-5F45-411B-9F26-22B488E04868}" srcOrd="0" destOrd="0" presId="urn:microsoft.com/office/officeart/2005/8/layout/orgChart1"/>
+    <dgm:cxn modelId="{A6F108D2-9B96-46CB-8B7D-67D28ED716B7}" type="presOf" srcId="{D8012592-D4CA-4D96-BC58-4B1CD419A978}" destId="{1C04B3C3-B494-45E8-B004-08E8B533CECD}" srcOrd="0" destOrd="0" presId="urn:microsoft.com/office/officeart/2005/8/layout/orgChart1"/>
+    <dgm:cxn modelId="{E9CA0FD6-F2F0-4BDF-BD53-0E6C8395515B}" type="presOf" srcId="{2B1382BD-318E-4CF9-A182-DB3DDAD180CC}" destId="{C39291EB-BB27-42D8-A9AA-A530C0D35125}" srcOrd="0" destOrd="0" presId="urn:microsoft.com/office/officeart/2005/8/layout/orgChart1"/>
+    <dgm:cxn modelId="{EB372AF8-BD1A-4E8D-8A4E-D61115847949}" type="presOf" srcId="{E59045EA-054F-4651-B30C-6B53EE9A3B7D}" destId="{70D66AA6-539D-4216-AC94-50386E793B6C}" srcOrd="0" destOrd="0" presId="urn:microsoft.com/office/officeart/2005/8/layout/orgChart1"/>
+    <dgm:cxn modelId="{CDF6F4A3-60D7-4E2E-9B47-BD27C861DFA9}" type="presOf" srcId="{37E2AAC3-7576-496E-9480-5FA0C82D15CD}" destId="{2B753595-9BB9-4C10-8257-FDE0A1E9F4C3}" srcOrd="0" destOrd="0" presId="urn:microsoft.com/office/officeart/2005/8/layout/orgChart1"/>
+    <dgm:cxn modelId="{9EE63AD4-2BA9-43A9-922A-8A0FD06B6D93}" srcId="{AC5FB5ED-BF90-4EED-B66C-AFB0187A1ED9}" destId="{52EB7FA0-1EE8-4CA7-86DC-0100771BE194}" srcOrd="4" destOrd="0" parTransId="{37E2AAC3-7576-496E-9480-5FA0C82D15CD}" sibTransId="{7BE73639-0758-471D-AC0E-92F65D51697F}"/>
+    <dgm:cxn modelId="{573566D5-57E6-43C0-94D9-EB39F83035EC}" type="presOf" srcId="{39F6A57A-1A5E-4DC5-A39B-658F5EACADC1}" destId="{8F77B40E-03CC-4ADF-B314-A6C62DACDE65}" srcOrd="0" destOrd="0" presId="urn:microsoft.com/office/officeart/2005/8/layout/orgChart1"/>
+    <dgm:cxn modelId="{B5B01F0C-0D66-488E-BF86-59B98CAE7075}" srcId="{52EB7FA0-1EE8-4CA7-86DC-0100771BE194}" destId="{A99E5D6C-1BF0-408D-A53C-021080A555B0}" srcOrd="2" destOrd="0" parTransId="{8773E4AD-1A55-40AC-8647-B8E1F0C68680}" sibTransId="{F164F33C-4246-4295-B3E1-35D5869AF328}"/>
+    <dgm:cxn modelId="{B04FCC88-B547-44BA-8F35-B2F2CFC859C3}" type="presOf" srcId="{990069B2-56D7-4EB7-8D10-BAAB85CD1819}" destId="{A5CE01DF-1EE0-45F5-8F90-6DA50ACE06DD}" srcOrd="1" destOrd="0" presId="urn:microsoft.com/office/officeart/2005/8/layout/orgChart1"/>
+    <dgm:cxn modelId="{B2D81DCC-5B1E-4A8D-A013-4B48EF463839}" type="presOf" srcId="{9B28BD1C-4151-405F-B2F0-1BEBF2E0AC19}" destId="{3DF94DB2-8A71-4944-8729-421B74AD33D0}" srcOrd="1" destOrd="0" presId="urn:microsoft.com/office/officeart/2005/8/layout/orgChart1"/>
+    <dgm:cxn modelId="{8863C7DD-80E6-43D6-B588-15627BBABB38}" type="presOf" srcId="{9C6E1A12-DF1B-498D-9E14-7E98B6B827D8}" destId="{A05E796D-CEA5-4CC3-8477-B0285B761E97}" srcOrd="0" destOrd="0" presId="urn:microsoft.com/office/officeart/2005/8/layout/orgChart1"/>
+    <dgm:cxn modelId="{122FF469-D306-4DE2-BF5E-2CA7585D241D}" type="presOf" srcId="{2A92CF30-BAE6-41F4-ADB9-FEE415D955EA}" destId="{17C8EB9D-998E-46F4-B988-55F765305E78}" srcOrd="1" destOrd="0" presId="urn:microsoft.com/office/officeart/2005/8/layout/orgChart1"/>
+    <dgm:cxn modelId="{F8FFD687-B85E-4201-99B0-43099460FBCF}" type="presOf" srcId="{96BD6010-CDE6-4B7C-A4AB-3C75A6CCE49C}" destId="{15ED0A49-A7B6-4496-8482-29ECC259AF3D}" srcOrd="0" destOrd="0" presId="urn:microsoft.com/office/officeart/2005/8/layout/orgChart1"/>
+    <dgm:cxn modelId="{7030F73F-C9A6-444A-A825-9D8955C1B955}" srcId="{6BDBA2EE-B789-411E-A24F-4C9B59785FEC}" destId="{834DF5D9-098B-4C81-82E6-A05F3069EF38}" srcOrd="2" destOrd="0" parTransId="{6FCD30D8-8D14-4119-889B-0B1EAC897521}" sibTransId="{9627D9E6-BD50-4DFC-835A-CE5D3DE4C148}"/>
+    <dgm:cxn modelId="{36AC8C37-4F49-4F83-8781-EEBE222DDCEE}" type="presOf" srcId="{83BD0166-2B9F-43C4-9BA6-6E338C2E0BDE}" destId="{82D903EB-702B-4153-A59B-E6ADB6D783BA}" srcOrd="1" destOrd="0" presId="urn:microsoft.com/office/officeart/2005/8/layout/orgChart1"/>
+    <dgm:cxn modelId="{E3432BD4-00E0-40C8-B7BC-B5BC8500F611}" type="presOf" srcId="{B859665D-3BC1-49C1-A22A-41B63EE43498}" destId="{15F4A24E-BD0A-48CF-9B18-5BCC0D8C4607}" srcOrd="1" destOrd="0" presId="urn:microsoft.com/office/officeart/2005/8/layout/orgChart1"/>
+    <dgm:cxn modelId="{D8E80477-CD4B-4343-A0E6-DD867AD2AB22}" srcId="{D8012592-D4CA-4D96-BC58-4B1CD419A978}" destId="{AC5FB5ED-BF90-4EED-B66C-AFB0187A1ED9}" srcOrd="0" destOrd="0" parTransId="{E7746EB1-3EA0-4986-AEDE-EDC632488CDD}" sibTransId="{D7110855-9D11-4431-94FC-47533092EA99}"/>
+    <dgm:cxn modelId="{AE99E903-D162-4FC4-AD39-18029B51199F}" type="presOf" srcId="{6D129A3C-FA90-47D9-B80B-D6349A0ED47C}" destId="{2B807863-6653-4B53-AD54-1D76324B4414}" srcOrd="1" destOrd="0" presId="urn:microsoft.com/office/officeart/2005/8/layout/orgChart1"/>
+    <dgm:cxn modelId="{CE384B22-5CF2-42EF-8D12-1D380EB4DF0F}" type="presOf" srcId="{16ACB39A-5E18-4E59-AB82-A0C4D06AFE8B}" destId="{FBFDACA4-8B3C-418B-B6D1-6F6AD19C4313}" srcOrd="1" destOrd="0" presId="urn:microsoft.com/office/officeart/2005/8/layout/orgChart1"/>
+    <dgm:cxn modelId="{D478ACA2-49B6-4220-B730-6884BC95AEA1}" srcId="{AC5FB5ED-BF90-4EED-B66C-AFB0187A1ED9}" destId="{16ACB39A-5E18-4E59-AB82-A0C4D06AFE8B}" srcOrd="0" destOrd="0" parTransId="{2D60B1AB-3086-47E4-B3E0-003778EA16CF}" sibTransId="{91BE17E9-EB64-4AC8-B5FE-8AF2A65B9F7F}"/>
+    <dgm:cxn modelId="{7CE0B5EC-0908-42A5-89C2-4C98086F8C13}" srcId="{14BE3193-4EF9-4A71-A2D2-42BC0B6B86A7}" destId="{E59045EA-054F-4651-B30C-6B53EE9A3B7D}" srcOrd="2" destOrd="0" parTransId="{91DBD840-7966-4131-820F-6355DB865ACD}" sibTransId="{F8D51AA7-388C-4FF8-8927-CF3E27F304BF}"/>
+    <dgm:cxn modelId="{933FC0BC-75C2-4C64-B78F-6E9FC1124A64}" type="presOf" srcId="{3CF90A05-6FFB-479A-93BC-4B304B438937}" destId="{BD71F7D9-0BC2-4517-B03B-A935AF991FB8}" srcOrd="1" destOrd="0" presId="urn:microsoft.com/office/officeart/2005/8/layout/orgChart1"/>
+    <dgm:cxn modelId="{D006FFC7-733E-464C-B003-C87688A66C95}" type="presOf" srcId="{834DF5D9-098B-4C81-82E6-A05F3069EF38}" destId="{384F94EA-E80A-428C-AF06-AEEBE79E353D}" srcOrd="1" destOrd="0" presId="urn:microsoft.com/office/officeart/2005/8/layout/orgChart1"/>
+    <dgm:cxn modelId="{41FF8500-B0AE-4324-A4C0-2836E8E0CE9E}" type="presOf" srcId="{280D7AA7-FAF2-43AD-8547-F0A9413E69BE}" destId="{C8F82892-2DF2-4B58-B63C-A07FD2E30315}" srcOrd="0" destOrd="0" presId="urn:microsoft.com/office/officeart/2005/8/layout/orgChart1"/>
+    <dgm:cxn modelId="{A5EC3DF1-5F28-4C1D-B73C-A3470F979065}" type="presOf" srcId="{D57CAE95-15B9-478B-B0ED-2CFCC4772790}" destId="{58BC6B5B-CE87-4F61-ABD5-9F3BE17A7B41}" srcOrd="0" destOrd="0" presId="urn:microsoft.com/office/officeart/2005/8/layout/orgChart1"/>
+    <dgm:cxn modelId="{D0EBC66C-6DC7-405A-95FB-EF69B990378B}" type="presOf" srcId="{A99E5D6C-1BF0-408D-A53C-021080A555B0}" destId="{A62EC485-B2F0-422B-9BC8-5499DD4A6D0A}" srcOrd="0" destOrd="0" presId="urn:microsoft.com/office/officeart/2005/8/layout/orgChart1"/>
+    <dgm:cxn modelId="{D61543F9-C360-438E-8EDA-53D56CBBABE3}" type="presOf" srcId="{76103109-CAB9-419C-9FC0-21DC24B467B4}" destId="{337419C6-A108-4403-9FE5-C7241EB06A4A}" srcOrd="0" destOrd="0" presId="urn:microsoft.com/office/officeart/2005/8/layout/orgChart1"/>
+    <dgm:cxn modelId="{923953D7-6A91-4D97-9ACA-DC930CB97BAF}" type="presOf" srcId="{D1C6E0B3-4D62-4A2A-A8DD-6558A1899328}" destId="{6B5F68EB-B25C-4F3B-A060-D134222E5002}" srcOrd="0" destOrd="0" presId="urn:microsoft.com/office/officeart/2005/8/layout/orgChart1"/>
+    <dgm:cxn modelId="{D69787C6-2E12-467B-BF01-2CDEC131CC7D}" type="presOf" srcId="{834DF5D9-098B-4C81-82E6-A05F3069EF38}" destId="{353F92C2-EB42-4797-B7B5-6AD1B5C890D5}" srcOrd="0" destOrd="0" presId="urn:microsoft.com/office/officeart/2005/8/layout/orgChart1"/>
+    <dgm:cxn modelId="{005F88DF-B2A2-44BC-B77A-5840E915FD4A}" type="presOf" srcId="{6BDBA2EE-B789-411E-A24F-4C9B59785FEC}" destId="{88EB1175-7A01-4503-8C73-5358B4734D42}" srcOrd="0" destOrd="0" presId="urn:microsoft.com/office/officeart/2005/8/layout/orgChart1"/>
+    <dgm:cxn modelId="{7C7CF6E9-E811-43E8-8368-C9FFDD279ABF}" type="presOf" srcId="{6BDBA2EE-B789-411E-A24F-4C9B59785FEC}" destId="{B8AA6D0A-203B-4B12-B849-93BEB9D3F319}" srcOrd="1" destOrd="0" presId="urn:microsoft.com/office/officeart/2005/8/layout/orgChart1"/>
+    <dgm:cxn modelId="{8BA13CF9-DEA3-4976-93F2-7978021E344C}" srcId="{CE6429A6-E596-4D9E-B7F2-5FE0A1F45795}" destId="{888E3741-A6E1-4EA3-8436-E6665102E87E}" srcOrd="0" destOrd="0" parTransId="{724D6890-6BEA-4979-925D-F846AD7ADC56}" sibTransId="{0DF15A16-FF35-44C9-AD5B-6BFF0F8DBC53}"/>
+    <dgm:cxn modelId="{D456A45A-8256-490E-B401-0114A7E11DB1}" srcId="{A38F75E3-67A4-4E7E-A779-20227D05298F}" destId="{378F08BF-298D-4EE8-9A26-1E163BCA96C1}" srcOrd="0" destOrd="0" parTransId="{280D7AA7-FAF2-43AD-8547-F0A9413E69BE}" sibTransId="{DBF7F6CE-DB98-4A0A-9DF0-B0AC2AA28AB2}"/>
+    <dgm:cxn modelId="{8AD95782-A64C-47C3-9471-A58E243F377B}" type="presOf" srcId="{5F1FBD8A-E119-4273-ADF6-255CDBB3F103}" destId="{D6AE43FA-84EB-440F-B30E-D85552D82F4E}" srcOrd="0" destOrd="0" presId="urn:microsoft.com/office/officeart/2005/8/layout/orgChart1"/>
+    <dgm:cxn modelId="{2836BDB0-EE6D-489B-BF7D-957F84FDACF1}" srcId="{AC5FB5ED-BF90-4EED-B66C-AFB0187A1ED9}" destId="{9B28BD1C-4151-405F-B2F0-1BEBF2E0AC19}" srcOrd="2" destOrd="0" parTransId="{78A6B255-6D7D-4F2C-9C00-A9A18665C318}" sibTransId="{85F7165A-D2CB-493B-9D78-F8ABADE67A6F}"/>
+    <dgm:cxn modelId="{6618E6C0-E775-42A9-9B01-9A7428189D55}" type="presOf" srcId="{76103109-CAB9-419C-9FC0-21DC24B467B4}" destId="{B2C7B976-887E-46FA-BC7D-B7CE758C1CFC}" srcOrd="1" destOrd="0" presId="urn:microsoft.com/office/officeart/2005/8/layout/orgChart1"/>
+    <dgm:cxn modelId="{42D1E537-5BAA-47E7-AA2F-E87583E04189}" type="presOf" srcId="{3C4A4666-9564-41C6-88F6-7BE960E8F3A7}" destId="{6C3A463B-2BF1-443D-83DC-7E4577ADFDCF}" srcOrd="0" destOrd="0" presId="urn:microsoft.com/office/officeart/2005/8/layout/orgChart1"/>
+    <dgm:cxn modelId="{2E1260B1-C8D2-420E-BEC0-4B62B3C9A8F6}" type="presOf" srcId="{16ACB39A-5E18-4E59-AB82-A0C4D06AFE8B}" destId="{A318DB41-4EE7-4825-BEBA-07BDA2EAFF4A}" srcOrd="0" destOrd="0" presId="urn:microsoft.com/office/officeart/2005/8/layout/orgChart1"/>
+    <dgm:cxn modelId="{E753A6C9-3632-4335-B4EE-D23855B7AEC3}" srcId="{52EB7FA0-1EE8-4CA7-86DC-0100771BE194}" destId="{9C6E1A12-DF1B-498D-9E14-7E98B6B827D8}" srcOrd="0" destOrd="0" parTransId="{CB00AB57-F12E-4E75-AFCA-D29372E37043}" sibTransId="{94E350DE-3FFF-499A-8A04-D87423CF974B}"/>
+    <dgm:cxn modelId="{26EDF60D-BC90-45C6-84EA-13A7D60A3E88}" type="presOf" srcId="{CCA410CD-E9E3-4D99-86FE-AB5DBF1DFF26}" destId="{6DCCAE47-9998-46B8-8DF1-D4FE07E445BB}" srcOrd="0" destOrd="0" presId="urn:microsoft.com/office/officeart/2005/8/layout/orgChart1"/>
+    <dgm:cxn modelId="{2BAFDF6F-5451-49E7-BF42-9D68C6147CFF}" type="presOf" srcId="{378F08BF-298D-4EE8-9A26-1E163BCA96C1}" destId="{D8AC9AD6-0BCF-49C6-9F85-013B86EB3BC8}" srcOrd="1" destOrd="0" presId="urn:microsoft.com/office/officeart/2005/8/layout/orgChart1"/>
+    <dgm:cxn modelId="{3086BDFE-99AC-4596-BB35-C6C4FF7B99F4}" type="presOf" srcId="{E1730D69-20A9-444A-8BBD-2912B486E37F}" destId="{788C2F9F-4D73-440C-A80C-61828E1E7C12}" srcOrd="0" destOrd="0" presId="urn:microsoft.com/office/officeart/2005/8/layout/orgChart1"/>
+    <dgm:cxn modelId="{A2A72623-6948-4CC4-B343-4924156FE930}" type="presOf" srcId="{2172652D-3476-4DE0-830C-E8ACB6AB9545}" destId="{47442228-E604-43B8-B6F2-D2DBAE7E9A9D}" srcOrd="0" destOrd="0" presId="urn:microsoft.com/office/officeart/2005/8/layout/orgChart1"/>
+    <dgm:cxn modelId="{201CD8B1-F85E-4052-9176-67A0B28745D4}" type="presOf" srcId="{2A92CF30-BAE6-41F4-ADB9-FEE415D955EA}" destId="{4802DE53-33B2-4AC1-92D5-E071A341D1B6}" srcOrd="0" destOrd="0" presId="urn:microsoft.com/office/officeart/2005/8/layout/orgChart1"/>
+    <dgm:cxn modelId="{825A0FE3-2448-4F0A-AA50-46FA7B590A5C}" type="presOf" srcId="{42A7EEA2-4B99-405E-9AA3-DD976F8AAB7C}" destId="{3EB2F525-F44A-4209-B210-08D7402EC6D7}" srcOrd="0" destOrd="0" presId="urn:microsoft.com/office/officeart/2005/8/layout/orgChart1"/>
+    <dgm:cxn modelId="{BDBF09B1-A57C-4B85-A0EC-5A5E97775038}" type="presOf" srcId="{8A617634-DA59-4BCF-AA6A-9D62D2E5B472}" destId="{C655B4DA-3A8D-4B23-A059-4DA25003D77D}" srcOrd="0" destOrd="0" presId="urn:microsoft.com/office/officeart/2005/8/layout/orgChart1"/>
+    <dgm:cxn modelId="{7841A20E-49BA-476A-8F73-5746CA399F20}" type="presOf" srcId="{A38F75E3-67A4-4E7E-A779-20227D05298F}" destId="{F7B6FFAD-FAD4-4704-9238-4E88C6AEA166}" srcOrd="0" destOrd="0" presId="urn:microsoft.com/office/officeart/2005/8/layout/orgChart1"/>
+    <dgm:cxn modelId="{EA0AAB08-8AC9-4EE7-9D4C-8C3DA5E60438}" type="presOf" srcId="{3BBD2A9A-12E2-4F9C-9580-D9DFDF68F57F}" destId="{E9D9215D-D7E5-4A01-B287-784B2298AACB}" srcOrd="0" destOrd="0" presId="urn:microsoft.com/office/officeart/2005/8/layout/orgChart1"/>
+    <dgm:cxn modelId="{2F94EAE3-6DB0-418A-AE5D-5D6C126C2A80}" type="presOf" srcId="{2EBAF363-0A40-4011-8CA8-FBF8914C6DA7}" destId="{4CA34D67-7232-4374-8B4D-FDCA56BA2B66}" srcOrd="1" destOrd="0" presId="urn:microsoft.com/office/officeart/2005/8/layout/orgChart1"/>
+    <dgm:cxn modelId="{E9AB851E-A85B-40B4-999D-8EBA4F41426D}" type="presOf" srcId="{D44E33A2-8AD6-48DF-948E-7F6D0A44F83C}" destId="{82C92B98-937D-4BA6-B974-FC25E47A2A0C}" srcOrd="0" destOrd="0" presId="urn:microsoft.com/office/officeart/2005/8/layout/orgChart1"/>
+    <dgm:cxn modelId="{C4EF3574-1A9B-42DC-9148-F537F88995F9}" srcId="{AC5FB5ED-BF90-4EED-B66C-AFB0187A1ED9}" destId="{A38F75E3-67A4-4E7E-A779-20227D05298F}" srcOrd="3" destOrd="0" parTransId="{42A7EEA2-4B99-405E-9AA3-DD976F8AAB7C}" sibTransId="{9F681BB1-A512-4E5B-AD72-9EE74DB8AB62}"/>
+    <dgm:cxn modelId="{7F1DF42B-9649-46C1-B2C1-0A79927E0459}" type="presOf" srcId="{724D6890-6BEA-4979-925D-F846AD7ADC56}" destId="{1C129FE0-82B1-4375-8EE3-128A1F57AD16}" srcOrd="0" destOrd="0" presId="urn:microsoft.com/office/officeart/2005/8/layout/orgChart1"/>
+    <dgm:cxn modelId="{FDE5FC28-BA85-4126-BD4E-D23BECC49FBE}" type="presOf" srcId="{D7718924-691F-45C2-BAFE-0D45C0BA9F99}" destId="{B4450807-7F57-4333-9FBA-217FA86B8D45}" srcOrd="1" destOrd="0" presId="urn:microsoft.com/office/officeart/2005/8/layout/orgChart1"/>
+    <dgm:cxn modelId="{243194B9-AB59-49D9-8F89-5729B701CCCC}" type="presOf" srcId="{378F08BF-298D-4EE8-9A26-1E163BCA96C1}" destId="{5D2CEF73-CFE7-4ECD-B31D-464D75F7BF45}" srcOrd="0" destOrd="0" presId="urn:microsoft.com/office/officeart/2005/8/layout/orgChart1"/>
+    <dgm:cxn modelId="{E44D5D6E-49F5-4D49-A0D4-C1D0E92D902D}" type="presOf" srcId="{08626FDC-6B4A-4709-9A64-0A07FBC32EE3}" destId="{BCD845B7-3E24-46DA-88D5-1942BDDAC6E2}" srcOrd="0" destOrd="0" presId="urn:microsoft.com/office/officeart/2005/8/layout/orgChart1"/>
+    <dgm:cxn modelId="{512D24D7-49CA-4EFF-A569-310AB8DD4CBC}" srcId="{A38F75E3-67A4-4E7E-A779-20227D05298F}" destId="{2EBAF363-0A40-4011-8CA8-FBF8914C6DA7}" srcOrd="2" destOrd="0" parTransId="{3BBD2A9A-12E2-4F9C-9580-D9DFDF68F57F}" sibTransId="{92D3F9DE-753B-47B1-8A53-D6BADDB8C53B}"/>
+    <dgm:cxn modelId="{ACDBF81E-264C-4096-B08C-0F5EC45BAF15}" type="presOf" srcId="{52C3A66E-F249-44A1-B5F8-FB56C20C8E39}" destId="{A704F05C-B58D-48C4-9815-E88C24BDA240}" srcOrd="0" destOrd="0" presId="urn:microsoft.com/office/officeart/2005/8/layout/orgChart1"/>
+    <dgm:cxn modelId="{C03EEE89-ED16-4EBB-92D1-5A4A9830D12D}" srcId="{CE6429A6-E596-4D9E-B7F2-5FE0A1F45795}" destId="{2A92CF30-BAE6-41F4-ADB9-FEE415D955EA}" srcOrd="1" destOrd="0" parTransId="{39F6A57A-1A5E-4DC5-A39B-658F5EACADC1}" sibTransId="{878F2033-88F3-442A-94BB-ADF4C6BD5135}"/>
+    <dgm:cxn modelId="{480AD3E9-48BB-4800-824E-E866F35BC5A6}" type="presOf" srcId="{08626FDC-6B4A-4709-9A64-0A07FBC32EE3}" destId="{6930A7B9-8FD1-4B1B-A1FC-8A46D60CDC62}" srcOrd="1" destOrd="0" presId="urn:microsoft.com/office/officeart/2005/8/layout/orgChart1"/>
+    <dgm:cxn modelId="{A96CC66D-624C-4617-8204-97740A4E1E9F}" type="presOf" srcId="{C7A7C5B4-6DE3-4961-9A07-FEFB0B2D09C8}" destId="{7936364D-1011-4E16-A3C7-BAB91D3CB213}" srcOrd="0" destOrd="0" presId="urn:microsoft.com/office/officeart/2005/8/layout/orgChart1"/>
+    <dgm:cxn modelId="{DDAF1E3E-69AD-470E-B4D4-9F2ACB9174B2}" type="presOf" srcId="{888E3741-A6E1-4EA3-8436-E6665102E87E}" destId="{E89265E1-35CE-4ED8-83D0-2772CC851A4E}" srcOrd="1" destOrd="0" presId="urn:microsoft.com/office/officeart/2005/8/layout/orgChart1"/>
+    <dgm:cxn modelId="{8C68D379-1436-418D-AC49-005DE1A0C058}" type="presOf" srcId="{6D129A3C-FA90-47D9-B80B-D6349A0ED47C}" destId="{762334DE-069B-412C-B9E9-1DB5771D08DE}" srcOrd="0" destOrd="0" presId="urn:microsoft.com/office/officeart/2005/8/layout/orgChart1"/>
+    <dgm:cxn modelId="{AEFC4FD2-153D-4618-B396-AE3C68392381}" srcId="{14BE3193-4EF9-4A71-A2D2-42BC0B6B86A7}" destId="{B859665D-3BC1-49C1-A22A-41B63EE43498}" srcOrd="1" destOrd="0" parTransId="{52C3A66E-F249-44A1-B5F8-FB56C20C8E39}" sibTransId="{0774B259-627C-47F3-82EB-71B63489BC51}"/>
+    <dgm:cxn modelId="{5FD066F4-0C67-4E5E-B6D0-1784FE919C74}" type="presOf" srcId="{1F2326B5-E345-46AF-BE90-C62A32039143}" destId="{4B5C700D-53DB-4C8C-B2BC-0AF57B62428E}" srcOrd="0" destOrd="0" presId="urn:microsoft.com/office/officeart/2005/8/layout/orgChart1"/>
+    <dgm:cxn modelId="{1108DFA6-06E5-4C6D-908D-F8B2C75EBED7}" type="presOf" srcId="{EB4903BB-4957-45FA-8931-5352A6C47086}" destId="{53C6759A-627F-4EEE-9504-5AE233ADEF2C}" srcOrd="0" destOrd="0" presId="urn:microsoft.com/office/officeart/2005/8/layout/orgChart1"/>
+    <dgm:cxn modelId="{D9A4EDE8-0772-431F-B32F-E195AE990D3B}" type="presOf" srcId="{91DBD840-7966-4131-820F-6355DB865ACD}" destId="{29F61004-AE7D-4195-BC9F-67BE11B5B03D}" srcOrd="0" destOrd="0" presId="urn:microsoft.com/office/officeart/2005/8/layout/orgChart1"/>
+    <dgm:cxn modelId="{3AF4BBEA-8CD5-4107-819F-0FC8B50AAA76}" type="presOf" srcId="{A38F75E3-67A4-4E7E-A779-20227D05298F}" destId="{EA966C71-62A5-4719-A417-468AEE1B7661}" srcOrd="1" destOrd="0" presId="urn:microsoft.com/office/officeart/2005/8/layout/orgChart1"/>
+    <dgm:cxn modelId="{33BA5E63-6214-487D-A391-AB53BAB66BB2}" type="presOf" srcId="{6FCD30D8-8D14-4119-889B-0B1EAC897521}" destId="{3C5B0B25-3BFF-4571-B659-E94F70A696D0}" srcOrd="0" destOrd="0" presId="urn:microsoft.com/office/officeart/2005/8/layout/orgChart1"/>
+    <dgm:cxn modelId="{980269F1-D30B-4492-951B-29B8F02DB936}" srcId="{52EB7FA0-1EE8-4CA7-86DC-0100771BE194}" destId="{76103109-CAB9-419C-9FC0-21DC24B467B4}" srcOrd="1" destOrd="0" parTransId="{BCC438E4-3D0E-4353-B5E6-776207620D5D}" sibTransId="{2D2A4BC9-E604-465B-ABE5-81FBF21BBC34}"/>
+    <dgm:cxn modelId="{5BD703D7-FB9F-4E76-B350-9262A22459B9}" type="presOf" srcId="{78A6B255-6D7D-4F2C-9C00-A9A18665C318}" destId="{251AA303-ED44-4739-9E3D-40A5D439202E}" srcOrd="0" destOrd="0" presId="urn:microsoft.com/office/officeart/2005/8/layout/orgChart1"/>
+    <dgm:cxn modelId="{72E1CEB9-C59D-400A-B38E-7E0262326E0A}" srcId="{6BDBA2EE-B789-411E-A24F-4C9B59785FEC}" destId="{990069B2-56D7-4EB7-8D10-BAAB85CD1819}" srcOrd="3" destOrd="0" parTransId="{B2C39C79-A53B-44CA-ADDF-3775A405913C}" sibTransId="{3D9F265D-57E6-4472-98AD-CBF41D0418CB}"/>
+    <dgm:cxn modelId="{82045491-B212-4611-AB08-655B48239315}" type="presOf" srcId="{0165881A-B363-4147-8B9C-3E0667F5F205}" destId="{E51A21A8-1A00-49BF-A37A-05CD8FE553C4}" srcOrd="0" destOrd="0" presId="urn:microsoft.com/office/officeart/2005/8/layout/orgChart1"/>
+    <dgm:cxn modelId="{D4234134-F71F-428E-81BC-743DEF126746}" type="presOf" srcId="{E1730D69-20A9-444A-8BBD-2912B486E37F}" destId="{D29202CE-7B10-4025-9B61-64362A173789}" srcOrd="1" destOrd="0" presId="urn:microsoft.com/office/officeart/2005/8/layout/orgChart1"/>
+    <dgm:cxn modelId="{36875F85-F30F-4619-9F46-BD2F3F931057}" type="presOf" srcId="{8773E4AD-1A55-40AC-8647-B8E1F0C68680}" destId="{BD79E085-99E7-4168-960E-0E2BD00933C2}" srcOrd="0" destOrd="0" presId="urn:microsoft.com/office/officeart/2005/8/layout/orgChart1"/>
+    <dgm:cxn modelId="{1D9A14A3-836F-40D1-B2D4-2BB752162F8A}" type="presOf" srcId="{CE6429A6-E596-4D9E-B7F2-5FE0A1F45795}" destId="{8753EF62-C665-4786-9C87-91EA376072D7}" srcOrd="0" destOrd="0" presId="urn:microsoft.com/office/officeart/2005/8/layout/orgChart1"/>
+    <dgm:cxn modelId="{6322E709-0D94-413B-8F1F-132287FE8F43}" type="presOf" srcId="{B0814D94-F89D-41EC-B2C0-C352E262D43B}" destId="{ADEAE6D4-D518-442C-B9FE-2760C71AA2DC}" srcOrd="0" destOrd="0" presId="urn:microsoft.com/office/officeart/2005/8/layout/orgChart1"/>
+    <dgm:cxn modelId="{3AB6D1D1-B31F-4142-8813-2FB2EC03E4B8}" srcId="{E1730D69-20A9-444A-8BBD-2912B486E37F}" destId="{83BD0166-2B9F-43C4-9BA6-6E338C2E0BDE}" srcOrd="0" destOrd="0" parTransId="{739E3F65-0041-4E18-8853-2C74D6A64C91}" sibTransId="{E79E9B93-0AB4-47F4-A825-A1D53761370A}"/>
+    <dgm:cxn modelId="{950ABA73-043F-4AA7-9F03-CAFE9BB28BCC}" srcId="{9B28BD1C-4151-405F-B2F0-1BEBF2E0AC19}" destId="{E1730D69-20A9-444A-8BBD-2912B486E37F}" srcOrd="0" destOrd="0" parTransId="{2172652D-3476-4DE0-830C-E8ACB6AB9545}" sibTransId="{C18E4E24-F206-41E1-8740-E03477FAB91E}"/>
     <dgm:cxn modelId="{44572C16-79F1-4DC9-A53E-745A9C4456D2}" srcId="{AC5FB5ED-BF90-4EED-B66C-AFB0187A1ED9}" destId="{14BE3193-4EF9-4A71-A2D2-42BC0B6B86A7}" srcOrd="1" destOrd="0" parTransId="{8A617634-DA59-4BCF-AA6A-9D62D2E5B472}" sibTransId="{264FCA86-A5EB-4565-BFCE-1F19289332C4}"/>
-    <dgm:cxn modelId="{E67B2AFA-5E63-4BC7-B528-47FD44E501BC}" type="presOf" srcId="{EB4903BB-4957-45FA-8931-5352A6C47086}" destId="{A884CD02-219E-4BCF-A327-CB7979BEBF17}" srcOrd="1" destOrd="0" presId="urn:microsoft.com/office/officeart/2005/8/layout/orgChart1"/>
-    <dgm:cxn modelId="{B2D81DCC-5B1E-4A8D-A013-4B48EF463839}" type="presOf" srcId="{9B28BD1C-4151-405F-B2F0-1BEBF2E0AC19}" destId="{3DF94DB2-8A71-4944-8729-421B74AD33D0}" srcOrd="1" destOrd="0" presId="urn:microsoft.com/office/officeart/2005/8/layout/orgChart1"/>
-    <dgm:cxn modelId="{7429BCD1-30A0-4849-BCE0-2D079420464C}" srcId="{CE6429A6-E596-4D9E-B7F2-5FE0A1F45795}" destId="{D57CAE95-15B9-478B-B0ED-2CFCC4772790}" srcOrd="2" destOrd="0" parTransId="{CCA410CD-E9E3-4D99-86FE-AB5DBF1DFF26}" sibTransId="{7B6EE6B2-E565-443F-B44D-CE051D48330F}"/>
-    <dgm:cxn modelId="{201CD8B1-F85E-4052-9176-67A0B28745D4}" type="presOf" srcId="{2A92CF30-BAE6-41F4-ADB9-FEE415D955EA}" destId="{4802DE53-33B2-4AC1-92D5-E071A341D1B6}" srcOrd="0" destOrd="0" presId="urn:microsoft.com/office/officeart/2005/8/layout/orgChart1"/>
-    <dgm:cxn modelId="{2AB7E840-1B9E-4C62-BBBE-CDA59D41BBA4}" type="presOf" srcId="{AC5FB5ED-BF90-4EED-B66C-AFB0187A1ED9}" destId="{B3E3A426-0D29-46C8-9D49-8BAE6F7D7FD3}" srcOrd="0" destOrd="0" presId="urn:microsoft.com/office/officeart/2005/8/layout/orgChart1"/>
-    <dgm:cxn modelId="{6618E6C0-E775-42A9-9B01-9A7428189D55}" type="presOf" srcId="{76103109-CAB9-419C-9FC0-21DC24B467B4}" destId="{B2C7B976-887E-46FA-BC7D-B7CE758C1CFC}" srcOrd="1" destOrd="0" presId="urn:microsoft.com/office/officeart/2005/8/layout/orgChart1"/>
-    <dgm:cxn modelId="{B04FCC88-B547-44BA-8F35-B2F2CFC859C3}" type="presOf" srcId="{990069B2-56D7-4EB7-8D10-BAAB85CD1819}" destId="{A5CE01DF-1EE0-45F5-8F90-6DA50ACE06DD}" srcOrd="1" destOrd="0" presId="urn:microsoft.com/office/officeart/2005/8/layout/orgChart1"/>
-    <dgm:cxn modelId="{BA3F77AE-07FF-4EF3-9A3F-63915A8C0556}" srcId="{A38F75E3-67A4-4E7E-A779-20227D05298F}" destId="{D7718924-691F-45C2-BAFE-0D45C0BA9F99}" srcOrd="1" destOrd="0" parTransId="{4A2C6C76-4769-456C-A7EA-58ACC5FCFD8F}" sibTransId="{C58B32A3-D6E9-4898-9D6F-1AEDF300768B}"/>
-    <dgm:cxn modelId="{AE99E903-D162-4FC4-AD39-18029B51199F}" type="presOf" srcId="{6D129A3C-FA90-47D9-B80B-D6349A0ED47C}" destId="{2B807863-6653-4B53-AD54-1D76324B4414}" srcOrd="1" destOrd="0" presId="urn:microsoft.com/office/officeart/2005/8/layout/orgChart1"/>
-    <dgm:cxn modelId="{D4DE2A08-8E61-4FDA-AB02-60DA03C6AD5D}" type="presOf" srcId="{2EBAF363-0A40-4011-8CA8-FBF8914C6DA7}" destId="{5ED2C871-03B2-4769-8F88-9B65DD0A0BA9}" srcOrd="0" destOrd="0" presId="urn:microsoft.com/office/officeart/2005/8/layout/orgChart1"/>
+    <dgm:cxn modelId="{BC35367D-33D6-4435-95E4-ECB763FF6BCE}" type="presOf" srcId="{E59045EA-054F-4651-B30C-6B53EE9A3B7D}" destId="{1CA26AC9-6384-45A7-AB66-9F7E7FE76FFC}" srcOrd="1" destOrd="0" presId="urn:microsoft.com/office/officeart/2005/8/layout/orgChart1"/>
+    <dgm:cxn modelId="{73DB0BBF-537D-45F7-89C8-8C4E6F429504}" type="presOf" srcId="{D7718924-691F-45C2-BAFE-0D45C0BA9F99}" destId="{F8E73A3C-5011-4303-85EC-19A52AD2CF12}" srcOrd="0" destOrd="0" presId="urn:microsoft.com/office/officeart/2005/8/layout/orgChart1"/>
+    <dgm:cxn modelId="{AB012CA0-DFCF-4A8F-B957-DD9148C78450}" type="presOf" srcId="{9C6E1A12-DF1B-498D-9E14-7E98B6B827D8}" destId="{F014F8B1-C3B1-486A-B06F-37863C977184}" srcOrd="1" destOrd="0" presId="urn:microsoft.com/office/officeart/2005/8/layout/orgChart1"/>
+    <dgm:cxn modelId="{74F197C8-D403-47CA-971F-661CE557249F}" type="presOf" srcId="{888E3741-A6E1-4EA3-8436-E6665102E87E}" destId="{D887DF1C-4AC0-41BB-9EBB-C956E799A61C}" srcOrd="0" destOrd="0" presId="urn:microsoft.com/office/officeart/2005/8/layout/orgChart1"/>
+    <dgm:cxn modelId="{1F2631A7-1C07-48C1-A31F-0B07C2EEB4CD}" type="presOf" srcId="{CB00AB57-F12E-4E75-AFCA-D29372E37043}" destId="{B96ACF0A-63D6-4E87-8395-3D5517FA2E20}" srcOrd="0" destOrd="0" presId="urn:microsoft.com/office/officeart/2005/8/layout/orgChart1"/>
+    <dgm:cxn modelId="{BB69A658-64E5-40D7-A98E-E4763C969CFE}" type="presOf" srcId="{D57CAE95-15B9-478B-B0ED-2CFCC4772790}" destId="{70795DE6-3A53-4AE2-A5DE-A9E0B324D0E5}" srcOrd="1" destOrd="0" presId="urn:microsoft.com/office/officeart/2005/8/layout/orgChart1"/>
+    <dgm:cxn modelId="{B512B819-451D-4F3C-9EA2-917F6659BBAD}" type="presOf" srcId="{A90917E0-1500-4347-80E8-54D6C1C85D44}" destId="{4E9133D6-DAA5-44C1-B59D-1B9B19BE0CB8}" srcOrd="0" destOrd="0" presId="urn:microsoft.com/office/officeart/2005/8/layout/orgChart1"/>
     <dgm:cxn modelId="{EE411496-9A3E-4315-9382-EFB5FFC440FB}" type="presOf" srcId="{9B28BD1C-4151-405F-B2F0-1BEBF2E0AC19}" destId="{E08DA21B-5BB9-4B45-8F8C-53860CF5BE4F}" srcOrd="0" destOrd="0" presId="urn:microsoft.com/office/officeart/2005/8/layout/orgChart1"/>
-    <dgm:cxn modelId="{BC35367D-33D6-4435-95E4-ECB763FF6BCE}" type="presOf" srcId="{E59045EA-054F-4651-B30C-6B53EE9A3B7D}" destId="{1CA26AC9-6384-45A7-AB66-9F7E7FE76FFC}" srcOrd="1" destOrd="0" presId="urn:microsoft.com/office/officeart/2005/8/layout/orgChart1"/>
-    <dgm:cxn modelId="{8C68D379-1436-418D-AC49-005DE1A0C058}" type="presOf" srcId="{6D129A3C-FA90-47D9-B80B-D6349A0ED47C}" destId="{762334DE-069B-412C-B9E9-1DB5771D08DE}" srcOrd="0" destOrd="0" presId="urn:microsoft.com/office/officeart/2005/8/layout/orgChart1"/>
-    <dgm:cxn modelId="{D0D72877-8C7F-455A-AA25-974B021F47DA}" type="presOf" srcId="{52EB7FA0-1EE8-4CA7-86DC-0100771BE194}" destId="{FF288A1D-B587-46B0-BC9E-700CBA259D7E}" srcOrd="0" destOrd="0" presId="urn:microsoft.com/office/officeart/2005/8/layout/orgChart1"/>
-    <dgm:cxn modelId="{EDF1B0D2-76C6-4615-A129-27E7FEAC697C}" type="presOf" srcId="{B0814D94-F89D-41EC-B2C0-C352E262D43B}" destId="{167915E3-D147-437E-B254-FF25A54EDB58}" srcOrd="1" destOrd="0" presId="urn:microsoft.com/office/officeart/2005/8/layout/orgChart1"/>
-    <dgm:cxn modelId="{E3432BD4-00E0-40C8-B7BC-B5BC8500F611}" type="presOf" srcId="{B859665D-3BC1-49C1-A22A-41B63EE43498}" destId="{15F4A24E-BD0A-48CF-9B18-5BCC0D8C4607}" srcOrd="1" destOrd="0" presId="urn:microsoft.com/office/officeart/2005/8/layout/orgChart1"/>
-    <dgm:cxn modelId="{3AB6D1D1-B31F-4142-8813-2FB2EC03E4B8}" srcId="{E1730D69-20A9-444A-8BBD-2912B486E37F}" destId="{83BD0166-2B9F-43C4-9BA6-6E338C2E0BDE}" srcOrd="0" destOrd="0" parTransId="{739E3F65-0041-4E18-8853-2C74D6A64C91}" sibTransId="{E79E9B93-0AB4-47F4-A825-A1D53761370A}"/>
-    <dgm:cxn modelId="{7484D7A0-CECB-4B2A-B1B9-A0B7A0BAC085}" srcId="{B0814D94-F89D-41EC-B2C0-C352E262D43B}" destId="{D44E33A2-8AD6-48DF-948E-7F6D0A44F83C}" srcOrd="0" destOrd="0" parTransId="{96BD6010-CDE6-4B7C-A4AB-3C75A6CCE49C}" sibTransId="{74DD851E-B85C-40FE-8D3C-B487910E359E}"/>
-    <dgm:cxn modelId="{980269F1-D30B-4492-951B-29B8F02DB936}" srcId="{52EB7FA0-1EE8-4CA7-86DC-0100771BE194}" destId="{76103109-CAB9-419C-9FC0-21DC24B467B4}" srcOrd="1" destOrd="0" parTransId="{BCC438E4-3D0E-4353-B5E6-776207620D5D}" sibTransId="{2D2A4BC9-E604-465B-ABE5-81FBF21BBC34}"/>
-    <dgm:cxn modelId="{950ABA73-043F-4AA7-9F03-CAFE9BB28BCC}" srcId="{9B28BD1C-4151-405F-B2F0-1BEBF2E0AC19}" destId="{E1730D69-20A9-444A-8BBD-2912B486E37F}" srcOrd="0" destOrd="0" parTransId="{2172652D-3476-4DE0-830C-E8ACB6AB9545}" sibTransId="{C18E4E24-F206-41E1-8740-E03477FAB91E}"/>
+    <dgm:cxn modelId="{5E57166D-9CFF-49AE-BBF3-2460933B6C5E}" srcId="{990069B2-56D7-4EB7-8D10-BAAB85CD1819}" destId="{6D129A3C-FA90-47D9-B80B-D6349A0ED47C}" srcOrd="0" destOrd="0" parTransId="{C7A7C5B4-6DE3-4961-9A07-FEFB0B2D09C8}" sibTransId="{27AA4FB8-43C0-44AD-B9FA-6314684CEAAC}"/>
     <dgm:cxn modelId="{3475B4C5-A427-4E99-93B0-BF32FF962482}" srcId="{6BDBA2EE-B789-411E-A24F-4C9B59785FEC}" destId="{08626FDC-6B4A-4709-9A64-0A07FBC32EE3}" srcOrd="1" destOrd="0" parTransId="{2B1382BD-318E-4CF9-A182-DB3DDAD180CC}" sibTransId="{A06F4AAE-B7E3-439D-A69D-1DA56DF1CED7}"/>
-    <dgm:cxn modelId="{8BA13CF9-DEA3-4976-93F2-7978021E344C}" srcId="{CE6429A6-E596-4D9E-B7F2-5FE0A1F45795}" destId="{888E3741-A6E1-4EA3-8436-E6665102E87E}" srcOrd="0" destOrd="0" parTransId="{724D6890-6BEA-4979-925D-F846AD7ADC56}" sibTransId="{0DF15A16-FF35-44C9-AD5B-6BFF0F8DBC53}"/>
-    <dgm:cxn modelId="{7CD677E8-0478-468B-8726-2C7BFEF5DBDC}" type="presOf" srcId="{2D60B1AB-3086-47E4-B3E0-003778EA16CF}" destId="{A62F51B4-DB85-4019-B746-1DFFB9D25C5C}" srcOrd="0" destOrd="0" presId="urn:microsoft.com/office/officeart/2005/8/layout/orgChart1"/>
-    <dgm:cxn modelId="{E753A6C9-3632-4335-B4EE-D23855B7AEC3}" srcId="{52EB7FA0-1EE8-4CA7-86DC-0100771BE194}" destId="{9C6E1A12-DF1B-498D-9E14-7E98B6B827D8}" srcOrd="0" destOrd="0" parTransId="{CB00AB57-F12E-4E75-AFCA-D29372E37043}" sibTransId="{94E350DE-3FFF-499A-8A04-D87423CF974B}"/>
-    <dgm:cxn modelId="{AB012CA0-DFCF-4A8F-B957-DD9148C78450}" type="presOf" srcId="{9C6E1A12-DF1B-498D-9E14-7E98B6B827D8}" destId="{F014F8B1-C3B1-486A-B06F-37863C977184}" srcOrd="1" destOrd="0" presId="urn:microsoft.com/office/officeart/2005/8/layout/orgChart1"/>
-    <dgm:cxn modelId="{660C9212-B2B0-4A0C-9CB4-8A03AC8D4DF7}" srcId="{14BE3193-4EF9-4A71-A2D2-42BC0B6B86A7}" destId="{EB4903BB-4957-45FA-8931-5352A6C47086}" srcOrd="0" destOrd="0" parTransId="{3C4A4666-9564-41C6-88F6-7BE960E8F3A7}" sibTransId="{96384F86-C52E-407F-BC73-EFDAD624EAE6}"/>
-    <dgm:cxn modelId="{BB69A658-64E5-40D7-A98E-E4763C969CFE}" type="presOf" srcId="{D57CAE95-15B9-478B-B0ED-2CFCC4772790}" destId="{70795DE6-3A53-4AE2-A5DE-A9E0B324D0E5}" srcOrd="1" destOrd="0" presId="urn:microsoft.com/office/officeart/2005/8/layout/orgChart1"/>
-    <dgm:cxn modelId="{33BA5E63-6214-487D-A391-AB53BAB66BB2}" type="presOf" srcId="{6FCD30D8-8D14-4119-889B-0B1EAC897521}" destId="{3C5B0B25-3BFF-4571-B659-E94F70A696D0}" srcOrd="0" destOrd="0" presId="urn:microsoft.com/office/officeart/2005/8/layout/orgChart1"/>
-    <dgm:cxn modelId="{36875F85-F30F-4619-9F46-BD2F3F931057}" type="presOf" srcId="{8773E4AD-1A55-40AC-8647-B8E1F0C68680}" destId="{BD79E085-99E7-4168-960E-0E2BD00933C2}" srcOrd="0" destOrd="0" presId="urn:microsoft.com/office/officeart/2005/8/layout/orgChart1"/>
-    <dgm:cxn modelId="{72E1CEB9-C59D-400A-B38E-7E0262326E0A}" srcId="{6BDBA2EE-B789-411E-A24F-4C9B59785FEC}" destId="{990069B2-56D7-4EB7-8D10-BAAB85CD1819}" srcOrd="3" destOrd="0" parTransId="{B2C39C79-A53B-44CA-ADDF-3775A405913C}" sibTransId="{3D9F265D-57E6-4472-98AD-CBF41D0418CB}"/>
-    <dgm:cxn modelId="{FB7D4DFA-0C75-41A8-BA12-EAC7128835A0}" type="presOf" srcId="{739E3F65-0041-4E18-8853-2C74D6A64C91}" destId="{938858ED-BA25-4EBF-8D52-0C2813973BF7}" srcOrd="0" destOrd="0" presId="urn:microsoft.com/office/officeart/2005/8/layout/orgChart1"/>
-    <dgm:cxn modelId="{7841A20E-49BA-476A-8F73-5746CA399F20}" type="presOf" srcId="{A38F75E3-67A4-4E7E-A779-20227D05298F}" destId="{F7B6FFAD-FAD4-4704-9238-4E88C6AEA166}" srcOrd="0" destOrd="0" presId="urn:microsoft.com/office/officeart/2005/8/layout/orgChart1"/>
-    <dgm:cxn modelId="{D8E80477-CD4B-4343-A0E6-DD867AD2AB22}" srcId="{D8012592-D4CA-4D96-BC58-4B1CD419A978}" destId="{AC5FB5ED-BF90-4EED-B66C-AFB0187A1ED9}" srcOrd="0" destOrd="0" parTransId="{E7746EB1-3EA0-4986-AEDE-EDC632488CDD}" sibTransId="{D7110855-9D11-4431-94FC-47533092EA99}"/>
-    <dgm:cxn modelId="{D69787C6-2E12-467B-BF01-2CDEC131CC7D}" type="presOf" srcId="{834DF5D9-098B-4C81-82E6-A05F3069EF38}" destId="{353F92C2-EB42-4797-B7B5-6AD1B5C890D5}" srcOrd="0" destOrd="0" presId="urn:microsoft.com/office/officeart/2005/8/layout/orgChart1"/>
-    <dgm:cxn modelId="{6322E709-0D94-413B-8F1F-132287FE8F43}" type="presOf" srcId="{B0814D94-F89D-41EC-B2C0-C352E262D43B}" destId="{ADEAE6D4-D518-442C-B9FE-2760C71AA2DC}" srcOrd="0" destOrd="0" presId="urn:microsoft.com/office/officeart/2005/8/layout/orgChart1"/>
-    <dgm:cxn modelId="{CE384B22-5CF2-42EF-8D12-1D380EB4DF0F}" type="presOf" srcId="{16ACB39A-5E18-4E59-AB82-A0C4D06AFE8B}" destId="{FBFDACA4-8B3C-418B-B6D1-6F6AD19C4313}" srcOrd="1" destOrd="0" presId="urn:microsoft.com/office/officeart/2005/8/layout/orgChart1"/>
-    <dgm:cxn modelId="{8863C7DD-80E6-43D6-B588-15627BBABB38}" type="presOf" srcId="{9C6E1A12-DF1B-498D-9E14-7E98B6B827D8}" destId="{A05E796D-CEA5-4CC3-8477-B0285B761E97}" srcOrd="0" destOrd="0" presId="urn:microsoft.com/office/officeart/2005/8/layout/orgChart1"/>
-    <dgm:cxn modelId="{D61543F9-C360-438E-8EDA-53D56CBBABE3}" type="presOf" srcId="{76103109-CAB9-419C-9FC0-21DC24B467B4}" destId="{337419C6-A108-4403-9FE5-C7241EB06A4A}" srcOrd="0" destOrd="0" presId="urn:microsoft.com/office/officeart/2005/8/layout/orgChart1"/>
-    <dgm:cxn modelId="{82045491-B212-4611-AB08-655B48239315}" type="presOf" srcId="{0165881A-B363-4147-8B9C-3E0667F5F205}" destId="{E51A21A8-1A00-49BF-A37A-05CD8FE553C4}" srcOrd="0" destOrd="0" presId="urn:microsoft.com/office/officeart/2005/8/layout/orgChart1"/>
-    <dgm:cxn modelId="{480AD3E9-48BB-4800-824E-E866F35BC5A6}" type="presOf" srcId="{08626FDC-6B4A-4709-9A64-0A07FBC32EE3}" destId="{6930A7B9-8FD1-4B1B-A1FC-8A46D60CDC62}" srcOrd="1" destOrd="0" presId="urn:microsoft.com/office/officeart/2005/8/layout/orgChart1"/>
-    <dgm:cxn modelId="{A2A72623-6948-4CC4-B343-4924156FE930}" type="presOf" srcId="{2172652D-3476-4DE0-830C-E8ACB6AB9545}" destId="{47442228-E604-43B8-B6F2-D2DBAE7E9A9D}" srcOrd="0" destOrd="0" presId="urn:microsoft.com/office/officeart/2005/8/layout/orgChart1"/>
-    <dgm:cxn modelId="{7CC0520B-1FFD-43C7-8CE7-800AEA31D4A6}" type="presOf" srcId="{52EB7FA0-1EE8-4CA7-86DC-0100771BE194}" destId="{7FB04751-2E9B-4AB6-BA7E-B9D0DC42DC80}" srcOrd="1" destOrd="0" presId="urn:microsoft.com/office/officeart/2005/8/layout/orgChart1"/>
-    <dgm:cxn modelId="{42D1E537-5BAA-47E7-AA2F-E87583E04189}" type="presOf" srcId="{3C4A4666-9564-41C6-88F6-7BE960E8F3A7}" destId="{6C3A463B-2BF1-443D-83DC-7E4577ADFDCF}" srcOrd="0" destOrd="0" presId="urn:microsoft.com/office/officeart/2005/8/layout/orgChart1"/>
-    <dgm:cxn modelId="{B51C42D7-997F-4DD6-8709-41BB2F63CA2D}" srcId="{83BD0166-2B9F-43C4-9BA6-6E338C2E0BDE}" destId="{B0814D94-F89D-41EC-B2C0-C352E262D43B}" srcOrd="0" destOrd="0" parTransId="{D1C6E0B3-4D62-4A2A-A8DD-6558A1899328}" sibTransId="{BF142329-72DB-482C-86C5-E3079D522574}"/>
-    <dgm:cxn modelId="{7CE0B5EC-0908-42A5-89C2-4C98086F8C13}" srcId="{14BE3193-4EF9-4A71-A2D2-42BC0B6B86A7}" destId="{E59045EA-054F-4651-B30C-6B53EE9A3B7D}" srcOrd="2" destOrd="0" parTransId="{91DBD840-7966-4131-820F-6355DB865ACD}" sibTransId="{F8D51AA7-388C-4FF8-8927-CF3E27F304BF}"/>
-    <dgm:cxn modelId="{1108DFA6-06E5-4C6D-908D-F8B2C75EBED7}" type="presOf" srcId="{EB4903BB-4957-45FA-8931-5352A6C47086}" destId="{53C6759A-627F-4EEE-9504-5AE233ADEF2C}" srcOrd="0" destOrd="0" presId="urn:microsoft.com/office/officeart/2005/8/layout/orgChart1"/>
-    <dgm:cxn modelId="{933FC0BC-75C2-4C64-B78F-6E9FC1124A64}" type="presOf" srcId="{3CF90A05-6FFB-479A-93BC-4B304B438937}" destId="{BD71F7D9-0BC2-4517-B03B-A935AF991FB8}" srcOrd="1" destOrd="0" presId="urn:microsoft.com/office/officeart/2005/8/layout/orgChart1"/>
-    <dgm:cxn modelId="{B512B819-451D-4F3C-9EA2-917F6659BBAD}" type="presOf" srcId="{A90917E0-1500-4347-80E8-54D6C1C85D44}" destId="{4E9133D6-DAA5-44C1-B59D-1B9B19BE0CB8}" srcOrd="0" destOrd="0" presId="urn:microsoft.com/office/officeart/2005/8/layout/orgChart1"/>
-    <dgm:cxn modelId="{A96CC66D-624C-4617-8204-97740A4E1E9F}" type="presOf" srcId="{C7A7C5B4-6DE3-4961-9A07-FEFB0B2D09C8}" destId="{7936364D-1011-4E16-A3C7-BAB91D3CB213}" srcOrd="0" destOrd="0" presId="urn:microsoft.com/office/officeart/2005/8/layout/orgChart1"/>
-    <dgm:cxn modelId="{AEFC4FD2-153D-4618-B396-AE3C68392381}" srcId="{14BE3193-4EF9-4A71-A2D2-42BC0B6B86A7}" destId="{B859665D-3BC1-49C1-A22A-41B63EE43498}" srcOrd="1" destOrd="0" parTransId="{52C3A66E-F249-44A1-B5F8-FB56C20C8E39}" sibTransId="{0774B259-627C-47F3-82EB-71B63489BC51}"/>
-    <dgm:cxn modelId="{D1C9F106-04E5-4B3B-A609-95891ADB5F24}" type="presOf" srcId="{14BE3193-4EF9-4A71-A2D2-42BC0B6B86A7}" destId="{198864FC-177B-4091-A9D7-4AF9C88B8B59}" srcOrd="1" destOrd="0" presId="urn:microsoft.com/office/officeart/2005/8/layout/orgChart1"/>
-    <dgm:cxn modelId="{A406A252-C618-4CDE-9863-187969B1070A}" type="presOf" srcId="{14BE3193-4EF9-4A71-A2D2-42BC0B6B86A7}" destId="{4B962A61-D0A3-4D74-AE39-E4AF62F25109}" srcOrd="0" destOrd="0" presId="urn:microsoft.com/office/officeart/2005/8/layout/orgChart1"/>
-    <dgm:cxn modelId="{DDAF1E3E-69AD-470E-B4D4-9F2ACB9174B2}" type="presOf" srcId="{888E3741-A6E1-4EA3-8436-E6665102E87E}" destId="{E89265E1-35CE-4ED8-83D0-2772CC851A4E}" srcOrd="1" destOrd="0" presId="urn:microsoft.com/office/officeart/2005/8/layout/orgChart1"/>
-    <dgm:cxn modelId="{573566D5-57E6-43C0-94D9-EB39F83035EC}" type="presOf" srcId="{39F6A57A-1A5E-4DC5-A39B-658F5EACADC1}" destId="{8F77B40E-03CC-4ADF-B314-A6C62DACDE65}" srcOrd="0" destOrd="0" presId="urn:microsoft.com/office/officeart/2005/8/layout/orgChart1"/>
-    <dgm:cxn modelId="{72F220F5-C8F1-4253-8A6E-ACFA871DDFF3}" type="presOf" srcId="{A99E5D6C-1BF0-408D-A53C-021080A555B0}" destId="{C048AC1E-B70E-4BE0-930A-BCCF764C6D5B}" srcOrd="1" destOrd="0" presId="urn:microsoft.com/office/officeart/2005/8/layout/orgChart1"/>
-    <dgm:cxn modelId="{346E9E4E-BC9F-471A-9D7E-6EAF0D24A136}" type="presOf" srcId="{4A2C6C76-4769-456C-A7EA-58ACC5FCFD8F}" destId="{BB1DDAA0-C574-4180-92E8-D316F7843FD8}" srcOrd="0" destOrd="0" presId="urn:microsoft.com/office/officeart/2005/8/layout/orgChart1"/>
-    <dgm:cxn modelId="{EB372AF8-BD1A-4E8D-8A4E-D61115847949}" type="presOf" srcId="{E59045EA-054F-4651-B30C-6B53EE9A3B7D}" destId="{70D66AA6-539D-4216-AC94-50386E793B6C}" srcOrd="0" destOrd="0" presId="urn:microsoft.com/office/officeart/2005/8/layout/orgChart1"/>
-    <dgm:cxn modelId="{83B5058F-6946-47B3-A56D-D32F64A44FDA}" srcId="{6BDBA2EE-B789-411E-A24F-4C9B59785FEC}" destId="{3CF90A05-6FFB-479A-93BC-4B304B438937}" srcOrd="0" destOrd="0" parTransId="{A90917E0-1500-4347-80E8-54D6C1C85D44}" sibTransId="{843EA8FD-08FB-42BA-849E-1C3093181ED9}"/>
-    <dgm:cxn modelId="{F748AC52-C138-411D-95AD-367A6DCC6566}" type="presOf" srcId="{D44E33A2-8AD6-48DF-948E-7F6D0A44F83C}" destId="{B3E9A3BD-CF2F-4600-8EF2-F322AD765BC4}" srcOrd="1" destOrd="0" presId="urn:microsoft.com/office/officeart/2005/8/layout/orgChart1"/>
-    <dgm:cxn modelId="{4D2C03D5-6A23-4399-963D-825321C8513B}" type="presOf" srcId="{B859665D-3BC1-49C1-A22A-41B63EE43498}" destId="{2F458952-C86B-42BF-9740-35DFCF8C8ACE}" srcOrd="0" destOrd="0" presId="urn:microsoft.com/office/officeart/2005/8/layout/orgChart1"/>
-    <dgm:cxn modelId="{D9A4EDE8-0772-431F-B32F-E195AE990D3B}" type="presOf" srcId="{91DBD840-7966-4131-820F-6355DB865ACD}" destId="{29F61004-AE7D-4195-BC9F-67BE11B5B03D}" srcOrd="0" destOrd="0" presId="urn:microsoft.com/office/officeart/2005/8/layout/orgChart1"/>
-    <dgm:cxn modelId="{825A0FE3-2448-4F0A-AA50-46FA7B590A5C}" type="presOf" srcId="{42A7EEA2-4B99-405E-9AA3-DD976F8AAB7C}" destId="{3EB2F525-F44A-4209-B210-08D7402EC6D7}" srcOrd="0" destOrd="0" presId="urn:microsoft.com/office/officeart/2005/8/layout/orgChart1"/>
-    <dgm:cxn modelId="{E3DB999D-9066-4AB9-B32C-291F277659E3}" type="presOf" srcId="{18C0FE98-3562-465A-97F0-B7964471F981}" destId="{41AA4399-11D0-4F63-BACE-D65E1F589C37}" srcOrd="0" destOrd="0" presId="urn:microsoft.com/office/officeart/2005/8/layout/orgChart1"/>
-    <dgm:cxn modelId="{BDBF09B1-A57C-4B85-A0EC-5A5E97775038}" type="presOf" srcId="{8A617634-DA59-4BCF-AA6A-9D62D2E5B472}" destId="{C655B4DA-3A8D-4B23-A059-4DA25003D77D}" srcOrd="0" destOrd="0" presId="urn:microsoft.com/office/officeart/2005/8/layout/orgChart1"/>
-    <dgm:cxn modelId="{7C7CF6E9-E811-43E8-8368-C9FFDD279ABF}" type="presOf" srcId="{6BDBA2EE-B789-411E-A24F-4C9B59785FEC}" destId="{B8AA6D0A-203B-4B12-B849-93BEB9D3F319}" srcOrd="1" destOrd="0" presId="urn:microsoft.com/office/officeart/2005/8/layout/orgChart1"/>
-    <dgm:cxn modelId="{3086BDFE-99AC-4596-BB35-C6C4FF7B99F4}" type="presOf" srcId="{E1730D69-20A9-444A-8BBD-2912B486E37F}" destId="{788C2F9F-4D73-440C-A80C-61828E1E7C12}" srcOrd="0" destOrd="0" presId="urn:microsoft.com/office/officeart/2005/8/layout/orgChart1"/>
-    <dgm:cxn modelId="{122FF469-D306-4DE2-BF5E-2CA7585D241D}" type="presOf" srcId="{2A92CF30-BAE6-41F4-ADB9-FEE415D955EA}" destId="{17C8EB9D-998E-46F4-B988-55F765305E78}" srcOrd="1" destOrd="0" presId="urn:microsoft.com/office/officeart/2005/8/layout/orgChart1"/>
-    <dgm:cxn modelId="{1D9A14A3-836F-40D1-B2D4-2BB752162F8A}" type="presOf" srcId="{CE6429A6-E596-4D9E-B7F2-5FE0A1F45795}" destId="{8753EF62-C665-4786-9C87-91EA376072D7}" srcOrd="0" destOrd="0" presId="urn:microsoft.com/office/officeart/2005/8/layout/orgChart1"/>
-    <dgm:cxn modelId="{E44D5D6E-49F5-4D49-A0D4-C1D0E92D902D}" type="presOf" srcId="{08626FDC-6B4A-4709-9A64-0A07FBC32EE3}" destId="{BCD845B7-3E24-46DA-88D5-1942BDDAC6E2}" srcOrd="0" destOrd="0" presId="urn:microsoft.com/office/officeart/2005/8/layout/orgChart1"/>
-    <dgm:cxn modelId="{5FD066F4-0C67-4E5E-B6D0-1784FE919C74}" type="presOf" srcId="{1F2326B5-E345-46AF-BE90-C62A32039143}" destId="{4B5C700D-53DB-4C8C-B2BC-0AF57B62428E}" srcOrd="0" destOrd="0" presId="urn:microsoft.com/office/officeart/2005/8/layout/orgChart1"/>
-    <dgm:cxn modelId="{D0EBC66C-6DC7-405A-95FB-EF69B990378B}" type="presOf" srcId="{A99E5D6C-1BF0-408D-A53C-021080A555B0}" destId="{A62EC485-B2F0-422B-9BC8-5499DD4A6D0A}" srcOrd="0" destOrd="0" presId="urn:microsoft.com/office/officeart/2005/8/layout/orgChart1"/>
-    <dgm:cxn modelId="{B5B01F0C-0D66-488E-BF86-59B98CAE7075}" srcId="{52EB7FA0-1EE8-4CA7-86DC-0100771BE194}" destId="{A99E5D6C-1BF0-408D-A53C-021080A555B0}" srcOrd="2" destOrd="0" parTransId="{8773E4AD-1A55-40AC-8647-B8E1F0C68680}" sibTransId="{F164F33C-4246-4295-B3E1-35D5869AF328}"/>
-    <dgm:cxn modelId="{AC35B649-47DF-4786-9BD2-B57A56F001BC}" type="presOf" srcId="{5F1FBD8A-E119-4273-ADF6-255CDBB3F103}" destId="{E37E39EF-EC5E-44F2-A8AA-D783ECCBD80E}" srcOrd="1" destOrd="0" presId="urn:microsoft.com/office/officeart/2005/8/layout/orgChart1"/>
-    <dgm:cxn modelId="{D4234134-F71F-428E-81BC-743DEF126746}" type="presOf" srcId="{E1730D69-20A9-444A-8BBD-2912B486E37F}" destId="{D29202CE-7B10-4025-9B61-64362A173789}" srcOrd="1" destOrd="0" presId="urn:microsoft.com/office/officeart/2005/8/layout/orgChart1"/>
-    <dgm:cxn modelId="{A5EC3DF1-5F28-4C1D-B73C-A3470F979065}" type="presOf" srcId="{D57CAE95-15B9-478B-B0ED-2CFCC4772790}" destId="{58BC6B5B-CE87-4F61-ABD5-9F3BE17A7B41}" srcOrd="0" destOrd="0" presId="urn:microsoft.com/office/officeart/2005/8/layout/orgChart1"/>
-    <dgm:cxn modelId="{1EB110C9-2C21-4BD0-B3CB-EA9913BB61EB}" type="presOf" srcId="{990069B2-56D7-4EB7-8D10-BAAB85CD1819}" destId="{9957228C-567A-42C0-AA92-8505EA4508DF}" srcOrd="0" destOrd="0" presId="urn:microsoft.com/office/officeart/2005/8/layout/orgChart1"/>
-    <dgm:cxn modelId="{D66340E8-9AAE-46B6-B921-C585F802B342}" type="presOf" srcId="{83BD0166-2B9F-43C4-9BA6-6E338C2E0BDE}" destId="{F436A28B-D33E-4C1E-B29C-0B7D4C9A88E1}" srcOrd="0" destOrd="0" presId="urn:microsoft.com/office/officeart/2005/8/layout/orgChart1"/>
-    <dgm:cxn modelId="{A6F108D2-9B96-46CB-8B7D-67D28ED716B7}" type="presOf" srcId="{D8012592-D4CA-4D96-BC58-4B1CD419A978}" destId="{1C04B3C3-B494-45E8-B004-08E8B533CECD}" srcOrd="0" destOrd="0" presId="urn:microsoft.com/office/officeart/2005/8/layout/orgChart1"/>
-    <dgm:cxn modelId="{B9F61AA4-D717-4BF9-BDD8-60F46FDFE762}" type="presOf" srcId="{B2C39C79-A53B-44CA-ADDF-3775A405913C}" destId="{0F8E54F8-F6D0-4C71-A42D-80F9C506D797}" srcOrd="0" destOrd="0" presId="urn:microsoft.com/office/officeart/2005/8/layout/orgChart1"/>
-    <dgm:cxn modelId="{923953D7-6A91-4D97-9ACA-DC930CB97BAF}" type="presOf" srcId="{D1C6E0B3-4D62-4A2A-A8DD-6558A1899328}" destId="{6B5F68EB-B25C-4F3B-A060-D134222E5002}" srcOrd="0" destOrd="0" presId="urn:microsoft.com/office/officeart/2005/8/layout/orgChart1"/>
-    <dgm:cxn modelId="{2BAFDF6F-5451-49E7-BF42-9D68C6147CFF}" type="presOf" srcId="{378F08BF-298D-4EE8-9A26-1E163BCA96C1}" destId="{D8AC9AD6-0BCF-49C6-9F85-013B86EB3BC8}" srcOrd="1" destOrd="0" presId="urn:microsoft.com/office/officeart/2005/8/layout/orgChart1"/>
-    <dgm:cxn modelId="{9EE63AD4-2BA9-43A9-922A-8A0FD06B6D93}" srcId="{AC5FB5ED-BF90-4EED-B66C-AFB0187A1ED9}" destId="{52EB7FA0-1EE8-4CA7-86DC-0100771BE194}" srcOrd="4" destOrd="0" parTransId="{37E2AAC3-7576-496E-9480-5FA0C82D15CD}" sibTransId="{7BE73639-0758-471D-AC0E-92F65D51697F}"/>
-    <dgm:cxn modelId="{D456A45A-8256-490E-B401-0114A7E11DB1}" srcId="{A38F75E3-67A4-4E7E-A779-20227D05298F}" destId="{378F08BF-298D-4EE8-9A26-1E163BCA96C1}" srcOrd="0" destOrd="0" parTransId="{280D7AA7-FAF2-43AD-8547-F0A9413E69BE}" sibTransId="{DBF7F6CE-DB98-4A0A-9DF0-B0AC2AA28AB2}"/>
-    <dgm:cxn modelId="{1F2631A7-1C07-48C1-A31F-0B07C2EEB4CD}" type="presOf" srcId="{CB00AB57-F12E-4E75-AFCA-D29372E37043}" destId="{B96ACF0A-63D6-4E87-8395-3D5517FA2E20}" srcOrd="0" destOrd="0" presId="urn:microsoft.com/office/officeart/2005/8/layout/orgChart1"/>
-    <dgm:cxn modelId="{5E57166D-9CFF-49AE-BBF3-2460933B6C5E}" srcId="{990069B2-56D7-4EB7-8D10-BAAB85CD1819}" destId="{6D129A3C-FA90-47D9-B80B-D6349A0ED47C}" srcOrd="0" destOrd="0" parTransId="{C7A7C5B4-6DE3-4961-9A07-FEFB0B2D09C8}" sibTransId="{27AA4FB8-43C0-44AD-B9FA-6314684CEAAC}"/>
-    <dgm:cxn modelId="{0A8F76B3-EA40-483D-8E90-1B4ADE844EA7}" type="presOf" srcId="{BCC438E4-3D0E-4353-B5E6-776207620D5D}" destId="{A8C5DB6B-5F45-411B-9F26-22B488E04868}" srcOrd="0" destOrd="0" presId="urn:microsoft.com/office/officeart/2005/8/layout/orgChart1"/>
-    <dgm:cxn modelId="{512D24D7-49CA-4EFF-A569-310AB8DD4CBC}" srcId="{A38F75E3-67A4-4E7E-A779-20227D05298F}" destId="{2EBAF363-0A40-4011-8CA8-FBF8914C6DA7}" srcOrd="2" destOrd="0" parTransId="{3BBD2A9A-12E2-4F9C-9580-D9DFDF68F57F}" sibTransId="{92D3F9DE-753B-47B1-8A53-D6BADDB8C53B}"/>
-    <dgm:cxn modelId="{C03EEE89-ED16-4EBB-92D1-5A4A9830D12D}" srcId="{CE6429A6-E596-4D9E-B7F2-5FE0A1F45795}" destId="{2A92CF30-BAE6-41F4-ADB9-FEE415D955EA}" srcOrd="1" destOrd="0" parTransId="{39F6A57A-1A5E-4DC5-A39B-658F5EACADC1}" sibTransId="{878F2033-88F3-442A-94BB-ADF4C6BD5135}"/>
-    <dgm:cxn modelId="{1495D951-6A72-4553-9E86-9B811EB69222}" srcId="{990069B2-56D7-4EB7-8D10-BAAB85CD1819}" destId="{5F1FBD8A-E119-4273-ADF6-255CDBB3F103}" srcOrd="1" destOrd="0" parTransId="{0165881A-B363-4147-8B9C-3E0667F5F205}" sibTransId="{6BA3CE2A-18F8-46FD-98FE-35823ADFACF0}"/>
-    <dgm:cxn modelId="{243194B9-AB59-49D9-8F89-5729B701CCCC}" type="presOf" srcId="{378F08BF-298D-4EE8-9A26-1E163BCA96C1}" destId="{5D2CEF73-CFE7-4ECD-B31D-464D75F7BF45}" srcOrd="0" destOrd="0" presId="urn:microsoft.com/office/officeart/2005/8/layout/orgChart1"/>
-    <dgm:cxn modelId="{74F197C8-D403-47CA-971F-661CE557249F}" type="presOf" srcId="{888E3741-A6E1-4EA3-8436-E6665102E87E}" destId="{D887DF1C-4AC0-41BB-9EBB-C956E799A61C}" srcOrd="0" destOrd="0" presId="urn:microsoft.com/office/officeart/2005/8/layout/orgChart1"/>
-    <dgm:cxn modelId="{2E1260B1-C8D2-420E-BEC0-4B62B3C9A8F6}" type="presOf" srcId="{16ACB39A-5E18-4E59-AB82-A0C4D06AFE8B}" destId="{A318DB41-4EE7-4825-BEBA-07BDA2EAFF4A}" srcOrd="0" destOrd="0" presId="urn:microsoft.com/office/officeart/2005/8/layout/orgChart1"/>
-    <dgm:cxn modelId="{C4EF3574-1A9B-42DC-9148-F537F88995F9}" srcId="{AC5FB5ED-BF90-4EED-B66C-AFB0187A1ED9}" destId="{A38F75E3-67A4-4E7E-A779-20227D05298F}" srcOrd="3" destOrd="0" parTransId="{42A7EEA2-4B99-405E-9AA3-DD976F8AAB7C}" sibTransId="{9F681BB1-A512-4E5B-AD72-9EE74DB8AB62}"/>
-    <dgm:cxn modelId="{D006FFC7-733E-464C-B003-C87688A66C95}" type="presOf" srcId="{834DF5D9-098B-4C81-82E6-A05F3069EF38}" destId="{384F94EA-E80A-428C-AF06-AEEBE79E353D}" srcOrd="1" destOrd="0" presId="urn:microsoft.com/office/officeart/2005/8/layout/orgChart1"/>
-    <dgm:cxn modelId="{7F1DF42B-9649-46C1-B2C1-0A79927E0459}" type="presOf" srcId="{724D6890-6BEA-4979-925D-F846AD7ADC56}" destId="{1C129FE0-82B1-4375-8EE3-128A1F57AD16}" srcOrd="0" destOrd="0" presId="urn:microsoft.com/office/officeart/2005/8/layout/orgChart1"/>
-    <dgm:cxn modelId="{1AF1E467-A697-4D19-97FA-E89C455053C6}" type="presOf" srcId="{AC5FB5ED-BF90-4EED-B66C-AFB0187A1ED9}" destId="{A84AF67F-3E84-4B1E-94C0-7209F5529E89}" srcOrd="1" destOrd="0" presId="urn:microsoft.com/office/officeart/2005/8/layout/orgChart1"/>
-    <dgm:cxn modelId="{CDC2603D-AEF0-43FF-B33D-9E5D52DB1F0C}" srcId="{AC5FB5ED-BF90-4EED-B66C-AFB0187A1ED9}" destId="{6BDBA2EE-B789-411E-A24F-4C9B59785FEC}" srcOrd="6" destOrd="0" parTransId="{1F2326B5-E345-46AF-BE90-C62A32039143}" sibTransId="{D83329B7-9E7F-4B06-8696-AD016B7203D8}"/>
-    <dgm:cxn modelId="{41FF8500-B0AE-4324-A4C0-2836E8E0CE9E}" type="presOf" srcId="{280D7AA7-FAF2-43AD-8547-F0A9413E69BE}" destId="{C8F82892-2DF2-4B58-B63C-A07FD2E30315}" srcOrd="0" destOrd="0" presId="urn:microsoft.com/office/officeart/2005/8/layout/orgChart1"/>
-    <dgm:cxn modelId="{E9CA0FD6-F2F0-4BDF-BD53-0E6C8395515B}" type="presOf" srcId="{2B1382BD-318E-4CF9-A182-DB3DDAD180CC}" destId="{C39291EB-BB27-42D8-A9AA-A530C0D35125}" srcOrd="0" destOrd="0" presId="urn:microsoft.com/office/officeart/2005/8/layout/orgChart1"/>
-    <dgm:cxn modelId="{ACDBF81E-264C-4096-B08C-0F5EC45BAF15}" type="presOf" srcId="{52C3A66E-F249-44A1-B5F8-FB56C20C8E39}" destId="{A704F05C-B58D-48C4-9815-E88C24BDA240}" srcOrd="0" destOrd="0" presId="urn:microsoft.com/office/officeart/2005/8/layout/orgChart1"/>
-    <dgm:cxn modelId="{FDE5FC28-BA85-4126-BD4E-D23BECC49FBE}" type="presOf" srcId="{D7718924-691F-45C2-BAFE-0D45C0BA9F99}" destId="{B4450807-7F57-4333-9FBA-217FA86B8D45}" srcOrd="1" destOrd="0" presId="urn:microsoft.com/office/officeart/2005/8/layout/orgChart1"/>
-    <dgm:cxn modelId="{8AD95782-A64C-47C3-9471-A58E243F377B}" type="presOf" srcId="{5F1FBD8A-E119-4273-ADF6-255CDBB3F103}" destId="{D6AE43FA-84EB-440F-B30E-D85552D82F4E}" srcOrd="0" destOrd="0" presId="urn:microsoft.com/office/officeart/2005/8/layout/orgChart1"/>
-    <dgm:cxn modelId="{73DB0BBF-537D-45F7-89C8-8C4E6F429504}" type="presOf" srcId="{D7718924-691F-45C2-BAFE-0D45C0BA9F99}" destId="{F8E73A3C-5011-4303-85EC-19A52AD2CF12}" srcOrd="0" destOrd="0" presId="urn:microsoft.com/office/officeart/2005/8/layout/orgChart1"/>
-    <dgm:cxn modelId="{5BD703D7-FB9F-4E76-B350-9262A22459B9}" type="presOf" srcId="{78A6B255-6D7D-4F2C-9C00-A9A18665C318}" destId="{251AA303-ED44-4739-9E3D-40A5D439202E}" srcOrd="0" destOrd="0" presId="urn:microsoft.com/office/officeart/2005/8/layout/orgChart1"/>
-    <dgm:cxn modelId="{7030F73F-C9A6-444A-A825-9D8955C1B955}" srcId="{6BDBA2EE-B789-411E-A24F-4C9B59785FEC}" destId="{834DF5D9-098B-4C81-82E6-A05F3069EF38}" srcOrd="2" destOrd="0" parTransId="{6FCD30D8-8D14-4119-889B-0B1EAC897521}" sibTransId="{9627D9E6-BD50-4DFC-835A-CE5D3DE4C148}"/>
-    <dgm:cxn modelId="{D478ACA2-49B6-4220-B730-6884BC95AEA1}" srcId="{AC5FB5ED-BF90-4EED-B66C-AFB0187A1ED9}" destId="{16ACB39A-5E18-4E59-AB82-A0C4D06AFE8B}" srcOrd="0" destOrd="0" parTransId="{2D60B1AB-3086-47E4-B3E0-003778EA16CF}" sibTransId="{91BE17E9-EB64-4AC8-B5FE-8AF2A65B9F7F}"/>
-    <dgm:cxn modelId="{36AC8C37-4F49-4F83-8781-EEBE222DDCEE}" type="presOf" srcId="{83BD0166-2B9F-43C4-9BA6-6E338C2E0BDE}" destId="{82D903EB-702B-4153-A59B-E6ADB6D783BA}" srcOrd="1" destOrd="0" presId="urn:microsoft.com/office/officeart/2005/8/layout/orgChart1"/>
-    <dgm:cxn modelId="{2F94EAE3-6DB0-418A-AE5D-5D6C126C2A80}" type="presOf" srcId="{2EBAF363-0A40-4011-8CA8-FBF8914C6DA7}" destId="{4CA34D67-7232-4374-8B4D-FDCA56BA2B66}" srcOrd="1" destOrd="0" presId="urn:microsoft.com/office/officeart/2005/8/layout/orgChart1"/>
-    <dgm:cxn modelId="{CDF6F4A3-60D7-4E2E-9B47-BD27C861DFA9}" type="presOf" srcId="{37E2AAC3-7576-496E-9480-5FA0C82D15CD}" destId="{2B753595-9BB9-4C10-8257-FDE0A1E9F4C3}" srcOrd="0" destOrd="0" presId="urn:microsoft.com/office/officeart/2005/8/layout/orgChart1"/>
-    <dgm:cxn modelId="{B3C03016-3F08-4193-BAF9-6C7450FB4A69}" srcId="{AC5FB5ED-BF90-4EED-B66C-AFB0187A1ED9}" destId="{CE6429A6-E596-4D9E-B7F2-5FE0A1F45795}" srcOrd="5" destOrd="0" parTransId="{18C0FE98-3562-465A-97F0-B7964471F981}" sibTransId="{BEFE8CA4-121C-4557-AB83-4E2B5370478A}"/>
-    <dgm:cxn modelId="{2836BDB0-EE6D-489B-BF7D-957F84FDACF1}" srcId="{AC5FB5ED-BF90-4EED-B66C-AFB0187A1ED9}" destId="{9B28BD1C-4151-405F-B2F0-1BEBF2E0AC19}" srcOrd="2" destOrd="0" parTransId="{78A6B255-6D7D-4F2C-9C00-A9A18665C318}" sibTransId="{85F7165A-D2CB-493B-9D78-F8ABADE67A6F}"/>
-    <dgm:cxn modelId="{F8FFD687-B85E-4201-99B0-43099460FBCF}" type="presOf" srcId="{96BD6010-CDE6-4B7C-A4AB-3C75A6CCE49C}" destId="{15ED0A49-A7B6-4496-8482-29ECC259AF3D}" srcOrd="0" destOrd="0" presId="urn:microsoft.com/office/officeart/2005/8/layout/orgChart1"/>
-    <dgm:cxn modelId="{E9AB851E-A85B-40B4-999D-8EBA4F41426D}" type="presOf" srcId="{D44E33A2-8AD6-48DF-948E-7F6D0A44F83C}" destId="{82C92B98-937D-4BA6-B974-FC25E47A2A0C}" srcOrd="0" destOrd="0" presId="urn:microsoft.com/office/officeart/2005/8/layout/orgChart1"/>
-    <dgm:cxn modelId="{005F88DF-B2A2-44BC-B77A-5840E915FD4A}" type="presOf" srcId="{6BDBA2EE-B789-411E-A24F-4C9B59785FEC}" destId="{88EB1175-7A01-4503-8C73-5358B4734D42}" srcOrd="0" destOrd="0" presId="urn:microsoft.com/office/officeart/2005/8/layout/orgChart1"/>
-    <dgm:cxn modelId="{26EDF60D-BC90-45C6-84EA-13A7D60A3E88}" type="presOf" srcId="{CCA410CD-E9E3-4D99-86FE-AB5DBF1DFF26}" destId="{6DCCAE47-9998-46B8-8DF1-D4FE07E445BB}" srcOrd="0" destOrd="0" presId="urn:microsoft.com/office/officeart/2005/8/layout/orgChart1"/>
-    <dgm:cxn modelId="{743AD7F0-37D4-4046-9711-A3B848327CEC}" type="presOf" srcId="{CE6429A6-E596-4D9E-B7F2-5FE0A1F45795}" destId="{6FA6A1BB-C87C-4D5E-B6EC-E63AFF5F1A72}" srcOrd="1" destOrd="0" presId="urn:microsoft.com/office/officeart/2005/8/layout/orgChart1"/>
-    <dgm:cxn modelId="{C2621E35-99CE-4A98-873E-B757E4DB4A55}" type="presOf" srcId="{3CF90A05-6FFB-479A-93BC-4B304B438937}" destId="{1655CF77-2AD8-4353-A935-CB0A8DA10E7A}" srcOrd="0" destOrd="0" presId="urn:microsoft.com/office/officeart/2005/8/layout/orgChart1"/>
-    <dgm:cxn modelId="{EA0AAB08-8AC9-4EE7-9D4C-8C3DA5E60438}" type="presOf" srcId="{3BBD2A9A-12E2-4F9C-9580-D9DFDF68F57F}" destId="{E9D9215D-D7E5-4A01-B287-784B2298AACB}" srcOrd="0" destOrd="0" presId="urn:microsoft.com/office/officeart/2005/8/layout/orgChart1"/>
-    <dgm:cxn modelId="{3AF4BBEA-8CD5-4107-819F-0FC8B50AAA76}" type="presOf" srcId="{A38F75E3-67A4-4E7E-A779-20227D05298F}" destId="{EA966C71-62A5-4719-A417-468AEE1B7661}" srcOrd="1" destOrd="0" presId="urn:microsoft.com/office/officeart/2005/8/layout/orgChart1"/>
     <dgm:cxn modelId="{232D684C-6227-48A3-B207-C6079323D325}" type="presParOf" srcId="{1C04B3C3-B494-45E8-B004-08E8B533CECD}" destId="{77B0D140-0F84-4D7A-A9DD-85B5027F92C0}" srcOrd="0" destOrd="0" presId="urn:microsoft.com/office/officeart/2005/8/layout/orgChart1"/>
     <dgm:cxn modelId="{1126A753-1173-4FDE-9FC0-582CEC2FA9B4}" type="presParOf" srcId="{77B0D140-0F84-4D7A-A9DD-85B5027F92C0}" destId="{5A48A791-7435-403F-9A4C-E78D0A93FEE6}" srcOrd="0" destOrd="0" presId="urn:microsoft.com/office/officeart/2005/8/layout/orgChart1"/>
     <dgm:cxn modelId="{075BB685-A0D8-49B0-923A-325D2773F2C3}" type="presParOf" srcId="{5A48A791-7435-403F-9A4C-E78D0A93FEE6}" destId="{B3E3A426-0D29-46C8-9D49-8BAE6F7D7FD3}" srcOrd="0" destOrd="0" presId="urn:microsoft.com/office/officeart/2005/8/layout/orgChart1"/>
@@ -7507,7 +7509,7 @@
           <a:p>
             <a:fld id="{E712D196-127E-4109-B56E-8AA303B2F472}" type="datetimeFigureOut">
               <a:rPr lang="fr-FR" smtClean="0"/>
-              <a:t>05/03/2015</a:t>
+              <a:t>06/03/2015</a:t>
             </a:fld>
             <a:endParaRPr lang="fr-FR"/>
           </a:p>
@@ -12133,15 +12135,7 @@
           <a:p>
             <a:r>
               <a:rPr lang="fr-FR" dirty="0" err="1" smtClean="0"/>
-              <a:t>Pre</a:t>
-            </a:r>
-            <a:r>
-              <a:rPr lang="fr-FR" dirty="0" smtClean="0"/>
-              <a:t> </a:t>
-            </a:r>
-            <a:r>
-              <a:rPr lang="fr-FR" dirty="0" err="1" smtClean="0"/>
-              <a:t>processing</a:t>
+              <a:t>Preprocessing</a:t>
             </a:r>
             <a:endParaRPr lang="fr-FR" dirty="0"/>
           </a:p>
@@ -12389,47 +12383,45 @@
           <a:p>
             <a:r>
               <a:rPr lang="fr-FR" dirty="0" err="1" smtClean="0"/>
-              <a:t>Pre</a:t>
+              <a:t>Choice</a:t>
             </a:r>
             <a:r>
               <a:rPr lang="fr-FR" dirty="0" smtClean="0"/>
-              <a:t> </a:t>
-            </a:r>
-            <a:r>
-              <a:rPr lang="fr-FR" dirty="0" err="1" smtClean="0"/>
-              <a:t>processing</a:t>
+              <a:t> of location</a:t>
             </a:r>
             <a:endParaRPr lang="fr-FR" dirty="0"/>
           </a:p>
         </p:txBody>
       </p:sp>
-      <p:sp>
-        <p:nvSpPr>
-          <p:cNvPr id="3" name="Espace réservé du texte 2"/>
-          <p:cNvSpPr>
-            <a:spLocks noGrp="1"/>
-          </p:cNvSpPr>
+      <p:pic>
+        <p:nvPicPr>
+          <p:cNvPr id="6" name="Espace réservé du contenu 5"/>
+          <p:cNvPicPr>
+            <a:picLocks noGrp="1" noChangeAspect="1"/>
+          </p:cNvPicPr>
           <p:nvPr>
-            <p:ph type="body" idx="1"/>
+            <p:ph idx="1"/>
           </p:nvPr>
-        </p:nvSpPr>
-        <p:spPr/>
-        <p:txBody>
-          <a:bodyPr/>
-          <a:lstStyle/>
-          <a:p>
-            <a:r>
-              <a:rPr lang="fr-FR" dirty="0" err="1" smtClean="0"/>
-              <a:t>Deletion</a:t>
-            </a:r>
-            <a:r>
-              <a:rPr lang="fr-FR" dirty="0" smtClean="0"/>
-              <a:t> of excessive speed</a:t>
-            </a:r>
-            <a:endParaRPr lang="fr-FR" dirty="0"/>
-          </a:p>
-        </p:txBody>
-      </p:sp>
+        </p:nvPicPr>
+        <p:blipFill>
+          <a:blip r:embed="rId2">
+            <a:extLst>
+              <a:ext uri="{28A0092B-C50C-407E-A947-70E740481C1C}">
+                <a14:useLocalDpi xmlns:a14="http://schemas.microsoft.com/office/drawing/2010/main" val="0"/>
+              </a:ext>
+            </a:extLst>
+          </a:blip>
+          <a:stretch>
+            <a:fillRect/>
+          </a:stretch>
+        </p:blipFill>
+        <p:spPr>
+          <a:xfrm>
+            <a:off x="1346289" y="1889908"/>
+            <a:ext cx="4037080" cy="3697626"/>
+          </a:xfrm>
+        </p:spPr>
+      </p:pic>
       <p:sp>
         <p:nvSpPr>
           <p:cNvPr id="4" name="Espace réservé de la date 3"/>
@@ -12468,18 +12460,130 @@
           <a:bodyPr/>
           <a:lstStyle/>
           <a:p>
-            <a:fld id="{4FAB73BC-B049-4115-A692-8D63A059BFB8}" type="slidenum">
+            <a:fld id="{629637A9-119A-49DA-BD12-AAC58B377D80}" type="slidenum">
               <a:rPr lang="en-US" smtClean="0"/>
               <a:t>12</a:t>
             </a:fld>
             <a:endParaRPr lang="en-US" dirty="0"/>
+          </a:p>
+        </p:txBody>
+      </p:sp>
+      <p:pic>
+        <p:nvPicPr>
+          <p:cNvPr id="7" name="Image 6"/>
+          <p:cNvPicPr>
+            <a:picLocks noChangeAspect="1"/>
+          </p:cNvPicPr>
+          <p:nvPr/>
+        </p:nvPicPr>
+        <p:blipFill>
+          <a:blip r:embed="rId3">
+            <a:extLst>
+              <a:ext uri="{28A0092B-C50C-407E-A947-70E740481C1C}">
+                <a14:useLocalDpi xmlns:a14="http://schemas.microsoft.com/office/drawing/2010/main" val="0"/>
+              </a:ext>
+            </a:extLst>
+          </a:blip>
+          <a:stretch>
+            <a:fillRect/>
+          </a:stretch>
+        </p:blipFill>
+        <p:spPr>
+          <a:xfrm>
+            <a:off x="7147172" y="1877131"/>
+            <a:ext cx="3619536" cy="3710403"/>
+          </a:xfrm>
+          <a:prstGeom prst="rect">
+            <a:avLst/>
+          </a:prstGeom>
+        </p:spPr>
+      </p:pic>
+      <p:sp>
+        <p:nvSpPr>
+          <p:cNvPr id="8" name="ZoneTexte 7"/>
+          <p:cNvSpPr txBox="1"/>
+          <p:nvPr/>
+        </p:nvSpPr>
+        <p:spPr>
+          <a:xfrm>
+            <a:off x="1481070" y="5731099"/>
+            <a:ext cx="3747753" cy="373487"/>
+          </a:xfrm>
+          <a:prstGeom prst="rect">
+            <a:avLst/>
+          </a:prstGeom>
+          <a:noFill/>
+        </p:spPr>
+        <p:txBody>
+          <a:bodyPr wrap="square" rtlCol="0">
+            <a:spAutoFit/>
+          </a:bodyPr>
+          <a:lstStyle/>
+          <a:p>
+            <a:pPr algn="ctr"/>
+            <a:r>
+              <a:rPr lang="fr-FR" dirty="0" err="1" smtClean="0"/>
+              <a:t>Raw</a:t>
+            </a:r>
+            <a:r>
+              <a:rPr lang="fr-FR" dirty="0" smtClean="0"/>
+              <a:t> data</a:t>
+            </a:r>
+            <a:endParaRPr lang="fr-FR" dirty="0"/>
+          </a:p>
+        </p:txBody>
+      </p:sp>
+      <p:sp>
+        <p:nvSpPr>
+          <p:cNvPr id="9" name="ZoneTexte 8"/>
+          <p:cNvSpPr txBox="1"/>
+          <p:nvPr/>
+        </p:nvSpPr>
+        <p:spPr>
+          <a:xfrm>
+            <a:off x="7083063" y="5731099"/>
+            <a:ext cx="3747753" cy="646331"/>
+          </a:xfrm>
+          <a:prstGeom prst="rect">
+            <a:avLst/>
+          </a:prstGeom>
+          <a:noFill/>
+        </p:spPr>
+        <p:txBody>
+          <a:bodyPr wrap="square" rtlCol="0">
+            <a:spAutoFit/>
+          </a:bodyPr>
+          <a:lstStyle/>
+          <a:p>
+            <a:pPr algn="ctr"/>
+            <a:r>
+              <a:rPr lang="fr-FR" dirty="0" smtClean="0"/>
+              <a:t>Data </a:t>
+            </a:r>
+            <a:r>
+              <a:rPr lang="fr-FR" dirty="0" err="1" smtClean="0"/>
+              <a:t>preprocessed</a:t>
+            </a:r>
+            <a:r>
+              <a:rPr lang="fr-FR" dirty="0" smtClean="0"/>
+              <a:t> </a:t>
+            </a:r>
+            <a:r>
+              <a:rPr lang="fr-FR" dirty="0" err="1" smtClean="0"/>
+              <a:t>with</a:t>
+            </a:r>
+            <a:r>
+              <a:rPr lang="fr-FR" dirty="0" smtClean="0"/>
+              <a:t> correction of location</a:t>
+            </a:r>
+            <a:endParaRPr lang="fr-FR" dirty="0"/>
           </a:p>
         </p:txBody>
       </p:sp>
     </p:spTree>
     <p:extLst>
       <p:ext uri="{BB962C8B-B14F-4D97-AF65-F5344CB8AC3E}">
-        <p14:creationId xmlns:p14="http://schemas.microsoft.com/office/powerpoint/2010/main" val="2514226161"/>
+        <p14:creationId xmlns:p14="http://schemas.microsoft.com/office/powerpoint/2010/main" val="802247651"/>
       </p:ext>
     </p:extLst>
   </p:cSld>
@@ -12523,11 +12627,15 @@
           <a:p>
             <a:r>
               <a:rPr lang="fr-FR" dirty="0" err="1" smtClean="0"/>
-              <a:t>Deletion</a:t>
+              <a:t>Pre</a:t>
             </a:r>
             <a:r>
               <a:rPr lang="fr-FR" dirty="0" smtClean="0"/>
-              <a:t> of excessive speed</a:t>
+              <a:t> </a:t>
+            </a:r>
+            <a:r>
+              <a:rPr lang="fr-FR" dirty="0" err="1" smtClean="0"/>
+              <a:t>processing</a:t>
             </a:r>
             <a:endParaRPr lang="fr-FR" dirty="0"/>
           </a:p>
@@ -12535,12 +12643,12 @@
       </p:sp>
       <p:sp>
         <p:nvSpPr>
-          <p:cNvPr id="3" name="Espace réservé du contenu 2"/>
+          <p:cNvPr id="3" name="Espace réservé du texte 2"/>
           <p:cNvSpPr>
             <a:spLocks noGrp="1"/>
           </p:cNvSpPr>
           <p:nvPr>
-            <p:ph idx="1"/>
+            <p:ph type="body" idx="1"/>
           </p:nvPr>
         </p:nvSpPr>
         <p:spPr/>
@@ -12548,110 +12656,14 @@
           <a:bodyPr/>
           <a:lstStyle/>
           <a:p>
-            <a:pPr>
-              <a:buFont typeface="Wingdings" panose="05000000000000000000" pitchFamily="2" charset="2"/>
-              <a:buChar char="§"/>
-            </a:pPr>
-            <a:endParaRPr lang="fr-FR" dirty="0" smtClean="0"/>
-          </a:p>
-          <a:p>
-            <a:pPr>
-              <a:buFont typeface="Wingdings" panose="05000000000000000000" pitchFamily="2" charset="2"/>
-              <a:buChar char="§"/>
-            </a:pPr>
-            <a:endParaRPr lang="fr-FR" dirty="0"/>
-          </a:p>
-          <a:p>
-            <a:pPr>
-              <a:buFont typeface="Wingdings" panose="05000000000000000000" pitchFamily="2" charset="2"/>
-              <a:buChar char="§"/>
-            </a:pPr>
+            <a:r>
+              <a:rPr lang="fr-FR" dirty="0" err="1" smtClean="0"/>
+              <a:t>Deletion</a:t>
+            </a:r>
             <a:r>
               <a:rPr lang="fr-FR" dirty="0" smtClean="0"/>
-              <a:t> Computation of speed </a:t>
-            </a:r>
-            <a:r>
-              <a:rPr lang="fr-FR" dirty="0" err="1" smtClean="0"/>
-              <a:t>between</a:t>
-            </a:r>
-            <a:r>
-              <a:rPr lang="fr-FR" dirty="0" smtClean="0"/>
-              <a:t> </a:t>
-            </a:r>
-            <a:r>
-              <a:rPr lang="fr-FR" dirty="0" err="1" smtClean="0"/>
-              <a:t>two</a:t>
-            </a:r>
-            <a:r>
-              <a:rPr lang="fr-FR" dirty="0" smtClean="0"/>
-              <a:t> points</a:t>
-            </a:r>
-          </a:p>
-          <a:p>
-            <a:pPr>
-              <a:buFont typeface="Wingdings" panose="05000000000000000000" pitchFamily="2" charset="2"/>
-              <a:buChar char="§"/>
-            </a:pPr>
-            <a:r>
-              <a:rPr lang="fr-FR" dirty="0"/>
-              <a:t> </a:t>
-            </a:r>
-            <a:r>
-              <a:rPr lang="fr-FR" dirty="0" err="1" smtClean="0"/>
-              <a:t>Criteria</a:t>
-            </a:r>
-            <a:r>
-              <a:rPr lang="fr-FR" dirty="0" smtClean="0"/>
-              <a:t> of </a:t>
-            </a:r>
-            <a:r>
-              <a:rPr lang="fr-FR" dirty="0" err="1" smtClean="0"/>
-              <a:t>precision</a:t>
-            </a:r>
-            <a:r>
-              <a:rPr lang="fr-FR" dirty="0" smtClean="0"/>
-              <a:t> of the location</a:t>
-            </a:r>
-          </a:p>
-          <a:p>
-            <a:pPr>
-              <a:buFont typeface="Wingdings" panose="05000000000000000000" pitchFamily="2" charset="2"/>
-              <a:buChar char="§"/>
-            </a:pPr>
-            <a:r>
-              <a:rPr lang="fr-FR" dirty="0"/>
-              <a:t> </a:t>
-            </a:r>
-            <a:r>
-              <a:rPr lang="fr-FR" dirty="0" err="1" smtClean="0"/>
-              <a:t>Comparison</a:t>
-            </a:r>
-            <a:r>
-              <a:rPr lang="fr-FR" dirty="0" smtClean="0"/>
-              <a:t> </a:t>
-            </a:r>
-            <a:r>
-              <a:rPr lang="fr-FR" dirty="0" err="1" smtClean="0"/>
-              <a:t>with</a:t>
-            </a:r>
-            <a:r>
-              <a:rPr lang="fr-FR" dirty="0" smtClean="0"/>
-              <a:t> the </a:t>
-            </a:r>
-            <a:r>
-              <a:rPr lang="fr-FR" dirty="0" err="1" smtClean="0"/>
-              <a:t>specie’s</a:t>
-            </a:r>
-            <a:r>
-              <a:rPr lang="fr-FR" dirty="0" smtClean="0"/>
-              <a:t> maximal speed  </a:t>
-            </a:r>
-          </a:p>
-          <a:p>
-            <a:pPr>
-              <a:buFont typeface="Wingdings" panose="05000000000000000000" pitchFamily="2" charset="2"/>
-              <a:buChar char="§"/>
-            </a:pPr>
+              <a:t> of excessive speed</a:t>
+            </a:r>
             <a:endParaRPr lang="fr-FR" dirty="0"/>
           </a:p>
         </p:txBody>
@@ -12694,7 +12706,7 @@
           <a:bodyPr/>
           <a:lstStyle/>
           <a:p>
-            <a:fld id="{629637A9-119A-49DA-BD12-AAC58B377D80}" type="slidenum">
+            <a:fld id="{4FAB73BC-B049-4115-A692-8D63A059BFB8}" type="slidenum">
               <a:rPr lang="en-US" smtClean="0"/>
               <a:t>13</a:t>
             </a:fld>
@@ -12705,7 +12717,7 @@
     </p:spTree>
     <p:extLst>
       <p:ext uri="{BB962C8B-B14F-4D97-AF65-F5344CB8AC3E}">
-        <p14:creationId xmlns:p14="http://schemas.microsoft.com/office/powerpoint/2010/main" val="2780078440"/>
+        <p14:creationId xmlns:p14="http://schemas.microsoft.com/office/powerpoint/2010/main" val="2514226161"/>
       </p:ext>
     </p:extLst>
   </p:cSld>
@@ -12748,14 +12760,14 @@
           <a:lstStyle/>
           <a:p>
             <a:r>
+              <a:rPr lang="fr-FR" dirty="0" err="1" smtClean="0"/>
+              <a:t>Deletion</a:t>
+            </a:r>
+            <a:r>
               <a:rPr lang="fr-FR" dirty="0" smtClean="0"/>
-              <a:t>Data </a:t>
-            </a:r>
-            <a:r>
-              <a:rPr lang="en-US" dirty="0" smtClean="0"/>
-              <a:t>processing</a:t>
-            </a:r>
-            <a:endParaRPr lang="en-US" dirty="0"/>
+              <a:t> of excessive speed</a:t>
+            </a:r>
+            <a:endParaRPr lang="fr-FR" dirty="0"/>
           </a:p>
         </p:txBody>
       </p:sp>
@@ -12774,86 +12786,110 @@
           <a:bodyPr/>
           <a:lstStyle/>
           <a:p>
-            <a:endParaRPr lang="en-US" dirty="0" smtClean="0"/>
-          </a:p>
-          <a:p>
             <a:pPr>
               <a:buFont typeface="Wingdings" panose="05000000000000000000" pitchFamily="2" charset="2"/>
               <a:buChar char="§"/>
             </a:pPr>
-            <a:r>
-              <a:rPr lang="en-US" dirty="0"/>
-              <a:t> </a:t>
-            </a:r>
-            <a:r>
-              <a:rPr lang="en-US" dirty="0" smtClean="0"/>
-              <a:t>Here </a:t>
-            </a:r>
-            <a:r>
-              <a:rPr lang="en-US" dirty="0"/>
-              <a:t>you estimate one position as the weighted sum of the two previous, current and two following </a:t>
-            </a:r>
-            <a:r>
-              <a:rPr lang="en-US" dirty="0" smtClean="0"/>
-              <a:t>positions</a:t>
-            </a:r>
-          </a:p>
-          <a:p>
-            <a:pPr marL="0" indent="0">
-              <a:buNone/>
-            </a:pPr>
-            <a:endParaRPr lang="en-US" dirty="0"/>
-          </a:p>
-          <a:p>
-            <a:endParaRPr lang="en-US" dirty="0"/>
-          </a:p>
-          <a:p>
-            <a:r>
-              <a:rPr lang="en-US" dirty="0"/>
-              <a:t>2 different weights : </a:t>
-            </a:r>
-            <a:endParaRPr lang="en-US" dirty="0" smtClean="0"/>
-          </a:p>
-          <a:p>
-            <a:pPr lvl="1">
+            <a:endParaRPr lang="fr-FR" dirty="0" smtClean="0"/>
+          </a:p>
+          <a:p>
+            <a:pPr>
               <a:buFont typeface="Wingdings" panose="05000000000000000000" pitchFamily="2" charset="2"/>
               <a:buChar char="§"/>
             </a:pPr>
-            <a:r>
-              <a:rPr lang="en-US" dirty="0" smtClean="0"/>
-              <a:t> one </a:t>
-            </a:r>
-            <a:r>
-              <a:rPr lang="en-US" dirty="0"/>
-              <a:t>from the </a:t>
-            </a:r>
-            <a:r>
-              <a:rPr lang="en-US" dirty="0" smtClean="0"/>
-              <a:t>kernel</a:t>
-            </a:r>
-          </a:p>
-          <a:p>
-            <a:pPr lvl="1">
+            <a:endParaRPr lang="fr-FR" dirty="0"/>
+          </a:p>
+          <a:p>
+            <a:pPr>
               <a:buFont typeface="Wingdings" panose="05000000000000000000" pitchFamily="2" charset="2"/>
               <a:buChar char="§"/>
             </a:pPr>
             <a:r>
-              <a:rPr lang="en-US" dirty="0" smtClean="0"/>
-              <a:t> one </a:t>
-            </a:r>
-            <a:r>
-              <a:rPr lang="en-US" dirty="0"/>
-              <a:t>from the quality of the ARGOS </a:t>
-            </a:r>
-            <a:r>
-              <a:rPr lang="en-US" dirty="0" smtClean="0"/>
-              <a:t>localization</a:t>
-            </a:r>
-          </a:p>
-          <a:p>
-            <a:endParaRPr lang="en-US" dirty="0"/>
-          </a:p>
-          <a:p>
+              <a:rPr lang="fr-FR" dirty="0" smtClean="0"/>
+              <a:t> Computation of speed </a:t>
+            </a:r>
+            <a:r>
+              <a:rPr lang="fr-FR" dirty="0" err="1" smtClean="0"/>
+              <a:t>between</a:t>
+            </a:r>
+            <a:r>
+              <a:rPr lang="fr-FR" dirty="0" smtClean="0"/>
+              <a:t> </a:t>
+            </a:r>
+            <a:r>
+              <a:rPr lang="fr-FR" dirty="0" err="1" smtClean="0"/>
+              <a:t>two</a:t>
+            </a:r>
+            <a:r>
+              <a:rPr lang="fr-FR" dirty="0" smtClean="0"/>
+              <a:t> points</a:t>
+            </a:r>
+          </a:p>
+          <a:p>
+            <a:pPr>
+              <a:buFont typeface="Wingdings" panose="05000000000000000000" pitchFamily="2" charset="2"/>
+              <a:buChar char="§"/>
+            </a:pPr>
+            <a:r>
+              <a:rPr lang="fr-FR" dirty="0"/>
+              <a:t> </a:t>
+            </a:r>
+            <a:r>
+              <a:rPr lang="fr-FR" dirty="0" err="1" smtClean="0"/>
+              <a:t>Criteria</a:t>
+            </a:r>
+            <a:r>
+              <a:rPr lang="fr-FR" dirty="0" smtClean="0"/>
+              <a:t> of </a:t>
+            </a:r>
+            <a:r>
+              <a:rPr lang="fr-FR" dirty="0" err="1" smtClean="0"/>
+              <a:t>precision</a:t>
+            </a:r>
+            <a:r>
+              <a:rPr lang="fr-FR" dirty="0" smtClean="0"/>
+              <a:t> of the location</a:t>
+            </a:r>
+          </a:p>
+          <a:p>
+            <a:pPr>
+              <a:buFont typeface="Wingdings" panose="05000000000000000000" pitchFamily="2" charset="2"/>
+              <a:buChar char="§"/>
+            </a:pPr>
+            <a:r>
+              <a:rPr lang="fr-FR" dirty="0"/>
+              <a:t> </a:t>
+            </a:r>
+            <a:r>
+              <a:rPr lang="fr-FR" dirty="0" err="1" smtClean="0"/>
+              <a:t>Comparison</a:t>
+            </a:r>
+            <a:r>
+              <a:rPr lang="fr-FR" dirty="0" smtClean="0"/>
+              <a:t> </a:t>
+            </a:r>
+            <a:r>
+              <a:rPr lang="fr-FR" dirty="0" err="1" smtClean="0"/>
+              <a:t>with</a:t>
+            </a:r>
+            <a:r>
+              <a:rPr lang="fr-FR" dirty="0" smtClean="0"/>
+              <a:t> the </a:t>
+            </a:r>
+            <a:r>
+              <a:rPr lang="fr-FR" dirty="0" err="1" smtClean="0"/>
+              <a:t>specie’s</a:t>
+            </a:r>
+            <a:r>
+              <a:rPr lang="fr-FR" dirty="0" smtClean="0"/>
+              <a:t> maximal speed  </a:t>
+            </a:r>
+          </a:p>
+          <a:p>
+            <a:pPr>
+              <a:buFont typeface="Wingdings" panose="05000000000000000000" pitchFamily="2" charset="2"/>
+              <a:buChar char="§"/>
+            </a:pPr>
             <a:endParaRPr lang="fr-FR" dirty="0"/>
           </a:p>
         </p:txBody>
@@ -12899,6 +12935,464 @@
             <a:fld id="{629637A9-119A-49DA-BD12-AAC58B377D80}" type="slidenum">
               <a:rPr lang="en-US" smtClean="0"/>
               <a:t>14</a:t>
+            </a:fld>
+            <a:endParaRPr lang="en-US" dirty="0"/>
+          </a:p>
+        </p:txBody>
+      </p:sp>
+    </p:spTree>
+    <p:extLst>
+      <p:ext uri="{BB962C8B-B14F-4D97-AF65-F5344CB8AC3E}">
+        <p14:creationId xmlns:p14="http://schemas.microsoft.com/office/powerpoint/2010/main" val="2780078440"/>
+      </p:ext>
+    </p:extLst>
+  </p:cSld>
+  <p:clrMapOvr>
+    <a:masterClrMapping/>
+  </p:clrMapOvr>
+</p:sld>
+</file>
+
+<file path=ppt/slides/slide15.xml><?xml version="1.0" encoding="utf-8"?>
+<p:sld xmlns:a="http://schemas.openxmlformats.org/drawingml/2006/main" xmlns:r="http://schemas.openxmlformats.org/officeDocument/2006/relationships" xmlns:p="http://schemas.openxmlformats.org/presentationml/2006/main">
+  <p:cSld>
+    <p:spTree>
+      <p:nvGrpSpPr>
+        <p:cNvPr id="1" name=""/>
+        <p:cNvGrpSpPr/>
+        <p:nvPr/>
+      </p:nvGrpSpPr>
+      <p:grpSpPr>
+        <a:xfrm>
+          <a:off x="0" y="0"/>
+          <a:ext cx="0" cy="0"/>
+          <a:chOff x="0" y="0"/>
+          <a:chExt cx="0" cy="0"/>
+        </a:xfrm>
+      </p:grpSpPr>
+      <p:sp>
+        <p:nvSpPr>
+          <p:cNvPr id="2" name="Titre 1"/>
+          <p:cNvSpPr>
+            <a:spLocks noGrp="1"/>
+          </p:cNvSpPr>
+          <p:nvPr>
+            <p:ph type="title"/>
+          </p:nvPr>
+        </p:nvSpPr>
+        <p:spPr/>
+        <p:txBody>
+          <a:bodyPr/>
+          <a:lstStyle/>
+          <a:p>
+            <a:r>
+              <a:rPr lang="fr-FR" dirty="0" err="1" smtClean="0"/>
+              <a:t>Deletion</a:t>
+            </a:r>
+            <a:r>
+              <a:rPr lang="fr-FR" dirty="0" smtClean="0"/>
+              <a:t> of excessive speed</a:t>
+            </a:r>
+            <a:endParaRPr lang="fr-FR" dirty="0"/>
+          </a:p>
+        </p:txBody>
+      </p:sp>
+      <p:pic>
+        <p:nvPicPr>
+          <p:cNvPr id="6" name="Espace réservé du contenu 5"/>
+          <p:cNvPicPr>
+            <a:picLocks noGrp="1" noChangeAspect="1"/>
+          </p:cNvPicPr>
+          <p:nvPr>
+            <p:ph idx="1"/>
+          </p:nvPr>
+        </p:nvPicPr>
+        <p:blipFill>
+          <a:blip r:embed="rId2">
+            <a:extLst>
+              <a:ext uri="{28A0092B-C50C-407E-A947-70E740481C1C}">
+                <a14:useLocalDpi xmlns:a14="http://schemas.microsoft.com/office/drawing/2010/main" val="0"/>
+              </a:ext>
+            </a:extLst>
+          </a:blip>
+          <a:stretch>
+            <a:fillRect/>
+          </a:stretch>
+        </p:blipFill>
+        <p:spPr>
+          <a:xfrm>
+            <a:off x="1658138" y="2072627"/>
+            <a:ext cx="3468369" cy="3555441"/>
+          </a:xfrm>
+        </p:spPr>
+      </p:pic>
+      <p:sp>
+        <p:nvSpPr>
+          <p:cNvPr id="4" name="Espace réservé de la date 3"/>
+          <p:cNvSpPr>
+            <a:spLocks noGrp="1"/>
+          </p:cNvSpPr>
+          <p:nvPr>
+            <p:ph type="dt" sz="half" idx="10"/>
+          </p:nvPr>
+        </p:nvSpPr>
+        <p:spPr/>
+        <p:txBody>
+          <a:bodyPr/>
+          <a:lstStyle/>
+          <a:p>
+            <a:r>
+              <a:rPr lang="fr-FR" smtClean="0"/>
+              <a:t>Anthony Delannoy, Jérôme Combanière, Benoit Madiot</a:t>
+            </a:r>
+            <a:endParaRPr lang="en-US" dirty="0"/>
+          </a:p>
+        </p:txBody>
+      </p:sp>
+      <p:sp>
+        <p:nvSpPr>
+          <p:cNvPr id="5" name="Espace réservé du numéro de diapositive 4"/>
+          <p:cNvSpPr>
+            <a:spLocks noGrp="1"/>
+          </p:cNvSpPr>
+          <p:nvPr>
+            <p:ph type="sldNum" sz="quarter" idx="12"/>
+          </p:nvPr>
+        </p:nvSpPr>
+        <p:spPr/>
+        <p:txBody>
+          <a:bodyPr/>
+          <a:lstStyle/>
+          <a:p>
+            <a:fld id="{629637A9-119A-49DA-BD12-AAC58B377D80}" type="slidenum">
+              <a:rPr lang="en-US" smtClean="0"/>
+              <a:t>15</a:t>
+            </a:fld>
+            <a:endParaRPr lang="en-US" dirty="0"/>
+          </a:p>
+        </p:txBody>
+      </p:sp>
+      <p:pic>
+        <p:nvPicPr>
+          <p:cNvPr id="7" name="Image 6"/>
+          <p:cNvPicPr>
+            <a:picLocks noChangeAspect="1"/>
+          </p:cNvPicPr>
+          <p:nvPr/>
+        </p:nvPicPr>
+        <p:blipFill>
+          <a:blip r:embed="rId3">
+            <a:extLst>
+              <a:ext uri="{28A0092B-C50C-407E-A947-70E740481C1C}">
+                <a14:useLocalDpi xmlns:a14="http://schemas.microsoft.com/office/drawing/2010/main" val="0"/>
+              </a:ext>
+            </a:extLst>
+          </a:blip>
+          <a:stretch>
+            <a:fillRect/>
+          </a:stretch>
+        </p:blipFill>
+        <p:spPr>
+          <a:xfrm>
+            <a:off x="7018986" y="1788096"/>
+            <a:ext cx="3178590" cy="3909449"/>
+          </a:xfrm>
+          <a:prstGeom prst="rect">
+            <a:avLst/>
+          </a:prstGeom>
+        </p:spPr>
+      </p:pic>
+      <p:sp>
+        <p:nvSpPr>
+          <p:cNvPr id="8" name="ZoneTexte 7"/>
+          <p:cNvSpPr txBox="1"/>
+          <p:nvPr/>
+        </p:nvSpPr>
+        <p:spPr>
+          <a:xfrm>
+            <a:off x="1811161" y="5697545"/>
+            <a:ext cx="3162322" cy="646331"/>
+          </a:xfrm>
+          <a:prstGeom prst="rect">
+            <a:avLst/>
+          </a:prstGeom>
+          <a:noFill/>
+        </p:spPr>
+        <p:txBody>
+          <a:bodyPr wrap="square" rtlCol="0">
+            <a:spAutoFit/>
+          </a:bodyPr>
+          <a:lstStyle/>
+          <a:p>
+            <a:pPr algn="ctr"/>
+            <a:r>
+              <a:rPr lang="fr-FR" dirty="0" smtClean="0"/>
+              <a:t>Data </a:t>
+            </a:r>
+            <a:r>
+              <a:rPr lang="fr-FR" dirty="0" err="1" smtClean="0"/>
+              <a:t>before</a:t>
+            </a:r>
+            <a:r>
+              <a:rPr lang="fr-FR" dirty="0" smtClean="0"/>
+              <a:t> </a:t>
+            </a:r>
+            <a:r>
+              <a:rPr lang="fr-FR" dirty="0" err="1" smtClean="0"/>
+              <a:t>deletion</a:t>
+            </a:r>
+            <a:r>
+              <a:rPr lang="fr-FR" dirty="0" smtClean="0"/>
+              <a:t> of excessive speed</a:t>
+            </a:r>
+            <a:endParaRPr lang="fr-FR" dirty="0"/>
+          </a:p>
+        </p:txBody>
+      </p:sp>
+      <p:sp>
+        <p:nvSpPr>
+          <p:cNvPr id="9" name="ZoneTexte 8"/>
+          <p:cNvSpPr txBox="1"/>
+          <p:nvPr/>
+        </p:nvSpPr>
+        <p:spPr>
+          <a:xfrm>
+            <a:off x="7027120" y="5683886"/>
+            <a:ext cx="3162322" cy="646331"/>
+          </a:xfrm>
+          <a:prstGeom prst="rect">
+            <a:avLst/>
+          </a:prstGeom>
+          <a:noFill/>
+        </p:spPr>
+        <p:txBody>
+          <a:bodyPr wrap="square" rtlCol="0">
+            <a:spAutoFit/>
+          </a:bodyPr>
+          <a:lstStyle/>
+          <a:p>
+            <a:pPr algn="ctr"/>
+            <a:r>
+              <a:rPr lang="fr-FR" dirty="0" smtClean="0"/>
+              <a:t>Data </a:t>
+            </a:r>
+            <a:r>
+              <a:rPr lang="fr-FR" dirty="0" err="1" smtClean="0"/>
+              <a:t>after</a:t>
+            </a:r>
+            <a:r>
+              <a:rPr lang="fr-FR" dirty="0" smtClean="0"/>
+              <a:t> </a:t>
+            </a:r>
+            <a:r>
+              <a:rPr lang="fr-FR" dirty="0" err="1" smtClean="0"/>
+              <a:t>deletion</a:t>
+            </a:r>
+            <a:r>
+              <a:rPr lang="fr-FR" dirty="0" smtClean="0"/>
+              <a:t> of excessive speed</a:t>
+            </a:r>
+            <a:endParaRPr lang="fr-FR" dirty="0"/>
+          </a:p>
+        </p:txBody>
+      </p:sp>
+    </p:spTree>
+    <p:extLst>
+      <p:ext uri="{BB962C8B-B14F-4D97-AF65-F5344CB8AC3E}">
+        <p14:creationId xmlns:p14="http://schemas.microsoft.com/office/powerpoint/2010/main" val="4178011006"/>
+      </p:ext>
+    </p:extLst>
+  </p:cSld>
+  <p:clrMapOvr>
+    <a:masterClrMapping/>
+  </p:clrMapOvr>
+</p:sld>
+</file>
+
+<file path=ppt/slides/slide16.xml><?xml version="1.0" encoding="utf-8"?>
+<p:sld xmlns:a="http://schemas.openxmlformats.org/drawingml/2006/main" xmlns:r="http://schemas.openxmlformats.org/officeDocument/2006/relationships" xmlns:p="http://schemas.openxmlformats.org/presentationml/2006/main">
+  <p:cSld>
+    <p:spTree>
+      <p:nvGrpSpPr>
+        <p:cNvPr id="1" name=""/>
+        <p:cNvGrpSpPr/>
+        <p:nvPr/>
+      </p:nvGrpSpPr>
+      <p:grpSpPr>
+        <a:xfrm>
+          <a:off x="0" y="0"/>
+          <a:ext cx="0" cy="0"/>
+          <a:chOff x="0" y="0"/>
+          <a:chExt cx="0" cy="0"/>
+        </a:xfrm>
+      </p:grpSpPr>
+      <p:sp>
+        <p:nvSpPr>
+          <p:cNvPr id="2" name="Titre 1"/>
+          <p:cNvSpPr>
+            <a:spLocks noGrp="1"/>
+          </p:cNvSpPr>
+          <p:nvPr>
+            <p:ph type="title"/>
+          </p:nvPr>
+        </p:nvSpPr>
+        <p:spPr/>
+        <p:txBody>
+          <a:bodyPr/>
+          <a:lstStyle/>
+          <a:p>
+            <a:r>
+              <a:rPr lang="fr-FR" dirty="0" smtClean="0"/>
+              <a:t>Data </a:t>
+            </a:r>
+            <a:r>
+              <a:rPr lang="en-US" dirty="0" smtClean="0"/>
+              <a:t>processing</a:t>
+            </a:r>
+            <a:endParaRPr lang="en-US" dirty="0"/>
+          </a:p>
+        </p:txBody>
+      </p:sp>
+      <p:sp>
+        <p:nvSpPr>
+          <p:cNvPr id="3" name="Espace réservé du contenu 2"/>
+          <p:cNvSpPr>
+            <a:spLocks noGrp="1"/>
+          </p:cNvSpPr>
+          <p:nvPr>
+            <p:ph idx="1"/>
+          </p:nvPr>
+        </p:nvSpPr>
+        <p:spPr/>
+        <p:txBody>
+          <a:bodyPr/>
+          <a:lstStyle/>
+          <a:p>
+            <a:endParaRPr lang="en-US" dirty="0" smtClean="0"/>
+          </a:p>
+          <a:p>
+            <a:pPr>
+              <a:buFont typeface="Wingdings" panose="05000000000000000000" pitchFamily="2" charset="2"/>
+              <a:buChar char="§"/>
+            </a:pPr>
+            <a:r>
+              <a:rPr lang="en-US" dirty="0"/>
+              <a:t> </a:t>
+            </a:r>
+            <a:r>
+              <a:rPr lang="en-US" dirty="0" smtClean="0"/>
+              <a:t>Here </a:t>
+            </a:r>
+            <a:r>
+              <a:rPr lang="en-US" dirty="0"/>
+              <a:t>you estimate one position as the weighted sum of the two previous, current and two following </a:t>
+            </a:r>
+            <a:r>
+              <a:rPr lang="en-US" dirty="0" smtClean="0"/>
+              <a:t>positions</a:t>
+            </a:r>
+          </a:p>
+          <a:p>
+            <a:pPr marL="0" indent="0">
+              <a:buNone/>
+            </a:pPr>
+            <a:endParaRPr lang="en-US" dirty="0"/>
+          </a:p>
+          <a:p>
+            <a:endParaRPr lang="en-US" dirty="0"/>
+          </a:p>
+          <a:p>
+            <a:r>
+              <a:rPr lang="en-US" dirty="0"/>
+              <a:t>2 different weights : </a:t>
+            </a:r>
+            <a:endParaRPr lang="en-US" dirty="0" smtClean="0"/>
+          </a:p>
+          <a:p>
+            <a:pPr lvl="1">
+              <a:buFont typeface="Wingdings" panose="05000000000000000000" pitchFamily="2" charset="2"/>
+              <a:buChar char="§"/>
+            </a:pPr>
+            <a:r>
+              <a:rPr lang="en-US" dirty="0" smtClean="0"/>
+              <a:t> one </a:t>
+            </a:r>
+            <a:r>
+              <a:rPr lang="en-US" dirty="0"/>
+              <a:t>from the </a:t>
+            </a:r>
+            <a:r>
+              <a:rPr lang="en-US" dirty="0" smtClean="0"/>
+              <a:t>kernel</a:t>
+            </a:r>
+          </a:p>
+          <a:p>
+            <a:pPr lvl="1">
+              <a:buFont typeface="Wingdings" panose="05000000000000000000" pitchFamily="2" charset="2"/>
+              <a:buChar char="§"/>
+            </a:pPr>
+            <a:r>
+              <a:rPr lang="en-US" dirty="0" smtClean="0"/>
+              <a:t> one </a:t>
+            </a:r>
+            <a:r>
+              <a:rPr lang="en-US" dirty="0"/>
+              <a:t>from the quality of the ARGOS </a:t>
+            </a:r>
+            <a:r>
+              <a:rPr lang="en-US" dirty="0" smtClean="0"/>
+              <a:t>localization</a:t>
+            </a:r>
+          </a:p>
+          <a:p>
+            <a:endParaRPr lang="en-US" dirty="0"/>
+          </a:p>
+          <a:p>
+            <a:endParaRPr lang="fr-FR" dirty="0"/>
+          </a:p>
+        </p:txBody>
+      </p:sp>
+      <p:sp>
+        <p:nvSpPr>
+          <p:cNvPr id="4" name="Espace réservé de la date 3"/>
+          <p:cNvSpPr>
+            <a:spLocks noGrp="1"/>
+          </p:cNvSpPr>
+          <p:nvPr>
+            <p:ph type="dt" sz="half" idx="10"/>
+          </p:nvPr>
+        </p:nvSpPr>
+        <p:spPr/>
+        <p:txBody>
+          <a:bodyPr/>
+          <a:lstStyle/>
+          <a:p>
+            <a:r>
+              <a:rPr lang="fr-FR" smtClean="0"/>
+              <a:t>Anthony Delannoy, Jérôme Combanière, Benoit Madiot</a:t>
+            </a:r>
+            <a:endParaRPr lang="en-US" dirty="0"/>
+          </a:p>
+        </p:txBody>
+      </p:sp>
+      <p:sp>
+        <p:nvSpPr>
+          <p:cNvPr id="5" name="Espace réservé du numéro de diapositive 4"/>
+          <p:cNvSpPr>
+            <a:spLocks noGrp="1"/>
+          </p:cNvSpPr>
+          <p:nvPr>
+            <p:ph type="sldNum" sz="quarter" idx="12"/>
+          </p:nvPr>
+        </p:nvSpPr>
+        <p:spPr/>
+        <p:txBody>
+          <a:bodyPr/>
+          <a:lstStyle/>
+          <a:p>
+            <a:fld id="{629637A9-119A-49DA-BD12-AAC58B377D80}" type="slidenum">
+              <a:rPr lang="en-US" smtClean="0"/>
+              <a:t>16</a:t>
             </a:fld>
             <a:endParaRPr lang="en-US" dirty="0"/>
           </a:p>
@@ -12954,7 +13448,7 @@
 </p:sld>
 </file>
 
-<file path=ppt/slides/slide15.xml><?xml version="1.0" encoding="utf-8"?>
+<file path=ppt/slides/slide17.xml><?xml version="1.0" encoding="utf-8"?>
 <p:sld xmlns:a="http://schemas.openxmlformats.org/drawingml/2006/main" xmlns:r="http://schemas.openxmlformats.org/officeDocument/2006/relationships" xmlns:p="http://schemas.openxmlformats.org/presentationml/2006/main">
   <p:cSld>
     <p:spTree>
@@ -12998,8 +13492,8 @@
           </a:p>
         </p:txBody>
       </p:sp>
-      <mc:AlternateContent xmlns:mc="http://schemas.openxmlformats.org/markup-compatibility/2006">
-        <mc:Choice xmlns:a14="http://schemas.microsoft.com/office/drawing/2010/main" Requires="a14">
+      <mc:AlternateContent xmlns:mc="http://schemas.openxmlformats.org/markup-compatibility/2006" xmlns:a14="http://schemas.microsoft.com/office/drawing/2010/main">
+        <mc:Choice Requires="a14">
           <p:sp>
             <p:nvSpPr>
               <p:cNvPr id="3" name="Espace réservé du contenu 2"/>
@@ -13184,7 +13678,7 @@
             </p:txBody>
           </p:sp>
         </mc:Choice>
-        <mc:Fallback>
+        <mc:Fallback xmlns="">
           <p:sp>
             <p:nvSpPr>
               <p:cNvPr id="3" name="Espace réservé du contenu 2"/>
@@ -13258,7 +13752,7 @@
           <a:p>
             <a:fld id="{629637A9-119A-49DA-BD12-AAC58B377D80}" type="slidenum">
               <a:rPr lang="en-US" smtClean="0"/>
-              <a:t>15</a:t>
+              <a:t>17</a:t>
             </a:fld>
             <a:endParaRPr lang="en-US" dirty="0"/>
           </a:p>
@@ -13337,7 +13831,7 @@
 </p:sld>
 </file>
 
-<file path=ppt/slides/slide16.xml><?xml version="1.0" encoding="utf-8"?>
+<file path=ppt/slides/slide18.xml><?xml version="1.0" encoding="utf-8"?>
 <p:sld xmlns:a="http://schemas.openxmlformats.org/drawingml/2006/main" xmlns:r="http://schemas.openxmlformats.org/officeDocument/2006/relationships" xmlns:p="http://schemas.openxmlformats.org/presentationml/2006/main">
   <p:cSld>
     <p:spTree>
@@ -13465,7 +13959,7 @@
           <a:p>
             <a:fld id="{629637A9-119A-49DA-BD12-AAC58B377D80}" type="slidenum">
               <a:rPr lang="en-US" smtClean="0"/>
-              <a:t>16</a:t>
+              <a:t>18</a:t>
             </a:fld>
             <a:endParaRPr lang="en-US" dirty="0"/>
           </a:p>
@@ -13484,7 +13978,7 @@
 </p:sld>
 </file>
 
-<file path=ppt/slides/slide17.xml><?xml version="1.0" encoding="utf-8"?>
+<file path=ppt/slides/slide19.xml><?xml version="1.0" encoding="utf-8"?>
 <p:sld xmlns:a="http://schemas.openxmlformats.org/drawingml/2006/main" xmlns:r="http://schemas.openxmlformats.org/officeDocument/2006/relationships" xmlns:p="http://schemas.openxmlformats.org/presentationml/2006/main">
   <p:cSld>
     <p:spTree>
@@ -13613,7 +14107,7 @@
           <a:p>
             <a:fld id="{629637A9-119A-49DA-BD12-AAC58B377D80}" type="slidenum">
               <a:rPr lang="en-US" smtClean="0"/>
-              <a:t>17</a:t>
+              <a:t>19</a:t>
             </a:fld>
             <a:endParaRPr lang="en-US" dirty="0"/>
           </a:p>
@@ -13662,7 +14156,7 @@
 </p:sld>
 </file>
 
-<file path=ppt/slides/slide18.xml><?xml version="1.0" encoding="utf-8"?>
+<file path=ppt/slides/slide2.xml><?xml version="1.0" encoding="utf-8"?>
 <p:sld xmlns:a="http://schemas.openxmlformats.org/drawingml/2006/main" xmlns:r="http://schemas.openxmlformats.org/officeDocument/2006/relationships" xmlns:p="http://schemas.openxmlformats.org/presentationml/2006/main">
   <p:cSld>
     <p:spTree>
@@ -13696,6 +14190,216 @@
           <a:p>
             <a:r>
               <a:rPr lang="fr-FR" dirty="0" smtClean="0"/>
+              <a:t>CLS</a:t>
+            </a:r>
+            <a:endParaRPr lang="fr-FR" dirty="0"/>
+          </a:p>
+        </p:txBody>
+      </p:sp>
+      <p:sp>
+        <p:nvSpPr>
+          <p:cNvPr id="3" name="Espace réservé du contenu 2"/>
+          <p:cNvSpPr>
+            <a:spLocks noGrp="1"/>
+          </p:cNvSpPr>
+          <p:nvPr>
+            <p:ph idx="1"/>
+          </p:nvPr>
+        </p:nvSpPr>
+        <p:spPr>
+          <a:xfrm>
+            <a:off x="1097280" y="1845734"/>
+            <a:ext cx="4620940" cy="4023360"/>
+          </a:xfrm>
+        </p:spPr>
+        <p:txBody>
+          <a:bodyPr/>
+          <a:lstStyle/>
+          <a:p>
+            <a:endParaRPr lang="fr-FR" dirty="0" smtClean="0"/>
+          </a:p>
+          <a:p>
+            <a:endParaRPr lang="fr-FR" dirty="0"/>
+          </a:p>
+          <a:p>
+            <a:pPr>
+              <a:buFont typeface="Wingdings" panose="05000000000000000000" pitchFamily="2" charset="2"/>
+              <a:buChar char="§"/>
+            </a:pPr>
+            <a:r>
+              <a:rPr lang="fr-FR" dirty="0" smtClean="0"/>
+              <a:t> </a:t>
+            </a:r>
+            <a:r>
+              <a:rPr lang="en-US" dirty="0"/>
+              <a:t>CLS is a subsidiary of CNES, IFREMER and the investment company </a:t>
+            </a:r>
+            <a:r>
+              <a:rPr lang="en-US" dirty="0" smtClean="0"/>
+              <a:t>ARDIAN</a:t>
+            </a:r>
+          </a:p>
+          <a:p>
+            <a:pPr marL="0" indent="0">
+              <a:buNone/>
+            </a:pPr>
+            <a:endParaRPr lang="fr-FR" dirty="0" smtClean="0"/>
+          </a:p>
+          <a:p>
+            <a:pPr>
+              <a:buFont typeface="Wingdings" panose="05000000000000000000" pitchFamily="2" charset="2"/>
+              <a:buChar char="§"/>
+            </a:pPr>
+            <a:r>
+              <a:rPr lang="fr-FR" dirty="0" smtClean="0"/>
+              <a:t> </a:t>
+            </a:r>
+            <a:r>
+              <a:rPr lang="en-US" dirty="0"/>
+              <a:t>O</a:t>
+            </a:r>
+            <a:r>
+              <a:rPr lang="en-US" dirty="0" smtClean="0"/>
+              <a:t>perating satellite </a:t>
+            </a:r>
+            <a:r>
+              <a:rPr lang="en-US" dirty="0"/>
+              <a:t>systems and providing high value-added products and services since 1986.</a:t>
+            </a:r>
+            <a:endParaRPr lang="fr-FR" dirty="0"/>
+          </a:p>
+        </p:txBody>
+      </p:sp>
+      <p:sp>
+        <p:nvSpPr>
+          <p:cNvPr id="4" name="Espace réservé de la date 3"/>
+          <p:cNvSpPr>
+            <a:spLocks noGrp="1"/>
+          </p:cNvSpPr>
+          <p:nvPr>
+            <p:ph type="dt" sz="half" idx="10"/>
+          </p:nvPr>
+        </p:nvSpPr>
+        <p:spPr/>
+        <p:txBody>
+          <a:bodyPr/>
+          <a:lstStyle/>
+          <a:p>
+            <a:r>
+              <a:rPr lang="fr-FR" smtClean="0"/>
+              <a:t>Anthony Delannoy, Jérôme Combanière, Benoit Madiot</a:t>
+            </a:r>
+            <a:endParaRPr lang="en-US" dirty="0"/>
+          </a:p>
+        </p:txBody>
+      </p:sp>
+      <p:sp>
+        <p:nvSpPr>
+          <p:cNvPr id="5" name="Espace réservé du numéro de diapositive 4"/>
+          <p:cNvSpPr>
+            <a:spLocks noGrp="1"/>
+          </p:cNvSpPr>
+          <p:nvPr>
+            <p:ph type="sldNum" sz="quarter" idx="12"/>
+          </p:nvPr>
+        </p:nvSpPr>
+        <p:spPr/>
+        <p:txBody>
+          <a:bodyPr/>
+          <a:lstStyle/>
+          <a:p>
+            <a:fld id="{629637A9-119A-49DA-BD12-AAC58B377D80}" type="slidenum">
+              <a:rPr lang="en-US" smtClean="0"/>
+              <a:t>2</a:t>
+            </a:fld>
+            <a:endParaRPr lang="en-US" dirty="0"/>
+          </a:p>
+        </p:txBody>
+      </p:sp>
+      <p:pic>
+        <p:nvPicPr>
+          <p:cNvPr id="7" name="Image 6"/>
+          <p:cNvPicPr>
+            <a:picLocks noChangeAspect="1"/>
+          </p:cNvPicPr>
+          <p:nvPr/>
+        </p:nvPicPr>
+        <p:blipFill>
+          <a:blip r:embed="rId2">
+            <a:extLst>
+              <a:ext uri="{28A0092B-C50C-407E-A947-70E740481C1C}">
+                <a14:useLocalDpi xmlns:a14="http://schemas.microsoft.com/office/drawing/2010/main" val="0"/>
+              </a:ext>
+            </a:extLst>
+          </a:blip>
+          <a:stretch>
+            <a:fillRect/>
+          </a:stretch>
+        </p:blipFill>
+        <p:spPr>
+          <a:xfrm>
+            <a:off x="6945684" y="2120911"/>
+            <a:ext cx="4209996" cy="3473006"/>
+          </a:xfrm>
+          <a:prstGeom prst="rect">
+            <a:avLst/>
+          </a:prstGeom>
+        </p:spPr>
+      </p:pic>
+    </p:spTree>
+    <p:extLst>
+      <p:ext uri="{BB962C8B-B14F-4D97-AF65-F5344CB8AC3E}">
+        <p14:creationId xmlns:p14="http://schemas.microsoft.com/office/powerpoint/2010/main" val="1956109696"/>
+      </p:ext>
+    </p:extLst>
+  </p:cSld>
+  <p:clrMapOvr>
+    <a:masterClrMapping/>
+  </p:clrMapOvr>
+  <p:timing>
+    <p:tnLst>
+      <p:par>
+        <p:cTn id="1" dur="indefinite" restart="never" nodeType="tmRoot"/>
+      </p:par>
+    </p:tnLst>
+  </p:timing>
+</p:sld>
+</file>
+
+<file path=ppt/slides/slide20.xml><?xml version="1.0" encoding="utf-8"?>
+<p:sld xmlns:a="http://schemas.openxmlformats.org/drawingml/2006/main" xmlns:r="http://schemas.openxmlformats.org/officeDocument/2006/relationships" xmlns:p="http://schemas.openxmlformats.org/presentationml/2006/main">
+  <p:cSld>
+    <p:spTree>
+      <p:nvGrpSpPr>
+        <p:cNvPr id="1" name=""/>
+        <p:cNvGrpSpPr/>
+        <p:nvPr/>
+      </p:nvGrpSpPr>
+      <p:grpSpPr>
+        <a:xfrm>
+          <a:off x="0" y="0"/>
+          <a:ext cx="0" cy="0"/>
+          <a:chOff x="0" y="0"/>
+          <a:chExt cx="0" cy="0"/>
+        </a:xfrm>
+      </p:grpSpPr>
+      <p:sp>
+        <p:nvSpPr>
+          <p:cNvPr id="2" name="Titre 1"/>
+          <p:cNvSpPr>
+            <a:spLocks noGrp="1"/>
+          </p:cNvSpPr>
+          <p:nvPr>
+            <p:ph type="title"/>
+          </p:nvPr>
+        </p:nvSpPr>
+        <p:spPr/>
+        <p:txBody>
+          <a:bodyPr/>
+          <a:lstStyle/>
+          <a:p>
+            <a:r>
+              <a:rPr lang="fr-FR" dirty="0" smtClean="0"/>
               <a:t>2</a:t>
             </a:r>
             <a:r>
@@ -13823,7 +14527,7 @@
           <a:p>
             <a:fld id="{629637A9-119A-49DA-BD12-AAC58B377D80}" type="slidenum">
               <a:rPr lang="en-US" smtClean="0"/>
-              <a:t>18</a:t>
+              <a:t>20</a:t>
             </a:fld>
             <a:endParaRPr lang="en-US" dirty="0"/>
           </a:p>
@@ -13889,7 +14593,7 @@
 </p:sld>
 </file>
 
-<file path=ppt/slides/slide19.xml><?xml version="1.0" encoding="utf-8"?>
+<file path=ppt/slides/slide21.xml><?xml version="1.0" encoding="utf-8"?>
 <p:sld xmlns:a="http://schemas.openxmlformats.org/drawingml/2006/main" xmlns:r="http://schemas.openxmlformats.org/officeDocument/2006/relationships" xmlns:p="http://schemas.openxmlformats.org/presentationml/2006/main">
   <p:cSld>
     <p:spTree>
@@ -13947,7 +14651,7 @@
             <a:fld id="{4FAB73BC-B049-4115-A692-8D63A059BFB8}" type="slidenum">
               <a:rPr lang="en-US" smtClean="0"/>
               <a:pPr/>
-              <a:t>19</a:t>
+              <a:t>21</a:t>
             </a:fld>
             <a:endParaRPr lang="en-US" dirty="0"/>
           </a:p>
@@ -14118,7 +14822,7 @@
 </p:sld>
 </file>
 
-<file path=ppt/slides/slide2.xml><?xml version="1.0" encoding="utf-8"?>
+<file path=ppt/slides/slide22.xml><?xml version="1.0" encoding="utf-8"?>
 <p:sld xmlns:a="http://schemas.openxmlformats.org/drawingml/2006/main" xmlns:r="http://schemas.openxmlformats.org/officeDocument/2006/relationships" xmlns:p="http://schemas.openxmlformats.org/presentationml/2006/main">
   <p:cSld>
     <p:spTree>
@@ -14152,7 +14856,7 @@
           <a:p>
             <a:r>
               <a:rPr lang="fr-FR" dirty="0" smtClean="0"/>
-              <a:t>CLS</a:t>
+              <a:t>GUI</a:t>
             </a:r>
             <a:endParaRPr lang="fr-FR" dirty="0"/>
           </a:p>
@@ -14160,75 +14864,20 @@
       </p:sp>
       <p:sp>
         <p:nvSpPr>
-          <p:cNvPr id="3" name="Espace réservé du contenu 2"/>
+          <p:cNvPr id="3" name="Espace réservé du texte 2"/>
           <p:cNvSpPr>
             <a:spLocks noGrp="1"/>
           </p:cNvSpPr>
           <p:nvPr>
-            <p:ph idx="1"/>
+            <p:ph type="body" idx="1"/>
           </p:nvPr>
         </p:nvSpPr>
-        <p:spPr>
-          <a:xfrm>
-            <a:off x="1097280" y="1845734"/>
-            <a:ext cx="4620940" cy="4023360"/>
-          </a:xfrm>
-        </p:spPr>
+        <p:spPr/>
         <p:txBody>
           <a:bodyPr/>
           <a:lstStyle/>
           <a:p>
-            <a:endParaRPr lang="fr-FR" dirty="0" smtClean="0"/>
-          </a:p>
-          <a:p>
-            <a:endParaRPr lang="fr-FR" dirty="0"/>
-          </a:p>
-          <a:p>
-            <a:pPr>
-              <a:buFont typeface="Wingdings" panose="05000000000000000000" pitchFamily="2" charset="2"/>
-              <a:buChar char="§"/>
-            </a:pPr>
-            <a:r>
-              <a:rPr lang="fr-FR" dirty="0" smtClean="0"/>
-              <a:t> </a:t>
-            </a:r>
-            <a:r>
-              <a:rPr lang="en-US" dirty="0"/>
-              <a:t>CLS is a subsidiary of CNES, IFREMER and the investment company </a:t>
-            </a:r>
-            <a:r>
-              <a:rPr lang="en-US" dirty="0" smtClean="0"/>
-              <a:t>ARDIAN</a:t>
-            </a:r>
-          </a:p>
-          <a:p>
-            <a:pPr marL="0" indent="0">
-              <a:buNone/>
-            </a:pPr>
-            <a:endParaRPr lang="fr-FR" dirty="0" smtClean="0"/>
-          </a:p>
-          <a:p>
-            <a:pPr>
-              <a:buFont typeface="Wingdings" panose="05000000000000000000" pitchFamily="2" charset="2"/>
-              <a:buChar char="§"/>
-            </a:pPr>
-            <a:r>
-              <a:rPr lang="fr-FR" dirty="0" smtClean="0"/>
-              <a:t> </a:t>
-            </a:r>
-            <a:r>
-              <a:rPr lang="en-US" dirty="0"/>
-              <a:t>O</a:t>
-            </a:r>
-            <a:r>
-              <a:rPr lang="en-US" dirty="0" smtClean="0"/>
-              <a:t>perating satellite </a:t>
-            </a:r>
-            <a:r>
-              <a:rPr lang="en-US" dirty="0"/>
-              <a:t>systems and providing high value-added products and services since 1986.</a:t>
-            </a:r>
-            <a:endParaRPr lang="fr-FR" dirty="0"/>
+            <a:endParaRPr lang="fr-FR"/>
           </a:p>
         </p:txBody>
       </p:sp>
@@ -14270,164 +14919,9 @@
           <a:bodyPr/>
           <a:lstStyle/>
           <a:p>
-            <a:fld id="{629637A9-119A-49DA-BD12-AAC58B377D80}" type="slidenum">
-              <a:rPr lang="en-US" smtClean="0"/>
-              <a:t>2</a:t>
-            </a:fld>
-            <a:endParaRPr lang="en-US" dirty="0"/>
-          </a:p>
-        </p:txBody>
-      </p:sp>
-      <p:pic>
-        <p:nvPicPr>
-          <p:cNvPr id="7" name="Image 6"/>
-          <p:cNvPicPr>
-            <a:picLocks noChangeAspect="1"/>
-          </p:cNvPicPr>
-          <p:nvPr/>
-        </p:nvPicPr>
-        <p:blipFill>
-          <a:blip r:embed="rId2">
-            <a:extLst>
-              <a:ext uri="{28A0092B-C50C-407E-A947-70E740481C1C}">
-                <a14:useLocalDpi xmlns:a14="http://schemas.microsoft.com/office/drawing/2010/main" val="0"/>
-              </a:ext>
-            </a:extLst>
-          </a:blip>
-          <a:stretch>
-            <a:fillRect/>
-          </a:stretch>
-        </p:blipFill>
-        <p:spPr>
-          <a:xfrm>
-            <a:off x="6945684" y="2120911"/>
-            <a:ext cx="4209996" cy="3473006"/>
-          </a:xfrm>
-          <a:prstGeom prst="rect">
-            <a:avLst/>
-          </a:prstGeom>
-        </p:spPr>
-      </p:pic>
-    </p:spTree>
-    <p:extLst>
-      <p:ext uri="{BB962C8B-B14F-4D97-AF65-F5344CB8AC3E}">
-        <p14:creationId xmlns:p14="http://schemas.microsoft.com/office/powerpoint/2010/main" val="1956109696"/>
-      </p:ext>
-    </p:extLst>
-  </p:cSld>
-  <p:clrMapOvr>
-    <a:masterClrMapping/>
-  </p:clrMapOvr>
-  <p:timing>
-    <p:tnLst>
-      <p:par>
-        <p:cTn id="1" dur="indefinite" restart="never" nodeType="tmRoot"/>
-      </p:par>
-    </p:tnLst>
-  </p:timing>
-</p:sld>
-</file>
-
-<file path=ppt/slides/slide20.xml><?xml version="1.0" encoding="utf-8"?>
-<p:sld xmlns:a="http://schemas.openxmlformats.org/drawingml/2006/main" xmlns:r="http://schemas.openxmlformats.org/officeDocument/2006/relationships" xmlns:p="http://schemas.openxmlformats.org/presentationml/2006/main">
-  <p:cSld>
-    <p:spTree>
-      <p:nvGrpSpPr>
-        <p:cNvPr id="1" name=""/>
-        <p:cNvGrpSpPr/>
-        <p:nvPr/>
-      </p:nvGrpSpPr>
-      <p:grpSpPr>
-        <a:xfrm>
-          <a:off x="0" y="0"/>
-          <a:ext cx="0" cy="0"/>
-          <a:chOff x="0" y="0"/>
-          <a:chExt cx="0" cy="0"/>
-        </a:xfrm>
-      </p:grpSpPr>
-      <p:sp>
-        <p:nvSpPr>
-          <p:cNvPr id="2" name="Titre 1"/>
-          <p:cNvSpPr>
-            <a:spLocks noGrp="1"/>
-          </p:cNvSpPr>
-          <p:nvPr>
-            <p:ph type="title"/>
-          </p:nvPr>
-        </p:nvSpPr>
-        <p:spPr/>
-        <p:txBody>
-          <a:bodyPr/>
-          <a:lstStyle/>
-          <a:p>
-            <a:r>
-              <a:rPr lang="fr-FR" dirty="0" smtClean="0"/>
-              <a:t>GUI</a:t>
-            </a:r>
-            <a:endParaRPr lang="fr-FR" dirty="0"/>
-          </a:p>
-        </p:txBody>
-      </p:sp>
-      <p:sp>
-        <p:nvSpPr>
-          <p:cNvPr id="3" name="Espace réservé du texte 2"/>
-          <p:cNvSpPr>
-            <a:spLocks noGrp="1"/>
-          </p:cNvSpPr>
-          <p:nvPr>
-            <p:ph type="body" idx="1"/>
-          </p:nvPr>
-        </p:nvSpPr>
-        <p:spPr/>
-        <p:txBody>
-          <a:bodyPr/>
-          <a:lstStyle/>
-          <a:p>
-            <a:endParaRPr lang="fr-FR"/>
-          </a:p>
-        </p:txBody>
-      </p:sp>
-      <p:sp>
-        <p:nvSpPr>
-          <p:cNvPr id="4" name="Espace réservé de la date 3"/>
-          <p:cNvSpPr>
-            <a:spLocks noGrp="1"/>
-          </p:cNvSpPr>
-          <p:nvPr>
-            <p:ph type="dt" sz="half" idx="10"/>
-          </p:nvPr>
-        </p:nvSpPr>
-        <p:spPr/>
-        <p:txBody>
-          <a:bodyPr/>
-          <a:lstStyle/>
-          <a:p>
-            <a:r>
-              <a:rPr lang="fr-FR" smtClean="0"/>
-              <a:t>Anthony Delannoy, Jérôme Combanière, Benoit Madiot</a:t>
-            </a:r>
-            <a:endParaRPr lang="en-US" dirty="0"/>
-          </a:p>
-        </p:txBody>
-      </p:sp>
-      <p:sp>
-        <p:nvSpPr>
-          <p:cNvPr id="5" name="Espace réservé du numéro de diapositive 4"/>
-          <p:cNvSpPr>
-            <a:spLocks noGrp="1"/>
-          </p:cNvSpPr>
-          <p:nvPr>
-            <p:ph type="sldNum" sz="quarter" idx="12"/>
-          </p:nvPr>
-        </p:nvSpPr>
-        <p:spPr/>
-        <p:txBody>
-          <a:bodyPr/>
-          <a:lstStyle/>
-          <a:p>
             <a:fld id="{4FAB73BC-B049-4115-A692-8D63A059BFB8}" type="slidenum">
               <a:rPr lang="en-US" smtClean="0"/>
-              <a:t>20</a:t>
+              <a:t>22</a:t>
             </a:fld>
             <a:endParaRPr lang="en-US" dirty="0"/>
           </a:p>
@@ -14446,7 +14940,7 @@
 </p:sld>
 </file>
 
-<file path=ppt/slides/slide21.xml><?xml version="1.0" encoding="utf-8"?>
+<file path=ppt/slides/slide23.xml><?xml version="1.0" encoding="utf-8"?>
 <p:sld xmlns:a="http://schemas.openxmlformats.org/drawingml/2006/main" xmlns:r="http://schemas.openxmlformats.org/officeDocument/2006/relationships" xmlns:p="http://schemas.openxmlformats.org/presentationml/2006/main">
   <p:cSld>
     <p:spTree>
@@ -14575,7 +15069,7 @@
             <a:fld id="{4FAB73BC-B049-4115-A692-8D63A059BFB8}" type="slidenum">
               <a:rPr lang="en-US" smtClean="0"/>
               <a:pPr/>
-              <a:t>21</a:t>
+              <a:t>23</a:t>
             </a:fld>
             <a:endParaRPr lang="en-US" dirty="0"/>
           </a:p>
@@ -14594,7 +15088,7 @@
 </p:sld>
 </file>
 
-<file path=ppt/slides/slide22.xml><?xml version="1.0" encoding="utf-8"?>
+<file path=ppt/slides/slide24.xml><?xml version="1.0" encoding="utf-8"?>
 <p:sld xmlns:a="http://schemas.openxmlformats.org/drawingml/2006/main" xmlns:r="http://schemas.openxmlformats.org/officeDocument/2006/relationships" xmlns:p="http://schemas.openxmlformats.org/presentationml/2006/main">
   <p:cSld>
     <p:spTree>
@@ -14693,7 +15187,7 @@
           <a:p>
             <a:fld id="{629637A9-119A-49DA-BD12-AAC58B377D80}" type="slidenum">
               <a:rPr lang="en-US" smtClean="0"/>
-              <a:t>22</a:t>
+              <a:t>24</a:t>
             </a:fld>
             <a:endParaRPr lang="en-US" dirty="0"/>
           </a:p>
@@ -14712,7 +15206,7 @@
 </p:sld>
 </file>
 
-<file path=ppt/slides/slide23.xml><?xml version="1.0" encoding="utf-8"?>
+<file path=ppt/slides/slide25.xml><?xml version="1.0" encoding="utf-8"?>
 <p:sld xmlns:a="http://schemas.openxmlformats.org/drawingml/2006/main" xmlns:r="http://schemas.openxmlformats.org/officeDocument/2006/relationships" xmlns:p="http://schemas.openxmlformats.org/presentationml/2006/main">
   <p:cSld>
     <p:spTree>
@@ -14914,7 +15408,7 @@
           <a:p>
             <a:fld id="{629637A9-119A-49DA-BD12-AAC58B377D80}" type="slidenum">
               <a:rPr lang="en-US" smtClean="0"/>
-              <a:t>23</a:t>
+              <a:t>25</a:t>
             </a:fld>
             <a:endParaRPr lang="en-US" dirty="0"/>
           </a:p>
@@ -14970,7 +15464,7 @@
 </p:sld>
 </file>
 
-<file path=ppt/slides/slide24.xml><?xml version="1.0" encoding="utf-8"?>
+<file path=ppt/slides/slide26.xml><?xml version="1.0" encoding="utf-8"?>
 <p:sld xmlns:a="http://schemas.openxmlformats.org/drawingml/2006/main" xmlns:r="http://schemas.openxmlformats.org/officeDocument/2006/relationships" xmlns:p="http://schemas.openxmlformats.org/presentationml/2006/main">
   <p:cSld>
     <p:spTree>
@@ -15069,7 +15563,7 @@
           <a:p>
             <a:fld id="{4FAB73BC-B049-4115-A692-8D63A059BFB8}" type="slidenum">
               <a:rPr lang="en-US" smtClean="0"/>
-              <a:t>24</a:t>
+              <a:t>26</a:t>
             </a:fld>
             <a:endParaRPr lang="en-US" dirty="0"/>
           </a:p>
@@ -15095,7 +15589,7 @@
 </p:sld>
 </file>
 
-<file path=ppt/slides/slide25.xml><?xml version="1.0" encoding="utf-8"?>
+<file path=ppt/slides/slide27.xml><?xml version="1.0" encoding="utf-8"?>
 <p:sld xmlns:a="http://schemas.openxmlformats.org/drawingml/2006/main" xmlns:r="http://schemas.openxmlformats.org/officeDocument/2006/relationships" xmlns:p="http://schemas.openxmlformats.org/presentationml/2006/main">
   <p:cSld>
     <p:spTree>
@@ -15254,7 +15748,7 @@
           <a:p>
             <a:fld id="{629637A9-119A-49DA-BD12-AAC58B377D80}" type="slidenum">
               <a:rPr lang="en-US" smtClean="0"/>
-              <a:t>25</a:t>
+              <a:t>27</a:t>
             </a:fld>
             <a:endParaRPr lang="en-US" dirty="0"/>
           </a:p>
@@ -15527,7 +16021,7 @@
 </p:sld>
 </file>
 
-<file path=ppt/slides/slide26.xml><?xml version="1.0" encoding="utf-8"?>
+<file path=ppt/slides/slide28.xml><?xml version="1.0" encoding="utf-8"?>
 <p:sld xmlns:a="http://schemas.openxmlformats.org/drawingml/2006/main" xmlns:r="http://schemas.openxmlformats.org/officeDocument/2006/relationships" xmlns:p="http://schemas.openxmlformats.org/presentationml/2006/main">
   <p:cSld>
     <p:spTree>
@@ -15728,7 +16222,7 @@
           <a:p>
             <a:fld id="{629637A9-119A-49DA-BD12-AAC58B377D80}" type="slidenum">
               <a:rPr lang="en-US" smtClean="0"/>
-              <a:t>26</a:t>
+              <a:t>28</a:t>
             </a:fld>
             <a:endParaRPr lang="en-US" dirty="0"/>
           </a:p>
@@ -15738,356 +16232,6 @@
     <p:extLst>
       <p:ext uri="{BB962C8B-B14F-4D97-AF65-F5344CB8AC3E}">
         <p14:creationId xmlns:p14="http://schemas.microsoft.com/office/powerpoint/2010/main" val="664263356"/>
-      </p:ext>
-    </p:extLst>
-  </p:cSld>
-  <p:clrMapOvr>
-    <a:masterClrMapping/>
-  </p:clrMapOvr>
-  <p:timing>
-    <p:tnLst>
-      <p:par>
-        <p:cTn id="1" dur="indefinite" restart="never" nodeType="tmRoot"/>
-      </p:par>
-    </p:tnLst>
-  </p:timing>
-</p:sld>
-</file>
-
-<file path=ppt/slides/slide27.xml><?xml version="1.0" encoding="utf-8"?>
-<p:sld xmlns:a="http://schemas.openxmlformats.org/drawingml/2006/main" xmlns:r="http://schemas.openxmlformats.org/officeDocument/2006/relationships" xmlns:p="http://schemas.openxmlformats.org/presentationml/2006/main">
-  <p:cSld>
-    <p:spTree>
-      <p:nvGrpSpPr>
-        <p:cNvPr id="1" name=""/>
-        <p:cNvGrpSpPr/>
-        <p:nvPr/>
-      </p:nvGrpSpPr>
-      <p:grpSpPr>
-        <a:xfrm>
-          <a:off x="0" y="0"/>
-          <a:ext cx="0" cy="0"/>
-          <a:chOff x="0" y="0"/>
-          <a:chExt cx="0" cy="0"/>
-        </a:xfrm>
-      </p:grpSpPr>
-      <p:sp>
-        <p:nvSpPr>
-          <p:cNvPr id="2" name="Titre 1"/>
-          <p:cNvSpPr>
-            <a:spLocks noGrp="1"/>
-          </p:cNvSpPr>
-          <p:nvPr>
-            <p:ph type="title"/>
-          </p:nvPr>
-        </p:nvSpPr>
-        <p:spPr/>
-        <p:txBody>
-          <a:bodyPr/>
-          <a:lstStyle/>
-          <a:p>
-            <a:r>
-              <a:rPr lang="fr-FR" dirty="0" smtClean="0"/>
-              <a:t>Plan</a:t>
-            </a:r>
-            <a:endParaRPr lang="fr-FR" dirty="0"/>
-          </a:p>
-        </p:txBody>
-      </p:sp>
-      <p:sp>
-        <p:nvSpPr>
-          <p:cNvPr id="3" name="Espace réservé du contenu 2"/>
-          <p:cNvSpPr>
-            <a:spLocks noGrp="1"/>
-          </p:cNvSpPr>
-          <p:nvPr>
-            <p:ph idx="1"/>
-          </p:nvPr>
-        </p:nvSpPr>
-        <p:spPr/>
-        <p:txBody>
-          <a:bodyPr>
-            <a:normAutofit/>
-          </a:bodyPr>
-          <a:lstStyle/>
-          <a:p>
-            <a:pPr>
-              <a:lnSpc>
-                <a:spcPct val="150000"/>
-              </a:lnSpc>
-              <a:buFont typeface="Wingdings" panose="05000000000000000000" pitchFamily="2" charset="2"/>
-              <a:buChar char="§"/>
-            </a:pPr>
-            <a:r>
-              <a:rPr lang="fr-FR" dirty="0" smtClean="0"/>
-              <a:t> Analyse des tâches</a:t>
-            </a:r>
-          </a:p>
-          <a:p>
-            <a:pPr>
-              <a:lnSpc>
-                <a:spcPct val="150000"/>
-              </a:lnSpc>
-              <a:buFont typeface="Wingdings" panose="05000000000000000000" pitchFamily="2" charset="2"/>
-              <a:buChar char="§"/>
-            </a:pPr>
-            <a:r>
-              <a:rPr lang="fr-FR" dirty="0" smtClean="0"/>
-              <a:t> Répartition des tâches</a:t>
-            </a:r>
-          </a:p>
-          <a:p>
-            <a:pPr>
-              <a:lnSpc>
-                <a:spcPct val="150000"/>
-              </a:lnSpc>
-              <a:buFont typeface="Wingdings" panose="05000000000000000000" pitchFamily="2" charset="2"/>
-              <a:buChar char="§"/>
-            </a:pPr>
-            <a:r>
-              <a:rPr lang="fr-FR" dirty="0"/>
-              <a:t> </a:t>
-            </a:r>
-            <a:r>
-              <a:rPr lang="fr-FR" dirty="0" smtClean="0"/>
-              <a:t>Planning des tâches</a:t>
-            </a:r>
-          </a:p>
-          <a:p>
-            <a:pPr>
-              <a:lnSpc>
-                <a:spcPct val="150000"/>
-              </a:lnSpc>
-              <a:buFont typeface="Wingdings" panose="05000000000000000000" pitchFamily="2" charset="2"/>
-              <a:buChar char="§"/>
-            </a:pPr>
-            <a:r>
-              <a:rPr lang="fr-FR" dirty="0"/>
-              <a:t> </a:t>
-            </a:r>
-            <a:r>
-              <a:rPr lang="fr-FR" dirty="0" smtClean="0"/>
-              <a:t>Dispositif de pilotage</a:t>
-            </a:r>
-          </a:p>
-          <a:p>
-            <a:pPr>
-              <a:lnSpc>
-                <a:spcPct val="150000"/>
-              </a:lnSpc>
-              <a:buFont typeface="Wingdings" panose="05000000000000000000" pitchFamily="2" charset="2"/>
-              <a:buChar char="§"/>
-            </a:pPr>
-            <a:r>
-              <a:rPr lang="fr-FR" dirty="0"/>
-              <a:t> </a:t>
-            </a:r>
-            <a:r>
-              <a:rPr lang="fr-FR" dirty="0" smtClean="0"/>
-              <a:t>Gestion des risques</a:t>
-            </a:r>
-          </a:p>
-          <a:p>
-            <a:pPr>
-              <a:lnSpc>
-                <a:spcPct val="150000"/>
-              </a:lnSpc>
-              <a:buFont typeface="Wingdings" panose="05000000000000000000" pitchFamily="2" charset="2"/>
-              <a:buChar char="§"/>
-            </a:pPr>
-            <a:r>
-              <a:rPr lang="fr-FR" dirty="0"/>
-              <a:t> </a:t>
-            </a:r>
-            <a:r>
-              <a:rPr lang="fr-FR" dirty="0" smtClean="0"/>
-              <a:t>Conclusion</a:t>
-            </a:r>
-          </a:p>
-          <a:p>
-            <a:pPr>
-              <a:buFont typeface="Wingdings" panose="05000000000000000000" pitchFamily="2" charset="2"/>
-              <a:buChar char="§"/>
-            </a:pPr>
-            <a:endParaRPr lang="fr-FR" dirty="0"/>
-          </a:p>
-        </p:txBody>
-      </p:sp>
-      <p:sp>
-        <p:nvSpPr>
-          <p:cNvPr id="4" name="Espace réservé de la date 3"/>
-          <p:cNvSpPr>
-            <a:spLocks noGrp="1"/>
-          </p:cNvSpPr>
-          <p:nvPr>
-            <p:ph type="dt" sz="half" idx="10"/>
-          </p:nvPr>
-        </p:nvSpPr>
-        <p:spPr/>
-        <p:txBody>
-          <a:bodyPr/>
-          <a:lstStyle/>
-          <a:p>
-            <a:r>
-              <a:rPr lang="fr-FR" smtClean="0"/>
-              <a:t>Anthony Delannoy, Jérôme Combanière, Benoit Madiot</a:t>
-            </a:r>
-            <a:endParaRPr lang="en-US" dirty="0"/>
-          </a:p>
-        </p:txBody>
-      </p:sp>
-      <p:sp>
-        <p:nvSpPr>
-          <p:cNvPr id="5" name="Espace réservé du numéro de diapositive 4"/>
-          <p:cNvSpPr>
-            <a:spLocks noGrp="1"/>
-          </p:cNvSpPr>
-          <p:nvPr>
-            <p:ph type="sldNum" sz="quarter" idx="12"/>
-          </p:nvPr>
-        </p:nvSpPr>
-        <p:spPr/>
-        <p:txBody>
-          <a:bodyPr/>
-          <a:lstStyle/>
-          <a:p>
-            <a:fld id="{629637A9-119A-49DA-BD12-AAC58B377D80}" type="slidenum">
-              <a:rPr lang="en-US" smtClean="0"/>
-              <a:t>27</a:t>
-            </a:fld>
-            <a:endParaRPr lang="en-US" dirty="0"/>
-          </a:p>
-        </p:txBody>
-      </p:sp>
-    </p:spTree>
-    <p:extLst>
-      <p:ext uri="{BB962C8B-B14F-4D97-AF65-F5344CB8AC3E}">
-        <p14:creationId xmlns:p14="http://schemas.microsoft.com/office/powerpoint/2010/main" val="2187815112"/>
-      </p:ext>
-    </p:extLst>
-  </p:cSld>
-  <p:clrMapOvr>
-    <a:masterClrMapping/>
-  </p:clrMapOvr>
-  <p:timing>
-    <p:tnLst>
-      <p:par>
-        <p:cTn id="1" dur="indefinite" restart="never" nodeType="tmRoot"/>
-      </p:par>
-    </p:tnLst>
-  </p:timing>
-</p:sld>
-</file>
-
-<file path=ppt/slides/slide28.xml><?xml version="1.0" encoding="utf-8"?>
-<p:sld xmlns:a="http://schemas.openxmlformats.org/drawingml/2006/main" xmlns:r="http://schemas.openxmlformats.org/officeDocument/2006/relationships" xmlns:p="http://schemas.openxmlformats.org/presentationml/2006/main">
-  <p:cSld>
-    <p:spTree>
-      <p:nvGrpSpPr>
-        <p:cNvPr id="1" name=""/>
-        <p:cNvGrpSpPr/>
-        <p:nvPr/>
-      </p:nvGrpSpPr>
-      <p:grpSpPr>
-        <a:xfrm>
-          <a:off x="0" y="0"/>
-          <a:ext cx="0" cy="0"/>
-          <a:chOff x="0" y="0"/>
-          <a:chExt cx="0" cy="0"/>
-        </a:xfrm>
-      </p:grpSpPr>
-      <p:sp>
-        <p:nvSpPr>
-          <p:cNvPr id="2" name="Titre 1"/>
-          <p:cNvSpPr>
-            <a:spLocks noGrp="1"/>
-          </p:cNvSpPr>
-          <p:nvPr>
-            <p:ph type="ctrTitle"/>
-          </p:nvPr>
-        </p:nvSpPr>
-        <p:spPr/>
-        <p:txBody>
-          <a:bodyPr/>
-          <a:lstStyle/>
-          <a:p>
-            <a:r>
-              <a:rPr lang="fr-FR" dirty="0" smtClean="0"/>
-              <a:t>Analyse des tâches</a:t>
-            </a:r>
-            <a:endParaRPr lang="fr-FR" dirty="0"/>
-          </a:p>
-        </p:txBody>
-      </p:sp>
-      <p:sp>
-        <p:nvSpPr>
-          <p:cNvPr id="3" name="Sous-titre 2"/>
-          <p:cNvSpPr>
-            <a:spLocks noGrp="1"/>
-          </p:cNvSpPr>
-          <p:nvPr>
-            <p:ph type="subTitle" idx="1"/>
-          </p:nvPr>
-        </p:nvSpPr>
-        <p:spPr/>
-        <p:txBody>
-          <a:bodyPr/>
-          <a:lstStyle/>
-          <a:p>
-            <a:endParaRPr lang="fr-FR"/>
-          </a:p>
-        </p:txBody>
-      </p:sp>
-      <p:sp>
-        <p:nvSpPr>
-          <p:cNvPr id="4" name="Espace réservé de la date 3"/>
-          <p:cNvSpPr>
-            <a:spLocks noGrp="1"/>
-          </p:cNvSpPr>
-          <p:nvPr>
-            <p:ph type="dt" sz="half" idx="10"/>
-          </p:nvPr>
-        </p:nvSpPr>
-        <p:spPr/>
-        <p:txBody>
-          <a:bodyPr/>
-          <a:lstStyle/>
-          <a:p>
-            <a:r>
-              <a:rPr lang="fr-FR" smtClean="0"/>
-              <a:t>Anthony Delannoy, Jérôme Combanière, Benoit Madiot</a:t>
-            </a:r>
-            <a:endParaRPr lang="en-US" dirty="0"/>
-          </a:p>
-        </p:txBody>
-      </p:sp>
-      <p:sp>
-        <p:nvSpPr>
-          <p:cNvPr id="5" name="Espace réservé du numéro de diapositive 4"/>
-          <p:cNvSpPr>
-            <a:spLocks noGrp="1"/>
-          </p:cNvSpPr>
-          <p:nvPr>
-            <p:ph type="sldNum" sz="quarter" idx="12"/>
-          </p:nvPr>
-        </p:nvSpPr>
-        <p:spPr/>
-        <p:txBody>
-          <a:bodyPr/>
-          <a:lstStyle/>
-          <a:p>
-            <a:fld id="{4FAB73BC-B049-4115-A692-8D63A059BFB8}" type="slidenum">
-              <a:rPr lang="en-US" smtClean="0"/>
-              <a:t>28</a:t>
-            </a:fld>
-            <a:endParaRPr lang="en-US" dirty="0"/>
-          </a:p>
-        </p:txBody>
-      </p:sp>
-    </p:spTree>
-    <p:extLst>
-      <p:ext uri="{BB962C8B-B14F-4D97-AF65-F5344CB8AC3E}">
-        <p14:creationId xmlns:p14="http://schemas.microsoft.com/office/powerpoint/2010/main" val="2063242119"/>
       </p:ext>
     </p:extLst>
   </p:cSld>
@@ -16123,7 +16267,149 @@
       </p:grpSpPr>
       <p:sp>
         <p:nvSpPr>
-          <p:cNvPr id="2" name="Espace réservé de la date 1"/>
+          <p:cNvPr id="2" name="Titre 1"/>
+          <p:cNvSpPr>
+            <a:spLocks noGrp="1"/>
+          </p:cNvSpPr>
+          <p:nvPr>
+            <p:ph type="title"/>
+          </p:nvPr>
+        </p:nvSpPr>
+        <p:spPr/>
+        <p:txBody>
+          <a:bodyPr/>
+          <a:lstStyle/>
+          <a:p>
+            <a:r>
+              <a:rPr lang="fr-FR" dirty="0" smtClean="0"/>
+              <a:t>Plan</a:t>
+            </a:r>
+            <a:endParaRPr lang="fr-FR" dirty="0"/>
+          </a:p>
+        </p:txBody>
+      </p:sp>
+      <p:sp>
+        <p:nvSpPr>
+          <p:cNvPr id="3" name="Espace réservé du contenu 2"/>
+          <p:cNvSpPr>
+            <a:spLocks noGrp="1"/>
+          </p:cNvSpPr>
+          <p:nvPr>
+            <p:ph idx="1"/>
+          </p:nvPr>
+        </p:nvSpPr>
+        <p:spPr/>
+        <p:txBody>
+          <a:bodyPr>
+            <a:normAutofit/>
+          </a:bodyPr>
+          <a:lstStyle/>
+          <a:p>
+            <a:pPr>
+              <a:lnSpc>
+                <a:spcPct val="150000"/>
+              </a:lnSpc>
+              <a:buFont typeface="Wingdings" panose="05000000000000000000" pitchFamily="2" charset="2"/>
+              <a:buChar char="§"/>
+            </a:pPr>
+            <a:r>
+              <a:rPr lang="fr-FR" dirty="0" smtClean="0"/>
+              <a:t> Analyse des tâches</a:t>
+            </a:r>
+          </a:p>
+          <a:p>
+            <a:pPr>
+              <a:lnSpc>
+                <a:spcPct val="150000"/>
+              </a:lnSpc>
+              <a:buFont typeface="Wingdings" panose="05000000000000000000" pitchFamily="2" charset="2"/>
+              <a:buChar char="§"/>
+            </a:pPr>
+            <a:r>
+              <a:rPr lang="fr-FR" dirty="0" smtClean="0"/>
+              <a:t> Répartition des tâches</a:t>
+            </a:r>
+          </a:p>
+          <a:p>
+            <a:pPr>
+              <a:lnSpc>
+                <a:spcPct val="150000"/>
+              </a:lnSpc>
+              <a:buFont typeface="Wingdings" panose="05000000000000000000" pitchFamily="2" charset="2"/>
+              <a:buChar char="§"/>
+            </a:pPr>
+            <a:r>
+              <a:rPr lang="fr-FR" dirty="0"/>
+              <a:t> </a:t>
+            </a:r>
+            <a:r>
+              <a:rPr lang="fr-FR" dirty="0" smtClean="0"/>
+              <a:t>Planning des tâches</a:t>
+            </a:r>
+          </a:p>
+          <a:p>
+            <a:pPr>
+              <a:lnSpc>
+                <a:spcPct val="150000"/>
+              </a:lnSpc>
+              <a:buFont typeface="Wingdings" panose="05000000000000000000" pitchFamily="2" charset="2"/>
+              <a:buChar char="§"/>
+            </a:pPr>
+            <a:r>
+              <a:rPr lang="fr-FR" dirty="0"/>
+              <a:t> </a:t>
+            </a:r>
+            <a:r>
+              <a:rPr lang="fr-FR" dirty="0" smtClean="0"/>
+              <a:t>Dispositif de pilotage</a:t>
+            </a:r>
+          </a:p>
+          <a:p>
+            <a:pPr>
+              <a:lnSpc>
+                <a:spcPct val="150000"/>
+              </a:lnSpc>
+              <a:buFont typeface="Wingdings" panose="05000000000000000000" pitchFamily="2" charset="2"/>
+              <a:buChar char="§"/>
+            </a:pPr>
+            <a:r>
+              <a:rPr lang="fr-FR" dirty="0"/>
+              <a:t> </a:t>
+            </a:r>
+            <a:r>
+              <a:rPr lang="fr-FR" dirty="0" smtClean="0"/>
+              <a:t>Gestion des risques</a:t>
+            </a:r>
+          </a:p>
+          <a:p>
+            <a:pPr>
+              <a:lnSpc>
+                <a:spcPct val="150000"/>
+              </a:lnSpc>
+              <a:buFont typeface="Wingdings" panose="05000000000000000000" pitchFamily="2" charset="2"/>
+              <a:buChar char="§"/>
+            </a:pPr>
+            <a:r>
+              <a:rPr lang="fr-FR" dirty="0"/>
+              <a:t> </a:t>
+            </a:r>
+            <a:r>
+              <a:rPr lang="fr-FR" dirty="0" smtClean="0"/>
+              <a:t>Conclusion</a:t>
+            </a:r>
+          </a:p>
+          <a:p>
+            <a:pPr>
+              <a:buFont typeface="Wingdings" panose="05000000000000000000" pitchFamily="2" charset="2"/>
+              <a:buChar char="§"/>
+            </a:pPr>
+            <a:endParaRPr lang="fr-FR" dirty="0"/>
+          </a:p>
+        </p:txBody>
+      </p:sp>
+      <p:sp>
+        <p:nvSpPr>
+          <p:cNvPr id="4" name="Espace réservé de la date 3"/>
           <p:cNvSpPr>
             <a:spLocks noGrp="1"/>
           </p:cNvSpPr>
@@ -16146,7 +16432,7 @@
       </p:sp>
       <p:sp>
         <p:nvSpPr>
-          <p:cNvPr id="3" name="Espace réservé du numéro de diapositive 2"/>
+          <p:cNvPr id="5" name="Espace réservé du numéro de diapositive 4"/>
           <p:cNvSpPr>
             <a:spLocks noGrp="1"/>
           </p:cNvSpPr>
@@ -16159,71 +16445,18 @@
           <a:bodyPr/>
           <a:lstStyle/>
           <a:p>
-            <a:fld id="{4FAB73BC-B049-4115-A692-8D63A059BFB8}" type="slidenum">
+            <a:fld id="{629637A9-119A-49DA-BD12-AAC58B377D80}" type="slidenum">
               <a:rPr lang="en-US" smtClean="0"/>
-              <a:pPr/>
               <a:t>29</a:t>
             </a:fld>
             <a:endParaRPr lang="en-US" dirty="0"/>
-          </a:p>
-        </p:txBody>
-      </p:sp>
-      <p:graphicFrame>
-        <p:nvGraphicFramePr>
-          <p:cNvPr id="4" name="Diagramme 3"/>
-          <p:cNvGraphicFramePr/>
-          <p:nvPr>
-            <p:extLst>
-              <p:ext uri="{D42A27DB-BD31-4B8C-83A1-F6EECF244321}">
-                <p14:modId xmlns:p14="http://schemas.microsoft.com/office/powerpoint/2010/main" val="191746498"/>
-              </p:ext>
-            </p:extLst>
-          </p:nvPr>
-        </p:nvGraphicFramePr>
-        <p:xfrm>
-          <a:off x="0" y="20349"/>
-          <a:ext cx="12192000" cy="6277420"/>
-        </p:xfrm>
-        <a:graphic>
-          <a:graphicData uri="http://schemas.openxmlformats.org/drawingml/2006/diagram">
-            <dgm:relIds xmlns:dgm="http://schemas.openxmlformats.org/drawingml/2006/diagram" xmlns:r="http://schemas.openxmlformats.org/officeDocument/2006/relationships" r:dm="rId2" r:lo="rId3" r:qs="rId4" r:cs="rId5"/>
-          </a:graphicData>
-        </a:graphic>
-      </p:graphicFrame>
-      <p:sp>
-        <p:nvSpPr>
-          <p:cNvPr id="5" name="ZoneTexte 4"/>
-          <p:cNvSpPr txBox="1"/>
-          <p:nvPr/>
-        </p:nvSpPr>
-        <p:spPr>
-          <a:xfrm>
-            <a:off x="8229601" y="573206"/>
-            <a:ext cx="4217158" cy="369332"/>
-          </a:xfrm>
-          <a:prstGeom prst="rect">
-            <a:avLst/>
-          </a:prstGeom>
-          <a:noFill/>
-        </p:spPr>
-        <p:txBody>
-          <a:bodyPr wrap="square" rtlCol="0">
-            <a:spAutoFit/>
-          </a:bodyPr>
-          <a:lstStyle/>
-          <a:p>
-            <a:r>
-              <a:rPr lang="fr-FR" b="1" dirty="0" smtClean="0"/>
-              <a:t>Organigramme des tâches</a:t>
-            </a:r>
-            <a:endParaRPr lang="fr-FR" b="1" dirty="0"/>
           </a:p>
         </p:txBody>
       </p:sp>
     </p:spTree>
     <p:extLst>
       <p:ext uri="{BB962C8B-B14F-4D97-AF65-F5344CB8AC3E}">
-        <p14:creationId xmlns:p14="http://schemas.microsoft.com/office/powerpoint/2010/main" val="2416749289"/>
+        <p14:creationId xmlns:p14="http://schemas.microsoft.com/office/powerpoint/2010/main" val="2187815112"/>
       </p:ext>
     </p:extLst>
   </p:cSld>
@@ -16568,7 +16801,7 @@
           <a:p>
             <a:r>
               <a:rPr lang="fr-FR" dirty="0" smtClean="0"/>
-              <a:t>Répartition des tâches</a:t>
+              <a:t>Analyse des tâches</a:t>
             </a:r>
             <a:endParaRPr lang="fr-FR" dirty="0"/>
           </a:p>
@@ -16642,7 +16875,7 @@
     </p:spTree>
     <p:extLst>
       <p:ext uri="{BB962C8B-B14F-4D97-AF65-F5344CB8AC3E}">
-        <p14:creationId xmlns:p14="http://schemas.microsoft.com/office/powerpoint/2010/main" val="2050949739"/>
+        <p14:creationId xmlns:p14="http://schemas.microsoft.com/office/powerpoint/2010/main" val="2063242119"/>
       </p:ext>
     </p:extLst>
   </p:cSld>
@@ -16678,6 +16911,267 @@
       </p:grpSpPr>
       <p:sp>
         <p:nvSpPr>
+          <p:cNvPr id="2" name="Espace réservé de la date 1"/>
+          <p:cNvSpPr>
+            <a:spLocks noGrp="1"/>
+          </p:cNvSpPr>
+          <p:nvPr>
+            <p:ph type="dt" sz="half" idx="10"/>
+          </p:nvPr>
+        </p:nvSpPr>
+        <p:spPr/>
+        <p:txBody>
+          <a:bodyPr/>
+          <a:lstStyle/>
+          <a:p>
+            <a:r>
+              <a:rPr lang="fr-FR" smtClean="0"/>
+              <a:t>Anthony Delannoy, Jérôme Combanière, Benoit Madiot</a:t>
+            </a:r>
+            <a:endParaRPr lang="en-US" dirty="0"/>
+          </a:p>
+        </p:txBody>
+      </p:sp>
+      <p:sp>
+        <p:nvSpPr>
+          <p:cNvPr id="3" name="Espace réservé du numéro de diapositive 2"/>
+          <p:cNvSpPr>
+            <a:spLocks noGrp="1"/>
+          </p:cNvSpPr>
+          <p:nvPr>
+            <p:ph type="sldNum" sz="quarter" idx="12"/>
+          </p:nvPr>
+        </p:nvSpPr>
+        <p:spPr/>
+        <p:txBody>
+          <a:bodyPr/>
+          <a:lstStyle/>
+          <a:p>
+            <a:fld id="{4FAB73BC-B049-4115-A692-8D63A059BFB8}" type="slidenum">
+              <a:rPr lang="en-US" smtClean="0"/>
+              <a:pPr/>
+              <a:t>31</a:t>
+            </a:fld>
+            <a:endParaRPr lang="en-US" dirty="0"/>
+          </a:p>
+        </p:txBody>
+      </p:sp>
+      <p:graphicFrame>
+        <p:nvGraphicFramePr>
+          <p:cNvPr id="4" name="Diagramme 3"/>
+          <p:cNvGraphicFramePr/>
+          <p:nvPr>
+            <p:extLst>
+              <p:ext uri="{D42A27DB-BD31-4B8C-83A1-F6EECF244321}">
+                <p14:modId xmlns:p14="http://schemas.microsoft.com/office/powerpoint/2010/main" val="191746498"/>
+              </p:ext>
+            </p:extLst>
+          </p:nvPr>
+        </p:nvGraphicFramePr>
+        <p:xfrm>
+          <a:off x="0" y="20349"/>
+          <a:ext cx="12192000" cy="6277420"/>
+        </p:xfrm>
+        <a:graphic>
+          <a:graphicData uri="http://schemas.openxmlformats.org/drawingml/2006/diagram">
+            <dgm:relIds xmlns:dgm="http://schemas.openxmlformats.org/drawingml/2006/diagram" xmlns:r="http://schemas.openxmlformats.org/officeDocument/2006/relationships" r:dm="rId2" r:lo="rId3" r:qs="rId4" r:cs="rId5"/>
+          </a:graphicData>
+        </a:graphic>
+      </p:graphicFrame>
+      <p:sp>
+        <p:nvSpPr>
+          <p:cNvPr id="5" name="ZoneTexte 4"/>
+          <p:cNvSpPr txBox="1"/>
+          <p:nvPr/>
+        </p:nvSpPr>
+        <p:spPr>
+          <a:xfrm>
+            <a:off x="8229601" y="573206"/>
+            <a:ext cx="4217158" cy="369332"/>
+          </a:xfrm>
+          <a:prstGeom prst="rect">
+            <a:avLst/>
+          </a:prstGeom>
+          <a:noFill/>
+        </p:spPr>
+        <p:txBody>
+          <a:bodyPr wrap="square" rtlCol="0">
+            <a:spAutoFit/>
+          </a:bodyPr>
+          <a:lstStyle/>
+          <a:p>
+            <a:r>
+              <a:rPr lang="fr-FR" b="1" dirty="0" smtClean="0"/>
+              <a:t>Organigramme des tâches</a:t>
+            </a:r>
+            <a:endParaRPr lang="fr-FR" b="1" dirty="0"/>
+          </a:p>
+        </p:txBody>
+      </p:sp>
+    </p:spTree>
+    <p:extLst>
+      <p:ext uri="{BB962C8B-B14F-4D97-AF65-F5344CB8AC3E}">
+        <p14:creationId xmlns:p14="http://schemas.microsoft.com/office/powerpoint/2010/main" val="2416749289"/>
+      </p:ext>
+    </p:extLst>
+  </p:cSld>
+  <p:clrMapOvr>
+    <a:masterClrMapping/>
+  </p:clrMapOvr>
+  <p:timing>
+    <p:tnLst>
+      <p:par>
+        <p:cTn id="1" dur="indefinite" restart="never" nodeType="tmRoot"/>
+      </p:par>
+    </p:tnLst>
+  </p:timing>
+</p:sld>
+</file>
+
+<file path=ppt/slides/slide32.xml><?xml version="1.0" encoding="utf-8"?>
+<p:sld xmlns:a="http://schemas.openxmlformats.org/drawingml/2006/main" xmlns:r="http://schemas.openxmlformats.org/officeDocument/2006/relationships" xmlns:p="http://schemas.openxmlformats.org/presentationml/2006/main">
+  <p:cSld>
+    <p:spTree>
+      <p:nvGrpSpPr>
+        <p:cNvPr id="1" name=""/>
+        <p:cNvGrpSpPr/>
+        <p:nvPr/>
+      </p:nvGrpSpPr>
+      <p:grpSpPr>
+        <a:xfrm>
+          <a:off x="0" y="0"/>
+          <a:ext cx="0" cy="0"/>
+          <a:chOff x="0" y="0"/>
+          <a:chExt cx="0" cy="0"/>
+        </a:xfrm>
+      </p:grpSpPr>
+      <p:sp>
+        <p:nvSpPr>
+          <p:cNvPr id="2" name="Titre 1"/>
+          <p:cNvSpPr>
+            <a:spLocks noGrp="1"/>
+          </p:cNvSpPr>
+          <p:nvPr>
+            <p:ph type="ctrTitle"/>
+          </p:nvPr>
+        </p:nvSpPr>
+        <p:spPr/>
+        <p:txBody>
+          <a:bodyPr/>
+          <a:lstStyle/>
+          <a:p>
+            <a:r>
+              <a:rPr lang="fr-FR" dirty="0" smtClean="0"/>
+              <a:t>Répartition des tâches</a:t>
+            </a:r>
+            <a:endParaRPr lang="fr-FR" dirty="0"/>
+          </a:p>
+        </p:txBody>
+      </p:sp>
+      <p:sp>
+        <p:nvSpPr>
+          <p:cNvPr id="3" name="Sous-titre 2"/>
+          <p:cNvSpPr>
+            <a:spLocks noGrp="1"/>
+          </p:cNvSpPr>
+          <p:nvPr>
+            <p:ph type="subTitle" idx="1"/>
+          </p:nvPr>
+        </p:nvSpPr>
+        <p:spPr/>
+        <p:txBody>
+          <a:bodyPr/>
+          <a:lstStyle/>
+          <a:p>
+            <a:endParaRPr lang="fr-FR"/>
+          </a:p>
+        </p:txBody>
+      </p:sp>
+      <p:sp>
+        <p:nvSpPr>
+          <p:cNvPr id="4" name="Espace réservé de la date 3"/>
+          <p:cNvSpPr>
+            <a:spLocks noGrp="1"/>
+          </p:cNvSpPr>
+          <p:nvPr>
+            <p:ph type="dt" sz="half" idx="10"/>
+          </p:nvPr>
+        </p:nvSpPr>
+        <p:spPr/>
+        <p:txBody>
+          <a:bodyPr/>
+          <a:lstStyle/>
+          <a:p>
+            <a:r>
+              <a:rPr lang="fr-FR" smtClean="0"/>
+              <a:t>Anthony Delannoy, Jérôme Combanière, Benoit Madiot</a:t>
+            </a:r>
+            <a:endParaRPr lang="en-US" dirty="0"/>
+          </a:p>
+        </p:txBody>
+      </p:sp>
+      <p:sp>
+        <p:nvSpPr>
+          <p:cNvPr id="5" name="Espace réservé du numéro de diapositive 4"/>
+          <p:cNvSpPr>
+            <a:spLocks noGrp="1"/>
+          </p:cNvSpPr>
+          <p:nvPr>
+            <p:ph type="sldNum" sz="quarter" idx="12"/>
+          </p:nvPr>
+        </p:nvSpPr>
+        <p:spPr/>
+        <p:txBody>
+          <a:bodyPr/>
+          <a:lstStyle/>
+          <a:p>
+            <a:fld id="{4FAB73BC-B049-4115-A692-8D63A059BFB8}" type="slidenum">
+              <a:rPr lang="en-US" smtClean="0"/>
+              <a:t>32</a:t>
+            </a:fld>
+            <a:endParaRPr lang="en-US" dirty="0"/>
+          </a:p>
+        </p:txBody>
+      </p:sp>
+    </p:spTree>
+    <p:extLst>
+      <p:ext uri="{BB962C8B-B14F-4D97-AF65-F5344CB8AC3E}">
+        <p14:creationId xmlns:p14="http://schemas.microsoft.com/office/powerpoint/2010/main" val="2050949739"/>
+      </p:ext>
+    </p:extLst>
+  </p:cSld>
+  <p:clrMapOvr>
+    <a:masterClrMapping/>
+  </p:clrMapOvr>
+  <p:timing>
+    <p:tnLst>
+      <p:par>
+        <p:cTn id="1" dur="indefinite" restart="never" nodeType="tmRoot"/>
+      </p:par>
+    </p:tnLst>
+  </p:timing>
+</p:sld>
+</file>
+
+<file path=ppt/slides/slide33.xml><?xml version="1.0" encoding="utf-8"?>
+<p:sld xmlns:a="http://schemas.openxmlformats.org/drawingml/2006/main" xmlns:r="http://schemas.openxmlformats.org/officeDocument/2006/relationships" xmlns:p="http://schemas.openxmlformats.org/presentationml/2006/main">
+  <p:cSld>
+    <p:spTree>
+      <p:nvGrpSpPr>
+        <p:cNvPr id="1" name=""/>
+        <p:cNvGrpSpPr/>
+        <p:nvPr/>
+      </p:nvGrpSpPr>
+      <p:grpSpPr>
+        <a:xfrm>
+          <a:off x="0" y="0"/>
+          <a:ext cx="0" cy="0"/>
+          <a:chOff x="0" y="0"/>
+          <a:chExt cx="0" cy="0"/>
+        </a:xfrm>
+      </p:grpSpPr>
+      <p:sp>
+        <p:nvSpPr>
           <p:cNvPr id="2" name="Titre 1"/>
           <p:cNvSpPr>
             <a:spLocks noGrp="1"/>
@@ -16776,7 +17270,7 @@
           <a:p>
             <a:fld id="{629637A9-119A-49DA-BD12-AAC58B377D80}" type="slidenum">
               <a:rPr lang="en-US" smtClean="0"/>
-              <a:t>31</a:t>
+              <a:t>33</a:t>
             </a:fld>
             <a:endParaRPr lang="en-US" dirty="0"/>
           </a:p>
@@ -19200,7 +19694,7 @@
 </p:sld>
 </file>
 
-<file path=ppt/slides/slide32.xml><?xml version="1.0" encoding="utf-8"?>
+<file path=ppt/slides/slide34.xml><?xml version="1.0" encoding="utf-8"?>
 <p:sld xmlns:a="http://schemas.openxmlformats.org/drawingml/2006/main" xmlns:r="http://schemas.openxmlformats.org/officeDocument/2006/relationships" xmlns:p="http://schemas.openxmlformats.org/presentationml/2006/main">
   <p:cSld>
     <p:spTree>
@@ -19299,7 +19793,7 @@
           <a:p>
             <a:fld id="{4FAB73BC-B049-4115-A692-8D63A059BFB8}" type="slidenum">
               <a:rPr lang="en-US" smtClean="0"/>
-              <a:t>32</a:t>
+              <a:t>34</a:t>
             </a:fld>
             <a:endParaRPr lang="en-US" dirty="0"/>
           </a:p>
@@ -19325,7 +19819,7 @@
 </p:sld>
 </file>
 
-<file path=ppt/slides/slide33.xml><?xml version="1.0" encoding="utf-8"?>
+<file path=ppt/slides/slide35.xml><?xml version="1.0" encoding="utf-8"?>
 <p:sld xmlns:a="http://schemas.openxmlformats.org/drawingml/2006/main" xmlns:r="http://schemas.openxmlformats.org/officeDocument/2006/relationships" xmlns:p="http://schemas.openxmlformats.org/presentationml/2006/main">
   <p:cSld>
     <p:spTree>
@@ -19405,7 +19899,7 @@
           <a:p>
             <a:fld id="{629637A9-119A-49DA-BD12-AAC58B377D80}" type="slidenum">
               <a:rPr lang="en-US" smtClean="0"/>
-              <a:t>33</a:t>
+              <a:t>35</a:t>
             </a:fld>
             <a:endParaRPr lang="en-US" dirty="0"/>
           </a:p>
@@ -19519,7 +20013,7 @@
 </p:sld>
 </file>
 
-<file path=ppt/slides/slide34.xml><?xml version="1.0" encoding="utf-8"?>
+<file path=ppt/slides/slide36.xml><?xml version="1.0" encoding="utf-8"?>
 <p:sld xmlns:a="http://schemas.openxmlformats.org/drawingml/2006/main" xmlns:r="http://schemas.openxmlformats.org/officeDocument/2006/relationships" xmlns:p="http://schemas.openxmlformats.org/presentationml/2006/main">
   <p:cSld>
     <p:spTree>
@@ -19618,7 +20112,7 @@
           <a:p>
             <a:fld id="{4FAB73BC-B049-4115-A692-8D63A059BFB8}" type="slidenum">
               <a:rPr lang="en-US" smtClean="0"/>
-              <a:t>34</a:t>
+              <a:t>36</a:t>
             </a:fld>
             <a:endParaRPr lang="en-US" dirty="0"/>
           </a:p>
@@ -19644,7 +20138,7 @@
 </p:sld>
 </file>
 
-<file path=ppt/slides/slide35.xml><?xml version="1.0" encoding="utf-8"?>
+<file path=ppt/slides/slide37.xml><?xml version="1.0" encoding="utf-8"?>
 <p:sld xmlns:a="http://schemas.openxmlformats.org/drawingml/2006/main" xmlns:r="http://schemas.openxmlformats.org/officeDocument/2006/relationships" xmlns:p="http://schemas.openxmlformats.org/presentationml/2006/main">
   <p:cSld>
     <p:spTree>
@@ -19831,7 +20325,7 @@
           <a:p>
             <a:fld id="{629637A9-119A-49DA-BD12-AAC58B377D80}" type="slidenum">
               <a:rPr lang="en-US" smtClean="0"/>
-              <a:t>35</a:t>
+              <a:t>37</a:t>
             </a:fld>
             <a:endParaRPr lang="en-US" dirty="0"/>
           </a:p>
@@ -19857,7 +20351,7 @@
 </p:sld>
 </file>
 
-<file path=ppt/slides/slide36.xml><?xml version="1.0" encoding="utf-8"?>
+<file path=ppt/slides/slide38.xml><?xml version="1.0" encoding="utf-8"?>
 <p:sld xmlns:a="http://schemas.openxmlformats.org/drawingml/2006/main" xmlns:r="http://schemas.openxmlformats.org/officeDocument/2006/relationships" xmlns:p="http://schemas.openxmlformats.org/presentationml/2006/main">
   <p:cSld>
     <p:spTree>
@@ -20059,7 +20553,7 @@
           <a:p>
             <a:fld id="{629637A9-119A-49DA-BD12-AAC58B377D80}" type="slidenum">
               <a:rPr lang="en-US" smtClean="0"/>
-              <a:t>36</a:t>
+              <a:t>38</a:t>
             </a:fld>
             <a:endParaRPr lang="en-US" dirty="0"/>
           </a:p>
@@ -20115,7 +20609,7 @@
 </p:sld>
 </file>
 
-<file path=ppt/slides/slide37.xml><?xml version="1.0" encoding="utf-8"?>
+<file path=ppt/slides/slide39.xml><?xml version="1.0" encoding="utf-8"?>
 <p:sld xmlns:a="http://schemas.openxmlformats.org/drawingml/2006/main" xmlns:r="http://schemas.openxmlformats.org/officeDocument/2006/relationships" xmlns:p="http://schemas.openxmlformats.org/presentationml/2006/main">
   <p:cSld>
     <p:spTree>
@@ -20296,7 +20790,7 @@
           <a:p>
             <a:fld id="{629637A9-119A-49DA-BD12-AAC58B377D80}" type="slidenum">
               <a:rPr lang="en-US" smtClean="0"/>
-              <a:t>37</a:t>
+              <a:t>39</a:t>
             </a:fld>
             <a:endParaRPr lang="en-US" dirty="0"/>
           </a:p>
@@ -20352,7 +20846,7 @@
 </p:sld>
 </file>
 
-<file path=ppt/slides/slide38.xml><?xml version="1.0" encoding="utf-8"?>
+<file path=ppt/slides/slide4.xml><?xml version="1.0" encoding="utf-8"?>
 <p:sld xmlns:a="http://schemas.openxmlformats.org/drawingml/2006/main" xmlns:r="http://schemas.openxmlformats.org/officeDocument/2006/relationships" xmlns:p="http://schemas.openxmlformats.org/presentationml/2006/main">
   <p:cSld>
     <p:spTree>
@@ -20386,6 +20880,227 @@
           <a:p>
             <a:r>
               <a:rPr lang="fr-FR" dirty="0" smtClean="0"/>
+              <a:t>Contents </a:t>
+            </a:r>
+            <a:endParaRPr lang="fr-FR" dirty="0"/>
+          </a:p>
+        </p:txBody>
+      </p:sp>
+      <p:sp>
+        <p:nvSpPr>
+          <p:cNvPr id="3" name="Espace réservé du contenu 2"/>
+          <p:cNvSpPr>
+            <a:spLocks noGrp="1"/>
+          </p:cNvSpPr>
+          <p:nvPr>
+            <p:ph idx="1"/>
+          </p:nvPr>
+        </p:nvSpPr>
+        <p:spPr/>
+        <p:txBody>
+          <a:bodyPr/>
+          <a:lstStyle/>
+          <a:p>
+            <a:pPr>
+              <a:buFont typeface="Wingdings" panose="05000000000000000000" pitchFamily="2" charset="2"/>
+              <a:buChar char="§"/>
+            </a:pPr>
+            <a:endParaRPr lang="fr-FR" dirty="0" smtClean="0"/>
+          </a:p>
+          <a:p>
+            <a:pPr marL="0" indent="0">
+              <a:buNone/>
+            </a:pPr>
+            <a:endParaRPr lang="fr-FR" dirty="0" smtClean="0"/>
+          </a:p>
+          <a:p>
+            <a:pPr>
+              <a:buFont typeface="Wingdings" panose="05000000000000000000" pitchFamily="2" charset="2"/>
+              <a:buChar char="§"/>
+            </a:pPr>
+            <a:r>
+              <a:rPr lang="fr-FR" dirty="0"/>
+              <a:t> </a:t>
+            </a:r>
+            <a:r>
+              <a:rPr lang="fr-FR" dirty="0" smtClean="0"/>
+              <a:t>Project management</a:t>
+            </a:r>
+          </a:p>
+          <a:p>
+            <a:pPr>
+              <a:buFont typeface="Wingdings" panose="05000000000000000000" pitchFamily="2" charset="2"/>
+              <a:buChar char="§"/>
+            </a:pPr>
+            <a:r>
+              <a:rPr lang="fr-FR" dirty="0"/>
+              <a:t> </a:t>
+            </a:r>
+            <a:r>
+              <a:rPr lang="fr-FR" dirty="0" smtClean="0"/>
+              <a:t>Data extraction and </a:t>
+            </a:r>
+            <a:r>
+              <a:rPr lang="fr-FR" dirty="0" err="1" smtClean="0"/>
+              <a:t>common</a:t>
+            </a:r>
+            <a:r>
+              <a:rPr lang="fr-FR" dirty="0" smtClean="0"/>
+              <a:t> format </a:t>
+            </a:r>
+          </a:p>
+          <a:p>
+            <a:pPr>
+              <a:buFont typeface="Wingdings" panose="05000000000000000000" pitchFamily="2" charset="2"/>
+              <a:buChar char="§"/>
+            </a:pPr>
+            <a:r>
+              <a:rPr lang="fr-FR" dirty="0"/>
+              <a:t> </a:t>
+            </a:r>
+            <a:r>
+              <a:rPr lang="fr-FR" dirty="0" smtClean="0"/>
+              <a:t>Data </a:t>
+            </a:r>
+            <a:r>
+              <a:rPr lang="fr-FR" dirty="0" err="1" smtClean="0"/>
+              <a:t>processing</a:t>
+            </a:r>
+            <a:endParaRPr lang="fr-FR" dirty="0" smtClean="0"/>
+          </a:p>
+          <a:p>
+            <a:pPr>
+              <a:buFont typeface="Wingdings" panose="05000000000000000000" pitchFamily="2" charset="2"/>
+              <a:buChar char="§"/>
+            </a:pPr>
+            <a:r>
+              <a:rPr lang="fr-FR" dirty="0"/>
+              <a:t> </a:t>
+            </a:r>
+            <a:r>
+              <a:rPr lang="fr-FR" dirty="0" err="1" smtClean="0"/>
+              <a:t>Graphical</a:t>
+            </a:r>
+            <a:r>
+              <a:rPr lang="fr-FR" dirty="0" smtClean="0"/>
+              <a:t> User Interface (GUI)</a:t>
+            </a:r>
+          </a:p>
+          <a:p>
+            <a:pPr>
+              <a:buFont typeface="Wingdings" panose="05000000000000000000" pitchFamily="2" charset="2"/>
+              <a:buChar char="§"/>
+            </a:pPr>
+            <a:r>
+              <a:rPr lang="fr-FR" dirty="0"/>
+              <a:t> </a:t>
+            </a:r>
+            <a:r>
+              <a:rPr lang="fr-FR" dirty="0" smtClean="0"/>
+              <a:t>Conclusion</a:t>
+            </a:r>
+          </a:p>
+          <a:p>
+            <a:pPr marL="0" indent="0">
+              <a:buNone/>
+            </a:pPr>
+            <a:endParaRPr lang="fr-FR" dirty="0"/>
+          </a:p>
+        </p:txBody>
+      </p:sp>
+      <p:sp>
+        <p:nvSpPr>
+          <p:cNvPr id="4" name="Espace réservé de la date 3"/>
+          <p:cNvSpPr>
+            <a:spLocks noGrp="1"/>
+          </p:cNvSpPr>
+          <p:nvPr>
+            <p:ph type="dt" sz="half" idx="10"/>
+          </p:nvPr>
+        </p:nvSpPr>
+        <p:spPr/>
+        <p:txBody>
+          <a:bodyPr/>
+          <a:lstStyle/>
+          <a:p>
+            <a:r>
+              <a:rPr lang="fr-FR" smtClean="0"/>
+              <a:t>Anthony Delannoy, Jérôme Combanière, Benoit Madiot</a:t>
+            </a:r>
+            <a:endParaRPr lang="en-US" dirty="0"/>
+          </a:p>
+        </p:txBody>
+      </p:sp>
+      <p:sp>
+        <p:nvSpPr>
+          <p:cNvPr id="5" name="Espace réservé du numéro de diapositive 4"/>
+          <p:cNvSpPr>
+            <a:spLocks noGrp="1"/>
+          </p:cNvSpPr>
+          <p:nvPr>
+            <p:ph type="sldNum" sz="quarter" idx="12"/>
+          </p:nvPr>
+        </p:nvSpPr>
+        <p:spPr/>
+        <p:txBody>
+          <a:bodyPr/>
+          <a:lstStyle/>
+          <a:p>
+            <a:fld id="{629637A9-119A-49DA-BD12-AAC58B377D80}" type="slidenum">
+              <a:rPr lang="en-US" smtClean="0"/>
+              <a:t>4</a:t>
+            </a:fld>
+            <a:endParaRPr lang="en-US" dirty="0"/>
+          </a:p>
+        </p:txBody>
+      </p:sp>
+    </p:spTree>
+    <p:extLst>
+      <p:ext uri="{BB962C8B-B14F-4D97-AF65-F5344CB8AC3E}">
+        <p14:creationId xmlns:p14="http://schemas.microsoft.com/office/powerpoint/2010/main" val="1855070440"/>
+      </p:ext>
+    </p:extLst>
+  </p:cSld>
+  <p:clrMapOvr>
+    <a:masterClrMapping/>
+  </p:clrMapOvr>
+</p:sld>
+</file>
+
+<file path=ppt/slides/slide40.xml><?xml version="1.0" encoding="utf-8"?>
+<p:sld xmlns:a="http://schemas.openxmlformats.org/drawingml/2006/main" xmlns:r="http://schemas.openxmlformats.org/officeDocument/2006/relationships" xmlns:p="http://schemas.openxmlformats.org/presentationml/2006/main">
+  <p:cSld>
+    <p:spTree>
+      <p:nvGrpSpPr>
+        <p:cNvPr id="1" name=""/>
+        <p:cNvGrpSpPr/>
+        <p:nvPr/>
+      </p:nvGrpSpPr>
+      <p:grpSpPr>
+        <a:xfrm>
+          <a:off x="0" y="0"/>
+          <a:ext cx="0" cy="0"/>
+          <a:chOff x="0" y="0"/>
+          <a:chExt cx="0" cy="0"/>
+        </a:xfrm>
+      </p:grpSpPr>
+      <p:sp>
+        <p:nvSpPr>
+          <p:cNvPr id="2" name="Titre 1"/>
+          <p:cNvSpPr>
+            <a:spLocks noGrp="1"/>
+          </p:cNvSpPr>
+          <p:nvPr>
+            <p:ph type="title"/>
+          </p:nvPr>
+        </p:nvSpPr>
+        <p:spPr/>
+        <p:txBody>
+          <a:bodyPr/>
+          <a:lstStyle/>
+          <a:p>
+            <a:r>
+              <a:rPr lang="fr-FR" dirty="0" smtClean="0"/>
               <a:t>Packages et modules</a:t>
             </a:r>
             <a:endParaRPr lang="fr-FR" dirty="0"/>
@@ -20532,7 +21247,7 @@
           <a:p>
             <a:fld id="{629637A9-119A-49DA-BD12-AAC58B377D80}" type="slidenum">
               <a:rPr lang="en-US" smtClean="0"/>
-              <a:t>38</a:t>
+              <a:t>40</a:t>
             </a:fld>
             <a:endParaRPr lang="en-US" dirty="0"/>
           </a:p>
@@ -20588,7 +21303,7 @@
 </p:sld>
 </file>
 
-<file path=ppt/slides/slide39.xml><?xml version="1.0" encoding="utf-8"?>
+<file path=ppt/slides/slide41.xml><?xml version="1.0" encoding="utf-8"?>
 <p:sld xmlns:a="http://schemas.openxmlformats.org/drawingml/2006/main" xmlns:r="http://schemas.openxmlformats.org/officeDocument/2006/relationships" xmlns:p="http://schemas.openxmlformats.org/presentationml/2006/main">
   <p:cSld>
     <p:spTree>
@@ -20687,7 +21402,7 @@
           <a:p>
             <a:fld id="{4FAB73BC-B049-4115-A692-8D63A059BFB8}" type="slidenum">
               <a:rPr lang="en-US" smtClean="0"/>
-              <a:t>39</a:t>
+              <a:t>41</a:t>
             </a:fld>
             <a:endParaRPr lang="en-US" dirty="0"/>
           </a:p>
@@ -20713,7 +21428,7 @@
 </p:sld>
 </file>
 
-<file path=ppt/slides/slide4.xml><?xml version="1.0" encoding="utf-8"?>
+<file path=ppt/slides/slide42.xml><?xml version="1.0" encoding="utf-8"?>
 <p:sld xmlns:a="http://schemas.openxmlformats.org/drawingml/2006/main" xmlns:r="http://schemas.openxmlformats.org/officeDocument/2006/relationships" xmlns:p="http://schemas.openxmlformats.org/presentationml/2006/main">
   <p:cSld>
     <p:spTree>
@@ -20747,7 +21462,7 @@
           <a:p>
             <a:r>
               <a:rPr lang="fr-FR" dirty="0" smtClean="0"/>
-              <a:t>Contents </a:t>
+              <a:t>Gestion des risques</a:t>
             </a:r>
             <a:endParaRPr lang="fr-FR" dirty="0"/>
           </a:p>
@@ -20768,107 +21483,18 @@
           <a:bodyPr/>
           <a:lstStyle/>
           <a:p>
-            <a:pPr>
-              <a:buFont typeface="Wingdings" panose="05000000000000000000" pitchFamily="2" charset="2"/>
-              <a:buChar char="§"/>
+            <a:pPr algn="just">
+              <a:lnSpc>
+                <a:spcPct val="150000"/>
+              </a:lnSpc>
             </a:pPr>
-            <a:endParaRPr lang="fr-FR" dirty="0" smtClean="0"/>
-          </a:p>
-          <a:p>
-            <a:pPr marL="0" indent="0">
-              <a:buNone/>
-            </a:pPr>
-            <a:endParaRPr lang="fr-FR" dirty="0" smtClean="0"/>
-          </a:p>
-          <a:p>
-            <a:pPr>
-              <a:buFont typeface="Wingdings" panose="05000000000000000000" pitchFamily="2" charset="2"/>
-              <a:buChar char="§"/>
-            </a:pPr>
-            <a:r>
-              <a:rPr lang="fr-FR" dirty="0"/>
-              <a:t> </a:t>
-            </a:r>
-            <a:r>
-              <a:rPr lang="fr-FR" dirty="0" smtClean="0"/>
-              <a:t>Project management</a:t>
-            </a:r>
-          </a:p>
-          <a:p>
-            <a:pPr>
-              <a:buFont typeface="Wingdings" panose="05000000000000000000" pitchFamily="2" charset="2"/>
-              <a:buChar char="§"/>
-            </a:pPr>
-            <a:r>
-              <a:rPr lang="fr-FR" dirty="0"/>
-              <a:t> </a:t>
-            </a:r>
-            <a:r>
-              <a:rPr lang="fr-FR" dirty="0" smtClean="0"/>
-              <a:t>Data extraction and </a:t>
-            </a:r>
-            <a:r>
-              <a:rPr lang="fr-FR" dirty="0" err="1" smtClean="0"/>
-              <a:t>common</a:t>
-            </a:r>
-            <a:r>
-              <a:rPr lang="fr-FR" dirty="0" smtClean="0"/>
-              <a:t> format </a:t>
-            </a:r>
-          </a:p>
-          <a:p>
-            <a:pPr>
-              <a:buFont typeface="Wingdings" panose="05000000000000000000" pitchFamily="2" charset="2"/>
-              <a:buChar char="§"/>
-            </a:pPr>
-            <a:r>
-              <a:rPr lang="fr-FR" dirty="0"/>
-              <a:t> </a:t>
-            </a:r>
-            <a:r>
-              <a:rPr lang="fr-FR" dirty="0" smtClean="0"/>
-              <a:t>Data </a:t>
-            </a:r>
-            <a:r>
-              <a:rPr lang="fr-FR" dirty="0" err="1" smtClean="0"/>
-              <a:t>processing</a:t>
-            </a:r>
-            <a:endParaRPr lang="fr-FR" dirty="0" smtClean="0"/>
-          </a:p>
-          <a:p>
-            <a:pPr>
-              <a:buFont typeface="Wingdings" panose="05000000000000000000" pitchFamily="2" charset="2"/>
-              <a:buChar char="§"/>
-            </a:pPr>
-            <a:r>
-              <a:rPr lang="fr-FR" dirty="0"/>
-              <a:t> </a:t>
-            </a:r>
-            <a:r>
-              <a:rPr lang="fr-FR" dirty="0" err="1" smtClean="0"/>
-              <a:t>Graphical</a:t>
-            </a:r>
-            <a:r>
-              <a:rPr lang="fr-FR" dirty="0" smtClean="0"/>
-              <a:t> User Interface (GUI)</a:t>
-            </a:r>
-          </a:p>
-          <a:p>
-            <a:pPr>
-              <a:buFont typeface="Wingdings" panose="05000000000000000000" pitchFamily="2" charset="2"/>
-              <a:buChar char="§"/>
-            </a:pPr>
-            <a:r>
-              <a:rPr lang="fr-FR" dirty="0"/>
-              <a:t> </a:t>
-            </a:r>
-            <a:r>
-              <a:rPr lang="fr-FR" dirty="0" smtClean="0"/>
-              <a:t>Conclusion</a:t>
-            </a:r>
-          </a:p>
-          <a:p>
-            <a:pPr marL="0" indent="0">
+            <a:endParaRPr lang="fr-FR" dirty="0"/>
+          </a:p>
+          <a:p>
+            <a:pPr marL="0" indent="0" algn="just">
+              <a:lnSpc>
+                <a:spcPct val="150000"/>
+              </a:lnSpc>
               <a:buNone/>
             </a:pPr>
             <a:endParaRPr lang="fr-FR" dirty="0"/>
@@ -20915,139 +21541,7 @@
           <a:p>
             <a:fld id="{629637A9-119A-49DA-BD12-AAC58B377D80}" type="slidenum">
               <a:rPr lang="en-US" smtClean="0"/>
-              <a:t>4</a:t>
-            </a:fld>
-            <a:endParaRPr lang="en-US" dirty="0"/>
-          </a:p>
-        </p:txBody>
-      </p:sp>
-    </p:spTree>
-    <p:extLst>
-      <p:ext uri="{BB962C8B-B14F-4D97-AF65-F5344CB8AC3E}">
-        <p14:creationId xmlns:p14="http://schemas.microsoft.com/office/powerpoint/2010/main" val="1855070440"/>
-      </p:ext>
-    </p:extLst>
-  </p:cSld>
-  <p:clrMapOvr>
-    <a:masterClrMapping/>
-  </p:clrMapOvr>
-</p:sld>
-</file>
-
-<file path=ppt/slides/slide40.xml><?xml version="1.0" encoding="utf-8"?>
-<p:sld xmlns:a="http://schemas.openxmlformats.org/drawingml/2006/main" xmlns:r="http://schemas.openxmlformats.org/officeDocument/2006/relationships" xmlns:p="http://schemas.openxmlformats.org/presentationml/2006/main">
-  <p:cSld>
-    <p:spTree>
-      <p:nvGrpSpPr>
-        <p:cNvPr id="1" name=""/>
-        <p:cNvGrpSpPr/>
-        <p:nvPr/>
-      </p:nvGrpSpPr>
-      <p:grpSpPr>
-        <a:xfrm>
-          <a:off x="0" y="0"/>
-          <a:ext cx="0" cy="0"/>
-          <a:chOff x="0" y="0"/>
-          <a:chExt cx="0" cy="0"/>
-        </a:xfrm>
-      </p:grpSpPr>
-      <p:sp>
-        <p:nvSpPr>
-          <p:cNvPr id="2" name="Titre 1"/>
-          <p:cNvSpPr>
-            <a:spLocks noGrp="1"/>
-          </p:cNvSpPr>
-          <p:nvPr>
-            <p:ph type="title"/>
-          </p:nvPr>
-        </p:nvSpPr>
-        <p:spPr/>
-        <p:txBody>
-          <a:bodyPr/>
-          <a:lstStyle/>
-          <a:p>
-            <a:r>
-              <a:rPr lang="fr-FR" dirty="0" smtClean="0"/>
-              <a:t>Gestion des risques</a:t>
-            </a:r>
-            <a:endParaRPr lang="fr-FR" dirty="0"/>
-          </a:p>
-        </p:txBody>
-      </p:sp>
-      <p:sp>
-        <p:nvSpPr>
-          <p:cNvPr id="3" name="Espace réservé du contenu 2"/>
-          <p:cNvSpPr>
-            <a:spLocks noGrp="1"/>
-          </p:cNvSpPr>
-          <p:nvPr>
-            <p:ph idx="1"/>
-          </p:nvPr>
-        </p:nvSpPr>
-        <p:spPr/>
-        <p:txBody>
-          <a:bodyPr/>
-          <a:lstStyle/>
-          <a:p>
-            <a:pPr algn="just">
-              <a:lnSpc>
-                <a:spcPct val="150000"/>
-              </a:lnSpc>
-            </a:pPr>
-            <a:endParaRPr lang="fr-FR" dirty="0"/>
-          </a:p>
-          <a:p>
-            <a:pPr marL="0" indent="0" algn="just">
-              <a:lnSpc>
-                <a:spcPct val="150000"/>
-              </a:lnSpc>
-              <a:buNone/>
-            </a:pPr>
-            <a:endParaRPr lang="fr-FR" dirty="0"/>
-          </a:p>
-        </p:txBody>
-      </p:sp>
-      <p:sp>
-        <p:nvSpPr>
-          <p:cNvPr id="4" name="Espace réservé de la date 3"/>
-          <p:cNvSpPr>
-            <a:spLocks noGrp="1"/>
-          </p:cNvSpPr>
-          <p:nvPr>
-            <p:ph type="dt" sz="half" idx="10"/>
-          </p:nvPr>
-        </p:nvSpPr>
-        <p:spPr/>
-        <p:txBody>
-          <a:bodyPr/>
-          <a:lstStyle/>
-          <a:p>
-            <a:r>
-              <a:rPr lang="fr-FR" smtClean="0"/>
-              <a:t>Anthony Delannoy, Jérôme Combanière, Benoit Madiot</a:t>
-            </a:r>
-            <a:endParaRPr lang="en-US" dirty="0"/>
-          </a:p>
-        </p:txBody>
-      </p:sp>
-      <p:sp>
-        <p:nvSpPr>
-          <p:cNvPr id="5" name="Espace réservé du numéro de diapositive 4"/>
-          <p:cNvSpPr>
-            <a:spLocks noGrp="1"/>
-          </p:cNvSpPr>
-          <p:nvPr>
-            <p:ph type="sldNum" sz="quarter" idx="12"/>
-          </p:nvPr>
-        </p:nvSpPr>
-        <p:spPr/>
-        <p:txBody>
-          <a:bodyPr/>
-          <a:lstStyle/>
-          <a:p>
-            <a:fld id="{629637A9-119A-49DA-BD12-AAC58B377D80}" type="slidenum">
-              <a:rPr lang="en-US" smtClean="0"/>
-              <a:t>40</a:t>
+              <a:t>42</a:t>
             </a:fld>
             <a:endParaRPr lang="en-US" dirty="0"/>
           </a:p>
@@ -23701,7 +24195,7 @@
 </p:sld>
 </file>
 
-<file path=ppt/slides/slide41.xml><?xml version="1.0" encoding="utf-8"?>
+<file path=ppt/slides/slide43.xml><?xml version="1.0" encoding="utf-8"?>
 <p:sld xmlns:a="http://schemas.openxmlformats.org/drawingml/2006/main" xmlns:r="http://schemas.openxmlformats.org/officeDocument/2006/relationships" xmlns:p="http://schemas.openxmlformats.org/presentationml/2006/main">
   <p:cSld>
     <p:spTree>
@@ -23855,7 +24349,7 @@
           <a:p>
             <a:fld id="{629637A9-119A-49DA-BD12-AAC58B377D80}" type="slidenum">
               <a:rPr lang="en-US" smtClean="0"/>
-              <a:t>41</a:t>
+              <a:t>43</a:t>
             </a:fld>
             <a:endParaRPr lang="en-US" dirty="0"/>
           </a:p>
